--- a/S3 - CSD201/Presentation/7-Hashing.pptx
+++ b/S3 - CSD201/Presentation/7-Hashing.pptx
@@ -260,6 +260,2859 @@
 </p:presentation>
 </file>
 
+<file path=ppt/ink/ink1.xml><?xml version="1.0" encoding="utf-8"?>
+<inkml:ink xmlns:inkml="http://www.w3.org/2003/InkML">
+  <inkml:definitions>
+    <inkml:context xml:id="ctx0">
+      <inkml:inkSource xml:id="inkSrc0">
+        <inkml:traceFormat>
+          <inkml:channel name="X" type="integer" min="-2.14748E9" max="2.14748E9" units="cm"/>
+          <inkml:channel name="Y" type="integer" min="-2.14748E9" max="2.14748E9" units="cm"/>
+          <inkml:channel name="F" type="integer" max="32767" units="dev"/>
+          <inkml:channel name="OA" type="integer" max="360" units="deg"/>
+          <inkml:channel name="OE" type="integer" max="90" units="deg"/>
+        </inkml:traceFormat>
+        <inkml:channelProperties>
+          <inkml:channelProperty channel="X" name="resolution" value="1000" units="1/cm"/>
+          <inkml:channelProperty channel="Y" name="resolution" value="1000" units="1/cm"/>
+          <inkml:channelProperty channel="F" name="resolution" value="0" units="1/dev"/>
+          <inkml:channelProperty channel="OA" name="resolution" value="1000" units="1/deg"/>
+          <inkml:channelProperty channel="OE" name="resolution" value="1000" units="1/deg"/>
+        </inkml:channelProperties>
+      </inkml:inkSource>
+      <inkml:timestamp xml:id="ts0" timeString="2025-11-13T04:08:06.201"/>
+    </inkml:context>
+    <inkml:brush xml:id="br0">
+      <inkml:brushProperty name="width" value="0.035" units="cm"/>
+      <inkml:brushProperty name="height" value="0.035" units="cm"/>
+      <inkml:brushProperty name="color" value="#E71224"/>
+    </inkml:brush>
+  </inkml:definitions>
+  <inkml:trace contextRef="#ctx0" brushRef="#br0">0 149 3024 0 0,'26'11'2653'0'0,"10"-5"-965"0"0,10-2-704 0 0,1-4-616 0 0,-22 0-4 0 0,-2-2-48 0 0,22 2-604 0 0,-7-2-1724 0 0,-15-4-1537 0 0</inkml:trace>
+  <inkml:trace contextRef="#ctx0" brushRef="#br0" timeOffset="1">246 0 3528 0 0,'-11'10'1492'0'0,"1"1"-379"0"0,1 1-149 0 0,1-1-272 0 0,-1 2-124 0 0,1 1-128 0 0,4-1-60 0 0,-3 2-156 0 0,5 1-284 0 0,-2-3-556 0 0,-3 12-3745 0 0</inkml:trace>
+</inkml:ink>
+</file>
+
+<file path=ppt/ink/ink10.xml><?xml version="1.0" encoding="utf-8"?>
+<inkml:ink xmlns:inkml="http://www.w3.org/2003/InkML">
+  <inkml:definitions>
+    <inkml:context xml:id="ctx0">
+      <inkml:inkSource xml:id="inkSrc0">
+        <inkml:traceFormat>
+          <inkml:channel name="X" type="integer" min="-2.14748E9" max="2.14748E9" units="cm"/>
+          <inkml:channel name="Y" type="integer" min="-2.14748E9" max="2.14748E9" units="cm"/>
+          <inkml:channel name="F" type="integer" max="32767" units="dev"/>
+          <inkml:channel name="OA" type="integer" max="360" units="deg"/>
+          <inkml:channel name="OE" type="integer" max="90" units="deg"/>
+        </inkml:traceFormat>
+        <inkml:channelProperties>
+          <inkml:channelProperty channel="X" name="resolution" value="1000" units="1/cm"/>
+          <inkml:channelProperty channel="Y" name="resolution" value="1000" units="1/cm"/>
+          <inkml:channelProperty channel="F" name="resolution" value="0" units="1/dev"/>
+          <inkml:channelProperty channel="OA" name="resolution" value="1000" units="1/deg"/>
+          <inkml:channelProperty channel="OE" name="resolution" value="1000" units="1/deg"/>
+        </inkml:channelProperties>
+      </inkml:inkSource>
+      <inkml:timestamp xml:id="ts0" timeString="2025-11-13T04:08:10.826"/>
+    </inkml:context>
+    <inkml:brush xml:id="br0">
+      <inkml:brushProperty name="width" value="0.035" units="cm"/>
+      <inkml:brushProperty name="height" value="0.035" units="cm"/>
+      <inkml:brushProperty name="color" value="#E71224"/>
+    </inkml:brush>
+  </inkml:definitions>
+  <inkml:trace contextRef="#ctx0" brushRef="#br0">287 16 3004 0 0,'0'-1'162'0'0,"1"1"0"0"0,-1-1-1 0 0,0 1 1 0 0,0-1 0 0 0,0 1-1 0 0,1-1 1 0 0,-1 1 0 0 0,0-1-1 0 0,0 1 1 0 0,0-1 0 0 0,0 1-1 0 0,0-1 1 0 0,0 1 0 0 0,0-1-1 0 0,0 1 1 0 0,0-1 0 0 0,0 1-1 0 0,0-1 1 0 0,0 1 0 0 0,-1-1-1 0 0,1 1 1 0 0,0-1 0 0 0,0 1-1 0 0,0-1 1 0 0,-1 1 0 0 0,1-1-1 0 0,0 1 1 0 0,-1-1 0 0 0,1 1-1 0 0,-1-1 1 0 0,-5 2 55 0 0,0-1 0 0 0,0 1 0 0 0,0 1 0 0 0,0-1 0 0 0,0 1 0 0 0,0 0-1 0 0,0 1 1 0 0,1-1 0 0 0,-1 1 0 0 0,1 0 0 0 0,0 1 0 0 0,0-1 0 0 0,0 1 0 0 0,0 0 0 0 0,1 0 0 0 0,-1 0 0 0 0,1 1-1 0 0,0 0 1 0 0,-4 6 0 0 0,-13 17 207 0 0,1 0 0 0 0,-16 34 0 0 0,35-60-400 0 0,-15 25 184 0 0,2 1 0 0 0,2 1 0 0 0,0 0 1 0 0,2 1-1 0 0,1 0 0 0 0,2 0 0 0 0,1 1 0 0 0,1 0 0 0 0,1 0 1 0 0,2 35-1 0 0,2-50-194 0 0,1 0 0 0 0,1-1 1 0 0,1 1-1 0 0,0-1 0 0 0,1 0 0 0 0,1 0 1 0 0,0 0-1 0 0,1-1 0 0 0,12 21 0 0 0,-11-24-130 0 0,0 0-1 0 0,1-1 1 0 0,0 0-1 0 0,1 0 0 0 0,0-1 1 0 0,1 0-1 0 0,0-1 0 0 0,0 0 1 0 0,1-1-1 0 0,0 0 0 0 0,0 0 1 0 0,21 8-1 0 0,-15-9-1484 0 0,0-1-1 0 0,0 0 1 0 0,0-1-1 0 0,28 3 1 0 0,-7-3-1530 0 0</inkml:trace>
+</inkml:ink>
+</file>
+
+<file path=ppt/ink/ink11.xml><?xml version="1.0" encoding="utf-8"?>
+<inkml:ink xmlns:inkml="http://www.w3.org/2003/InkML">
+  <inkml:definitions>
+    <inkml:context xml:id="ctx0">
+      <inkml:inkSource xml:id="inkSrc0">
+        <inkml:traceFormat>
+          <inkml:channel name="X" type="integer" min="-2.14748E9" max="2.14748E9" units="cm"/>
+          <inkml:channel name="Y" type="integer" min="-2.14748E9" max="2.14748E9" units="cm"/>
+          <inkml:channel name="F" type="integer" max="32767" units="dev"/>
+          <inkml:channel name="OA" type="integer" max="360" units="deg"/>
+          <inkml:channel name="OE" type="integer" max="90" units="deg"/>
+        </inkml:traceFormat>
+        <inkml:channelProperties>
+          <inkml:channelProperty channel="X" name="resolution" value="1000" units="1/cm"/>
+          <inkml:channelProperty channel="Y" name="resolution" value="1000" units="1/cm"/>
+          <inkml:channelProperty channel="F" name="resolution" value="0" units="1/dev"/>
+          <inkml:channelProperty channel="OA" name="resolution" value="1000" units="1/deg"/>
+          <inkml:channelProperty channel="OE" name="resolution" value="1000" units="1/deg"/>
+        </inkml:channelProperties>
+      </inkml:inkSource>
+      <inkml:timestamp xml:id="ts0" timeString="2025-11-13T04:08:08.400"/>
+    </inkml:context>
+    <inkml:brush xml:id="br0">
+      <inkml:brushProperty name="width" value="0.035" units="cm"/>
+      <inkml:brushProperty name="height" value="0.035" units="cm"/>
+      <inkml:brushProperty name="color" value="#E71224"/>
+    </inkml:brush>
+  </inkml:definitions>
+  <inkml:trace contextRef="#ctx0" brushRef="#br0">2 85 3108 0 0,'-1'-2'204'0'0,"1"1"-1"0"0,0-1 0 0 0,-1 1 1 0 0,1-1-1 0 0,0 1 1 0 0,0-1-1 0 0,0 0 0 0 0,0 1 1 0 0,1-1-1 0 0,-1 1 1 0 0,0-1-1 0 0,1 1 0 0 0,-1-1 1 0 0,1 1-1 0 0,0-1 1 0 0,-1 1-1 0 0,1-1 0 0 0,0 1 1 0 0,0 0-1 0 0,0-1 1 0 0,0 1-1 0 0,2-2 0 0 0,1-1 74 0 0,-1 1-1 0 0,2 0 1 0 0,-1 0 0 0 0,0 0-1 0 0,0 1 1 0 0,1-1-1 0 0,6-2 1 0 0,3 0 52 0 0,1 1 0 0 0,-1 0 1 0 0,1 1-1 0 0,19-2 0 0 0,-28 4-238 0 0,1 1 1 0 0,-1 0-1 0 0,1 0 1 0 0,-1 0-1 0 0,1 1 0 0 0,-1 0 1 0 0,1 0-1 0 0,-1 1 1 0 0,0 0-1 0 0,0 0 0 0 0,0 0 1 0 0,0 1-1 0 0,0 0 0 0 0,0 0 1 0 0,-1 1-1 0 0,1-1 1 0 0,-1 1-1 0 0,0 0 0 0 0,0 1 1 0 0,0-1-1 0 0,-1 1 0 0 0,0 0 1 0 0,0 0-1 0 0,6 10 1 0 0,-4-5 30 0 0,-1 1 0 0 0,-1 0 1 0 0,0 0-1 0 0,0 0 1 0 0,-1 0-1 0 0,0 1 0 0 0,-1-1 1 0 0,0 1-1 0 0,-1 0 1 0 0,-1 0-1 0 0,0-1 0 0 0,-2 24 1 0 0,-59 276 768 0 0,57-296-1321 0 0,0 0 1 0 0,-1 0 0 0 0,-1 0 0 0 0,0 0 0 0 0,-11 17-1 0 0,12-25-713 0 0,0 0 0 0 0,-1 0 0 0 0,1 0 0 0 0,-1-1 0 0 0,-1 0 0 0 0,-12 10 0 0 0,-3 0-1264 0 0</inkml:trace>
+</inkml:ink>
+</file>
+
+<file path=ppt/ink/ink12.xml><?xml version="1.0" encoding="utf-8"?>
+<inkml:ink xmlns:inkml="http://www.w3.org/2003/InkML">
+  <inkml:definitions>
+    <inkml:context xml:id="ctx0">
+      <inkml:inkSource xml:id="inkSrc0">
+        <inkml:traceFormat>
+          <inkml:channel name="X" type="integer" min="-2.14748E9" max="2.14748E9" units="cm"/>
+          <inkml:channel name="Y" type="integer" min="-2.14748E9" max="2.14748E9" units="cm"/>
+          <inkml:channel name="F" type="integer" max="32767" units="dev"/>
+          <inkml:channel name="OA" type="integer" max="360" units="deg"/>
+          <inkml:channel name="OE" type="integer" max="90" units="deg"/>
+        </inkml:traceFormat>
+        <inkml:channelProperties>
+          <inkml:channelProperty channel="X" name="resolution" value="1000" units="1/cm"/>
+          <inkml:channelProperty channel="Y" name="resolution" value="1000" units="1/cm"/>
+          <inkml:channelProperty channel="F" name="resolution" value="0" units="1/dev"/>
+          <inkml:channelProperty channel="OA" name="resolution" value="1000" units="1/deg"/>
+          <inkml:channelProperty channel="OE" name="resolution" value="1000" units="1/deg"/>
+        </inkml:channelProperties>
+      </inkml:inkSource>
+      <inkml:timestamp xml:id="ts0" timeString="2025-11-13T04:08:08.760"/>
+    </inkml:context>
+    <inkml:brush xml:id="br0">
+      <inkml:brushProperty name="width" value="0.035" units="cm"/>
+      <inkml:brushProperty name="height" value="0.035" units="cm"/>
+      <inkml:brushProperty name="color" value="#E71224"/>
+    </inkml:brush>
+  </inkml:definitions>
+  <inkml:trace contextRef="#ctx0" brushRef="#br0">1 197 3836 0 0,'8'-15'1789'0'0,"3"1"-273"0"0,1 1-324 0 0,3 2-144 0 0,-2-1-124 0 0,2 1-48 0 0,2 1-312 0 0,-1 1-144 0 0,4 1-60 0 0,-1-1-144 0 0,4 1 124 0 0,-2-2-380 0 0,7-1-304 0 0,-1 3-392 0 0,1-1-588 0 0,1-3-1804 0 0,-1-1 919 0 0,-1 0 337 0 0</inkml:trace>
+</inkml:ink>
+</file>
+
+<file path=ppt/ink/ink13.xml><?xml version="1.0" encoding="utf-8"?>
+<inkml:ink xmlns:inkml="http://www.w3.org/2003/InkML">
+  <inkml:definitions>
+    <inkml:context xml:id="ctx0">
+      <inkml:inkSource xml:id="inkSrc0">
+        <inkml:traceFormat>
+          <inkml:channel name="X" type="integer" min="-2.14748E9" max="2.14748E9" units="cm"/>
+          <inkml:channel name="Y" type="integer" min="-2.14748E9" max="2.14748E9" units="cm"/>
+          <inkml:channel name="F" type="integer" max="32767" units="dev"/>
+          <inkml:channel name="OA" type="integer" max="360" units="deg"/>
+          <inkml:channel name="OE" type="integer" max="90" units="deg"/>
+        </inkml:traceFormat>
+        <inkml:channelProperties>
+          <inkml:channelProperty channel="X" name="resolution" value="1000" units="1/cm"/>
+          <inkml:channelProperty channel="Y" name="resolution" value="1000" units="1/cm"/>
+          <inkml:channelProperty channel="F" name="resolution" value="0" units="1/dev"/>
+          <inkml:channelProperty channel="OA" name="resolution" value="1000" units="1/deg"/>
+          <inkml:channelProperty channel="OE" name="resolution" value="1000" units="1/deg"/>
+        </inkml:channelProperties>
+      </inkml:inkSource>
+      <inkml:timestamp xml:id="ts0" timeString="2025-11-13T04:08:09.101"/>
+    </inkml:context>
+    <inkml:brush xml:id="br0">
+      <inkml:brushProperty name="width" value="0.035" units="cm"/>
+      <inkml:brushProperty name="height" value="0.035" units="cm"/>
+      <inkml:brushProperty name="color" value="#E71224"/>
+    </inkml:brush>
+  </inkml:definitions>
+  <inkml:trace contextRef="#ctx0" brushRef="#br0">199 127 4652 0 0,'-4'1'1592'0'0,"-24"17"1871"0"0,27-18-3364 0 0,1 0 0 0 0,-1 1 0 0 0,1-1 1 0 0,-1 1-1 0 0,1 0 0 0 0,0-1 0 0 0,-1 1 0 0 0,1-1 0 0 0,-1 1 0 0 0,1 0 0 0 0,0-1 1 0 0,0 1-1 0 0,0 0 0 0 0,-1-1 0 0 0,1 1 0 0 0,0 0 0 0 0,0-1 0 0 0,0 1 1 0 0,0 0-1 0 0,0-1 0 0 0,0 1 0 0 0,0 1 0 0 0,1-1-44 0 0,0 0-1 0 0,-1 0 1 0 0,1 0-1 0 0,0 0 1 0 0,0 0 0 0 0,0 0-1 0 0,0 0 1 0 0,0 0-1 0 0,0 0 1 0 0,0-1-1 0 0,0 1 1 0 0,0 0-1 0 0,0-1 1 0 0,0 1 0 0 0,0-1-1 0 0,0 1 1 0 0,1-1-1 0 0,1 1 1 0 0,3 0 21 0 0,1 0 1 0 0,0 0 0 0 0,0-1-1 0 0,-1 1 1 0 0,1-2 0 0 0,0 1-1 0 0,0-1 1 0 0,0 0-1 0 0,-1 0 1 0 0,1-1 0 0 0,-1 0-1 0 0,1 0 1 0 0,-1 0 0 0 0,0-1-1 0 0,1 0 1 0 0,5-4-1 0 0,-6 4-25 0 0,0-1-1 0 0,0 1 0 0 0,0-1 0 0 0,-1 0 1 0 0,1-1-1 0 0,-1 0 0 0 0,0 1 0 0 0,0-1 1 0 0,-1-1-1 0 0,1 1 0 0 0,-1-1 0 0 0,-1 0 1 0 0,1 0-1 0 0,-1 0 0 0 0,0 0 0 0 0,3-9 1 0 0,-5 13-32 0 0,0 0 1 0 0,-1 0 0 0 0,1 1-1 0 0,-1-1 1 0 0,0 0-1 0 0,1 0 1 0 0,-1 0 0 0 0,0 0-1 0 0,0 0 1 0 0,0 0 0 0 0,0 0-1 0 0,-1 1 1 0 0,1-1-1 0 0,0 0 1 0 0,-1 0 0 0 0,0 0-1 0 0,1 0 1 0 0,-1 1-1 0 0,0-1 1 0 0,0 0 0 0 0,0 1-1 0 0,0-1 1 0 0,0 0 0 0 0,0 1-1 0 0,0 0 1 0 0,-1-1-1 0 0,1 1 1 0 0,0 0 0 0 0,-1-1-1 0 0,1 1 1 0 0,-1 0-1 0 0,1 0 1 0 0,-1 0 0 0 0,0 0-1 0 0,0 1 1 0 0,1-1 0 0 0,-1 0-1 0 0,0 1 1 0 0,0-1-1 0 0,0 1 1 0 0,0-1 0 0 0,-2 1-1 0 0,-5-1-16 0 0,-1 1 0 0 0,1 0 0 0 0,0 1-1 0 0,0 0 1 0 0,0 1 0 0 0,1-1 0 0 0,-1 2 0 0 0,-9 2-1 0 0,-6 4-78 0 0,0 2-1 0 0,1 0 0 0 0,0 1 0 0 0,-26 19 0 0 0,38-24-227 0 0,1 1 1 0 0,0 0-1 0 0,0 1 1 0 0,1 0 0 0 0,0 0-1 0 0,0 1 1 0 0,1 0-1 0 0,1 1 1 0 0,0 0 0 0 0,-8 15-1 0 0,14-25 95 0 0,0 1-1 0 0,1-1 1 0 0,-1 1 0 0 0,1-1-1 0 0,-1 1 1 0 0,1-1 0 0 0,-1 1-1 0 0,1-1 1 0 0,0 1 0 0 0,0 0-1 0 0,0-1 1 0 0,0 1 0 0 0,0 0-1 0 0,0-1 1 0 0,0 1-1 0 0,1-1 1 0 0,-1 1 0 0 0,1-1-1 0 0,-1 1 1 0 0,1 0 0 0 0,-1-1-1 0 0,1 0 1 0 0,0 1 0 0 0,0-1-1 0 0,-1 1 1 0 0,1-1 0 0 0,0 0-1 0 0,1 0 1 0 0,-1 1 0 0 0,0-1-1 0 0,0 0 1 0 0,0 0 0 0 0,1 0-1 0 0,0 1 1 0 0,0-1-1363 0 0</inkml:trace>
+</inkml:ink>
+</file>
+
+<file path=ppt/ink/ink14.xml><?xml version="1.0" encoding="utf-8"?>
+<inkml:ink xmlns:inkml="http://www.w3.org/2003/InkML">
+  <inkml:definitions>
+    <inkml:context xml:id="ctx0">
+      <inkml:inkSource xml:id="inkSrc0">
+        <inkml:traceFormat>
+          <inkml:channel name="X" type="integer" min="-2.14748E9" max="2.14748E9" units="cm"/>
+          <inkml:channel name="Y" type="integer" min="-2.14748E9" max="2.14748E9" units="cm"/>
+          <inkml:channel name="F" type="integer" max="32767" units="dev"/>
+          <inkml:channel name="OA" type="integer" max="360" units="deg"/>
+          <inkml:channel name="OE" type="integer" max="90" units="deg"/>
+        </inkml:traceFormat>
+        <inkml:channelProperties>
+          <inkml:channelProperty channel="X" name="resolution" value="1000" units="1/cm"/>
+          <inkml:channelProperty channel="Y" name="resolution" value="1000" units="1/cm"/>
+          <inkml:channelProperty channel="F" name="resolution" value="0" units="1/dev"/>
+          <inkml:channelProperty channel="OA" name="resolution" value="1000" units="1/deg"/>
+          <inkml:channelProperty channel="OE" name="resolution" value="1000" units="1/deg"/>
+        </inkml:channelProperties>
+      </inkml:inkSource>
+      <inkml:timestamp xml:id="ts0" timeString="2025-11-13T04:08:09.431"/>
+    </inkml:context>
+    <inkml:brush xml:id="br0">
+      <inkml:brushProperty name="width" value="0.035" units="cm"/>
+      <inkml:brushProperty name="height" value="0.035" units="cm"/>
+      <inkml:brushProperty name="color" value="#E71224"/>
+    </inkml:brush>
+  </inkml:definitions>
+  <inkml:trace contextRef="#ctx0" brushRef="#br0">204 4 4344 0 0,'0'0'1309'0'0,"17"-3"1688"0"0,-10 14-2316 0 0,0 0 1 0 0,-1 1-1 0 0,0-1 0 0 0,0 2 0 0 0,-2-1 1 0 0,7 22-1 0 0,1 4 110 0 0,-7-25-638 0 0,-1 0 1 0 0,-1 0-1 0 0,0 0 0 0 0,-1 1 0 0 0,-1-1 1 0 0,0 0-1 0 0,0 1 0 0 0,-2-1 1 0 0,1 1-1 0 0,-2-1 0 0 0,0 1 0 0 0,0-1 1 0 0,-1 0-1 0 0,-1 0 0 0 0,0 0 1 0 0,-1-1-1 0 0,0 1 0 0 0,-1-1 1 0 0,-1 0-1 0 0,0-1 0 0 0,-10 13 0 0 0,10-14-388 0 0,-2 0 0 0 0,1-1-1 0 0,-1 0 1 0 0,-1-1-1 0 0,0 0 1 0 0,0-1-1 0 0,0 0 1 0 0,-1 0-1 0 0,0-1 1 0 0,0-1-1 0 0,-1 0 1 0 0,1 0 0 0 0,-1-1-1 0 0,-19 4 1 0 0,28-8-343 0 0,-1 1 0 0 0,0-1 0 0 0,0 0 0 0 0,0 0 0 0 0,0-1 0 0 0,0 1 0 0 0,0-1 0 0 0,0 0 0 0 0,-6-2 0 0 0,-4-1-1655 0 0,11 4-377 0 0</inkml:trace>
+  <inkml:trace contextRef="#ctx0" brushRef="#br0" timeOffset="1">742 296 4004 0 0,'121'-18'7003'0'0,"3"8"-3752"0"0,-12 0-3705 0 0,-3-5-3434 0 0,-88 10-241 0 0,-15 3 3464 0 0,-2 1-1029 0 0</inkml:trace>
+</inkml:ink>
+</file>
+
+<file path=ppt/ink/ink15.xml><?xml version="1.0" encoding="utf-8"?>
+<inkml:ink xmlns:inkml="http://www.w3.org/2003/InkML">
+  <inkml:definitions>
+    <inkml:context xml:id="ctx0">
+      <inkml:inkSource xml:id="inkSrc0">
+        <inkml:traceFormat>
+          <inkml:channel name="X" type="integer" min="-2.14748E9" max="2.14748E9" units="cm"/>
+          <inkml:channel name="Y" type="integer" min="-2.14748E9" max="2.14748E9" units="cm"/>
+          <inkml:channel name="F" type="integer" max="32767" units="dev"/>
+          <inkml:channel name="OA" type="integer" max="360" units="deg"/>
+          <inkml:channel name="OE" type="integer" max="90" units="deg"/>
+        </inkml:traceFormat>
+        <inkml:channelProperties>
+          <inkml:channelProperty channel="X" name="resolution" value="1000" units="1/cm"/>
+          <inkml:channelProperty channel="Y" name="resolution" value="1000" units="1/cm"/>
+          <inkml:channelProperty channel="F" name="resolution" value="0" units="1/dev"/>
+          <inkml:channelProperty channel="OA" name="resolution" value="1000" units="1/deg"/>
+          <inkml:channelProperty channel="OE" name="resolution" value="1000" units="1/deg"/>
+        </inkml:channelProperties>
+      </inkml:inkSource>
+      <inkml:timestamp xml:id="ts0" timeString="2025-11-13T04:08:09.774"/>
+    </inkml:context>
+    <inkml:brush xml:id="br0">
+      <inkml:brushProperty name="width" value="0.035" units="cm"/>
+      <inkml:brushProperty name="height" value="0.035" units="cm"/>
+      <inkml:brushProperty name="color" value="#E71224"/>
+    </inkml:brush>
+  </inkml:definitions>
+  <inkml:trace contextRef="#ctx0" brushRef="#br0">58 1 4248 0 0,'-15'19'1481'0'0,"5"0"-317"0"0,-1 2-324 0 0,5 0-164 0 0,-1 0-152 0 0,5 0-164 0 0,-2-2-344 0 0,2 0-600 0 0,2-6-1944 0 0,2 2 695 0 0</inkml:trace>
+</inkml:ink>
+</file>
+
+<file path=ppt/ink/ink16.xml><?xml version="1.0" encoding="utf-8"?>
+<inkml:ink xmlns:inkml="http://www.w3.org/2003/InkML">
+  <inkml:definitions>
+    <inkml:context xml:id="ctx0">
+      <inkml:inkSource xml:id="inkSrc0">
+        <inkml:traceFormat>
+          <inkml:channel name="X" type="integer" min="-2.14748E9" max="2.14748E9" units="cm"/>
+          <inkml:channel name="Y" type="integer" min="-2.14748E9" max="2.14748E9" units="cm"/>
+          <inkml:channel name="F" type="integer" max="32767" units="dev"/>
+          <inkml:channel name="OA" type="integer" max="360" units="deg"/>
+          <inkml:channel name="OE" type="integer" max="90" units="deg"/>
+        </inkml:traceFormat>
+        <inkml:channelProperties>
+          <inkml:channelProperty channel="X" name="resolution" value="1000" units="1/cm"/>
+          <inkml:channelProperty channel="Y" name="resolution" value="1000" units="1/cm"/>
+          <inkml:channelProperty channel="F" name="resolution" value="0" units="1/dev"/>
+          <inkml:channelProperty channel="OA" name="resolution" value="1000" units="1/deg"/>
+          <inkml:channelProperty channel="OE" name="resolution" value="1000" units="1/deg"/>
+        </inkml:channelProperties>
+      </inkml:inkSource>
+      <inkml:timestamp xml:id="ts0" timeString="2025-11-13T04:08:10.107"/>
+    </inkml:context>
+    <inkml:brush xml:id="br0">
+      <inkml:brushProperty name="width" value="0.035" units="cm"/>
+      <inkml:brushProperty name="height" value="0.035" units="cm"/>
+      <inkml:brushProperty name="color" value="#E71224"/>
+    </inkml:brush>
+  </inkml:definitions>
+  <inkml:trace contextRef="#ctx0" brushRef="#br0">277 42 2448 0 0,'-2'-2'212'0'0,"1"-1"-1"0"0,-1 0 1 0 0,0 1 0 0 0,0-1-1 0 0,0 0 1 0 0,0 1-1 0 0,0 0 1 0 0,0 0-1 0 0,0 0 1 0 0,-1 0 0 0 0,1 0-1 0 0,-1 0 1 0 0,0 0-1 0 0,1 1 1 0 0,-1-1 0 0 0,0 1-1 0 0,0 0 1 0 0,0 0-1 0 0,0 0 1 0 0,0 0-1 0 0,0 1 1 0 0,0-1 0 0 0,-1 1-1 0 0,1 0 1 0 0,0 0-1 0 0,0 0 1 0 0,0 0-1 0 0,0 0 1 0 0,0 1 0 0 0,0-1-1 0 0,-1 1 1 0 0,1 0-1 0 0,0 0 1 0 0,0 0 0 0 0,1 0-1 0 0,-1 1 1 0 0,0-1-1 0 0,-3 3 1 0 0,-1 0-10 0 0,0 1 1 0 0,0 0-1 0 0,0 0 0 0 0,1 0 1 0 0,0 1-1 0 0,0 0 1 0 0,1 0-1 0 0,-1 1 0 0 0,1-1 1 0 0,1 1-1 0 0,-1 0 0 0 0,1 0 1 0 0,-6 15-1 0 0,7-11-94 0 0,0 1-1 0 0,1 0 0 0 0,0-1 0 0 0,1 1 1 0 0,1 0-1 0 0,-1 0 0 0 0,2 0 0 0 0,0 0 1 0 0,0 0-1 0 0,1 0 0 0 0,0 0 0 0 0,1-1 1 0 0,7 17-1 0 0,6 9 19 0 0,1 0 0 0 0,37 56 1 0 0,-14-25-38 0 0,-29-38 19 0 0,-11-30-99 0 0,0 1 0 0 0,0 0 0 0 0,0 0 0 0 0,0-1 0 0 0,0 1 0 0 0,0 0 0 0 0,0 0 0 0 0,0-1 0 0 0,0 1 0 0 0,0 0 0 0 0,-1-1 0 0 0,1 1 0 0 0,0 0 0 0 0,0-1 0 0 0,-1 1 0 0 0,1 0 0 0 0,0-1 0 0 0,-1 1 0 0 0,1 0 1 0 0,-1-1-1 0 0,1 1 0 0 0,-1-1 0 0 0,1 1 0 0 0,-1-1 0 0 0,1 1 0 0 0,-1-1 0 0 0,0 1 0 0 0,1-1 0 0 0,-1 0 0 0 0,0 1 0 0 0,1-1 0 0 0,-1 0 0 0 0,0 0 0 0 0,1 1 0 0 0,-1-1 0 0 0,0 0 0 0 0,0 0 0 0 0,1 0 0 0 0,-1 0 0 0 0,0 0 0 0 0,0 0 0 0 0,1 0 0 0 0,-2 0 0 0 0,-14 0 192 0 0,1 0 1 0 0,-1-1-1 0 0,1-1 0 0 0,0-1 0 0 0,0 0 1 0 0,0-1-1 0 0,0 0 0 0 0,0-1 0 0 0,1-1 1 0 0,0 0-1 0 0,-25-15 0 0 0,39 20-193 0 0,-1 1 0 0 0,1-1-1 0 0,-1 0 1 0 0,1 1 0 0 0,-1-1 0 0 0,1 0 0 0 0,-1 0 0 0 0,1 0-1 0 0,0 1 1 0 0,-1-1 0 0 0,1 0 0 0 0,0 0 0 0 0,0 0-1 0 0,0 0 1 0 0,0 1 0 0 0,0-1 0 0 0,0 0 0 0 0,0 0 0 0 0,0 0-1 0 0,0 0 1 0 0,0 0 0 0 0,0 1 0 0 0,0-1 0 0 0,0 0-1 0 0,1 0 1 0 0,-1 0 0 0 0,0 0 0 0 0,1 1 0 0 0,-1-1 0 0 0,1 0-1 0 0,-1 0 1 0 0,1 1 0 0 0,-1-1 0 0 0,1 0 0 0 0,-1 1-1 0 0,1-1 1 0 0,0 1 0 0 0,-1-1 0 0 0,2 0 0 0 0,28-23-175 0 0,-29 23 121 0 0,6-4 7 0 0,69-48-3134 0 0,31-30-5846 0 0,-78 60 6155 0 0</inkml:trace>
+</inkml:ink>
+</file>
+
+<file path=ppt/ink/ink17.xml><?xml version="1.0" encoding="utf-8"?>
+<inkml:ink xmlns:inkml="http://www.w3.org/2003/InkML">
+  <inkml:definitions>
+    <inkml:context xml:id="ctx0">
+      <inkml:inkSource xml:id="inkSrc0">
+        <inkml:traceFormat>
+          <inkml:channel name="X" type="integer" min="-2.14748E9" max="2.14748E9" units="cm"/>
+          <inkml:channel name="Y" type="integer" min="-2.14748E9" max="2.14748E9" units="cm"/>
+          <inkml:channel name="F" type="integer" max="32767" units="dev"/>
+          <inkml:channel name="OA" type="integer" max="360" units="deg"/>
+          <inkml:channel name="OE" type="integer" max="90" units="deg"/>
+        </inkml:traceFormat>
+        <inkml:channelProperties>
+          <inkml:channelProperty channel="X" name="resolution" value="1000" units="1/cm"/>
+          <inkml:channelProperty channel="Y" name="resolution" value="1000" units="1/cm"/>
+          <inkml:channelProperty channel="F" name="resolution" value="0" units="1/dev"/>
+          <inkml:channelProperty channel="OA" name="resolution" value="1000" units="1/deg"/>
+          <inkml:channelProperty channel="OE" name="resolution" value="1000" units="1/deg"/>
+        </inkml:channelProperties>
+      </inkml:inkSource>
+      <inkml:timestamp xml:id="ts0" timeString="2025-11-13T04:08:11.671"/>
+    </inkml:context>
+    <inkml:brush xml:id="br0">
+      <inkml:brushProperty name="width" value="0.035" units="cm"/>
+      <inkml:brushProperty name="height" value="0.035" units="cm"/>
+      <inkml:brushProperty name="color" value="#E71224"/>
+    </inkml:brush>
+  </inkml:definitions>
+  <inkml:trace contextRef="#ctx0" brushRef="#br0">201 2 3736 0 0,'7'-1'479'0'0,"0"1"1"0"0,1-1-1 0 0,-1 1 0 0 0,0 1 0 0 0,0 0 0 0 0,0 0 0 0 0,0 0 0 0 0,0 1 1 0 0,0-1-1 0 0,0 2 0 0 0,0-1 0 0 0,-1 1 0 0 0,9 5 0 0 0,-9-4-272 0 0,-1 0-1 0 0,1 0 0 0 0,-1 0 0 0 0,-1 1 1 0 0,1 0-1 0 0,-1 0 0 0 0,1 0 1 0 0,-2 0-1 0 0,1 1 0 0 0,0 0 0 0 0,-1 0 1 0 0,0 0-1 0 0,-1 0 0 0 0,4 11 1 0 0,-1-1 7 0 0,-2 0 0 0 0,0 0 1 0 0,0 0-1 0 0,-2 1 0 0 0,0-1 1 0 0,-1 1-1 0 0,0-1 0 0 0,-6 32 1 0 0,1-23 6 0 0,-2-1 0 0 0,0 0 0 0 0,-1 0 0 0 0,-2-1 0 0 0,-17 32 0 0 0,8-22-611 0 0,-2-1 0 0 0,-1-1 0 0 0,-1-1 0 0 0,-2-1-1 0 0,-1 0 1 0 0,-2-3 0 0 0,-49 39 0 0 0,17-25-7255 0 0,43-32 5045 0 0</inkml:trace>
+</inkml:ink>
+</file>
+
+<file path=ppt/ink/ink18.xml><?xml version="1.0" encoding="utf-8"?>
+<inkml:ink xmlns:inkml="http://www.w3.org/2003/InkML">
+  <inkml:definitions>
+    <inkml:context xml:id="ctx0">
+      <inkml:inkSource xml:id="inkSrc0">
+        <inkml:traceFormat>
+          <inkml:channel name="X" type="integer" min="-2.14748E9" max="2.14748E9" units="cm"/>
+          <inkml:channel name="Y" type="integer" min="-2.14748E9" max="2.14748E9" units="cm"/>
+          <inkml:channel name="F" type="integer" max="32767" units="dev"/>
+          <inkml:channel name="OA" type="integer" max="360" units="deg"/>
+          <inkml:channel name="OE" type="integer" max="90" units="deg"/>
+        </inkml:traceFormat>
+        <inkml:channelProperties>
+          <inkml:channelProperty channel="X" name="resolution" value="1000" units="1/cm"/>
+          <inkml:channelProperty channel="Y" name="resolution" value="1000" units="1/cm"/>
+          <inkml:channelProperty channel="F" name="resolution" value="0" units="1/dev"/>
+          <inkml:channelProperty channel="OA" name="resolution" value="1000" units="1/deg"/>
+          <inkml:channelProperty channel="OE" name="resolution" value="1000" units="1/deg"/>
+        </inkml:channelProperties>
+      </inkml:inkSource>
+      <inkml:timestamp xml:id="ts0" timeString="2025-11-13T04:08:12.821"/>
+    </inkml:context>
+    <inkml:brush xml:id="br0">
+      <inkml:brushProperty name="width" value="0.035" units="cm"/>
+      <inkml:brushProperty name="height" value="0.035" units="cm"/>
+      <inkml:brushProperty name="color" value="#E71224"/>
+    </inkml:brush>
+  </inkml:definitions>
+  <inkml:trace contextRef="#ctx0" brushRef="#br0">144 20 2452 0 0,'-5'2'1574'0'0,"-32"23"1524"0"0,34-23-2826 0 0,1-1 1 0 0,0 1-1 0 0,0 0 1 0 0,0 0 0 0 0,0 0-1 0 0,0 0 1 0 0,0 0-1 0 0,1 1 1 0 0,-1-1 0 0 0,1 0-1 0 0,-1 1 1 0 0,1-1-1 0 0,0 1 1 0 0,0-1-1 0 0,-1 6 1 0 0,2-8-244 0 0,0 0-1 0 0,0 1 1 0 0,-1-1-1 0 0,1 0 1 0 0,0 1 0 0 0,0-1-1 0 0,0 0 1 0 0,0 1-1 0 0,0-1 1 0 0,0 0 0 0 0,0 1-1 0 0,0-1 1 0 0,0 0-1 0 0,1 1 1 0 0,-1-1 0 0 0,0 0-1 0 0,0 0 1 0 0,0 1-1 0 0,0-1 1 0 0,0 0-1 0 0,0 1 1 0 0,1-1 0 0 0,-1 0-1 0 0,0 1 1 0 0,0-1-1 0 0,0 0 1 0 0,1 0 0 0 0,-1 0-1 0 0,0 1 1 0 0,1-1-1 0 0,-1 0 1 0 0,0 0 0 0 0,0 0-1 0 0,1 1 1 0 0,-1-1-1 0 0,0 0 1 0 0,1 0 0 0 0,-1 0-1 0 0,0 0 1 0 0,1 0-1 0 0,-1 0 1 0 0,0 0-1 0 0,1 0 1 0 0,-1 0 0 0 0,0 0-1 0 0,1 0 1 0 0,17-11 430 0 0,10-18-300 0 0,-5-11 105 0 0,-22 37-228 0 0,0 3-34 0 0,-1-1 0 0 0,0 1-1 0 0,0-1 1 0 0,1 1 0 0 0,-1-1 0 0 0,0 1-1 0 0,0-1 1 0 0,1 1 0 0 0,-1-1 0 0 0,0 1-1 0 0,0-1 1 0 0,0 0 0 0 0,0 1 0 0 0,0-1-1 0 0,0 1 1 0 0,0-1 0 0 0,0 1-1 0 0,0-1 1 0 0,0 1 0 0 0,0-1 0 0 0,0 0-1 0 0,-1 1 1 0 0,1-1 0 0 0,0 0 0 0 0,-4 4 0 0 0,0-1 0 0 0,0 1 0 0 0,0 0 0 0 0,1 0 0 0 0,-1 0 0 0 0,1 0 0 0 0,0 1 0 0 0,0 0 0 0 0,0-1 0 0 0,1 1 0 0 0,-1 0 0 0 0,1 0 0 0 0,0 0 0 0 0,0 1 0 0 0,0-1 0 0 0,1 1 0 0 0,0-1 0 0 0,-1 1 0 0 0,2-1 0 0 0,-1 1 0 0 0,0-1 0 0 0,1 1 0 0 0,0 0 0 0 0,0-1 0 0 0,0 1 0 0 0,1 0 0 0 0,-1-1 0 0 0,1 1 0 0 0,0-1 0 0 0,1 1 0 0 0,-1-1 0 0 0,1 1 0 0 0,2 4 0 0 0,-2-7-31 0 0,0 0 1 0 0,0-1 0 0 0,-1 1 0 0 0,1-1-1 0 0,0 1 1 0 0,0-1 0 0 0,1 0 0 0 0,-1 0-1 0 0,0 0 1 0 0,0 0 0 0 0,0 0 0 0 0,1 0-1 0 0,-1-1 1 0 0,1 1 0 0 0,-1-1 0 0 0,0 1 0 0 0,1-1-1 0 0,-1 0 1 0 0,1 0 0 0 0,3 0 0 0 0,44-9-510 0 0,-44 8 506 0 0,16-5-21 0 0,1-1 0 0 0,-1-1-1 0 0,-1-1 1 0 0,1-1 0 0 0,-2-1-1 0 0,25-17 1 0 0,-42 26 266 0 0,-3 3-178 0 0,-1-1 0 0 0,1 0 0 0 0,0 1 0 0 0,0-1 0 0 0,0 0 0 0 0,0 1 0 0 0,0-1 0 0 0,0 1 0 0 0,0-1 0 0 0,0 0 0 0 0,0 1 0 0 0,0-1 0 0 0,0 0 0 0 0,0 1 0 0 0,0-1 0 0 0,1 1 0 0 0,-1-1 0 0 0,0 0 0 0 0,0 1 0 0 0,0-1 0 0 0,0 0 0 0 0,1 0 0 0 0,-1 1 0 0 0,0-1 0 0 0,0 0 0 0 0,0 1 0 0 0,1-1 0 0 0,-1 0 0 0 0,0 0 0 0 0,1 1 0 0 0,-1-1 0 0 0,0 0 0 0 0,1 0 0 0 0,-1 0 0 0 0,0 0 0 0 0,1 1 0 0 0,-1-1 0 0 0,0 0 0 0 0,1 0 0 0 0,-1 0 0 0 0,0 0 0 0 0,1 0 0 0 0,-1 0 0 0 0,0 0 0 0 0,1 0 0 0 0,-1 0 0 0 0,1 0 0 0 0,-1 0 0 0 0,0 0 0 0 0,1 0 0 0 0,-1 0 0 0 0,0 0 0 0 0,1-1 0 0 0,-1 1 0 0 0,0 0 0 0 0,1 0 0 0 0,-1 0 0 0 0,0 0 0 0 0,1-1 0 0 0,-1 1 0 0 0,0 0 0 0 0,1 0 0 0 0,-1-1 0 0 0,0 1 0 0 0,0 0 0 0 0,1-1 0 0 0,-6 13 203 0 0,0 0 1 0 0,-1 0-1 0 0,0-1 1 0 0,-1 0 0 0 0,0 0-1 0 0,-1 0 1 0 0,-14 14-1 0 0,3-1 69 0 0,-64 80 575 0 0,-58 79 51 0 0,124-157-893 0 0,1 1-1 0 0,1 1 0 0 0,1 0 1 0 0,2 1-1 0 0,-11 37 0 0 0,22-64-87 0 0,0 0 0 0 0,1 0 0 0 0,-1 1 0 0 0,1-1 0 0 0,-1 0 1 0 0,1 0-1 0 0,0 0 0 0 0,0 0 0 0 0,0 0 0 0 0,0 0 0 0 0,0 0 0 0 0,1 0 0 0 0,-1 0 0 0 0,1 0 0 0 0,-1 1 0 0 0,1-1 0 0 0,0-1 1 0 0,-1 1-1 0 0,1 0 0 0 0,0 0 0 0 0,0 0 0 0 0,1 0 0 0 0,1 2 0 0 0,-1-2-359 0 0,4-4-57 0 0,23-6-396 0 0,1-2 0 0 0,-2-1 0 0 0,43-23 0 0 0,11-5-497 0 0,-79 38 1208 0 0,39 12 121 0 0,-40-10 101 0 0,0 0 0 0 0,0 0 1 0 0,0 0-1 0 0,0 0 1 0 0,1 0-1 0 0,-2 1 1 0 0,1-1-1 0 0,0 1 0 0 0,0 0 1 0 0,0-1-1 0 0,-1 1 1 0 0,1 0-1 0 0,-1 0 1 0 0,1 0-1 0 0,-1 0 0 0 0,0 0 1 0 0,1 3-1 0 0,0-5-11 0 0,-1 1-1 0 0,0-1 1 0 0,0 1-1 0 0,0-1 1 0 0,0 1-1 0 0,0-1 0 0 0,1 0 1 0 0,-1 1-1 0 0,0-1 1 0 0,0 0-1 0 0,0 0 1 0 0,1 0-1 0 0,-1 0 1 0 0,0 0-1 0 0,0 0 1 0 0,1 0-1 0 0,-1-1 1 0 0,0 1-1 0 0,0 0 0 0 0,0-1 1 0 0,0 1-1 0 0,1-1 1 0 0,-1 1-1 0 0,0-1 1 0 0,0 1-1 0 0,0-1 1 0 0,0 0-1 0 0,0 0 1 0 0,0 1-1 0 0,0-1 1 0 0,-1 0-1 0 0,2-1 0 0 0,2-6 303 0 0,-1 1-1 0 0,0-1 0 0 0,0 0 0 0 0,-1 0 1 0 0,1 0-1 0 0,0-16 0 0 0,-2 21-272 0 0,-1 0-1 0 0,1 1 1 0 0,-1-1 0 0 0,0 0-1 0 0,0 1 1 0 0,-1-1 0 0 0,1 0-1 0 0,-1 1 1 0 0,1-1-1 0 0,-1 0 1 0 0,0 1 0 0 0,0-1-1 0 0,0 1 1 0 0,0-1 0 0 0,0 1-1 0 0,0 0 1 0 0,-1-1 0 0 0,1 1-1 0 0,-1 0 1 0 0,0 0-1 0 0,0 0 1 0 0,0 0 0 0 0,0 0-1 0 0,0 0 1 0 0,0 1 0 0 0,0-1-1 0 0,0 1 1 0 0,-5-3 0 0 0,4 3-55 0 0,-1-1 0 0 0,0 1 1 0 0,0 0-1 0 0,1 0 0 0 0,-1 0 0 0 0,0 0 1 0 0,0 0-1 0 0,0 1 0 0 0,0 0 1 0 0,0 0-1 0 0,0 0 0 0 0,0 0 1 0 0,0 1-1 0 0,0 0 0 0 0,1-1 1 0 0,-5 3-1 0 0,2 0-207 0 0,1-1 0 0 0,-1 2-1 0 0,1-1 1 0 0,0 1 0 0 0,-8 7 0 0 0,-9 12-4597 0 0,7-7-2926 0 0</inkml:trace>
+</inkml:ink>
+</file>
+
+<file path=ppt/ink/ink19.xml><?xml version="1.0" encoding="utf-8"?>
+<inkml:ink xmlns:inkml="http://www.w3.org/2003/InkML">
+  <inkml:definitions>
+    <inkml:context xml:id="ctx0">
+      <inkml:inkSource xml:id="inkSrc0">
+        <inkml:traceFormat>
+          <inkml:channel name="X" type="integer" min="-2.14748E9" max="2.14748E9" units="cm"/>
+          <inkml:channel name="Y" type="integer" min="-2.14748E9" max="2.14748E9" units="cm"/>
+          <inkml:channel name="F" type="integer" max="32767" units="dev"/>
+          <inkml:channel name="OA" type="integer" max="360" units="deg"/>
+          <inkml:channel name="OE" type="integer" max="90" units="deg"/>
+        </inkml:traceFormat>
+        <inkml:channelProperties>
+          <inkml:channelProperty channel="X" name="resolution" value="1000" units="1/cm"/>
+          <inkml:channelProperty channel="Y" name="resolution" value="1000" units="1/cm"/>
+          <inkml:channelProperty channel="F" name="resolution" value="0" units="1/dev"/>
+          <inkml:channelProperty channel="OA" name="resolution" value="1000" units="1/deg"/>
+          <inkml:channelProperty channel="OE" name="resolution" value="1000" units="1/deg"/>
+        </inkml:channelProperties>
+      </inkml:inkSource>
+      <inkml:timestamp xml:id="ts0" timeString="2025-11-13T04:08:13.586"/>
+    </inkml:context>
+    <inkml:brush xml:id="br0">
+      <inkml:brushProperty name="width" value="0.035" units="cm"/>
+      <inkml:brushProperty name="height" value="0.035" units="cm"/>
+      <inkml:brushProperty name="color" value="#E71224"/>
+    </inkml:brush>
+  </inkml:definitions>
+  <inkml:trace contextRef="#ctx0" brushRef="#br0">179 18 2868 0 0,'0'-11'2358'0'0,"0"11"-2310"0"0,0 0-1 0 0,0 0 1 0 0,0 0-1 0 0,0-1 1 0 0,0 1-1 0 0,0 0 1 0 0,0 0-1 0 0,1 0 0 0 0,-1 0 1 0 0,0 0-1 0 0,0-1 1 0 0,0 1-1 0 0,0 0 1 0 0,0 0-1 0 0,0 0 1 0 0,0 0-1 0 0,0-1 1 0 0,0 1-1 0 0,0 0 0 0 0,0 0 1 0 0,0 0-1 0 0,0 0 1 0 0,0-1-1 0 0,0 1 1 0 0,0 0-1 0 0,0 0 1 0 0,0 0-1 0 0,0 0 0 0 0,-1-1 1 0 0,1 1-1 0 0,0 0 1 0 0,0 0-1 0 0,0 0 1 0 0,0 0-1 0 0,0 0 1 0 0,0 0-1 0 0,0-1 1 0 0,-1 1-1 0 0,1 0 0 0 0,0 0 1 0 0,0 0-1 0 0,0 0 1 0 0,0 0-1 0 0,0 0 1 0 0,-1 0-1 0 0,1 0 1 0 0,0 0-1 0 0,0 0 0 0 0,0 0 1 0 0,0-1-1 0 0,0 1 1 0 0,-1 0-1 0 0,1 0 1 0 0,0 0-1 0 0,0 0 1 0 0,0 0-1 0 0,0 0 1 0 0,-1 1-1 0 0,1-1 0 0 0,-9 17 750 0 0,2 1-1 0 0,0 0 0 0 0,0 0 0 0 0,-5 31 0 0 0,-3 7-190 0 0,-23 51 161 0 0,18-56-754 0 0,3 0 1 0 0,2 1-1 0 0,-11 69 1 0 0,26-119-102 0 0,-1 0 0 0 0,1 0 0 0 0,0-1 1 0 0,-1 1-1 0 0,1 0 0 0 0,0 0 0 0 0,0 0 1 0 0,1 0-1 0 0,-1 0 0 0 0,0-1 0 0 0,1 1 1 0 0,-1 0-1 0 0,1 0 0 0 0,-1 0 0 0 0,1-1 1 0 0,0 1-1 0 0,0 0 0 0 0,0-1 0 0 0,0 1 1 0 0,0-1-1 0 0,1 3 0 0 0,0-3-37 0 0,-1-1 1 0 0,1 1-1 0 0,-1-1 0 0 0,1 1 0 0 0,-1-1 0 0 0,1 1 1 0 0,-1-1-1 0 0,1 0 0 0 0,0 0 0 0 0,-1 1 0 0 0,1-1 1 0 0,-1 0-1 0 0,1-1 0 0 0,0 1 0 0 0,-1 0 0 0 0,1 0 1 0 0,-1-1-1 0 0,1 1 0 0 0,1-1 0 0 0,9-4-684 0 0,0 0 0 0 0,-1-1-1 0 0,0 0 1 0 0,-1-1 0 0 0,11-8-1 0 0,12-10 40 0 0</inkml:trace>
+</inkml:ink>
+</file>
+
+<file path=ppt/ink/ink2.xml><?xml version="1.0" encoding="utf-8"?>
+<inkml:ink xmlns:inkml="http://www.w3.org/2003/InkML">
+  <inkml:definitions>
+    <inkml:context xml:id="ctx0">
+      <inkml:inkSource xml:id="inkSrc0">
+        <inkml:traceFormat>
+          <inkml:channel name="X" type="integer" min="-2.14748E9" max="2.14748E9" units="cm"/>
+          <inkml:channel name="Y" type="integer" min="-2.14748E9" max="2.14748E9" units="cm"/>
+          <inkml:channel name="F" type="integer" max="32767" units="dev"/>
+          <inkml:channel name="OA" type="integer" max="360" units="deg"/>
+          <inkml:channel name="OE" type="integer" max="90" units="deg"/>
+        </inkml:traceFormat>
+        <inkml:channelProperties>
+          <inkml:channelProperty channel="X" name="resolution" value="1000" units="1/cm"/>
+          <inkml:channelProperty channel="Y" name="resolution" value="1000" units="1/cm"/>
+          <inkml:channelProperty channel="F" name="resolution" value="0" units="1/dev"/>
+          <inkml:channelProperty channel="OA" name="resolution" value="1000" units="1/deg"/>
+          <inkml:channelProperty channel="OE" name="resolution" value="1000" units="1/deg"/>
+        </inkml:channelProperties>
+      </inkml:inkSource>
+      <inkml:timestamp xml:id="ts0" timeString="2025-11-13T04:08:06.621"/>
+    </inkml:context>
+    <inkml:brush xml:id="br0">
+      <inkml:brushProperty name="width" value="0.035" units="cm"/>
+      <inkml:brushProperty name="height" value="0.035" units="cm"/>
+      <inkml:brushProperty name="color" value="#E71224"/>
+    </inkml:brush>
+  </inkml:definitions>
+  <inkml:trace contextRef="#ctx0" brushRef="#br0">318 103 3836 0 0,'0'-5'328'0'0,"-1"-1"-1"0"0,0 1 1 0 0,0-1-1 0 0,0 1 1 0 0,-1-1-1 0 0,1 1 1 0 0,-1 0-1 0 0,0 0 1 0 0,-1 0-1 0 0,1 0 1 0 0,-1 0-1 0 0,0 0 1 0 0,-1 1-1 0 0,1 0 1 0 0,-1-1-1 0 0,1 1 1 0 0,-1 0-1 0 0,-5-3 1 0 0,6 6-269 0 0,1 0-1 0 0,0 0 1 0 0,0 0-1 0 0,0 1 1 0 0,0-1 0 0 0,-1 1-1 0 0,1-1 1 0 0,0 1-1 0 0,0 0 1 0 0,-1 0 0 0 0,1 0-1 0 0,0 0 1 0 0,-1 1-1 0 0,1-1 1 0 0,0 0 0 0 0,0 1-1 0 0,0 0 1 0 0,-1-1 0 0 0,1 1-1 0 0,0 0 1 0 0,-2 2-1 0 0,-38 23 597 0 0,28-12-470 0 0,0 1-1 0 0,1 0 1 0 0,1 1 0 0 0,0 1-1 0 0,1 0 1 0 0,1 0 0 0 0,-12 28-1 0 0,16-31-159 0 0,0 0 0 0 0,1 0 0 0 0,1 1 0 0 0,0-1 0 0 0,1 1 0 0 0,1 0-1 0 0,0-1 1 0 0,1 1 0 0 0,1 0 0 0 0,2 26 0 0 0,0-34-12 0 0,0 0-1 0 0,0 0 1 0 0,0 0 0 0 0,1 0-1 0 0,0 0 1 0 0,1-1 0 0 0,-1 1-1 0 0,1-1 1 0 0,0 0 0 0 0,1 0-1 0 0,-1-1 1 0 0,1 1 0 0 0,1-1-1 0 0,-1 0 1 0 0,1-1 0 0 0,-1 1-1 0 0,1-1 1 0 0,1 0 0 0 0,-1 0-1 0 0,0-1 1 0 0,1 0 0 0 0,0 0-1 0 0,0 0 1 0 0,0-1 0 0 0,0 0-1 0 0,0-1 1 0 0,0 1 0 0 0,0-2-1 0 0,11 2 1 0 0,-13-2 50 0 0,21-8 1210 0 0,-27 7-1249 0 0,0-1 1 0 0,0 1-1 0 0,-1 0 0 0 0,1 0 0 0 0,0 0 0 0 0,-1 0 1 0 0,1 0-1 0 0,-1 0 0 0 0,1 0 0 0 0,-1 1 1 0 0,0-1-1 0 0,1 0 0 0 0,-1 1 0 0 0,0-1 0 0 0,1 1 1 0 0,-1 0-1 0 0,0 0 0 0 0,0-1 0 0 0,1 1 1 0 0,-1 0-1 0 0,0 0 0 0 0,0 1 0 0 0,1-1 1 0 0,-1 0-1 0 0,0 1 0 0 0,-2 0 0 0 0,-58 17 23 0 0,50-14-114 0 0,-57 22-2604 0 0,28-6-5426 0 0,38-19 6189 0 0</inkml:trace>
+</inkml:ink>
+</file>
+
+<file path=ppt/ink/ink20.xml><?xml version="1.0" encoding="utf-8"?>
+<inkml:ink xmlns:inkml="http://www.w3.org/2003/InkML">
+  <inkml:definitions>
+    <inkml:context xml:id="ctx0">
+      <inkml:inkSource xml:id="inkSrc0">
+        <inkml:traceFormat>
+          <inkml:channel name="X" type="integer" min="-2.14748E9" max="2.14748E9" units="cm"/>
+          <inkml:channel name="Y" type="integer" min="-2.14748E9" max="2.14748E9" units="cm"/>
+          <inkml:channel name="F" type="integer" max="32767" units="dev"/>
+          <inkml:channel name="OA" type="integer" max="360" units="deg"/>
+          <inkml:channel name="OE" type="integer" max="90" units="deg"/>
+        </inkml:traceFormat>
+        <inkml:channelProperties>
+          <inkml:channelProperty channel="X" name="resolution" value="1000" units="1/cm"/>
+          <inkml:channelProperty channel="Y" name="resolution" value="1000" units="1/cm"/>
+          <inkml:channelProperty channel="F" name="resolution" value="0" units="1/dev"/>
+          <inkml:channelProperty channel="OA" name="resolution" value="1000" units="1/deg"/>
+          <inkml:channelProperty channel="OE" name="resolution" value="1000" units="1/deg"/>
+        </inkml:channelProperties>
+      </inkml:inkSource>
+      <inkml:timestamp xml:id="ts0" timeString="2025-11-13T04:08:13.930"/>
+    </inkml:context>
+    <inkml:brush xml:id="br0">
+      <inkml:brushProperty name="width" value="0.035" units="cm"/>
+      <inkml:brushProperty name="height" value="0.035" units="cm"/>
+      <inkml:brushProperty name="color" value="#E71224"/>
+    </inkml:brush>
+  </inkml:definitions>
+  <inkml:trace contextRef="#ctx0" brushRef="#br0">14 169 2352 0 0,'0'0'2964'0'0,"1"2"-2725"0"0,0-1 1 0 0,0 1 0 0 0,0 0-1 0 0,-1 0 1 0 0,1-1-1 0 0,-1 1 1 0 0,1 0 0 0 0,-1 0-1 0 0,0-1 1 0 0,1 1 0 0 0,-1 0-1 0 0,0 2 1 0 0,-2 3 106 0 0,-3 9 475 0 0,0-1 0 0 0,2 1 0 0 0,-2 17 0 0 0,5-29-688 0 0,-1 0-1 0 0,1 1 1 0 0,0-1-1 0 0,1 0 1 0 0,-1 0-1 0 0,1 0 0 0 0,0 0 1 0 0,0 0-1 0 0,0 0 1 0 0,1 0-1 0 0,-1 0 1 0 0,1 0-1 0 0,0 0 1 0 0,0-1-1 0 0,0 1 1 0 0,4 4-1 0 0,-5-7-98 0 0,1 0-1 0 0,-1 0 0 0 0,0 0 0 0 0,1 0 1 0 0,-1 0-1 0 0,0 0 0 0 0,1-1 0 0 0,-1 1 0 0 0,1-1 1 0 0,-1 1-1 0 0,1-1 0 0 0,-1 1 0 0 0,1-1 1 0 0,-1 0-1 0 0,1 0 0 0 0,-1 0 0 0 0,1 0 1 0 0,0 0-1 0 0,-1 0 0 0 0,1 0 0 0 0,-1 0 1 0 0,1 0-1 0 0,2-2 0 0 0,30-13 255 0 0,-24 8-220 0 0,0 0 1 0 0,-1-1-1 0 0,0 0 0 0 0,0 0 0 0 0,-1-1 0 0 0,0 0 0 0 0,0-1 0 0 0,-1 0 0 0 0,-1 0 0 0 0,0-1 0 0 0,0 1 0 0 0,-1-1 0 0 0,6-17 0 0 0,-8 18-18 0 0,0 0-1 0 0,0 0 0 0 0,-1 0 1 0 0,-1-1-1 0 0,0 1 0 0 0,0-1 0 0 0,-1 1 1 0 0,0-1-1 0 0,-1 1 0 0 0,0 0 1 0 0,-1-1-1 0 0,0 1 0 0 0,0 0 0 0 0,-1 0 1 0 0,-7-15-1 0 0,10 24-50 0 0,0 0 1 0 0,-1 0-1 0 0,1-1 1 0 0,-1 1-1 0 0,1 0 1 0 0,-1 0-1 0 0,1 0 1 0 0,-1 0-1 0 0,0 1 0 0 0,0-1 1 0 0,0 0-1 0 0,1 0 1 0 0,-1 0-1 0 0,0 0 1 0 0,0 1-1 0 0,0-1 1 0 0,0 0-1 0 0,0 1 0 0 0,0-1 1 0 0,0 1-1 0 0,0-1 1 0 0,0 1-1 0 0,-1 0 1 0 0,1-1-1 0 0,0 1 1 0 0,0 0-1 0 0,0 0 1 0 0,-2 0-1 0 0,0 0-7 0 0,1 1 1 0 0,-1 0-1 0 0,1 0 0 0 0,0 0 1 0 0,0 0-1 0 0,-1 1 0 0 0,1-1 1 0 0,0 0-1 0 0,0 1 0 0 0,0-1 1 0 0,1 1-1 0 0,-4 3 0 0 0,-5 7-207 0 0,1 0 0 0 0,0 0 0 0 0,-9 18 0 0 0,13-20-223 0 0,1-1 0 0 0,-1 1-1 0 0,1 0 1 0 0,1 1 0 0 0,-5 19 0 0 0,8-28 194 0 0,-1 0 0 0 0,1 1 0 0 0,0-1 0 0 0,-1 0 1 0 0,1 0-1 0 0,0 0 0 0 0,0 1 0 0 0,0-1 0 0 0,1 0 0 0 0,-1 0 0 0 0,0 1 0 0 0,1-1 0 0 0,0 0 1 0 0,-1 0-1 0 0,1 0 0 0 0,0 0 0 0 0,0 0 0 0 0,0 0 0 0 0,0 0 0 0 0,1 0 0 0 0,-1 0 0 0 0,0 0 0 0 0,1-1 1 0 0,-1 1-1 0 0,1-1 0 0 0,0 1 0 0 0,-1-1 0 0 0,1 1 0 0 0,0-1 0 0 0,0 0 0 0 0,0 0 0 0 0,0 0 1 0 0,0 0-1 0 0,4 1 0 0 0,13 1-1328 0 0</inkml:trace>
+</inkml:ink>
+</file>
+
+<file path=ppt/ink/ink21.xml><?xml version="1.0" encoding="utf-8"?>
+<inkml:ink xmlns:inkml="http://www.w3.org/2003/InkML">
+  <inkml:definitions>
+    <inkml:context xml:id="ctx0">
+      <inkml:inkSource xml:id="inkSrc0">
+        <inkml:traceFormat>
+          <inkml:channel name="X" type="integer" min="-2.14748E9" max="2.14748E9" units="cm"/>
+          <inkml:channel name="Y" type="integer" min="-2.14748E9" max="2.14748E9" units="cm"/>
+          <inkml:channel name="F" type="integer" max="32767" units="dev"/>
+          <inkml:channel name="OA" type="integer" max="360" units="deg"/>
+          <inkml:channel name="OE" type="integer" max="90" units="deg"/>
+        </inkml:traceFormat>
+        <inkml:channelProperties>
+          <inkml:channelProperty channel="X" name="resolution" value="1000" units="1/cm"/>
+          <inkml:channelProperty channel="Y" name="resolution" value="1000" units="1/cm"/>
+          <inkml:channelProperty channel="F" name="resolution" value="0" units="1/dev"/>
+          <inkml:channelProperty channel="OA" name="resolution" value="1000" units="1/deg"/>
+          <inkml:channelProperty channel="OE" name="resolution" value="1000" units="1/deg"/>
+        </inkml:channelProperties>
+      </inkml:inkSource>
+      <inkml:timestamp xml:id="ts0" timeString="2025-11-13T04:08:14.284"/>
+    </inkml:context>
+    <inkml:brush xml:id="br0">
+      <inkml:brushProperty name="width" value="0.035" units="cm"/>
+      <inkml:brushProperty name="height" value="0.035" units="cm"/>
+      <inkml:brushProperty name="color" value="#E71224"/>
+    </inkml:brush>
+  </inkml:definitions>
+  <inkml:trace contextRef="#ctx0" brushRef="#br0">108 218 2932 0 0,'4'32'3332'0'0,"-4"-21"-2477"0"0,1 0-1 0 0,1 1 1 0 0,0-1-1 0 0,1 0 1 0 0,4 12-1 0 0,-5-19-754 0 0,-1-1 0 0 0,1 0 1 0 0,0 1-1 0 0,0-1 0 0 0,0 0 0 0 0,1 0 0 0 0,-1-1 0 0 0,1 1 0 0 0,0 0 0 0 0,-1-1 0 0 0,1 0 0 0 0,0 0 0 0 0,1 1 1 0 0,-1-2-1 0 0,0 1 0 0 0,0 0 0 0 0,1-1 0 0 0,-1 1 0 0 0,1-1 0 0 0,4 1 0 0 0,1-1 15 0 0,1 1 0 0 0,-1-2-1 0 0,0 1 1 0 0,1-1-1 0 0,-1-1 1 0 0,0 0 0 0 0,0 0-1 0 0,1-1 1 0 0,-1 0 0 0 0,0 0-1 0 0,0-1 1 0 0,-1 0 0 0 0,1-1-1 0 0,-1 0 1 0 0,1 0-1 0 0,-1-1 1 0 0,0 0 0 0 0,-1 0-1 0 0,1-1 1 0 0,6-7 0 0 0,-8 8 40 0 0,0-1-1 0 0,0 1 1 0 0,-1-1 0 0 0,0-1 0 0 0,0 1 0 0 0,0-1 0 0 0,-1 1 0 0 0,0-1 0 0 0,-1-1-1 0 0,1 1 1 0 0,-1 0 0 0 0,-1-1 0 0 0,1 0 0 0 0,-1 0 0 0 0,-1 1 0 0 0,1-1 0 0 0,-1 0 0 0 0,-1 0-1 0 0,1 0 1 0 0,-1 0 0 0 0,-1-1 0 0 0,0 1 0 0 0,-2-11 0 0 0,1 12-89 0 0,0-1 0 0 0,-1 1 0 0 0,0-1-1 0 0,-1 1 1 0 0,0 0 0 0 0,0 0 0 0 0,0 0 0 0 0,-1 1 0 0 0,1 0 0 0 0,-2 0 0 0 0,1 0 0 0 0,-1 0 0 0 0,0 1 0 0 0,0 0 0 0 0,0 0-1 0 0,-1 0 1 0 0,0 1 0 0 0,1 0 0 0 0,-2 0 0 0 0,1 1 0 0 0,0 0 0 0 0,-1 0 0 0 0,1 1 0 0 0,-1 0 0 0 0,0 0 0 0 0,0 1 0 0 0,0 0-1 0 0,-9 0 1 0 0,5 1-323 0 0,-1 0 0 0 0,1 1 0 0 0,0 0 0 0 0,-1 1 0 0 0,1 1 0 0 0,0-1 0 0 0,0 2 0 0 0,0 0 0 0 0,0 0 0 0 0,1 1 0 0 0,-1 1 0 0 0,1 0 0 0 0,1 0 1 0 0,-1 1-1 0 0,1 1 0 0 0,0 0 0 0 0,-11 12 0 0 0,18-17 89 0 0,-2 1-768 0 0,0 1 1 0 0,1 0 0 0 0,0 0 0 0 0,0 0-1 0 0,0 1 1 0 0,1-1 0 0 0,-1 1-1 0 0,1 0 1 0 0,-3 9 0 0 0,3 6-3020 0 0</inkml:trace>
+</inkml:ink>
+</file>
+
+<file path=ppt/ink/ink22.xml><?xml version="1.0" encoding="utf-8"?>
+<inkml:ink xmlns:inkml="http://www.w3.org/2003/InkML">
+  <inkml:definitions>
+    <inkml:context xml:id="ctx0">
+      <inkml:inkSource xml:id="inkSrc0">
+        <inkml:traceFormat>
+          <inkml:channel name="X" type="integer" min="-2.14748E9" max="2.14748E9" units="cm"/>
+          <inkml:channel name="Y" type="integer" min="-2.14748E9" max="2.14748E9" units="cm"/>
+          <inkml:channel name="F" type="integer" max="32767" units="dev"/>
+          <inkml:channel name="OA" type="integer" max="360" units="deg"/>
+          <inkml:channel name="OE" type="integer" max="90" units="deg"/>
+        </inkml:traceFormat>
+        <inkml:channelProperties>
+          <inkml:channelProperty channel="X" name="resolution" value="1000" units="1/cm"/>
+          <inkml:channelProperty channel="Y" name="resolution" value="1000" units="1/cm"/>
+          <inkml:channelProperty channel="F" name="resolution" value="0" units="1/dev"/>
+          <inkml:channelProperty channel="OA" name="resolution" value="1000" units="1/deg"/>
+          <inkml:channelProperty channel="OE" name="resolution" value="1000" units="1/deg"/>
+        </inkml:channelProperties>
+      </inkml:inkSource>
+      <inkml:timestamp xml:id="ts0" timeString="2025-11-13T04:08:16.451"/>
+    </inkml:context>
+    <inkml:brush xml:id="br0">
+      <inkml:brushProperty name="width" value="0.035" units="cm"/>
+      <inkml:brushProperty name="height" value="0.035" units="cm"/>
+      <inkml:brushProperty name="color" value="#E71224"/>
+    </inkml:brush>
+  </inkml:definitions>
+  <inkml:trace contextRef="#ctx0" brushRef="#br0">0 9 3888 0 0,'30'5'2509'0'0,"6"3"-1569"0"0,-17-4-204 0 0,4-2 392 0 0,24 1-732 0 0,-22-1-96 0 0,3-2-96 0 0,-1 0-156 0 0,-1-3-168 0 0,1 1-468 0 0,-1-4-548 0 0,-5-2-1280 0 0,-2 3 683 0 0,-4-3 1005 0 0</inkml:trace>
+</inkml:ink>
+</file>
+
+<file path=ppt/ink/ink23.xml><?xml version="1.0" encoding="utf-8"?>
+<inkml:ink xmlns:inkml="http://www.w3.org/2003/InkML">
+  <inkml:definitions>
+    <inkml:context xml:id="ctx0">
+      <inkml:inkSource xml:id="inkSrc0">
+        <inkml:traceFormat>
+          <inkml:channel name="X" type="integer" min="-2.14748E9" max="2.14748E9" units="cm"/>
+          <inkml:channel name="Y" type="integer" min="-2.14748E9" max="2.14748E9" units="cm"/>
+          <inkml:channel name="F" type="integer" max="32767" units="dev"/>
+          <inkml:channel name="OA" type="integer" max="360" units="deg"/>
+          <inkml:channel name="OE" type="integer" max="90" units="deg"/>
+        </inkml:traceFormat>
+        <inkml:channelProperties>
+          <inkml:channelProperty channel="X" name="resolution" value="1000" units="1/cm"/>
+          <inkml:channelProperty channel="Y" name="resolution" value="1000" units="1/cm"/>
+          <inkml:channelProperty channel="F" name="resolution" value="0" units="1/dev"/>
+          <inkml:channelProperty channel="OA" name="resolution" value="1000" units="1/deg"/>
+          <inkml:channelProperty channel="OE" name="resolution" value="1000" units="1/deg"/>
+        </inkml:channelProperties>
+      </inkml:inkSource>
+      <inkml:timestamp xml:id="ts0" timeString="2025-11-13T04:08:16.826"/>
+    </inkml:context>
+    <inkml:brush xml:id="br0">
+      <inkml:brushProperty name="width" value="0.035" units="cm"/>
+      <inkml:brushProperty name="height" value="0.035" units="cm"/>
+      <inkml:brushProperty name="color" value="#E71224"/>
+    </inkml:brush>
+  </inkml:definitions>
+  <inkml:trace contextRef="#ctx0" brushRef="#br0">1 20 3460 0 0,'0'0'5569'0'0,"21"-8"-3681"0"0,15 10-1196 0 0,-15 0-132 0 0,5 0-152 0 0,1-2-236 0 0,1 0-292 0 0,3 0-556 0 0,-1-4-1036 0 0,-2 0-1280 0 0,-3 1 847 0 0,-2-3 469 0 0</inkml:trace>
+</inkml:ink>
+</file>
+
+<file path=ppt/ink/ink24.xml><?xml version="1.0" encoding="utf-8"?>
+<inkml:ink xmlns:inkml="http://www.w3.org/2003/InkML">
+  <inkml:definitions>
+    <inkml:context xml:id="ctx0">
+      <inkml:inkSource xml:id="inkSrc0">
+        <inkml:traceFormat>
+          <inkml:channel name="X" type="integer" min="-2.14748E9" max="2.14748E9" units="cm"/>
+          <inkml:channel name="Y" type="integer" min="-2.14748E9" max="2.14748E9" units="cm"/>
+          <inkml:channel name="F" type="integer" max="32767" units="dev"/>
+          <inkml:channel name="OA" type="integer" max="360" units="deg"/>
+          <inkml:channel name="OE" type="integer" max="90" units="deg"/>
+        </inkml:traceFormat>
+        <inkml:channelProperties>
+          <inkml:channelProperty channel="X" name="resolution" value="1000" units="1/cm"/>
+          <inkml:channelProperty channel="Y" name="resolution" value="1000" units="1/cm"/>
+          <inkml:channelProperty channel="F" name="resolution" value="0" units="1/dev"/>
+          <inkml:channelProperty channel="OA" name="resolution" value="1000" units="1/deg"/>
+          <inkml:channelProperty channel="OE" name="resolution" value="1000" units="1/deg"/>
+        </inkml:channelProperties>
+      </inkml:inkSource>
+      <inkml:timestamp xml:id="ts0" timeString="2025-11-13T04:08:23.153"/>
+    </inkml:context>
+    <inkml:brush xml:id="br0">
+      <inkml:brushProperty name="width" value="0.035" units="cm"/>
+      <inkml:brushProperty name="height" value="0.035" units="cm"/>
+      <inkml:brushProperty name="color" value="#E71224"/>
+    </inkml:brush>
+  </inkml:definitions>
+  <inkml:trace contextRef="#ctx0" brushRef="#br0">110 82 3036 0 0,'-2'-4'1095'0'0,"-1"0"-1"0"0,0 0 1 0 0,1 1-1 0 0,-2-1 1 0 0,1 1-1 0 0,-5-4 1 0 0,6 6-956 0 0,0 1 1 0 0,0 0 0 0 0,-1 0-1 0 0,1 0 1 0 0,0 0-1 0 0,0 0 1 0 0,-1 1 0 0 0,1-1-1 0 0,0 0 1 0 0,0 1 0 0 0,0 0-1 0 0,0 0 1 0 0,-1 0 0 0 0,1 0-1 0 0,0 0 1 0 0,0 0 0 0 0,1 0-1 0 0,-1 0 1 0 0,0 1-1 0 0,0-1 1 0 0,-2 4 0 0 0,0-1 38 0 0,1 0 0 0 0,0 1 1 0 0,0 0-1 0 0,0-1 0 0 0,0 1 0 0 0,1 0 1 0 0,0 1-1 0 0,0-1 0 0 0,-1 6 0 0 0,1-4-42 0 0,0 0 0 0 0,1 1 0 0 0,-1-1 0 0 0,2 0 0 0 0,-1 0 0 0 0,1 1 0 0 0,0-1 0 0 0,1 0 0 0 0,-1 1 0 0 0,1-1-1 0 0,1 0 1 0 0,0 0 0 0 0,0 0 0 0 0,0 0 0 0 0,4 8 0 0 0,-3-11-61 0 0,-1-1 0 0 0,1 0 0 0 0,-1 1 0 0 0,1-1-1 0 0,0-1 1 0 0,0 1 0 0 0,1 0 0 0 0,-1-1 0 0 0,0 1 0 0 0,1-1 0 0 0,0 0 0 0 0,-1 0 0 0 0,1-1-1 0 0,0 1 1 0 0,0-1 0 0 0,0 1 0 0 0,8 0 0 0 0,-4-1-26 0 0,0-1 0 0 0,-1 0 0 0 0,1 0 0 0 0,0-1 0 0 0,-1 0-1 0 0,1-1 1 0 0,0 1 0 0 0,-1-1 0 0 0,9-4 0 0 0,3-2-18 0 0,0-1-1 0 0,0-1 1 0 0,-1-1-1 0 0,-1 0 1 0 0,0-1-1 0 0,23-22 1 0 0,-29 24-25 0 0,-1-1 0 0 0,0 0 1 0 0,0-1-1 0 0,-1 0 0 0 0,7-15 1 0 0,-14 25-3 0 0,0-1 0 0 0,-1 1 0 0 0,1-1 1 0 0,-1 0-1 0 0,1 0 0 0 0,-1 0 0 0 0,0 0 0 0 0,0 0 0 0 0,-1 0 1 0 0,1 0-1 0 0,-1 0 0 0 0,1 0 0 0 0,-1 0 0 0 0,0 0 0 0 0,0 0 1 0 0,0 0-1 0 0,-1 0 0 0 0,1 0 0 0 0,-1 0 0 0 0,1 0 0 0 0,-1 0 1 0 0,0 0-1 0 0,0 0 0 0 0,-1 0 0 0 0,1 0 0 0 0,-1 0 0 0 0,1 1 1 0 0,-1-1-1 0 0,0 1 0 0 0,-2-4 0 0 0,2 5-6 0 0,-1 0 0 0 0,1 0-1 0 0,0 0 1 0 0,0 0 0 0 0,-1 0 0 0 0,1 0 0 0 0,-1 1-1 0 0,1-1 1 0 0,0 1 0 0 0,-1-1 0 0 0,1 1-1 0 0,-1 0 1 0 0,1 0 0 0 0,-1 0 0 0 0,1 1-1 0 0,-4 0 1 0 0,-37 9-31 0 0,13 2-92 0 0,1 1 0 0 0,1 1 0 0 0,-30 20 0 0 0,43-24-354 0 0,0 1-1 0 0,0 0 1 0 0,2 1 0 0 0,-1 0-1 0 0,1 1 1 0 0,-21 29-1 0 0,33-40 252 0 0,-1 0 0 0 0,1 0-1 0 0,0 0 1 0 0,0 1 0 0 0,0-1-1 0 0,0 0 1 0 0,0 1 0 0 0,0-1 0 0 0,1 0-1 0 0,-1 1 1 0 0,1-1 0 0 0,0 1-1 0 0,0-1 1 0 0,0 4 0 0 0,0-4-764 0 0,6-3-98 0 0,4-1 381 0 0,-1-1-1 0 0,1 0 0 0 0,-1-1 0 0 0,0 0 0 0 0,0 0 1 0 0,0-1-1 0 0,-1 0 0 0 0,10-8 0 0 0,2-4 14 0 0</inkml:trace>
+</inkml:ink>
+</file>
+
+<file path=ppt/ink/ink25.xml><?xml version="1.0" encoding="utf-8"?>
+<inkml:ink xmlns:inkml="http://www.w3.org/2003/InkML">
+  <inkml:definitions>
+    <inkml:context xml:id="ctx0">
+      <inkml:inkSource xml:id="inkSrc0">
+        <inkml:traceFormat>
+          <inkml:channel name="X" type="integer" min="-2.14748E9" max="2.14748E9" units="cm"/>
+          <inkml:channel name="Y" type="integer" min="-2.14748E9" max="2.14748E9" units="cm"/>
+          <inkml:channel name="F" type="integer" max="32767" units="dev"/>
+          <inkml:channel name="OA" type="integer" max="360" units="deg"/>
+          <inkml:channel name="OE" type="integer" max="90" units="deg"/>
+        </inkml:traceFormat>
+        <inkml:channelProperties>
+          <inkml:channelProperty channel="X" name="resolution" value="1000" units="1/cm"/>
+          <inkml:channelProperty channel="Y" name="resolution" value="1000" units="1/cm"/>
+          <inkml:channelProperty channel="F" name="resolution" value="0" units="1/dev"/>
+          <inkml:channelProperty channel="OA" name="resolution" value="1000" units="1/deg"/>
+          <inkml:channelProperty channel="OE" name="resolution" value="1000" units="1/deg"/>
+        </inkml:channelProperties>
+      </inkml:inkSource>
+      <inkml:timestamp xml:id="ts0" timeString="2025-11-13T04:08:23.497"/>
+    </inkml:context>
+    <inkml:brush xml:id="br0">
+      <inkml:brushProperty name="width" value="0.035" units="cm"/>
+      <inkml:brushProperty name="height" value="0.035" units="cm"/>
+      <inkml:brushProperty name="color" value="#E71224"/>
+    </inkml:brush>
+  </inkml:definitions>
+  <inkml:trace contextRef="#ctx0" brushRef="#br0">127 6 2632 0 0,'3'-1'201'0'0,"0"0"-1"0"0,0 0 1 0 0,1 0-1 0 0,-1 0 0 0 0,0 1 1 0 0,0-1-1 0 0,1 1 1 0 0,-1 0-1 0 0,0 0 1 0 0,1 0-1 0 0,-1 1 1 0 0,0-1-1 0 0,1 1 0 0 0,-1 0 1 0 0,0-1-1 0 0,0 1 1 0 0,0 1-1 0 0,1-1 1 0 0,-1 0-1 0 0,0 1 1 0 0,-1 0-1 0 0,1 0 1 0 0,0-1-1 0 0,0 2 0 0 0,2 2 1 0 0,0 0 58 0 0,0 1 0 0 0,-1 0 0 0 0,0 0 1 0 0,-1 0-1 0 0,1 0 0 0 0,-1 1 0 0 0,0 0 1 0 0,-1-1-1 0 0,0 1 0 0 0,0 0 0 0 0,1 8 0 0 0,0 7 146 0 0,-1-1 0 0 0,-1 1 0 0 0,-1 0-1 0 0,-1 0 1 0 0,-1-1 0 0 0,-1 1-1 0 0,0-1 1 0 0,-14 41 0 0 0,5-24 54 0 0,-3 0 1 0 0,0-1-1 0 0,-41 66 1 0 0,48-90-349 0 0,0-1-1 0 0,-2 0 1 0 0,1-1 0 0 0,-1 0-1 0 0,-17 14 1 0 0,25-23-178 0 0,0 0 1 0 0,0-1 0 0 0,0 1-1 0 0,0-1 1 0 0,0 1-1 0 0,-1-1 1 0 0,1 0-1 0 0,0 0 1 0 0,-1 0 0 0 0,1 0-1 0 0,-1-1 1 0 0,1 1-1 0 0,-3 0 1 0 0,-13-6-1496 0 0,15 3 1499 0 0,3 1-84 0 0,-1 0 0 0 0,0 0 0 0 0,1 0 0 0 0,-1 0 0 0 0,1-1 0 0 0,-1 1 0 0 0,1 0 1 0 0,0 0-1 0 0,-1 0 0 0 0,1 0 0 0 0,0-1 0 0 0,0 1 0 0 0,0 0 0 0 0,0 0 0 0 0,0 0 0 0 0,0-1 0 0 0,0 1 0 0 0,0 0 0 0 0,0 0 0 0 0,1 0 0 0 0,0-2 1 0 0,-1 3-30 0 0,0-5-370 0 0,1 1 1 0 0,0 0 0 0 0,0 0-1 0 0,1 0 1 0 0,-1 0-1 0 0,1-1 1 0 0,0 2 0 0 0,0-1-1 0 0,3-4 1 0 0,11-17-1709 0 0</inkml:trace>
+</inkml:ink>
+</file>
+
+<file path=ppt/ink/ink26.xml><?xml version="1.0" encoding="utf-8"?>
+<inkml:ink xmlns:inkml="http://www.w3.org/2003/InkML">
+  <inkml:definitions>
+    <inkml:context xml:id="ctx0">
+      <inkml:inkSource xml:id="inkSrc0">
+        <inkml:traceFormat>
+          <inkml:channel name="X" type="integer" min="-2.14748E9" max="2.14748E9" units="cm"/>
+          <inkml:channel name="Y" type="integer" min="-2.14748E9" max="2.14748E9" units="cm"/>
+          <inkml:channel name="F" type="integer" max="32767" units="dev"/>
+          <inkml:channel name="OA" type="integer" max="360" units="deg"/>
+          <inkml:channel name="OE" type="integer" max="90" units="deg"/>
+        </inkml:traceFormat>
+        <inkml:channelProperties>
+          <inkml:channelProperty channel="X" name="resolution" value="1000" units="1/cm"/>
+          <inkml:channelProperty channel="Y" name="resolution" value="1000" units="1/cm"/>
+          <inkml:channelProperty channel="F" name="resolution" value="0" units="1/dev"/>
+          <inkml:channelProperty channel="OA" name="resolution" value="1000" units="1/deg"/>
+          <inkml:channelProperty channel="OE" name="resolution" value="1000" units="1/deg"/>
+        </inkml:channelProperties>
+      </inkml:inkSource>
+      <inkml:timestamp xml:id="ts0" timeString="2025-11-13T04:08:23.840"/>
+    </inkml:context>
+    <inkml:brush xml:id="br0">
+      <inkml:brushProperty name="width" value="0.035" units="cm"/>
+      <inkml:brushProperty name="height" value="0.035" units="cm"/>
+      <inkml:brushProperty name="color" value="#E71224"/>
+    </inkml:brush>
+  </inkml:definitions>
+  <inkml:trace contextRef="#ctx0" brushRef="#br0">1 73 3508 0 0,'7'-7'669'0'0,"0"0"0"0"0,1 0 0 0 0,0 1 0 0 0,0 0 0 0 0,1 0-1 0 0,0 1 1 0 0,0 0 0 0 0,0 0 0 0 0,18-5 0 0 0,-18 8-490 0 0,-1 0 0 0 0,0 0-1 0 0,1 1 1 0 0,-1 0 0 0 0,1 1 0 0 0,-1 0-1 0 0,1 0 1 0 0,-1 1 0 0 0,1 0 0 0 0,-1 0 0 0 0,1 1-1 0 0,-1 0 1 0 0,0 1 0 0 0,0-1 0 0 0,0 2 0 0 0,0-1-1 0 0,-1 1 1 0 0,14 9 0 0 0,0 1 180 0 0,-1 2-1 0 0,-1 0 1 0 0,0 2 0 0 0,-2 0 0 0 0,32 40 0 0 0,-41-46-295 0 0,0 0 0 0 0,0 0 0 0 0,-1 1 0 0 0,-1 0 0 0 0,0 0 0 0 0,-1 0 0 0 0,0 1 0 0 0,-1 0 0 0 0,-1 0 0 0 0,0 0 0 0 0,-1 0 0 0 0,1 15 0 0 0,-3-22-301 0 0,-1-1 1 0 0,1 0-1 0 0,-1 0 0 0 0,-1 0 1 0 0,1 0-1 0 0,-1 0 0 0 0,0 0 1 0 0,0-1-1 0 0,-1 1 0 0 0,0-1 1 0 0,-5 9-1 0 0,3-7-759 0 0,0-1 1 0 0,0 1-1 0 0,-1-1 1 0 0,0 0-1 0 0,0 0 1 0 0,-1-1-1 0 0,-13 9 1 0 0,-4-1-1352 0 0</inkml:trace>
+  <inkml:trace contextRef="#ctx0" brushRef="#br0" timeOffset="1">20 504 5280 0 0,'-1'-1'182'0'0,"0"0"0"0"0,1 1 0 0 0,-1-1 0 0 0,1 0 0 0 0,-1 0 0 0 0,0 0 0 0 0,1 0 0 0 0,0 0 0 0 0,-1 1 0 0 0,1-1 0 0 0,-1 0 0 0 0,1 0 0 0 0,0 0 0 0 0,0 0 0 0 0,0 0 0 0 0,-1 0 0 0 0,1 0 0 0 0,0 0 0 0 0,0 0 0 0 0,0-1 0 0 0,1 1 0 0 0,-1 0 0 0 0,0 0 0 0 0,0 0 0 0 0,1 0 0 0 0,-1 1 0 0 0,0-1 0 0 0,1-2 0 0 0,1 1 93 0 0,0 0-1 0 0,0-1 1 0 0,0 1-1 0 0,0 0 1 0 0,0 1-1 0 0,1-1 1 0 0,-1 0-1 0 0,0 1 1 0 0,1-1-1 0 0,3-1 1 0 0,10-4 715 0 0,0 2 0 0 0,29-8 0 0 0,-43 13-876 0 0,214-40 3023 0 0,3 21-4415 0 0,-156 13-1973 0 0,-1-6-4460 0 0,-38 5 3580 0 0</inkml:trace>
+</inkml:ink>
+</file>
+
+<file path=ppt/ink/ink27.xml><?xml version="1.0" encoding="utf-8"?>
+<inkml:ink xmlns:inkml="http://www.w3.org/2003/InkML">
+  <inkml:definitions>
+    <inkml:context xml:id="ctx0">
+      <inkml:inkSource xml:id="inkSrc0">
+        <inkml:traceFormat>
+          <inkml:channel name="X" type="integer" min="-2.14748E9" max="2.14748E9" units="cm"/>
+          <inkml:channel name="Y" type="integer" min="-2.14748E9" max="2.14748E9" units="cm"/>
+          <inkml:channel name="F" type="integer" max="32767" units="dev"/>
+          <inkml:channel name="OA" type="integer" max="360" units="deg"/>
+          <inkml:channel name="OE" type="integer" max="90" units="deg"/>
+        </inkml:traceFormat>
+        <inkml:channelProperties>
+          <inkml:channelProperty channel="X" name="resolution" value="1000" units="1/cm"/>
+          <inkml:channelProperty channel="Y" name="resolution" value="1000" units="1/cm"/>
+          <inkml:channelProperty channel="F" name="resolution" value="0" units="1/dev"/>
+          <inkml:channelProperty channel="OA" name="resolution" value="1000" units="1/deg"/>
+          <inkml:channelProperty channel="OE" name="resolution" value="1000" units="1/deg"/>
+        </inkml:channelProperties>
+      </inkml:inkSource>
+      <inkml:timestamp xml:id="ts0" timeString="2025-11-13T04:08:28.494"/>
+    </inkml:context>
+    <inkml:brush xml:id="br0">
+      <inkml:brushProperty name="width" value="0.035" units="cm"/>
+      <inkml:brushProperty name="height" value="0.035" units="cm"/>
+      <inkml:brushProperty name="color" value="#E71224"/>
+    </inkml:brush>
+  </inkml:definitions>
+  <inkml:trace contextRef="#ctx0" brushRef="#br0">45 33 2272 0 0,'-36'42'6483'0'0,"34"-40"-3738"0"0,1-1-2502 0 0,0 1 0 0 0,0-1 0 0 0,1 0 0 0 0,-1 1 0 0 0,1-1 0 0 0,-1 0 0 0 0,1 1 0 0 0,-1-1 0 0 0,1 1 0 0 0,0-1 0 0 0,0 0 0 0 0,0 1 0 0 0,0-1 0 0 0,0 1 0 0 0,0-1 0 0 0,0 1 0 0 0,1 1 0 0 0,10 2 36 0 0,1 0 0 0 0,1-1-1 0 0,-1-1 1 0 0,0 0 0 0 0,1 0-1 0 0,20 1 1 0 0,91 1 101 0 0,-78-4-279 0 0,453-16 296 0 0,-166 0-178 0 0,422-24 33 0 0,-213 5-248 0 0,-145 34-21 0 0,-265 5 66 0 0,80-7 64 0 0,105-16-16 0 0,-133 6-37 0 0,-127 7-56 0 0,1 4 0 0 0,-1 2 1 0 0,1 2-1 0 0,-1 3 0 0 0,89 20 1 0 0,-103-14-10 0 0,-40-11-257 0 0,0 0 1 0 0,0 0-1 0 0,0 1 1 0 0,0-1-1 0 0,-1 1 0 0 0,1 0 1 0 0,0 0-1 0 0,-1 0 0 0 0,0 0 1 0 0,1 0-1 0 0,3 4 1 0 0,-5-4-1154 0 0,-12 2-2230 0 0,-4 6-1087 0 0,-10 1 1590 0 0</inkml:trace>
+</inkml:ink>
+</file>
+
+<file path=ppt/ink/ink28.xml><?xml version="1.0" encoding="utf-8"?>
+<inkml:ink xmlns:inkml="http://www.w3.org/2003/InkML">
+  <inkml:definitions>
+    <inkml:context xml:id="ctx0">
+      <inkml:inkSource xml:id="inkSrc0">
+        <inkml:traceFormat>
+          <inkml:channel name="X" type="integer" min="-2.14748E9" max="2.14748E9" units="cm"/>
+          <inkml:channel name="Y" type="integer" min="-2.14748E9" max="2.14748E9" units="cm"/>
+          <inkml:channel name="F" type="integer" max="32767" units="dev"/>
+          <inkml:channel name="OA" type="integer" max="360" units="deg"/>
+          <inkml:channel name="OE" type="integer" max="90" units="deg"/>
+        </inkml:traceFormat>
+        <inkml:channelProperties>
+          <inkml:channelProperty channel="X" name="resolution" value="1000" units="1/cm"/>
+          <inkml:channelProperty channel="Y" name="resolution" value="1000" units="1/cm"/>
+          <inkml:channelProperty channel="F" name="resolution" value="0" units="1/dev"/>
+          <inkml:channelProperty channel="OA" name="resolution" value="1000" units="1/deg"/>
+          <inkml:channelProperty channel="OE" name="resolution" value="1000" units="1/deg"/>
+        </inkml:channelProperties>
+      </inkml:inkSource>
+      <inkml:timestamp xml:id="ts0" timeString="2025-11-13T04:08:37.588"/>
+    </inkml:context>
+    <inkml:brush xml:id="br0">
+      <inkml:brushProperty name="width" value="0.035" units="cm"/>
+      <inkml:brushProperty name="height" value="0.035" units="cm"/>
+      <inkml:brushProperty name="color" value="#E71224"/>
+    </inkml:brush>
+  </inkml:definitions>
+  <inkml:trace contextRef="#ctx0" brushRef="#br0">1 1 3044 0 0,'0'0'2128'0'0,"22"7"694"0"0,16-10-1999 0 0,0 2 0 0 0,0 2 0 0 0,1 1 0 0 0,43 8-1 0 0,-79-9-706 0 0,2-1 8 0 0,-1 1-747 0 0,19 2 1802 0 0,-6-1-8840 0 0</inkml:trace>
+</inkml:ink>
+</file>
+
+<file path=ppt/ink/ink29.xml><?xml version="1.0" encoding="utf-8"?>
+<inkml:ink xmlns:inkml="http://www.w3.org/2003/InkML">
+  <inkml:definitions>
+    <inkml:context xml:id="ctx0">
+      <inkml:inkSource xml:id="inkSrc0">
+        <inkml:traceFormat>
+          <inkml:channel name="X" type="integer" min="-2.14748E9" max="2.14748E9" units="cm"/>
+          <inkml:channel name="Y" type="integer" min="-2.14748E9" max="2.14748E9" units="cm"/>
+          <inkml:channel name="F" type="integer" max="32767" units="dev"/>
+          <inkml:channel name="OA" type="integer" max="360" units="deg"/>
+          <inkml:channel name="OE" type="integer" max="90" units="deg"/>
+        </inkml:traceFormat>
+        <inkml:channelProperties>
+          <inkml:channelProperty channel="X" name="resolution" value="1000" units="1/cm"/>
+          <inkml:channelProperty channel="Y" name="resolution" value="1000" units="1/cm"/>
+          <inkml:channelProperty channel="F" name="resolution" value="0" units="1/dev"/>
+          <inkml:channelProperty channel="OA" name="resolution" value="1000" units="1/deg"/>
+          <inkml:channelProperty channel="OE" name="resolution" value="1000" units="1/deg"/>
+        </inkml:channelProperties>
+      </inkml:inkSource>
+      <inkml:timestamp xml:id="ts0" timeString="2025-11-13T04:08:38.258"/>
+    </inkml:context>
+    <inkml:brush xml:id="br0">
+      <inkml:brushProperty name="width" value="0.035" units="cm"/>
+      <inkml:brushProperty name="height" value="0.035" units="cm"/>
+      <inkml:brushProperty name="color" value="#E71224"/>
+    </inkml:brush>
+  </inkml:definitions>
+  <inkml:trace contextRef="#ctx0" brushRef="#br0">1 27 3292 0 0,'0'0'2481'0'0,"13"-13"519"0"0,5 9-2418 0 0,1 0 0 0 0,0 1 0 0 0,0 1 0 0 0,1 1-1 0 0,29 2 1 0 0,1 2-1906 0 0,-2 2-3317 0 0,-40-4 3356 0 0,-4-1-301 0 0</inkml:trace>
+</inkml:ink>
+</file>
+
+<file path=ppt/ink/ink3.xml><?xml version="1.0" encoding="utf-8"?>
+<inkml:ink xmlns:inkml="http://www.w3.org/2003/InkML">
+  <inkml:definitions>
+    <inkml:context xml:id="ctx0">
+      <inkml:inkSource xml:id="inkSrc0">
+        <inkml:traceFormat>
+          <inkml:channel name="X" type="integer" min="-2.14748E9" max="2.14748E9" units="cm"/>
+          <inkml:channel name="Y" type="integer" min="-2.14748E9" max="2.14748E9" units="cm"/>
+          <inkml:channel name="F" type="integer" max="32767" units="dev"/>
+          <inkml:channel name="OA" type="integer" max="360" units="deg"/>
+          <inkml:channel name="OE" type="integer" max="90" units="deg"/>
+        </inkml:traceFormat>
+        <inkml:channelProperties>
+          <inkml:channelProperty channel="X" name="resolution" value="1000" units="1/cm"/>
+          <inkml:channelProperty channel="Y" name="resolution" value="1000" units="1/cm"/>
+          <inkml:channelProperty channel="F" name="resolution" value="0" units="1/dev"/>
+          <inkml:channelProperty channel="OA" name="resolution" value="1000" units="1/deg"/>
+          <inkml:channelProperty channel="OE" name="resolution" value="1000" units="1/deg"/>
+        </inkml:channelProperties>
+      </inkml:inkSource>
+      <inkml:timestamp xml:id="ts0" timeString="2025-11-13T04:08:07.060"/>
+    </inkml:context>
+    <inkml:brush xml:id="br0">
+      <inkml:brushProperty name="width" value="0.035" units="cm"/>
+      <inkml:brushProperty name="height" value="0.035" units="cm"/>
+      <inkml:brushProperty name="color" value="#E71224"/>
+    </inkml:brush>
+  </inkml:definitions>
+  <inkml:trace contextRef="#ctx0" brushRef="#br0">33 28 4064 0 0,'-1'-3'85'0'0,"-6"-18"3901"0"0,0 18-1906 0 0,-1 14-1641 0 0,6-6-377 0 0,0 0 0 0 0,1 0 0 0 0,-1 0 0 0 0,1 0 0 0 0,0 0 1 0 0,1 0-1 0 0,-1 1 0 0 0,1-1 0 0 0,0 0 0 0 0,0 0 0 0 0,1 0 1 0 0,-1 0-1 0 0,1 1 0 0 0,0-1 0 0 0,1 0 0 0 0,-1 0 0 0 0,1-1 1 0 0,0 1-1 0 0,0 0 0 0 0,1 0 0 0 0,-1-1 0 0 0,1 0 0 0 0,6 8 1 0 0,6 5-35 0 0,1 0 1 0 0,0 0-1 0 0,2-2 1 0 0,20 15-1 0 0,-19-15 16 0 0,-12-8 63 0 0,0 1 0 0 0,-1-1-1 0 0,1 1 1 0 0,-2 0 0 0 0,1 0-1 0 0,-1 1 1 0 0,0 0-1 0 0,-1 0 1 0 0,0 0 0 0 0,5 19-1 0 0,-9-27-98 0 0,0 1 0 0 0,0 0-1 0 0,0-1 1 0 0,0 1 0 0 0,0 0-1 0 0,-1-1 1 0 0,1 1 0 0 0,-1 0-1 0 0,1-1 1 0 0,-1 1 0 0 0,0-1-1 0 0,1 1 1 0 0,-1 0 0 0 0,0-1-1 0 0,0 0 1 0 0,0 1 0 0 0,0-1-1 0 0,0 0 1 0 0,0 1 0 0 0,-1-1-1 0 0,1 0 1 0 0,0 0 0 0 0,-1 0 0 0 0,1 0-1 0 0,0 0 1 0 0,-1 0 0 0 0,1-1-1 0 0,-1 1 1 0 0,0 0 0 0 0,-2 0-1 0 0,-5 2-524 0 0,0 0 0 0 0,0 0-1 0 0,0-1 1 0 0,-14 2 0 0 0,17-4-19 0 0,0 0 0 0 0,0 0 1 0 0,1 0-1 0 0,-1-1 0 0 0,0 1 1 0 0,1-2-1 0 0,-1 1 0 0 0,1 0 1 0 0,-1-1-1 0 0,-6-3 0 0 0,-7-6-1300 0 0</inkml:trace>
+</inkml:ink>
+</file>
+
+<file path=ppt/ink/ink30.xml><?xml version="1.0" encoding="utf-8"?>
+<inkml:ink xmlns:inkml="http://www.w3.org/2003/InkML">
+  <inkml:definitions>
+    <inkml:context xml:id="ctx0">
+      <inkml:inkSource xml:id="inkSrc0">
+        <inkml:traceFormat>
+          <inkml:channel name="X" type="integer" min="-2.14748E9" max="2.14748E9" units="cm"/>
+          <inkml:channel name="Y" type="integer" min="-2.14748E9" max="2.14748E9" units="cm"/>
+          <inkml:channel name="F" type="integer" max="32767" units="dev"/>
+          <inkml:channel name="OA" type="integer" max="360" units="deg"/>
+          <inkml:channel name="OE" type="integer" max="90" units="deg"/>
+        </inkml:traceFormat>
+        <inkml:channelProperties>
+          <inkml:channelProperty channel="X" name="resolution" value="1000" units="1/cm"/>
+          <inkml:channelProperty channel="Y" name="resolution" value="1000" units="1/cm"/>
+          <inkml:channelProperty channel="F" name="resolution" value="0" units="1/dev"/>
+          <inkml:channelProperty channel="OA" name="resolution" value="1000" units="1/deg"/>
+          <inkml:channelProperty channel="OE" name="resolution" value="1000" units="1/deg"/>
+        </inkml:channelProperties>
+      </inkml:inkSource>
+      <inkml:timestamp xml:id="ts0" timeString="2025-11-13T04:08:57.582"/>
+    </inkml:context>
+    <inkml:brush xml:id="br0">
+      <inkml:brushProperty name="width" value="0.035" units="cm"/>
+      <inkml:brushProperty name="height" value="0.035" units="cm"/>
+      <inkml:brushProperty name="color" value="#E71224"/>
+    </inkml:brush>
+  </inkml:definitions>
+  <inkml:trace contextRef="#ctx0" brushRef="#br0">0 4 3452 0 0,'152'-4'5349'0'0,"-147"4"-5041"0"0,0 0-48 0 0,16 2-3 0 0,-15-2-42 0 0,-3 0-52 0 0,38 2 1051 0 0,-37-2-629 0 0,8 4-2565 0 0</inkml:trace>
+</inkml:ink>
+</file>
+
+<file path=ppt/ink/ink31.xml><?xml version="1.0" encoding="utf-8"?>
+<inkml:ink xmlns:inkml="http://www.w3.org/2003/InkML">
+  <inkml:definitions>
+    <inkml:context xml:id="ctx0">
+      <inkml:inkSource xml:id="inkSrc0">
+        <inkml:traceFormat>
+          <inkml:channel name="X" type="integer" min="-2.14748E9" max="2.14748E9" units="cm"/>
+          <inkml:channel name="Y" type="integer" min="-2.14748E9" max="2.14748E9" units="cm"/>
+          <inkml:channel name="F" type="integer" max="32767" units="dev"/>
+          <inkml:channel name="OA" type="integer" max="360" units="deg"/>
+          <inkml:channel name="OE" type="integer" max="90" units="deg"/>
+        </inkml:traceFormat>
+        <inkml:channelProperties>
+          <inkml:channelProperty channel="X" name="resolution" value="1000" units="1/cm"/>
+          <inkml:channelProperty channel="Y" name="resolution" value="1000" units="1/cm"/>
+          <inkml:channelProperty channel="F" name="resolution" value="0" units="1/dev"/>
+          <inkml:channelProperty channel="OA" name="resolution" value="1000" units="1/deg"/>
+          <inkml:channelProperty channel="OE" name="resolution" value="1000" units="1/deg"/>
+        </inkml:channelProperties>
+      </inkml:inkSource>
+      <inkml:timestamp xml:id="ts0" timeString="2025-11-13T04:09:02.821"/>
+    </inkml:context>
+    <inkml:brush xml:id="br0">
+      <inkml:brushProperty name="width" value="0.035" units="cm"/>
+      <inkml:brushProperty name="height" value="0.035" units="cm"/>
+      <inkml:brushProperty name="color" value="#E71224"/>
+    </inkml:brush>
+  </inkml:definitions>
+  <inkml:trace contextRef="#ctx0" brushRef="#br0">0 8 3376 0 0,'20'4'4006'0'0,"48"4"838"0"0,35-9-2081 0 0,-47-1-1925 0 0,8-4-122 0 0,-43 6-612 0 0,22-1 73 0 0,43-8 0 0 0,-77 8-939 0 0,-22 5-12049 0 0</inkml:trace>
+</inkml:ink>
+</file>
+
+<file path=ppt/ink/ink32.xml><?xml version="1.0" encoding="utf-8"?>
+<inkml:ink xmlns:inkml="http://www.w3.org/2003/InkML">
+  <inkml:definitions>
+    <inkml:context xml:id="ctx0">
+      <inkml:inkSource xml:id="inkSrc0">
+        <inkml:traceFormat>
+          <inkml:channel name="X" type="integer" min="-2.14748E9" max="2.14748E9" units="cm"/>
+          <inkml:channel name="Y" type="integer" min="-2.14748E9" max="2.14748E9" units="cm"/>
+          <inkml:channel name="F" type="integer" max="32767" units="dev"/>
+          <inkml:channel name="OA" type="integer" max="360" units="deg"/>
+          <inkml:channel name="OE" type="integer" max="90" units="deg"/>
+        </inkml:traceFormat>
+        <inkml:channelProperties>
+          <inkml:channelProperty channel="X" name="resolution" value="1000" units="1/cm"/>
+          <inkml:channelProperty channel="Y" name="resolution" value="1000" units="1/cm"/>
+          <inkml:channelProperty channel="F" name="resolution" value="0" units="1/dev"/>
+          <inkml:channelProperty channel="OA" name="resolution" value="1000" units="1/deg"/>
+          <inkml:channelProperty channel="OE" name="resolution" value="1000" units="1/deg"/>
+        </inkml:channelProperties>
+      </inkml:inkSource>
+      <inkml:timestamp xml:id="ts0" timeString="2025-11-13T04:09:03.676"/>
+    </inkml:context>
+    <inkml:brush xml:id="br0">
+      <inkml:brushProperty name="width" value="0.035" units="cm"/>
+      <inkml:brushProperty name="height" value="0.035" units="cm"/>
+      <inkml:brushProperty name="color" value="#E71224"/>
+    </inkml:brush>
+  </inkml:definitions>
+  <inkml:trace contextRef="#ctx0" brushRef="#br0">1 1 3204 0 0,'164'3'7681'0'0,"0"1"-5773"0"0,-111 3-1701 0 0,-49-6-186 0 0,11 2-62 0 0</inkml:trace>
+</inkml:ink>
+</file>
+
+<file path=ppt/ink/ink33.xml><?xml version="1.0" encoding="utf-8"?>
+<inkml:ink xmlns:inkml="http://www.w3.org/2003/InkML">
+  <inkml:definitions>
+    <inkml:context xml:id="ctx0">
+      <inkml:inkSource xml:id="inkSrc0">
+        <inkml:traceFormat>
+          <inkml:channel name="X" type="integer" min="-2.14748E9" max="2.14748E9" units="cm"/>
+          <inkml:channel name="Y" type="integer" min="-2.14748E9" max="2.14748E9" units="cm"/>
+          <inkml:channel name="F" type="integer" max="32767" units="dev"/>
+          <inkml:channel name="OA" type="integer" max="360" units="deg"/>
+          <inkml:channel name="OE" type="integer" max="90" units="deg"/>
+        </inkml:traceFormat>
+        <inkml:channelProperties>
+          <inkml:channelProperty channel="X" name="resolution" value="1000" units="1/cm"/>
+          <inkml:channelProperty channel="Y" name="resolution" value="1000" units="1/cm"/>
+          <inkml:channelProperty channel="F" name="resolution" value="0" units="1/dev"/>
+          <inkml:channelProperty channel="OA" name="resolution" value="1000" units="1/deg"/>
+          <inkml:channelProperty channel="OE" name="resolution" value="1000" units="1/deg"/>
+        </inkml:channelProperties>
+      </inkml:inkSource>
+      <inkml:timestamp xml:id="ts0" timeString="2025-11-13T04:09:08.757"/>
+    </inkml:context>
+    <inkml:brush xml:id="br0">
+      <inkml:brushProperty name="width" value="0.035" units="cm"/>
+      <inkml:brushProperty name="height" value="0.035" units="cm"/>
+      <inkml:brushProperty name="color" value="#E71224"/>
+    </inkml:brush>
+  </inkml:definitions>
+  <inkml:trace contextRef="#ctx0" brushRef="#br0">26 12 3164 0 0,'-26'4'11143'0'0,"51"-2"-10620"0"0,33 1 178 0 0,-12-8-458 0 0,130-10 296 0 0,-110 20 216 0 0,-62-5-753 0 0</inkml:trace>
+</inkml:ink>
+</file>
+
+<file path=ppt/ink/ink34.xml><?xml version="1.0" encoding="utf-8"?>
+<inkml:ink xmlns:inkml="http://www.w3.org/2003/InkML">
+  <inkml:definitions>
+    <inkml:context xml:id="ctx0">
+      <inkml:inkSource xml:id="inkSrc0">
+        <inkml:traceFormat>
+          <inkml:channel name="X" type="integer" min="-2.14748E9" max="2.14748E9" units="cm"/>
+          <inkml:channel name="Y" type="integer" min="-2.14748E9" max="2.14748E9" units="cm"/>
+          <inkml:channel name="F" type="integer" max="32767" units="dev"/>
+          <inkml:channel name="OA" type="integer" max="360" units="deg"/>
+          <inkml:channel name="OE" type="integer" max="90" units="deg"/>
+        </inkml:traceFormat>
+        <inkml:channelProperties>
+          <inkml:channelProperty channel="X" name="resolution" value="1000" units="1/cm"/>
+          <inkml:channelProperty channel="Y" name="resolution" value="1000" units="1/cm"/>
+          <inkml:channelProperty channel="F" name="resolution" value="0" units="1/dev"/>
+          <inkml:channelProperty channel="OA" name="resolution" value="1000" units="1/deg"/>
+          <inkml:channelProperty channel="OE" name="resolution" value="1000" units="1/deg"/>
+        </inkml:channelProperties>
+      </inkml:inkSource>
+      <inkml:timestamp xml:id="ts0" timeString="2025-11-13T04:09:21.787"/>
+    </inkml:context>
+    <inkml:brush xml:id="br0">
+      <inkml:brushProperty name="width" value="0.035" units="cm"/>
+      <inkml:brushProperty name="height" value="0.035" units="cm"/>
+      <inkml:brushProperty name="color" value="#E71224"/>
+    </inkml:brush>
+  </inkml:definitions>
+  <inkml:trace contextRef="#ctx0" brushRef="#br0">80 185 2192 0 0,'0'0'4029'0'0,"1"-20"-3167"0"0,74-143 4577 0 0,-74 161-3915 0 0,-3 5-1160 0 0,-14 26 436 0 0,-34 45 1 0 0,35-55-646 0 0,1 1 0 0 0,1 0-1 0 0,1 1 1 0 0,0 0 0 0 0,-8 25 0 0 0,19-44-151 0 0,1-1 0 0 0,-1 0 0 0 0,1 0-1 0 0,0 0 1 0 0,0 1 0 0 0,0-1 0 0 0,-1 0 0 0 0,1 0-1 0 0,0 1 1 0 0,0-1 0 0 0,1 0 0 0 0,-1 1-1 0 0,0-1 1 0 0,0 0 0 0 0,0 0 0 0 0,1 0 0 0 0,-1 1-1 0 0,1-1 1 0 0,-1 0 0 0 0,1 0 0 0 0,0 0 0 0 0,-1 0-1 0 0,1 0 1 0 0,0 0 0 0 0,0 0 0 0 0,-1 0-1 0 0,1 0 1 0 0,0 0 0 0 0,0 0 0 0 0,0 0 0 0 0,0-1-1 0 0,0 1 1 0 0,0 0 0 0 0,1-1 0 0 0,-1 1 0 0 0,0-1-1 0 0,0 1 1 0 0,2 0 0 0 0,5 0 2 0 0,-1 1-1 0 0,1-1 1 0 0,-1 0-1 0 0,16 0 1 0 0,-15 0-6 0 0,18 0 30 0 0,-2-1-41 0 0,0 1 0 0 0,0 2 0 0 0,0 0-1 0 0,38 11 1 0 0,-58-13 12 0 0,1 1 0 0 0,-1-1-1 0 0,0 1 1 0 0,0 0 0 0 0,0 0 0 0 0,0 0-1 0 0,0 1 1 0 0,0-1 0 0 0,-1 1 0 0 0,1 0-1 0 0,-1 0 1 0 0,0 0 0 0 0,0 0 0 0 0,0 1-1 0 0,0-1 1 0 0,0 1 0 0 0,-1 0 0 0 0,0 0-1 0 0,0-1 1 0 0,0 2 0 0 0,0-1 0 0 0,0 0-1 0 0,-1 0 1 0 0,0 1 0 0 0,0-1 0 0 0,0 0-1 0 0,0 1 1 0 0,-1-1 0 0 0,0 1 0 0 0,0-1-1 0 0,0 6 1 0 0,0-6-49 0 0,-1-1 1 0 0,1 1-1 0 0,0-1 0 0 0,-1 1 0 0 0,0-1 1 0 0,0 0-1 0 0,0 1 0 0 0,0-1 0 0 0,-1 0 0 0 0,1 0 1 0 0,-1 1-1 0 0,0-1 0 0 0,0 0 0 0 0,0-1 1 0 0,0 1-1 0 0,0 0 0 0 0,-1-1 0 0 0,1 1 0 0 0,-1-1 1 0 0,0 0-1 0 0,1 1 0 0 0,-1-1 0 0 0,0-1 1 0 0,0 1-1 0 0,-1 0 0 0 0,1-1 0 0 0,0 0 1 0 0,0 1-1 0 0,-7 0 0 0 0,2-1-901 0 0,-1 0 0 0 0,1 0 0 0 0,0-1 0 0 0,-1 0 0 0 0,1 0 0 0 0,-1-1 0 0 0,1 0 0 0 0,0 0 0 0 0,-15-6 0 0 0,1-1-1814 0 0</inkml:trace>
+</inkml:ink>
+</file>
+
+<file path=ppt/ink/ink35.xml><?xml version="1.0" encoding="utf-8"?>
+<inkml:ink xmlns:inkml="http://www.w3.org/2003/InkML">
+  <inkml:definitions>
+    <inkml:context xml:id="ctx0">
+      <inkml:inkSource xml:id="inkSrc0">
+        <inkml:traceFormat>
+          <inkml:channel name="X" type="integer" min="-2.14748E9" max="2.14748E9" units="cm"/>
+          <inkml:channel name="Y" type="integer" min="-2.14748E9" max="2.14748E9" units="cm"/>
+          <inkml:channel name="F" type="integer" max="32767" units="dev"/>
+          <inkml:channel name="OA" type="integer" max="360" units="deg"/>
+          <inkml:channel name="OE" type="integer" max="90" units="deg"/>
+        </inkml:traceFormat>
+        <inkml:channelProperties>
+          <inkml:channelProperty channel="X" name="resolution" value="1000" units="1/cm"/>
+          <inkml:channelProperty channel="Y" name="resolution" value="1000" units="1/cm"/>
+          <inkml:channelProperty channel="F" name="resolution" value="0" units="1/dev"/>
+          <inkml:channelProperty channel="OA" name="resolution" value="1000" units="1/deg"/>
+          <inkml:channelProperty channel="OE" name="resolution" value="1000" units="1/deg"/>
+        </inkml:channelProperties>
+      </inkml:inkSource>
+      <inkml:timestamp xml:id="ts0" timeString="2025-11-13T04:09:22.129"/>
+    </inkml:context>
+    <inkml:brush xml:id="br0">
+      <inkml:brushProperty name="width" value="0.035" units="cm"/>
+      <inkml:brushProperty name="height" value="0.035" units="cm"/>
+      <inkml:brushProperty name="color" value="#E71224"/>
+    </inkml:brush>
+  </inkml:definitions>
+  <inkml:trace contextRef="#ctx0" brushRef="#br0">1 77 3980 0 0,'23'-16'1493'0'0,"1"3"-117"0"0,3 0-340 0 0,3 3-112 0 0,-1 2-220 0 0,5-1-124 0 0,2 5-176 0 0,-2 0-72 0 0,0 4-172 0 0,2 4-280 0 0,-4 0-576 0 0,-3 2-640 0 0,-3 1-1220 0 0,-1 5 695 0 0,-4-1 869 0 0</inkml:trace>
+</inkml:ink>
+</file>
+
+<file path=ppt/ink/ink36.xml><?xml version="1.0" encoding="utf-8"?>
+<inkml:ink xmlns:inkml="http://www.w3.org/2003/InkML">
+  <inkml:definitions>
+    <inkml:context xml:id="ctx0">
+      <inkml:inkSource xml:id="inkSrc0">
+        <inkml:traceFormat>
+          <inkml:channel name="X" type="integer" min="-2.14748E9" max="2.14748E9" units="cm"/>
+          <inkml:channel name="Y" type="integer" min="-2.14748E9" max="2.14748E9" units="cm"/>
+          <inkml:channel name="F" type="integer" max="32767" units="dev"/>
+          <inkml:channel name="OA" type="integer" max="360" units="deg"/>
+          <inkml:channel name="OE" type="integer" max="90" units="deg"/>
+        </inkml:traceFormat>
+        <inkml:channelProperties>
+          <inkml:channelProperty channel="X" name="resolution" value="1000" units="1/cm"/>
+          <inkml:channelProperty channel="Y" name="resolution" value="1000" units="1/cm"/>
+          <inkml:channelProperty channel="F" name="resolution" value="0" units="1/dev"/>
+          <inkml:channelProperty channel="OA" name="resolution" value="1000" units="1/deg"/>
+          <inkml:channelProperty channel="OE" name="resolution" value="1000" units="1/deg"/>
+        </inkml:channelProperties>
+      </inkml:inkSource>
+      <inkml:timestamp xml:id="ts0" timeString="2025-11-13T04:09:22.456"/>
+    </inkml:context>
+    <inkml:brush xml:id="br0">
+      <inkml:brushProperty name="width" value="0.035" units="cm"/>
+      <inkml:brushProperty name="height" value="0.035" units="cm"/>
+      <inkml:brushProperty name="color" value="#E71224"/>
+    </inkml:brush>
+  </inkml:definitions>
+  <inkml:trace contextRef="#ctx0" brushRef="#br0">1 0 4116 0 0,'0'0'1517'0'0,"14"14"1259"0"0,12-12-492 0 0,10 1-696 0 0,2-3-732 0 0,6 2-612 0 0,1-2-300 0 0,-5 0-2028 0 0,-15 2-3560 0 0</inkml:trace>
+</inkml:ink>
+</file>
+
+<file path=ppt/ink/ink37.xml><?xml version="1.0" encoding="utf-8"?>
+<inkml:ink xmlns:inkml="http://www.w3.org/2003/InkML">
+  <inkml:definitions>
+    <inkml:context xml:id="ctx0">
+      <inkml:inkSource xml:id="inkSrc0">
+        <inkml:traceFormat>
+          <inkml:channel name="X" type="integer" min="-2.14748E9" max="2.14748E9" units="cm"/>
+          <inkml:channel name="Y" type="integer" min="-2.14748E9" max="2.14748E9" units="cm"/>
+          <inkml:channel name="F" type="integer" max="32767" units="dev"/>
+          <inkml:channel name="OA" type="integer" max="360" units="deg"/>
+          <inkml:channel name="OE" type="integer" max="90" units="deg"/>
+        </inkml:traceFormat>
+        <inkml:channelProperties>
+          <inkml:channelProperty channel="X" name="resolution" value="1000" units="1/cm"/>
+          <inkml:channelProperty channel="Y" name="resolution" value="1000" units="1/cm"/>
+          <inkml:channelProperty channel="F" name="resolution" value="0" units="1/dev"/>
+          <inkml:channelProperty channel="OA" name="resolution" value="1000" units="1/deg"/>
+          <inkml:channelProperty channel="OE" name="resolution" value="1000" units="1/deg"/>
+        </inkml:channelProperties>
+      </inkml:inkSource>
+      <inkml:timestamp xml:id="ts0" timeString="2025-11-13T04:09:22.800"/>
+    </inkml:context>
+    <inkml:brush xml:id="br0">
+      <inkml:brushProperty name="width" value="0.035" units="cm"/>
+      <inkml:brushProperty name="height" value="0.035" units="cm"/>
+      <inkml:brushProperty name="color" value="#E71224"/>
+    </inkml:brush>
+  </inkml:definitions>
+  <inkml:trace contextRef="#ctx0" brushRef="#br0">85 138 3156 0 0,'4'-11'560'0'0,"0"0"-1"0"0,1 1 0 0 0,0-1 0 0 0,0 1 1 0 0,1 0-1 0 0,1 0 0 0 0,0 1 0 0 0,0 0 1 0 0,1 0-1 0 0,0 0 0 0 0,13-10 1 0 0,-21 19-547 0 0,1-1 1 0 0,-1 0-1 0 0,1 1 1 0 0,-1-1 0 0 0,1 0-1 0 0,-1 1 1 0 0,1-1 0 0 0,-1 1-1 0 0,1-1 1 0 0,0 1 0 0 0,-1-1-1 0 0,1 1 1 0 0,0 0-1 0 0,-1-1 1 0 0,1 1 0 0 0,0 0-1 0 0,-1-1 1 0 0,1 1 0 0 0,0 0-1 0 0,0 0 1 0 0,0 0 0 0 0,-1 0-1 0 0,1 0 1 0 0,0 0 0 0 0,0 0-1 0 0,-1 0 1 0 0,1 0-1 0 0,0 0 1 0 0,0 0 0 0 0,-1 0-1 0 0,1 0 1 0 0,0 1 0 0 0,0-1-1 0 0,-1 0 1 0 0,1 0 0 0 0,0 1-1 0 0,-1-1 1 0 0,1 1-1 0 0,0-1 1 0 0,-1 1 0 0 0,1-1-1 0 0,0 1 1 0 0,-1-1 0 0 0,1 1-1 0 0,-1-1 1 0 0,1 1 0 0 0,-1 0-1 0 0,0-1 1 0 0,1 1-1 0 0,-1 0 1 0 0,0-1 0 0 0,1 1-1 0 0,-1 0 1 0 0,0 0 0 0 0,1 0-1 0 0,0 3 18 0 0,0 0-1 0 0,0 0 1 0 0,-1 0 0 0 0,1 0-1 0 0,-1 0 1 0 0,0 0-1 0 0,0 0 1 0 0,-1 6-1 0 0,-3 5 175 0 0,-1 0 0 0 0,-1 0-1 0 0,0 0 1 0 0,-1-1 0 0 0,-1 0-1 0 0,-11 16 1 0 0,-65 79 491 0 0,59-78-601 0 0,19-23-40 0 0,1-3 91 0 0,1 0 1 0 0,0 0 0 0 0,0 1-1 0 0,0-1 1 0 0,1 1-1 0 0,0 0 1 0 0,0-1-1 0 0,0 2 1 0 0,-2 9 0 0 0,4-13 87 0 0,8 15 318 0 0,79 19-427 0 0,-72-32-1229 0 0,1 0 0 0 0,-1-2 0 0 0,1 0 0 0 0,17 2 0 0 0,-15-6-2241 0 0,-4-4 2512 0 0,-6 2 165 0 0,15-5-1100 0 0</inkml:trace>
+</inkml:ink>
+</file>
+
+<file path=ppt/ink/ink38.xml><?xml version="1.0" encoding="utf-8"?>
+<inkml:ink xmlns:inkml="http://www.w3.org/2003/InkML">
+  <inkml:definitions>
+    <inkml:context xml:id="ctx0">
+      <inkml:inkSource xml:id="inkSrc0">
+        <inkml:traceFormat>
+          <inkml:channel name="X" type="integer" min="-2.14748E9" max="2.14748E9" units="cm"/>
+          <inkml:channel name="Y" type="integer" min="-2.14748E9" max="2.14748E9" units="cm"/>
+          <inkml:channel name="F" type="integer" max="32767" units="dev"/>
+          <inkml:channel name="OA" type="integer" max="360" units="deg"/>
+          <inkml:channel name="OE" type="integer" max="90" units="deg"/>
+        </inkml:traceFormat>
+        <inkml:channelProperties>
+          <inkml:channelProperty channel="X" name="resolution" value="1000" units="1/cm"/>
+          <inkml:channelProperty channel="Y" name="resolution" value="1000" units="1/cm"/>
+          <inkml:channelProperty channel="F" name="resolution" value="0" units="1/dev"/>
+          <inkml:channelProperty channel="OA" name="resolution" value="1000" units="1/deg"/>
+          <inkml:channelProperty channel="OE" name="resolution" value="1000" units="1/deg"/>
+        </inkml:channelProperties>
+      </inkml:inkSource>
+      <inkml:timestamp xml:id="ts0" timeString="2025-11-13T04:09:23.128"/>
+    </inkml:context>
+    <inkml:brush xml:id="br0">
+      <inkml:brushProperty name="width" value="0.035" units="cm"/>
+      <inkml:brushProperty name="height" value="0.035" units="cm"/>
+      <inkml:brushProperty name="color" value="#E71224"/>
+    </inkml:brush>
+  </inkml:definitions>
+  <inkml:trace contextRef="#ctx0" brushRef="#br0">88 48 2952 0 0,'44'50'4181'0'0,"-30"-35"-3326"0"0,-1 0 1 0 0,0 0 0 0 0,16 27 0 0 0,-28-40-804 0 0,0 0 1 0 0,-1 0-1 0 0,1 0 0 0 0,-1 0 0 0 0,1 0 0 0 0,-1 0 1 0 0,0 0-1 0 0,0 0 0 0 0,1 0 0 0 0,-2 0 0 0 0,1 0 1 0 0,0 0-1 0 0,0 0 0 0 0,0 0 0 0 0,-1 0 0 0 0,0 0 1 0 0,1 0-1 0 0,-1 0 0 0 0,0 0 0 0 0,0 0 0 0 0,0-1 1 0 0,0 1-1 0 0,0 0 0 0 0,0 0 0 0 0,0-1 0 0 0,0 1 1 0 0,-1-1-1 0 0,-1 2 0 0 0,-1 1-5 0 0,0 0-1 0 0,0 0 1 0 0,-1-1 0 0 0,1 0 0 0 0,-1 0-1 0 0,0 0 1 0 0,-9 4 0 0 0,8-5-239 0 0,0 0 0 0 0,0-1 0 0 0,0 1 0 0 0,0-1 0 0 0,0-1 0 0 0,0 1 0 0 0,0-1 1 0 0,0 0-1 0 0,-10-2 0 0 0,10 1-402 0 0,1 0 0 0 0,-1-1 0 0 0,1 0 1 0 0,0 0-1 0 0,0-1 0 0 0,-1 1 0 0 0,2-1 1 0 0,-1 0-1 0 0,-6-5 0 0 0,-4-5-565 0 0</inkml:trace>
+  <inkml:trace contextRef="#ctx0" brushRef="#br0" timeOffset="1">208 27 3904 0 0,'30'-5'1945'0'0,"0"-1"-269"0"0,1 2-196 0 0,1 2-196 0 0,-2 0-172 0 0,2 0-212 0 0,-1 0-260 0 0,-3 1-120 0 0,-1-1 72 0 0,18 2-708 0 0,-11 0-1776 0 0</inkml:trace>
+</inkml:ink>
+</file>
+
+<file path=ppt/ink/ink39.xml><?xml version="1.0" encoding="utf-8"?>
+<inkml:ink xmlns:inkml="http://www.w3.org/2003/InkML">
+  <inkml:definitions>
+    <inkml:context xml:id="ctx0">
+      <inkml:inkSource xml:id="inkSrc0">
+        <inkml:traceFormat>
+          <inkml:channel name="X" type="integer" min="-2.14748E9" max="2.14748E9" units="cm"/>
+          <inkml:channel name="Y" type="integer" min="-2.14748E9" max="2.14748E9" units="cm"/>
+          <inkml:channel name="F" type="integer" max="32767" units="dev"/>
+          <inkml:channel name="OA" type="integer" max="360" units="deg"/>
+          <inkml:channel name="OE" type="integer" max="90" units="deg"/>
+        </inkml:traceFormat>
+        <inkml:channelProperties>
+          <inkml:channelProperty channel="X" name="resolution" value="1000" units="1/cm"/>
+          <inkml:channelProperty channel="Y" name="resolution" value="1000" units="1/cm"/>
+          <inkml:channelProperty channel="F" name="resolution" value="0" units="1/dev"/>
+          <inkml:channelProperty channel="OA" name="resolution" value="1000" units="1/deg"/>
+          <inkml:channelProperty channel="OE" name="resolution" value="1000" units="1/deg"/>
+        </inkml:channelProperties>
+      </inkml:inkSource>
+      <inkml:timestamp xml:id="ts0" timeString="2025-11-13T04:09:25.109"/>
+    </inkml:context>
+    <inkml:brush xml:id="br0">
+      <inkml:brushProperty name="width" value="0.035" units="cm"/>
+      <inkml:brushProperty name="height" value="0.035" units="cm"/>
+      <inkml:brushProperty name="color" value="#E71224"/>
+    </inkml:brush>
+  </inkml:definitions>
+  <inkml:trace contextRef="#ctx0" brushRef="#br0">1 1 3348 0 0,'0'0'5645'0'0,"3"2"-4963"0"0,0 1-483 0 0,-1 0 1 0 0,1 0-1 0 0,0 1 1 0 0,-1-1-1 0 0,0 1 1 0 0,0-1 0 0 0,0 1-1 0 0,0 0 1 0 0,-1 0-1 0 0,1 0 1 0 0,-1 0-1 0 0,0 0 1 0 0,0 0-1 0 0,0 1 1 0 0,-1-1-1 0 0,0 0 1 0 0,0 0-1 0 0,0 9 1 0 0,-2 17 350 0 0,-7 48 1 0 0,3-42-111 0 0,4-17-681 0 0,1 1-1 0 0,1 40 1 0 0,8-16-8646 0 0,-4-31 6919 0 0</inkml:trace>
+</inkml:ink>
+</file>
+
+<file path=ppt/ink/ink4.xml><?xml version="1.0" encoding="utf-8"?>
+<inkml:ink xmlns:inkml="http://www.w3.org/2003/InkML">
+  <inkml:definitions>
+    <inkml:context xml:id="ctx0">
+      <inkml:inkSource xml:id="inkSrc0">
+        <inkml:traceFormat>
+          <inkml:channel name="X" type="integer" min="-2.14748E9" max="2.14748E9" units="cm"/>
+          <inkml:channel name="Y" type="integer" min="-2.14748E9" max="2.14748E9" units="cm"/>
+          <inkml:channel name="F" type="integer" max="32767" units="dev"/>
+          <inkml:channel name="OA" type="integer" max="360" units="deg"/>
+          <inkml:channel name="OE" type="integer" max="90" units="deg"/>
+        </inkml:traceFormat>
+        <inkml:channelProperties>
+          <inkml:channelProperty channel="X" name="resolution" value="1000" units="1/cm"/>
+          <inkml:channelProperty channel="Y" name="resolution" value="1000" units="1/cm"/>
+          <inkml:channelProperty channel="F" name="resolution" value="0" units="1/dev"/>
+          <inkml:channelProperty channel="OA" name="resolution" value="1000" units="1/deg"/>
+          <inkml:channelProperty channel="OE" name="resolution" value="1000" units="1/deg"/>
+        </inkml:channelProperties>
+      </inkml:inkSource>
+      <inkml:timestamp xml:id="ts0" timeString="2025-11-13T04:08:07.389"/>
+    </inkml:context>
+    <inkml:brush xml:id="br0">
+      <inkml:brushProperty name="width" value="0.035" units="cm"/>
+      <inkml:brushProperty name="height" value="0.035" units="cm"/>
+      <inkml:brushProperty name="color" value="#E71224"/>
+    </inkml:brush>
+  </inkml:definitions>
+  <inkml:trace contextRef="#ctx0" brushRef="#br0">0 130 3484 0 0,'11'-17'1388'0'0,"4"0"-179"0"0,2 0-173 0 0,-1 3-112 0 0,6 3-176 0 0,-1-3-116 0 0,4 3-140 0 0,1 2-100 0 0,3 1-52 0 0,-1 2-160 0 0,-1 2-312 0 0,-1 2-392 0 0,3 2-480 0 0,-3 0-1632 0 0,22 2-465 0 0</inkml:trace>
+</inkml:ink>
+</file>
+
+<file path=ppt/ink/ink40.xml><?xml version="1.0" encoding="utf-8"?>
+<inkml:ink xmlns:inkml="http://www.w3.org/2003/InkML">
+  <inkml:definitions>
+    <inkml:context xml:id="ctx0">
+      <inkml:inkSource xml:id="inkSrc0">
+        <inkml:traceFormat>
+          <inkml:channel name="X" type="integer" min="-2.14748E9" max="2.14748E9" units="cm"/>
+          <inkml:channel name="Y" type="integer" min="-2.14748E9" max="2.14748E9" units="cm"/>
+          <inkml:channel name="F" type="integer" max="32767" units="dev"/>
+          <inkml:channel name="OA" type="integer" max="360" units="deg"/>
+          <inkml:channel name="OE" type="integer" max="90" units="deg"/>
+        </inkml:traceFormat>
+        <inkml:channelProperties>
+          <inkml:channelProperty channel="X" name="resolution" value="1000" units="1/cm"/>
+          <inkml:channelProperty channel="Y" name="resolution" value="1000" units="1/cm"/>
+          <inkml:channelProperty channel="F" name="resolution" value="0" units="1/dev"/>
+          <inkml:channelProperty channel="OA" name="resolution" value="1000" units="1/deg"/>
+          <inkml:channelProperty channel="OE" name="resolution" value="1000" units="1/deg"/>
+        </inkml:channelProperties>
+      </inkml:inkSource>
+      <inkml:timestamp xml:id="ts0" timeString="2025-11-13T04:09:26.188"/>
+    </inkml:context>
+    <inkml:brush xml:id="br0">
+      <inkml:brushProperty name="width" value="0.035" units="cm"/>
+      <inkml:brushProperty name="height" value="0.035" units="cm"/>
+      <inkml:brushProperty name="color" value="#E71224"/>
+    </inkml:brush>
+  </inkml:definitions>
+  <inkml:trace contextRef="#ctx0" brushRef="#br0">21 1 2816 0 0,'-21'0'2001'0'0,"35"1"1661"0"0,17 0-683 0 0,-16-1-3901 0 0,43 1 1170 0 0,69 9 1 0 0,29 2-7253 0 0,-130-12 6403 0 0</inkml:trace>
+</inkml:ink>
+</file>
+
+<file path=ppt/ink/ink41.xml><?xml version="1.0" encoding="utf-8"?>
+<inkml:ink xmlns:inkml="http://www.w3.org/2003/InkML">
+  <inkml:definitions>
+    <inkml:context xml:id="ctx0">
+      <inkml:inkSource xml:id="inkSrc0">
+        <inkml:traceFormat>
+          <inkml:channel name="X" type="integer" min="-2.14748E9" max="2.14748E9" units="cm"/>
+          <inkml:channel name="Y" type="integer" min="-2.14748E9" max="2.14748E9" units="cm"/>
+          <inkml:channel name="F" type="integer" max="32767" units="dev"/>
+          <inkml:channel name="OA" type="integer" max="360" units="deg"/>
+          <inkml:channel name="OE" type="integer" max="90" units="deg"/>
+        </inkml:traceFormat>
+        <inkml:channelProperties>
+          <inkml:channelProperty channel="X" name="resolution" value="1000" units="1/cm"/>
+          <inkml:channelProperty channel="Y" name="resolution" value="1000" units="1/cm"/>
+          <inkml:channelProperty channel="F" name="resolution" value="0" units="1/dev"/>
+          <inkml:channelProperty channel="OA" name="resolution" value="1000" units="1/deg"/>
+          <inkml:channelProperty channel="OE" name="resolution" value="1000" units="1/deg"/>
+        </inkml:channelProperties>
+      </inkml:inkSource>
+      <inkml:timestamp xml:id="ts0" timeString="2025-11-13T04:09:26.624"/>
+    </inkml:context>
+    <inkml:brush xml:id="br0">
+      <inkml:brushProperty name="width" value="0.035" units="cm"/>
+      <inkml:brushProperty name="height" value="0.035" units="cm"/>
+      <inkml:brushProperty name="color" value="#E71224"/>
+    </inkml:brush>
+  </inkml:definitions>
+  <inkml:trace contextRef="#ctx0" brushRef="#br0">275 12 3248 0 0,'8'-5'1700'0'0,"-8"5"-1654"0"0,0 0 1 0 0,0-1-1 0 0,0 1 1 0 0,0 0-1 0 0,0 0 1 0 0,0 0 0 0 0,-1 0-1 0 0,1 0 1 0 0,0 0-1 0 0,0 0 1 0 0,0 0-1 0 0,0 0 1 0 0,0-1-1 0 0,0 1 1 0 0,0 0-1 0 0,0 0 1 0 0,0 0 0 0 0,0 0-1 0 0,0 0 1 0 0,0 0-1 0 0,0-1 1 0 0,-1 1-1 0 0,1 0 1 0 0,0 0-1 0 0,0 0 1 0 0,0 0-1 0 0,0 0 1 0 0,0 0 0 0 0,0-1-1 0 0,1 1 1 0 0,-1 0-1 0 0,0 0 1 0 0,0 0-1 0 0,0 0 1 0 0,0 0-1 0 0,0 0 1 0 0,0-1-1 0 0,0 1 1 0 0,0 0 0 0 0,0 0-1 0 0,0 0 1 0 0,0 0-1 0 0,0 0 1 0 0,0 0-1 0 0,0 0 1 0 0,1-1-1 0 0,-1 1 1 0 0,0 0-1 0 0,0 0 1 0 0,0 0-1 0 0,0 0 1 0 0,0 0 0 0 0,0 0-1 0 0,0 0 1 0 0,1 0-1 0 0,-1 0 1 0 0,0 0-1 0 0,0 0 1 0 0,0 0-1 0 0,0 0 1 0 0,0 0-1 0 0,1 0 1 0 0,-1 0 0 0 0,0 0-1 0 0,0 0 1 0 0,0 0-1 0 0,0 0 1 0 0,-11 1 154 0 0,0 1 0 0 0,0 0 0 0 0,0 1 0 0 0,0 0 0 0 0,1 1 0 0 0,-1 0 0 0 0,1 1 0 0 0,-18 10 0 0 0,2 0 57 0 0,1 2 1 0 0,-29 24 0 0 0,47-35-210 0 0,1-1 0 0 0,0 1 1 0 0,0 0-1 0 0,1 0 1 0 0,0 1-1 0 0,0-1 0 0 0,1 1 1 0 0,-1 0-1 0 0,1 0 1 0 0,-5 15-1 0 0,8-19-28 0 0,0 1 0 0 0,1-1-1 0 0,-1 1 1 0 0,1-1 0 0 0,0 1 0 0 0,0-1-1 0 0,0 0 1 0 0,0 1 0 0 0,1-1 0 0 0,-1 1-1 0 0,1-1 1 0 0,0 1 0 0 0,0-1 0 0 0,0 0-1 0 0,1 0 1 0 0,-1 1 0 0 0,1-1 0 0 0,0 0-1 0 0,0 0 1 0 0,0-1 0 0 0,0 1 0 0 0,0 0 0 0 0,0-1-1 0 0,1 1 1 0 0,-1-1 0 0 0,1 1 0 0 0,0-1-1 0 0,3 2 1 0 0,-1 0-106 0 0,0-1-1 0 0,0 1 1 0 0,0-1 0 0 0,0 0-1 0 0,1 0 1 0 0,-1-1 0 0 0,1 1 0 0 0,0-1-1 0 0,0 0 1 0 0,-1-1 0 0 0,1 0-1 0 0,1 1 1 0 0,-1-2 0 0 0,0 1-1 0 0,0-1 1 0 0,0 0 0 0 0,0 0-1 0 0,0-1 1 0 0,0 0 0 0 0,0 0-1 0 0,0 0 1 0 0,0-1 0 0 0,0 0-1 0 0,0 0 1 0 0,0 0 0 0 0,-1-1-1 0 0,1 0 1 0 0,-1 0 0 0 0,0 0-1 0 0,0-1 1 0 0,0 0 0 0 0,8-8-1 0 0,-1 1-10 0 0,-1 0 0 0 0,-1-1 0 0 0,0 0 0 0 0,-1-1 0 0 0,0 0 0 0 0,0 0-1 0 0,-2-1 1 0 0,11-25 0 0 0,-17 36 1109 0 0,-22 32-126 0 0,10-10-608 0 0,0 1 0 0 0,2 0-1 0 0,0 1 1 0 0,2-1-1 0 0,0 2 1 0 0,-5 29 0 0 0,10-39-1685 0 0,1 1 0 0 0,0-1 0 0 0,1 0 0 0 0,2 17 0 0 0</inkml:trace>
+</inkml:ink>
+</file>
+
+<file path=ppt/ink/ink42.xml><?xml version="1.0" encoding="utf-8"?>
+<inkml:ink xmlns:inkml="http://www.w3.org/2003/InkML">
+  <inkml:definitions>
+    <inkml:context xml:id="ctx0">
+      <inkml:inkSource xml:id="inkSrc0">
+        <inkml:traceFormat>
+          <inkml:channel name="X" type="integer" min="-2.14748E9" max="2.14748E9" units="cm"/>
+          <inkml:channel name="Y" type="integer" min="-2.14748E9" max="2.14748E9" units="cm"/>
+          <inkml:channel name="F" type="integer" max="32767" units="dev"/>
+          <inkml:channel name="OA" type="integer" max="360" units="deg"/>
+          <inkml:channel name="OE" type="integer" max="90" units="deg"/>
+        </inkml:traceFormat>
+        <inkml:channelProperties>
+          <inkml:channelProperty channel="X" name="resolution" value="1000" units="1/cm"/>
+          <inkml:channelProperty channel="Y" name="resolution" value="1000" units="1/cm"/>
+          <inkml:channelProperty channel="F" name="resolution" value="0" units="1/dev"/>
+          <inkml:channelProperty channel="OA" name="resolution" value="1000" units="1/deg"/>
+          <inkml:channelProperty channel="OE" name="resolution" value="1000" units="1/deg"/>
+        </inkml:channelProperties>
+      </inkml:inkSource>
+      <inkml:timestamp xml:id="ts0" timeString="2025-11-13T04:09:26.954"/>
+    </inkml:context>
+    <inkml:brush xml:id="br0">
+      <inkml:brushProperty name="width" value="0.035" units="cm"/>
+      <inkml:brushProperty name="height" value="0.035" units="cm"/>
+      <inkml:brushProperty name="color" value="#E71224"/>
+    </inkml:brush>
+  </inkml:definitions>
+  <inkml:trace contextRef="#ctx0" brushRef="#br0">90 1 4132 0 0,'0'0'2880'0'0,"0"4"-1714"0"0,-1 12-403 0 0,0 0-1 0 0,-2 1 0 0 0,0-1 1 0 0,0 0-1 0 0,-2 0 1 0 0,-11 28-1 0 0,-5 20-203 0 0,6-9-1466 0 0,-2 4-7078 0 0,13-47 6231 0 0</inkml:trace>
+</inkml:ink>
+</file>
+
+<file path=ppt/ink/ink43.xml><?xml version="1.0" encoding="utf-8"?>
+<inkml:ink xmlns:inkml="http://www.w3.org/2003/InkML">
+  <inkml:definitions>
+    <inkml:context xml:id="ctx0">
+      <inkml:inkSource xml:id="inkSrc0">
+        <inkml:traceFormat>
+          <inkml:channel name="X" type="integer" min="-2.14748E9" max="2.14748E9" units="cm"/>
+          <inkml:channel name="Y" type="integer" min="-2.14748E9" max="2.14748E9" units="cm"/>
+          <inkml:channel name="F" type="integer" max="32767" units="dev"/>
+          <inkml:channel name="OA" type="integer" max="360" units="deg"/>
+          <inkml:channel name="OE" type="integer" max="90" units="deg"/>
+        </inkml:traceFormat>
+        <inkml:channelProperties>
+          <inkml:channelProperty channel="X" name="resolution" value="1000" units="1/cm"/>
+          <inkml:channelProperty channel="Y" name="resolution" value="1000" units="1/cm"/>
+          <inkml:channelProperty channel="F" name="resolution" value="0" units="1/dev"/>
+          <inkml:channelProperty channel="OA" name="resolution" value="1000" units="1/deg"/>
+          <inkml:channelProperty channel="OE" name="resolution" value="1000" units="1/deg"/>
+        </inkml:channelProperties>
+      </inkml:inkSource>
+      <inkml:timestamp xml:id="ts0" timeString="2025-11-13T04:09:44.729"/>
+    </inkml:context>
+    <inkml:brush xml:id="br0">
+      <inkml:brushProperty name="width" value="0.035" units="cm"/>
+      <inkml:brushProperty name="height" value="0.035" units="cm"/>
+      <inkml:brushProperty name="color" value="#E71224"/>
+    </inkml:brush>
+  </inkml:definitions>
+  <inkml:trace contextRef="#ctx0" brushRef="#br0">256 67 2516 0 0,'59'-55'5701'0'0,"-57"53"-5403"0"0,8-8 1416 0 0,-92 52-1467 0 0,20-9-239 0 0,39-21-9 0 0,0 2 0 0 0,1 1 0 0 0,1 0 0 0 0,0 2 0 0 0,1 0-1 0 0,-17 21 1 0 0,35-37 34 0 0,1 0 0 0 0,0 0 0 0 0,0 1 0 0 0,-1-1 0 0 0,1 0 0 0 0,0 1 0 0 0,0-1-1 0 0,1 0 1 0 0,-1 1 0 0 0,0-1 0 0 0,0 1 0 0 0,1 0 0 0 0,-1-1 0 0 0,1 1 0 0 0,-1-1 0 0 0,1 1 0 0 0,0 0-1 0 0,0 0 1 0 0,-1-1 0 0 0,1 1 0 0 0,0 0 0 0 0,1-1 0 0 0,-1 1 0 0 0,0 0 0 0 0,0-1 0 0 0,1 1-1 0 0,-1 0 1 0 0,1-1 0 0 0,-1 1 0 0 0,1-1 0 0 0,0 1 0 0 0,0-1 0 0 0,0 1 0 0 0,-1-1 0 0 0,1 1 0 0 0,1-1-1 0 0,-1 0 1 0 0,0 0 0 0 0,0 1 0 0 0,0-1 0 0 0,1 0 0 0 0,-1 0 0 0 0,0 0 0 0 0,3 0 0 0 0,8 7 209 0 0,0-2 0 0 0,1 0 1 0 0,-1 0-1 0 0,23 5 0 0 0,-6-1-75 0 0,24 10 16 0 0,0-3 1 0 0,96 18 0 0 0,-146-35-387 0 0,-3 1 155 0 0,1-1 0 0 0,-1 1 0 0 0,0-1 0 0 0,0 1 0 0 0,1-1 1 0 0,-1 0-1 0 0,0 1 0 0 0,1-1 0 0 0,-1 1 0 0 0,0-1 0 0 0,1 0 0 0 0,-1 0 0 0 0,1 1 0 0 0,-1-1 0 0 0,0 0 0 0 0,1 0 0 0 0,-1 1 0 0 0,1-1 0 0 0,-1 0 0 0 0,1 0 0 0 0,-1 0 0 0 0,1 0 0 0 0,-1 0 0 0 0,1 0 0 0 0,-1 0 0 0 0,1 0 0 0 0,-1 0 1 0 0,1 0-1 0 0,-1 0 0 0 0,1 0 0 0 0,-1 0 0 0 0,1 0 0 0 0,-1 0 0 0 0,1 0 0 0 0,-1 0 0 0 0,1-1 0 0 0,-1 1 0 0 0,0 0 0 0 0,1 0 0 0 0,-1-1 0 0 0,1 1 0 0 0,-1 0 0 0 0,0-1 0 0 0,1 1 0 0 0,-1 0 0 0 0,1-1 0 0 0,26-14-3737 0 0,-25 14 3356 0 0,9-13-2896 0 0,-10 11 2863 0 0</inkml:trace>
+</inkml:ink>
+</file>
+
+<file path=ppt/ink/ink44.xml><?xml version="1.0" encoding="utf-8"?>
+<inkml:ink xmlns:inkml="http://www.w3.org/2003/InkML">
+  <inkml:definitions>
+    <inkml:context xml:id="ctx0">
+      <inkml:inkSource xml:id="inkSrc0">
+        <inkml:traceFormat>
+          <inkml:channel name="X" type="integer" min="-2.14748E9" max="2.14748E9" units="cm"/>
+          <inkml:channel name="Y" type="integer" min="-2.14748E9" max="2.14748E9" units="cm"/>
+          <inkml:channel name="F" type="integer" max="32767" units="dev"/>
+          <inkml:channel name="OA" type="integer" max="360" units="deg"/>
+          <inkml:channel name="OE" type="integer" max="90" units="deg"/>
+        </inkml:traceFormat>
+        <inkml:channelProperties>
+          <inkml:channelProperty channel="X" name="resolution" value="1000" units="1/cm"/>
+          <inkml:channelProperty channel="Y" name="resolution" value="1000" units="1/cm"/>
+          <inkml:channelProperty channel="F" name="resolution" value="0" units="1/dev"/>
+          <inkml:channelProperty channel="OA" name="resolution" value="1000" units="1/deg"/>
+          <inkml:channelProperty channel="OE" name="resolution" value="1000" units="1/deg"/>
+        </inkml:channelProperties>
+      </inkml:inkSource>
+      <inkml:timestamp xml:id="ts0" timeString="2025-11-13T04:09:45.070"/>
+    </inkml:context>
+    <inkml:brush xml:id="br0">
+      <inkml:brushProperty name="width" value="0.035" units="cm"/>
+      <inkml:brushProperty name="height" value="0.035" units="cm"/>
+      <inkml:brushProperty name="color" value="#E71224"/>
+    </inkml:brush>
+  </inkml:definitions>
+  <inkml:trace contextRef="#ctx0" brushRef="#br0">160 1 3176 0 0,'0'0'2327'0'0,"-3"2"-1351"0"0,-1 2-652 0 0,1 0 0 0 0,-1 0 0 0 0,1 1 0 0 0,0-1 0 0 0,0 1 0 0 0,0 0-1 0 0,1 0 1 0 0,-1 0 0 0 0,1 0 0 0 0,-1 8 0 0 0,-18 68 1718 0 0,10-38-1226 0 0,-79 232 348 0 0,89-248-4768 0 0,1-15-1591 0 0</inkml:trace>
+</inkml:ink>
+</file>
+
+<file path=ppt/ink/ink45.xml><?xml version="1.0" encoding="utf-8"?>
+<inkml:ink xmlns:inkml="http://www.w3.org/2003/InkML">
+  <inkml:definitions>
+    <inkml:context xml:id="ctx0">
+      <inkml:inkSource xml:id="inkSrc0">
+        <inkml:traceFormat>
+          <inkml:channel name="X" type="integer" min="-2.14748E9" max="2.14748E9" units="cm"/>
+          <inkml:channel name="Y" type="integer" min="-2.14748E9" max="2.14748E9" units="cm"/>
+          <inkml:channel name="F" type="integer" max="32767" units="dev"/>
+          <inkml:channel name="OA" type="integer" max="360" units="deg"/>
+          <inkml:channel name="OE" type="integer" max="90" units="deg"/>
+        </inkml:traceFormat>
+        <inkml:channelProperties>
+          <inkml:channelProperty channel="X" name="resolution" value="1000" units="1/cm"/>
+          <inkml:channelProperty channel="Y" name="resolution" value="1000" units="1/cm"/>
+          <inkml:channelProperty channel="F" name="resolution" value="0" units="1/dev"/>
+          <inkml:channelProperty channel="OA" name="resolution" value="1000" units="1/deg"/>
+          <inkml:channelProperty channel="OE" name="resolution" value="1000" units="1/deg"/>
+        </inkml:channelProperties>
+      </inkml:inkSource>
+      <inkml:timestamp xml:id="ts0" timeString="2025-11-13T04:09:45.397"/>
+    </inkml:context>
+    <inkml:brush xml:id="br0">
+      <inkml:brushProperty name="width" value="0.035" units="cm"/>
+      <inkml:brushProperty name="height" value="0.035" units="cm"/>
+      <inkml:brushProperty name="color" value="#E71224"/>
+    </inkml:brush>
+  </inkml:definitions>
+  <inkml:trace contextRef="#ctx0" brushRef="#br0">1 8 2696 0 0,'0'0'2541'0'0,"5"1"-1573"0"0,9-1-457 0 0,185 5 2679 0 0,-187-5-3200 0 0,56-2-1222 0 0,-29-8-3542 0 0,-36 9 4312 0 0</inkml:trace>
+</inkml:ink>
+</file>
+
+<file path=ppt/ink/ink46.xml><?xml version="1.0" encoding="utf-8"?>
+<inkml:ink xmlns:inkml="http://www.w3.org/2003/InkML">
+  <inkml:definitions>
+    <inkml:context xml:id="ctx0">
+      <inkml:inkSource xml:id="inkSrc0">
+        <inkml:traceFormat>
+          <inkml:channel name="X" type="integer" min="-2.14748E9" max="2.14748E9" units="cm"/>
+          <inkml:channel name="Y" type="integer" min="-2.14748E9" max="2.14748E9" units="cm"/>
+          <inkml:channel name="F" type="integer" max="32767" units="dev"/>
+          <inkml:channel name="OA" type="integer" max="360" units="deg"/>
+          <inkml:channel name="OE" type="integer" max="90" units="deg"/>
+        </inkml:traceFormat>
+        <inkml:channelProperties>
+          <inkml:channelProperty channel="X" name="resolution" value="1000" units="1/cm"/>
+          <inkml:channelProperty channel="Y" name="resolution" value="1000" units="1/cm"/>
+          <inkml:channelProperty channel="F" name="resolution" value="0" units="1/dev"/>
+          <inkml:channelProperty channel="OA" name="resolution" value="1000" units="1/deg"/>
+          <inkml:channelProperty channel="OE" name="resolution" value="1000" units="1/deg"/>
+        </inkml:channelProperties>
+      </inkml:inkSource>
+      <inkml:timestamp xml:id="ts0" timeString="2025-11-13T04:09:45.757"/>
+    </inkml:context>
+    <inkml:brush xml:id="br0">
+      <inkml:brushProperty name="width" value="0.035" units="cm"/>
+      <inkml:brushProperty name="height" value="0.035" units="cm"/>
+      <inkml:brushProperty name="color" value="#E71224"/>
+    </inkml:brush>
+  </inkml:definitions>
+  <inkml:trace contextRef="#ctx0" brushRef="#br0">1 20 3440 0 0,'0'0'2529'0'0,"30"-2"-993"0"0,14 0-1024 0 0,-19 4-44 0 0,3-2-136 0 0,-1 0-80 0 0,5-2-328 0 0,-4 2-340 0 0,1-4-576 0 0,-1 0-1241 0 0,-1 0 685 0 0,-3 1 1172 0 0</inkml:trace>
+</inkml:ink>
+</file>
+
+<file path=ppt/ink/ink47.xml><?xml version="1.0" encoding="utf-8"?>
+<inkml:ink xmlns:inkml="http://www.w3.org/2003/InkML">
+  <inkml:definitions>
+    <inkml:context xml:id="ctx0">
+      <inkml:inkSource xml:id="inkSrc0">
+        <inkml:traceFormat>
+          <inkml:channel name="X" type="integer" min="-2.14748E9" max="2.14748E9" units="cm"/>
+          <inkml:channel name="Y" type="integer" min="-2.14748E9" max="2.14748E9" units="cm"/>
+          <inkml:channel name="F" type="integer" max="32767" units="dev"/>
+          <inkml:channel name="OA" type="integer" max="360" units="deg"/>
+          <inkml:channel name="OE" type="integer" max="90" units="deg"/>
+        </inkml:traceFormat>
+        <inkml:channelProperties>
+          <inkml:channelProperty channel="X" name="resolution" value="1000" units="1/cm"/>
+          <inkml:channelProperty channel="Y" name="resolution" value="1000" units="1/cm"/>
+          <inkml:channelProperty channel="F" name="resolution" value="0" units="1/dev"/>
+          <inkml:channelProperty channel="OA" name="resolution" value="1000" units="1/deg"/>
+          <inkml:channelProperty channel="OE" name="resolution" value="1000" units="1/deg"/>
+        </inkml:channelProperties>
+      </inkml:inkSource>
+      <inkml:timestamp xml:id="ts0" timeString="2025-11-13T04:09:47.301"/>
+    </inkml:context>
+    <inkml:brush xml:id="br0">
+      <inkml:brushProperty name="width" value="0.035" units="cm"/>
+      <inkml:brushProperty name="height" value="0.035" units="cm"/>
+      <inkml:brushProperty name="color" value="#E71224"/>
+    </inkml:brush>
+  </inkml:definitions>
+  <inkml:trace contextRef="#ctx0" brushRef="#br0">123 0 3144 0 0,'3'24'3195'0'0,"-64"240"2048"0"0,-2 8-6603 0 0,62-267 24 0 0,1 2 1054 0 0,2-2-4050 0 0,5 5 3488 0 0</inkml:trace>
+</inkml:ink>
+</file>
+
+<file path=ppt/ink/ink48.xml><?xml version="1.0" encoding="utf-8"?>
+<inkml:ink xmlns:inkml="http://www.w3.org/2003/InkML">
+  <inkml:definitions>
+    <inkml:context xml:id="ctx0">
+      <inkml:inkSource xml:id="inkSrc0">
+        <inkml:traceFormat>
+          <inkml:channel name="X" type="integer" min="-2.14748E9" max="2.14748E9" units="cm"/>
+          <inkml:channel name="Y" type="integer" min="-2.14748E9" max="2.14748E9" units="cm"/>
+          <inkml:channel name="F" type="integer" max="32767" units="dev"/>
+          <inkml:channel name="OA" type="integer" max="360" units="deg"/>
+          <inkml:channel name="OE" type="integer" max="90" units="deg"/>
+        </inkml:traceFormat>
+        <inkml:channelProperties>
+          <inkml:channelProperty channel="X" name="resolution" value="1000" units="1/cm"/>
+          <inkml:channelProperty channel="Y" name="resolution" value="1000" units="1/cm"/>
+          <inkml:channelProperty channel="F" name="resolution" value="0" units="1/dev"/>
+          <inkml:channelProperty channel="OA" name="resolution" value="1000" units="1/deg"/>
+          <inkml:channelProperty channel="OE" name="resolution" value="1000" units="1/deg"/>
+        </inkml:channelProperties>
+      </inkml:inkSource>
+      <inkml:timestamp xml:id="ts0" timeString="2025-11-13T04:09:47.646"/>
+    </inkml:context>
+    <inkml:brush xml:id="br0">
+      <inkml:brushProperty name="width" value="0.035" units="cm"/>
+      <inkml:brushProperty name="height" value="0.035" units="cm"/>
+      <inkml:brushProperty name="color" value="#E71224"/>
+    </inkml:brush>
+  </inkml:definitions>
+  <inkml:trace contextRef="#ctx0" brushRef="#br0">273 7 1940 0 0,'0'-1'105'0'0,"0"1"0"0"0,-1-1-1 0 0,1 1 1 0 0,-1-1 0 0 0,1 1 0 0 0,-1-1 0 0 0,1 1-1 0 0,-1 0 1 0 0,1-1 0 0 0,-1 1 0 0 0,0 0-1 0 0,1 0 1 0 0,-1-1 0 0 0,1 1 0 0 0,-1 0-1 0 0,0 0 1 0 0,1 0 0 0 0,-1 0 0 0 0,0 0 0 0 0,1 0-1 0 0,-1 0 1 0 0,1 0 0 0 0,-1 0 0 0 0,0 0-1 0 0,1 0 1 0 0,-1 0 0 0 0,0 0 0 0 0,0 1-1 0 0,-31 16 638 0 0,0 1-1 0 0,1 2 0 0 0,-27 23 0 0 0,48-36-619 0 0,2 1 1 0 0,-1-1-1 0 0,1 2 1 0 0,0-1-1 0 0,1 1 0 0 0,0 0 1 0 0,0 1-1 0 0,1-1 1 0 0,0 1-1 0 0,1 1 0 0 0,0-1 1 0 0,0 1-1 0 0,1 0 1 0 0,-3 13-1 0 0,7-18-23 0 0,-1 1 0 0 0,1-1 0 0 0,0 1 0 0 0,1-1 0 0 0,-1 1 1 0 0,1-1-1 0 0,0 1 0 0 0,1-1 0 0 0,0 1 0 0 0,0-1 0 0 0,0 0 0 0 0,1 0 0 0 0,0 0 0 0 0,0 0 0 0 0,0-1 1 0 0,1 1-1 0 0,-1-1 0 0 0,9 9 0 0 0,-3-5-25 0 0,0-1 1 0 0,0 0-1 0 0,1 0 1 0 0,0-1-1 0 0,0 0 1 0 0,1-1-1 0 0,-1 0 1 0 0,1-1-1 0 0,13 4 0 0 0,-17-7-117 0 0,1 0-1 0 0,-1 0 0 0 0,1-1 0 0 0,-1 0 0 0 0,1-1 1 0 0,-1 0-1 0 0,1 0 0 0 0,0-1 0 0 0,9-1 0 0 0,25-11-1885 0 0,-39 11 1347 0 0,0 0 0 0 0,0 0 0 0 0,0 0 0 0 0,0 0 0 0 0,0 0 0 0 0,0-1-1 0 0,0 1 1 0 0,3-6 0 0 0,-4 6-790 0 0</inkml:trace>
+</inkml:ink>
+</file>
+
+<file path=ppt/ink/ink49.xml><?xml version="1.0" encoding="utf-8"?>
+<inkml:ink xmlns:inkml="http://www.w3.org/2003/InkML">
+  <inkml:definitions>
+    <inkml:context xml:id="ctx0">
+      <inkml:inkSource xml:id="inkSrc0">
+        <inkml:traceFormat>
+          <inkml:channel name="X" type="integer" min="-2.14748E9" max="2.14748E9" units="cm"/>
+          <inkml:channel name="Y" type="integer" min="-2.14748E9" max="2.14748E9" units="cm"/>
+          <inkml:channel name="F" type="integer" max="32767" units="dev"/>
+          <inkml:channel name="OA" type="integer" max="360" units="deg"/>
+          <inkml:channel name="OE" type="integer" max="90" units="deg"/>
+        </inkml:traceFormat>
+        <inkml:channelProperties>
+          <inkml:channelProperty channel="X" name="resolution" value="1000" units="1/cm"/>
+          <inkml:channelProperty channel="Y" name="resolution" value="1000" units="1/cm"/>
+          <inkml:channelProperty channel="F" name="resolution" value="0" units="1/dev"/>
+          <inkml:channelProperty channel="OA" name="resolution" value="1000" units="1/deg"/>
+          <inkml:channelProperty channel="OE" name="resolution" value="1000" units="1/deg"/>
+        </inkml:channelProperties>
+      </inkml:inkSource>
+      <inkml:timestamp xml:id="ts0" timeString="2025-11-13T04:09:47.974"/>
+    </inkml:context>
+    <inkml:brush xml:id="br0">
+      <inkml:brushProperty name="width" value="0.035" units="cm"/>
+      <inkml:brushProperty name="height" value="0.035" units="cm"/>
+      <inkml:brushProperty name="color" value="#E71224"/>
+    </inkml:brush>
+  </inkml:definitions>
+  <inkml:trace contextRef="#ctx0" brushRef="#br0">83 1 3016 0 0,'-38'141'7163'0'0,"26"-78"-6713"0"0,-6 91 1 0 0,7-98-7139 0 0,7-43 5724 0 0</inkml:trace>
+</inkml:ink>
+</file>
+
+<file path=ppt/ink/ink5.xml><?xml version="1.0" encoding="utf-8"?>
+<inkml:ink xmlns:inkml="http://www.w3.org/2003/InkML">
+  <inkml:definitions>
+    <inkml:context xml:id="ctx0">
+      <inkml:inkSource xml:id="inkSrc0">
+        <inkml:traceFormat>
+          <inkml:channel name="X" type="integer" min="-2.14748E9" max="2.14748E9" units="cm"/>
+          <inkml:channel name="Y" type="integer" min="-2.14748E9" max="2.14748E9" units="cm"/>
+          <inkml:channel name="F" type="integer" max="32767" units="dev"/>
+          <inkml:channel name="OA" type="integer" max="360" units="deg"/>
+          <inkml:channel name="OE" type="integer" max="90" units="deg"/>
+        </inkml:traceFormat>
+        <inkml:channelProperties>
+          <inkml:channelProperty channel="X" name="resolution" value="1000" units="1/cm"/>
+          <inkml:channelProperty channel="Y" name="resolution" value="1000" units="1/cm"/>
+          <inkml:channelProperty channel="F" name="resolution" value="0" units="1/dev"/>
+          <inkml:channelProperty channel="OA" name="resolution" value="1000" units="1/deg"/>
+          <inkml:channelProperty channel="OE" name="resolution" value="1000" units="1/deg"/>
+        </inkml:channelProperties>
+      </inkml:inkSource>
+      <inkml:timestamp xml:id="ts0" timeString="2025-11-13T04:08:07.760"/>
+    </inkml:context>
+    <inkml:brush xml:id="br0">
+      <inkml:brushProperty name="width" value="0.035" units="cm"/>
+      <inkml:brushProperty name="height" value="0.035" units="cm"/>
+      <inkml:brushProperty name="color" value="#E71224"/>
+    </inkml:brush>
+  </inkml:definitions>
+  <inkml:trace contextRef="#ctx0" brushRef="#br0">0 84 3536 0 0,'1'0'99'0'0,"-1"0"0"0"0,0 0 0 0 0,1 0-1 0 0,-1 0 1 0 0,1 0 0 0 0,-1 0 0 0 0,1 0 0 0 0,-1 0-1 0 0,0 0 1 0 0,1 0 0 0 0,-1 0 0 0 0,1 0-1 0 0,-1 0 1 0 0,0 1 0 0 0,1-1 0 0 0,-1 0 0 0 0,0 0-1 0 0,1 0 1 0 0,-1 1 0 0 0,0-1 0 0 0,1 0-1 0 0,-1 1 1 0 0,0-1 0 0 0,1 0 0 0 0,-1 0 0 0 0,0 1-1 0 0,0-1 1 0 0,1 0 0 0 0,-1 1 0 0 0,0-1-1 0 0,0 1 1 0 0,0-1 0 0 0,0 0 0 0 0,1 1 0 0 0,-1-1-1 0 0,0 1 1 0 0,0-1 0 0 0,0 0 0 0 0,0 1-1 0 0,0-1 1 0 0,0 1 0 0 0,0-1 0 0 0,0 0 0 0 0,0 1-1 0 0,0-1 1 0 0,0 1 0 0 0,0-1 0 0 0,-1 1-1 0 0,1-1 1 0 0,0 0 0 0 0,0 1 0 0 0,0-1 0 0 0,-1 0-1 0 0,1 1 1 0 0,0-1 0 0 0,0 0 0 0 0,-1 1-1 0 0,1-1 1 0 0,0 0 0 0 0,0 1 0 0 0,-1-1 0 0 0,1 0-1 0 0,0 0 1 0 0,-1 1 0 0 0,1-1 0 0 0,-1 0-1 0 0,1 0 1 0 0,-1 1 0 0 0,49 0 1833 0 0,-30-2-1273 0 0,97 8 429 0 0,-42 3-4992 0 0,-69-10 1246 0 0</inkml:trace>
+  <inkml:trace contextRef="#ctx0" brushRef="#br0" timeOffset="1">216 0 4476 0 0,'-9'11'870'0'0,"1"-1"-1"0"0,0 1 0 0 0,1 1 0 0 0,0 0 1 0 0,1 0-1 0 0,0 0 0 0 0,1 1 0 0 0,-5 17 0 0 0,6-15-862 0 0,0-1-1 0 0,1 1 0 0 0,1 0 0 0 0,0 0 1 0 0,1 0-1 0 0,1 0 0 0 0,1 16 0 0 0,0-27-536 0 0,-1-1-1 0 0,0 0 1 0 0,0 1 0 0 0,-1-1 0 0 0,1 0-1 0 0,-1 0 1 0 0,0 1 0 0 0,1-1-1 0 0,-2 0 1 0 0,0 3 0 0 0,0 0-529 0 0,-4 9-970 0 0</inkml:trace>
+</inkml:ink>
+</file>
+
+<file path=ppt/ink/ink50.xml><?xml version="1.0" encoding="utf-8"?>
+<inkml:ink xmlns:inkml="http://www.w3.org/2003/InkML">
+  <inkml:definitions>
+    <inkml:context xml:id="ctx0">
+      <inkml:inkSource xml:id="inkSrc0">
+        <inkml:traceFormat>
+          <inkml:channel name="X" type="integer" min="-2.14748E9" max="2.14748E9" units="cm"/>
+          <inkml:channel name="Y" type="integer" min="-2.14748E9" max="2.14748E9" units="cm"/>
+          <inkml:channel name="F" type="integer" max="32767" units="dev"/>
+          <inkml:channel name="OA" type="integer" max="360" units="deg"/>
+          <inkml:channel name="OE" type="integer" max="90" units="deg"/>
+        </inkml:traceFormat>
+        <inkml:channelProperties>
+          <inkml:channelProperty channel="X" name="resolution" value="1000" units="1/cm"/>
+          <inkml:channelProperty channel="Y" name="resolution" value="1000" units="1/cm"/>
+          <inkml:channelProperty channel="F" name="resolution" value="0" units="1/dev"/>
+          <inkml:channelProperty channel="OA" name="resolution" value="1000" units="1/deg"/>
+          <inkml:channelProperty channel="OE" name="resolution" value="1000" units="1/deg"/>
+        </inkml:channelProperties>
+      </inkml:inkSource>
+      <inkml:timestamp xml:id="ts0" timeString="2025-11-13T04:09:51.946"/>
+    </inkml:context>
+    <inkml:brush xml:id="br0">
+      <inkml:brushProperty name="width" value="0.035" units="cm"/>
+      <inkml:brushProperty name="height" value="0.035" units="cm"/>
+      <inkml:brushProperty name="color" value="#E71224"/>
+    </inkml:brush>
+  </inkml:definitions>
+  <inkml:trace contextRef="#ctx0" brushRef="#br0">61 180 3368 0 0,'-10'6'1864'0'0,"6"-7"1992"0"0,3-2-3754 0 0,1 0 0 0 0,0-1 0 0 0,-1 1 1 0 0,1-1-1 0 0,1 1 0 0 0,-1 0 0 0 0,0-1 0 0 0,1 1 0 0 0,0 0 0 0 0,-1-1 0 0 0,1 1 0 0 0,0 0 1 0 0,1 0-1 0 0,-1 0 0 0 0,1 0 0 0 0,-1 0 0 0 0,1 0 0 0 0,0 0 0 0 0,0 1 0 0 0,0-1 0 0 0,1 0 0 0 0,-1 1 1 0 0,6-4-1 0 0,4-7 20 0 0,2 0 0 0 0,0 2 0 0 0,19-13 0 0 0,-24 18-65 0 0,0 0 0 0 0,0 1 1 0 0,1 0-1 0 0,0 0 0 0 0,0 1 0 0 0,0 1 0 0 0,0 0 0 0 0,0 0 1 0 0,1 1-1 0 0,18-2 0 0 0,-28 4-39 0 0,0 0-1 0 0,1 1 1 0 0,-1-1 0 0 0,0 0 0 0 0,0 1 0 0 0,1-1 0 0 0,-1 1-1 0 0,0 0 1 0 0,0-1 0 0 0,0 1 0 0 0,0 0 0 0 0,0 0-1 0 0,0-1 1 0 0,0 1 0 0 0,0 0 0 0 0,0 0 0 0 0,0 0-1 0 0,0 0 1 0 0,0 1 0 0 0,-1-1 0 0 0,1 0 0 0 0,0 0-1 0 0,-1 0 1 0 0,1 0 0 0 0,-1 1 0 0 0,0-1 0 0 0,1 0 0 0 0,-1 1-1 0 0,0-1 1 0 0,0 0 0 0 0,0 1 0 0 0,0-1 0 0 0,0 0-1 0 0,0 1 1 0 0,0-1 0 0 0,0 2 0 0 0,-8 48 577 0 0,-2-22-532 0 0,-2 0-1 0 0,0-1 1 0 0,-2-1 0 0 0,-2 0 0 0 0,0-1 0 0 0,-1 0-1 0 0,-2-2 1 0 0,-1 0 0 0 0,0-1 0 0 0,-2-1-1 0 0,-1-1 1 0 0,-39 28 0 0 0,35-35-189 0 0,27-14 124 0 0,0 0 0 0 0,0 0 0 0 0,1 0 0 0 0,-1-1 0 0 0,0 1 0 0 0,0 0 0 0 0,0 0 0 0 0,0 0-1 0 0,0-1 1 0 0,0 1 0 0 0,0 0 0 0 0,0 0 0 0 0,0 0 0 0 0,0-1 0 0 0,0 1 0 0 0,0 0 0 0 0,0 0 0 0 0,0-1 0 0 0,0 1-1 0 0,0 0 1 0 0,0 0 0 0 0,0 0 0 0 0,0-1 0 0 0,0 1 0 0 0,0 0 0 0 0,-1 0 0 0 0,1 0 0 0 0,0 0 0 0 0,0-1 0 0 0,0 1-1 0 0,0 0 1 0 0,0 0 0 0 0,0 0 0 0 0,-1 0 0 0 0,1-1 0 0 0,0 1 0 0 0,0 0 0 0 0,0 0 0 0 0,0 0 0 0 0,-1 0 0 0 0,1 0 0 0 0,0 0-1 0 0,0 0 1 0 0,0 0 0 0 0,-1-1 0 0 0,1 1 0 0 0,0 0 0 0 0,0 0 0 0 0,-1 0 0 0 0,1 0 0 0 0,0 0 0 0 0,0 0 0 0 0,0 0-1 0 0,-1 0 1 0 0,9-3-23 0 0,-1 0 0 0 0,1 1-1 0 0,0-1 1 0 0,0 1 0 0 0,0 1 0 0 0,15-2-1 0 0,-18 2 17 0 0,16-2-165 0 0,1 0-1 0 0,-1 2 1 0 0,1 0-1 0 0,35 4 1 0 0,43 12-8482 0 0,-71-10 7313 0 0</inkml:trace>
+</inkml:ink>
+</file>
+
+<file path=ppt/ink/ink51.xml><?xml version="1.0" encoding="utf-8"?>
+<inkml:ink xmlns:inkml="http://www.w3.org/2003/InkML">
+  <inkml:definitions>
+    <inkml:context xml:id="ctx0">
+      <inkml:inkSource xml:id="inkSrc0">
+        <inkml:traceFormat>
+          <inkml:channel name="X" type="integer" min="-2.14748E9" max="2.14748E9" units="cm"/>
+          <inkml:channel name="Y" type="integer" min="-2.14748E9" max="2.14748E9" units="cm"/>
+          <inkml:channel name="F" type="integer" max="32767" units="dev"/>
+          <inkml:channel name="OA" type="integer" max="360" units="deg"/>
+          <inkml:channel name="OE" type="integer" max="90" units="deg"/>
+        </inkml:traceFormat>
+        <inkml:channelProperties>
+          <inkml:channelProperty channel="X" name="resolution" value="1000" units="1/cm"/>
+          <inkml:channelProperty channel="Y" name="resolution" value="1000" units="1/cm"/>
+          <inkml:channelProperty channel="F" name="resolution" value="0" units="1/dev"/>
+          <inkml:channelProperty channel="OA" name="resolution" value="1000" units="1/deg"/>
+          <inkml:channelProperty channel="OE" name="resolution" value="1000" units="1/deg"/>
+        </inkml:channelProperties>
+      </inkml:inkSource>
+      <inkml:timestamp xml:id="ts0" timeString="2025-11-13T04:09:52.319"/>
+    </inkml:context>
+    <inkml:brush xml:id="br0">
+      <inkml:brushProperty name="width" value="0.035" units="cm"/>
+      <inkml:brushProperty name="height" value="0.035" units="cm"/>
+      <inkml:brushProperty name="color" value="#E71224"/>
+    </inkml:brush>
+  </inkml:definitions>
+  <inkml:trace contextRef="#ctx0" brushRef="#br0">1 35 2672 0 0,'0'0'6221'0'0,"0"-1"-6088"0"0,1 0 0 0 0,-1 0 0 0 0,1 0 0 0 0,-1 0 0 0 0,1 1-1 0 0,0-1 1 0 0,0 0 0 0 0,-1 1 0 0 0,1-1 0 0 0,0 0 0 0 0,0 1-1 0 0,0-1 1 0 0,-1 1 0 0 0,1-1 0 0 0,0 1 0 0 0,0 0 0 0 0,2-1-1 0 0,24-1 257 0 0,69-5 354 0 0,-24-2-8119 0 0,-39 4 5764 0 0</inkml:trace>
+</inkml:ink>
+</file>
+
+<file path=ppt/ink/ink52.xml><?xml version="1.0" encoding="utf-8"?>
+<inkml:ink xmlns:inkml="http://www.w3.org/2003/InkML">
+  <inkml:definitions>
+    <inkml:context xml:id="ctx0">
+      <inkml:inkSource xml:id="inkSrc0">
+        <inkml:traceFormat>
+          <inkml:channel name="X" type="integer" min="-2.14748E9" max="2.14748E9" units="cm"/>
+          <inkml:channel name="Y" type="integer" min="-2.14748E9" max="2.14748E9" units="cm"/>
+          <inkml:channel name="F" type="integer" max="32767" units="dev"/>
+          <inkml:channel name="OA" type="integer" max="360" units="deg"/>
+          <inkml:channel name="OE" type="integer" max="90" units="deg"/>
+        </inkml:traceFormat>
+        <inkml:channelProperties>
+          <inkml:channelProperty channel="X" name="resolution" value="1000" units="1/cm"/>
+          <inkml:channelProperty channel="Y" name="resolution" value="1000" units="1/cm"/>
+          <inkml:channelProperty channel="F" name="resolution" value="0" units="1/dev"/>
+          <inkml:channelProperty channel="OA" name="resolution" value="1000" units="1/deg"/>
+          <inkml:channelProperty channel="OE" name="resolution" value="1000" units="1/deg"/>
+        </inkml:channelProperties>
+      </inkml:inkSource>
+      <inkml:timestamp xml:id="ts0" timeString="2025-11-13T04:09:53.052"/>
+    </inkml:context>
+    <inkml:brush xml:id="br0">
+      <inkml:brushProperty name="width" value="0.035" units="cm"/>
+      <inkml:brushProperty name="height" value="0.035" units="cm"/>
+      <inkml:brushProperty name="color" value="#E71224"/>
+    </inkml:brush>
+  </inkml:definitions>
+  <inkml:trace contextRef="#ctx0" brushRef="#br0">11 163 3652 0 0,'-11'-20'3393'0'0,"12"15"-3234"0"0,-1 1 0 0 0,1-1 1 0 0,-1 1-1 0 0,2-1 0 0 0,-1 1 1 0 0,0-1-1 0 0,1 1 0 0 0,0 0 1 0 0,0 0-1 0 0,0 0 0 0 0,0 0 1 0 0,1 0-1 0 0,0 0 0 0 0,-1 0 1 0 0,1 1-1 0 0,1-1 0 0 0,-1 1 1 0 0,0 0-1 0 0,1 0 0 0 0,6-4 0 0 0,2-2 15 0 0,0 1 0 0 0,1 0 0 0 0,1 0 0 0 0,25-10 0 0 0,-36 17-144 0 0,0 0 0 0 0,-1 0 1 0 0,1 1-1 0 0,0-1 0 0 0,0 1 0 0 0,-1 0 1 0 0,1 0-1 0 0,0 0 0 0 0,0 0 1 0 0,-1 0-1 0 0,1 0 0 0 0,0 1 0 0 0,0 0 1 0 0,-1-1-1 0 0,1 1 0 0 0,0 0 1 0 0,-1 0-1 0 0,1 0 0 0 0,-1 1 0 0 0,0-1 1 0 0,1 1-1 0 0,-1-1 0 0 0,0 1 1 0 0,0 0-1 0 0,0 0 0 0 0,0 0 0 0 0,0 0 1 0 0,0 0-1 0 0,0 0 0 0 0,-1 0 1 0 0,1 1-1 0 0,1 3 0 0 0,-2-2 19 0 0,0 0 1 0 0,-1 0-1 0 0,0 0 0 0 0,0 0 1 0 0,0 1-1 0 0,0-1 0 0 0,-1 0 0 0 0,1 0 1 0 0,-1 0-1 0 0,0 0 0 0 0,0 0 1 0 0,-1 0-1 0 0,1-1 0 0 0,-1 1 0 0 0,0 0 1 0 0,0-1-1 0 0,-5 8 0 0 0,-5 6 78 0 0,-1-1 0 0 0,-19 20 0 0 0,15-19-48 0 0,-73 74 864 0 0,89-89-265 0 0,20-3-634 0 0,-14 0-53 0 0,-1 1 0 0 0,1 0 1 0 0,-1 0-1 0 0,1 0 1 0 0,-1 0-1 0 0,1 1 1 0 0,-1 0-1 0 0,7 1 1 0 0,-10-1 10 0 0,1 0 0 0 0,-1 0 0 0 0,1 0 0 0 0,-1 1 0 0 0,0-1 0 0 0,1 0 0 0 0,-1 0 1 0 0,0 1-1 0 0,0-1 0 0 0,0 1 0 0 0,0-1 0 0 0,0 1 0 0 0,0-1 0 0 0,0 1 0 0 0,-1 0 0 0 0,1-1 1 0 0,-1 1-1 0 0,1 0 0 0 0,-1 0 0 0 0,1-1 0 0 0,-1 1 0 0 0,0 0 0 0 0,0 0 0 0 0,0 0 0 0 0,0-1 1 0 0,-1 4-1 0 0,0 7-43 0 0,-2 1 1 0 0,0-1 0 0 0,0 1-1 0 0,-1-1 1 0 0,0 0 0 0 0,-1-1-1 0 0,-1 1 1 0 0,0-1 0 0 0,0 0-1 0 0,-1-1 1 0 0,-15 18 0 0 0,21-26-697 0 0,9-13-9865 0 0</inkml:trace>
+</inkml:ink>
+</file>
+
+<file path=ppt/ink/ink53.xml><?xml version="1.0" encoding="utf-8"?>
+<inkml:ink xmlns:inkml="http://www.w3.org/2003/InkML">
+  <inkml:definitions>
+    <inkml:context xml:id="ctx0">
+      <inkml:inkSource xml:id="inkSrc0">
+        <inkml:traceFormat>
+          <inkml:channel name="X" type="integer" min="-2.14748E9" max="2.14748E9" units="cm"/>
+          <inkml:channel name="Y" type="integer" min="-2.14748E9" max="2.14748E9" units="cm"/>
+          <inkml:channel name="F" type="integer" max="32767" units="dev"/>
+          <inkml:channel name="OA" type="integer" max="360" units="deg"/>
+          <inkml:channel name="OE" type="integer" max="90" units="deg"/>
+        </inkml:traceFormat>
+        <inkml:channelProperties>
+          <inkml:channelProperty channel="X" name="resolution" value="1000" units="1/cm"/>
+          <inkml:channelProperty channel="Y" name="resolution" value="1000" units="1/cm"/>
+          <inkml:channelProperty channel="F" name="resolution" value="0" units="1/dev"/>
+          <inkml:channelProperty channel="OA" name="resolution" value="1000" units="1/deg"/>
+          <inkml:channelProperty channel="OE" name="resolution" value="1000" units="1/deg"/>
+        </inkml:channelProperties>
+      </inkml:inkSource>
+      <inkml:timestamp xml:id="ts0" timeString="2025-11-13T04:09:53.393"/>
+    </inkml:context>
+    <inkml:brush xml:id="br0">
+      <inkml:brushProperty name="width" value="0.035" units="cm"/>
+      <inkml:brushProperty name="height" value="0.035" units="cm"/>
+      <inkml:brushProperty name="color" value="#E71224"/>
+    </inkml:brush>
+  </inkml:definitions>
+  <inkml:trace contextRef="#ctx0" brushRef="#br0">1 128 3604 0 0,'4'-9'655'0'0,"1"-1"0"0"0,0 1 0 0 0,0-1 0 0 0,1 1 0 0 0,1 1 0 0 0,-1-1 0 0 0,1 1 0 0 0,10-8 0 0 0,-13 12-528 0 0,1 0-1 0 0,0 0 0 0 0,0 0 0 0 0,1 1 1 0 0,-1 0-1 0 0,1 0 0 0 0,-1 1 1 0 0,1-1-1 0 0,0 1 0 0 0,0 0 1 0 0,0 1-1 0 0,0-1 0 0 0,0 1 0 0 0,11 0 1 0 0,-15 1-106 0 0,-1 0 0 0 0,0 0 1 0 0,1 1-1 0 0,-1-1 0 0 0,0 1 1 0 0,1-1-1 0 0,-1 1 0 0 0,0-1 1 0 0,0 1-1 0 0,1 0 0 0 0,-1-1 1 0 0,0 1-1 0 0,0 0 0 0 0,0 0 1 0 0,0 0-1 0 0,0 0 0 0 0,0 0 1 0 0,0 0-1 0 0,-1 0 0 0 0,1 0 1 0 0,0 1-1 0 0,-1-1 0 0 0,1 0 1 0 0,0 0-1 0 0,-1 1 0 0 0,0-1 0 0 0,1 0 1 0 0,-1 1-1 0 0,0-1 0 0 0,1 0 1 0 0,-1 1-1 0 0,0-1 0 0 0,0 1 1 0 0,0-1-1 0 0,-1 2 0 0 0,-4 47 417 0 0,-5-24-315 0 0,-1-1-1 0 0,-1 0 1 0 0,-1-1-1 0 0,-1 0 1 0 0,-27 34-1 0 0,-1 5 119 0 0,40-61-217 0 0,0 0 39 0 0,0 0 0 0 0,1 1 0 0 0,-1-1 0 0 0,1 0 0 0 0,-1 1 0 0 0,1-1 0 0 0,0 1 0 0 0,0 0 0 0 0,0-1 0 0 0,0 1 0 0 0,1 0 0 0 0,-1-1 0 0 0,1 1 0 0 0,-1 0 0 0 0,1 0 0 0 0,0-1 0 0 0,0 1 0 0 0,0 0 0 0 0,0 0 0 0 0,1 0 0 0 0,-1-1 0 0 0,2 5 0 0 0,-1-5-37 0 0,0-1 1 0 0,0 1-1 0 0,0 0 0 0 0,0-1 1 0 0,0 1-1 0 0,1-1 1 0 0,-1 1-1 0 0,0-1 0 0 0,1 0 1 0 0,-1 0-1 0 0,1 1 0 0 0,-1-1 1 0 0,1 0-1 0 0,0 0 0 0 0,-1-1 1 0 0,1 1-1 0 0,3 1 1 0 0,38 11 25 0 0,-38-12-106 0 0,5 2-401 0 0,-1-1 0 0 0,1 0 0 0 0,1-1 0 0 0,-1 0 0 0 0,18-1 0 0 0,23-11-6465 0 0,-48 10 4477 0 0</inkml:trace>
+</inkml:ink>
+</file>
+
+<file path=ppt/ink/ink54.xml><?xml version="1.0" encoding="utf-8"?>
+<inkml:ink xmlns:inkml="http://www.w3.org/2003/InkML">
+  <inkml:definitions>
+    <inkml:context xml:id="ctx0">
+      <inkml:inkSource xml:id="inkSrc0">
+        <inkml:traceFormat>
+          <inkml:channel name="X" type="integer" min="-2.14748E9" max="2.14748E9" units="cm"/>
+          <inkml:channel name="Y" type="integer" min="-2.14748E9" max="2.14748E9" units="cm"/>
+          <inkml:channel name="F" type="integer" max="32767" units="dev"/>
+          <inkml:channel name="OA" type="integer" max="360" units="deg"/>
+          <inkml:channel name="OE" type="integer" max="90" units="deg"/>
+        </inkml:traceFormat>
+        <inkml:channelProperties>
+          <inkml:channelProperty channel="X" name="resolution" value="1000" units="1/cm"/>
+          <inkml:channelProperty channel="Y" name="resolution" value="1000" units="1/cm"/>
+          <inkml:channelProperty channel="F" name="resolution" value="0" units="1/dev"/>
+          <inkml:channelProperty channel="OA" name="resolution" value="1000" units="1/deg"/>
+          <inkml:channelProperty channel="OE" name="resolution" value="1000" units="1/deg"/>
+        </inkml:channelProperties>
+      </inkml:inkSource>
+      <inkml:timestamp xml:id="ts0" timeString="2025-11-13T04:09:55.400"/>
+    </inkml:context>
+    <inkml:brush xml:id="br0">
+      <inkml:brushProperty name="width" value="0.035" units="cm"/>
+      <inkml:brushProperty name="height" value="0.035" units="cm"/>
+      <inkml:brushProperty name="color" value="#E71224"/>
+    </inkml:brush>
+  </inkml:definitions>
+  <inkml:trace contextRef="#ctx0" brushRef="#br0">21 17 2696 0 0,'-20'2'4523'0'0,"41"-7"-2733"0"0,49-7-331 0 0,117 11-631 0 0,-69 6-6249 0 0,-104-5 3795 0 0,23-2 805 0 0</inkml:trace>
+</inkml:ink>
+</file>
+
+<file path=ppt/ink/ink55.xml><?xml version="1.0" encoding="utf-8"?>
+<inkml:ink xmlns:inkml="http://www.w3.org/2003/InkML">
+  <inkml:definitions>
+    <inkml:context xml:id="ctx0">
+      <inkml:inkSource xml:id="inkSrc0">
+        <inkml:traceFormat>
+          <inkml:channel name="X" type="integer" min="-2.14748E9" max="2.14748E9" units="cm"/>
+          <inkml:channel name="Y" type="integer" min="-2.14748E9" max="2.14748E9" units="cm"/>
+          <inkml:channel name="F" type="integer" max="32767" units="dev"/>
+          <inkml:channel name="OA" type="integer" max="360" units="deg"/>
+          <inkml:channel name="OE" type="integer" max="90" units="deg"/>
+        </inkml:traceFormat>
+        <inkml:channelProperties>
+          <inkml:channelProperty channel="X" name="resolution" value="1000" units="1/cm"/>
+          <inkml:channelProperty channel="Y" name="resolution" value="1000" units="1/cm"/>
+          <inkml:channelProperty channel="F" name="resolution" value="0" units="1/dev"/>
+          <inkml:channelProperty channel="OA" name="resolution" value="1000" units="1/deg"/>
+          <inkml:channelProperty channel="OE" name="resolution" value="1000" units="1/deg"/>
+        </inkml:channelProperties>
+      </inkml:inkSource>
+      <inkml:timestamp xml:id="ts0" timeString="2025-11-13T04:09:55.741"/>
+    </inkml:context>
+    <inkml:brush xml:id="br0">
+      <inkml:brushProperty name="width" value="0.035" units="cm"/>
+      <inkml:brushProperty name="height" value="0.035" units="cm"/>
+      <inkml:brushProperty name="color" value="#E71224"/>
+    </inkml:brush>
+  </inkml:definitions>
+  <inkml:trace contextRef="#ctx0" brushRef="#br0">177 33 2868 0 0,'3'-15'692'0'0,"1"-3"4303"0"0,-13 32-1817 0 0,-39 81-1103 0 0,-23 43-2476 0 0,23-47-7742 0 0,41-78 6307 0 0</inkml:trace>
+</inkml:ink>
+</file>
+
+<file path=ppt/ink/ink56.xml><?xml version="1.0" encoding="utf-8"?>
+<inkml:ink xmlns:inkml="http://www.w3.org/2003/InkML">
+  <inkml:definitions>
+    <inkml:context xml:id="ctx0">
+      <inkml:inkSource xml:id="inkSrc0">
+        <inkml:traceFormat>
+          <inkml:channel name="X" type="integer" min="-2.14748E9" max="2.14748E9" units="cm"/>
+          <inkml:channel name="Y" type="integer" min="-2.14748E9" max="2.14748E9" units="cm"/>
+          <inkml:channel name="F" type="integer" max="32767" units="dev"/>
+          <inkml:channel name="OA" type="integer" max="360" units="deg"/>
+          <inkml:channel name="OE" type="integer" max="90" units="deg"/>
+        </inkml:traceFormat>
+        <inkml:channelProperties>
+          <inkml:channelProperty channel="X" name="resolution" value="1000" units="1/cm"/>
+          <inkml:channelProperty channel="Y" name="resolution" value="1000" units="1/cm"/>
+          <inkml:channelProperty channel="F" name="resolution" value="0" units="1/dev"/>
+          <inkml:channelProperty channel="OA" name="resolution" value="1000" units="1/deg"/>
+          <inkml:channelProperty channel="OE" name="resolution" value="1000" units="1/deg"/>
+        </inkml:channelProperties>
+      </inkml:inkSource>
+      <inkml:timestamp xml:id="ts0" timeString="2025-11-13T04:09:56.066"/>
+    </inkml:context>
+    <inkml:brush xml:id="br0">
+      <inkml:brushProperty name="width" value="0.035" units="cm"/>
+      <inkml:brushProperty name="height" value="0.035" units="cm"/>
+      <inkml:brushProperty name="color" value="#E71224"/>
+    </inkml:brush>
+  </inkml:definitions>
+  <inkml:trace contextRef="#ctx0" brushRef="#br0">224 119 2900 0 0,'-2'0'314'0'0,"0"-1"0"0"0,0 0 0 0 0,-1 1 0 0 0,1-1 0 0 0,0 1 0 0 0,-1 0 0 0 0,1 0-1 0 0,0 0 1 0 0,-1 0 0 0 0,1 0 0 0 0,-1 1 0 0 0,1-1 0 0 0,0 1 0 0 0,0-1 0 0 0,-1 1 0 0 0,1 0-1 0 0,-4 2 1 0 0,4-2-185 0 0,0 0-1 0 0,0 0 0 0 0,0 1 0 0 0,0-1 0 0 0,0 1 1 0 0,0-1-1 0 0,0 1 0 0 0,1 0 0 0 0,-1 0 0 0 0,1 0 1 0 0,-1 0-1 0 0,1 0 0 0 0,0 0 0 0 0,0 0 0 0 0,-1 0 1 0 0,2 1-1 0 0,-1-1 0 0 0,0 0 0 0 0,0 1 1 0 0,1-1-1 0 0,-1 0 0 0 0,1 1 0 0 0,0-1 0 0 0,0 1 1 0 0,0 3-1 0 0,0-5-93 0 0,1 1 1 0 0,-1-1-1 0 0,1 0 0 0 0,0 1 1 0 0,-1-1-1 0 0,1 0 1 0 0,0 1-1 0 0,0-1 0 0 0,0 0 1 0 0,0 0-1 0 0,0 0 0 0 0,0 0 1 0 0,0 0-1 0 0,1 0 1 0 0,-1 0-1 0 0,0 0 0 0 0,0 0 1 0 0,1-1-1 0 0,-1 1 1 0 0,0-1-1 0 0,1 1 0 0 0,-1-1 1 0 0,1 1-1 0 0,-1-1 1 0 0,1 0-1 0 0,-1 1 0 0 0,1-1 1 0 0,-1 0-1 0 0,1 0 1 0 0,-1 0-1 0 0,1 0 0 0 0,-1-1 1 0 0,3 1-1 0 0,42-9 197 0 0,-37 6-79 0 0,0-1 0 0 0,-1 0 0 0 0,1-1 0 0 0,-1 0 0 0 0,0 0 0 0 0,0-1 0 0 0,-1 0 0 0 0,0 0 0 0 0,0-1 0 0 0,7-9 0 0 0,-12 14-68 0 0,0 0 1 0 0,0-1-1 0 0,0 1 1 0 0,0-1-1 0 0,0 1 1 0 0,-1-1-1 0 0,1 0 1 0 0,-1 0-1 0 0,1 0 0 0 0,-1 0 1 0 0,0 0-1 0 0,-1 0 1 0 0,1 0-1 0 0,0 0 1 0 0,-1 0-1 0 0,0 0 1 0 0,1 0-1 0 0,-1-1 0 0 0,-1 1 1 0 0,1 0-1 0 0,0 0 1 0 0,-1 0-1 0 0,1 0 1 0 0,-1 0-1 0 0,0 0 1 0 0,0 0-1 0 0,0 0 0 0 0,-1 0 1 0 0,1 0-1 0 0,-1 0 1 0 0,1 1-1 0 0,-4-4 1 0 0,1 2-82 0 0,0 2 0 0 0,1-1 0 0 0,-1 0 0 0 0,-1 1-1 0 0,1 0 1 0 0,0 0 0 0 0,0 0 0 0 0,-1 0 0 0 0,1 1 0 0 0,-1 0 0 0 0,0 0 0 0 0,1 0 0 0 0,-1 0 0 0 0,0 1 0 0 0,0 0 0 0 0,1 0 0 0 0,-1 0 0 0 0,0 0 0 0 0,0 1 0 0 0,1 0 0 0 0,-7 1 0 0 0,-8 3-433 0 0,0 0-1 0 0,1 1 1 0 0,-35 16-1 0 0,37-14-275 0 0,1 0 0 0 0,1 0-1 0 0,-23 18 1 0 0,32-22 97 0 0,1 0 0 0 0,-1 1 1 0 0,1 0-1 0 0,0-1 1 0 0,0 1-1 0 0,1 0 0 0 0,-6 10 1 0 0,6 1-2911 0 0,3-12 3011 0 0,0-1-549 0 0</inkml:trace>
+</inkml:ink>
+</file>
+
+<file path=ppt/ink/ink57.xml><?xml version="1.0" encoding="utf-8"?>
+<inkml:ink xmlns:inkml="http://www.w3.org/2003/InkML">
+  <inkml:definitions>
+    <inkml:context xml:id="ctx0">
+      <inkml:inkSource xml:id="inkSrc0">
+        <inkml:traceFormat>
+          <inkml:channel name="X" type="integer" min="-2.14748E9" max="2.14748E9" units="cm"/>
+          <inkml:channel name="Y" type="integer" min="-2.14748E9" max="2.14748E9" units="cm"/>
+          <inkml:channel name="F" type="integer" max="32767" units="dev"/>
+          <inkml:channel name="OA" type="integer" max="360" units="deg"/>
+          <inkml:channel name="OE" type="integer" max="90" units="deg"/>
+        </inkml:traceFormat>
+        <inkml:channelProperties>
+          <inkml:channelProperty channel="X" name="resolution" value="1000" units="1/cm"/>
+          <inkml:channelProperty channel="Y" name="resolution" value="1000" units="1/cm"/>
+          <inkml:channelProperty channel="F" name="resolution" value="0" units="1/dev"/>
+          <inkml:channelProperty channel="OA" name="resolution" value="1000" units="1/deg"/>
+          <inkml:channelProperty channel="OE" name="resolution" value="1000" units="1/deg"/>
+        </inkml:channelProperties>
+      </inkml:inkSource>
+      <inkml:timestamp xml:id="ts0" timeString="2025-11-13T04:09:56.427"/>
+    </inkml:context>
+    <inkml:brush xml:id="br0">
+      <inkml:brushProperty name="width" value="0.035" units="cm"/>
+      <inkml:brushProperty name="height" value="0.035" units="cm"/>
+      <inkml:brushProperty name="color" value="#E71224"/>
+    </inkml:brush>
+  </inkml:definitions>
+  <inkml:trace contextRef="#ctx0" brushRef="#br0">237 4 3560 0 0,'5'-1'1168'0'0,"-2"1"-1023"0"0,1-1 0 0 0,-1 0 0 0 0,0 1 0 0 0,1 0 0 0 0,-1 0 0 0 0,0 0 0 0 0,1 0 0 0 0,-1 0 0 0 0,0 1 0 0 0,1-1 0 0 0,-1 1 0 0 0,0 0 0 0 0,0 0 0 0 0,1 0 0 0 0,-1 0 0 0 0,0 1 0 0 0,0-1 0 0 0,0 1 0 0 0,-1 0 0 0 0,1 0 0 0 0,0 0 0 0 0,-1 0 0 0 0,1 1 0 0 0,-1-1 0 0 0,0 0 0 0 0,1 1 0 0 0,-1 0 0 0 0,-1-1 0 0 0,1 1 0 0 0,0 0 0 0 0,-1 0 0 0 0,1 0 0 0 0,-1 0 0 0 0,0 1 0 0 0,0-1 0 0 0,0 0 0 0 0,0 0 0 0 0,-1 1 0 0 0,1-1 0 0 0,-1 0 0 0 0,0 1 0 0 0,0-1 0 0 0,0 1 0 0 0,0-1 0 0 0,-1 0 0 0 0,0 1 0 0 0,-1 4 0 0 0,-1 6 73 0 0,-1 0 0 0 0,0 0 0 0 0,-1 0 0 0 0,-1-1 0 0 0,0 0 0 0 0,-1 0 0 0 0,0 0 0 0 0,-1-1 0 0 0,-1 0 0 0 0,0 0 1 0 0,0-1-1 0 0,-19 16 0 0 0,12-12-124 0 0,-1-1 1 0 0,0-1 0 0 0,-1-1-1 0 0,-1 0 1 0 0,0-2 0 0 0,0 0-1 0 0,-35 12 1 0 0,48-20-542 0 0,0-1 0 0 0,0 1 0 0 0,0-1 0 0 0,0-1 0 0 0,0 1 0 0 0,-10-1-1 0 0,22-23-6370 0 0,5 6 4914 0 0</inkml:trace>
+</inkml:ink>
+</file>
+
+<file path=ppt/ink/ink58.xml><?xml version="1.0" encoding="utf-8"?>
+<inkml:ink xmlns:inkml="http://www.w3.org/2003/InkML">
+  <inkml:definitions>
+    <inkml:context xml:id="ctx0">
+      <inkml:inkSource xml:id="inkSrc0">
+        <inkml:traceFormat>
+          <inkml:channel name="X" type="integer" min="-2.14748E9" max="2.14748E9" units="cm"/>
+          <inkml:channel name="Y" type="integer" min="-2.14748E9" max="2.14748E9" units="cm"/>
+          <inkml:channel name="F" type="integer" max="32767" units="dev"/>
+          <inkml:channel name="OA" type="integer" max="360" units="deg"/>
+          <inkml:channel name="OE" type="integer" max="90" units="deg"/>
+        </inkml:traceFormat>
+        <inkml:channelProperties>
+          <inkml:channelProperty channel="X" name="resolution" value="1000" units="1/cm"/>
+          <inkml:channelProperty channel="Y" name="resolution" value="1000" units="1/cm"/>
+          <inkml:channelProperty channel="F" name="resolution" value="0" units="1/dev"/>
+          <inkml:channelProperty channel="OA" name="resolution" value="1000" units="1/deg"/>
+          <inkml:channelProperty channel="OE" name="resolution" value="1000" units="1/deg"/>
+        </inkml:channelProperties>
+      </inkml:inkSource>
+      <inkml:timestamp xml:id="ts0" timeString="2025-11-13T04:09:56.754"/>
+    </inkml:context>
+    <inkml:brush xml:id="br0">
+      <inkml:brushProperty name="width" value="0.035" units="cm"/>
+      <inkml:brushProperty name="height" value="0.035" units="cm"/>
+      <inkml:brushProperty name="color" value="#E71224"/>
+    </inkml:brush>
+  </inkml:definitions>
+  <inkml:trace contextRef="#ctx0" brushRef="#br0">72 17 3864 0 0,'4'-15'5525'0'0,"-4"15"-5466"0"0,0 0 1 0 0,0 0 0 0 0,0 0-1 0 0,0 0 1 0 0,0 0-1 0 0,0 0 1 0 0,0 1-1 0 0,0-1 1 0 0,0 0 0 0 0,0 0-1 0 0,1 0 1 0 0,-1 0-1 0 0,0 0 1 0 0,0 0-1 0 0,0 0 1 0 0,0 0 0 0 0,0 1-1 0 0,0-1 1 0 0,0 0-1 0 0,1 0 1 0 0,-1 0-1 0 0,0 0 1 0 0,0 0 0 0 0,0 0-1 0 0,0 0 1 0 0,0 0-1 0 0,1 0 1 0 0,-1 0 0 0 0,0 0-1 0 0,0 0 1 0 0,0 0-1 0 0,0 0 1 0 0,1 0-1 0 0,-1 0 1 0 0,0 0 0 0 0,0 0-1 0 0,0 0 1 0 0,0 0-1 0 0,0 0 1 0 0,0-1-1 0 0,1 1 1 0 0,-1 0 0 0 0,0 0-1 0 0,0 0 1 0 0,0 0-1 0 0,0 0 1 0 0,0 0-1 0 0,0 0 1 0 0,0 0 0 0 0,1-1-1 0 0,-1 1 1 0 0,0 0-1 0 0,0 0 1 0 0,0 0-1 0 0,0 0 1 0 0,0 0 0 0 0,0 0-1 0 0,0-1 1 0 0,0 1-1 0 0,0 0 1 0 0,0 0-1 0 0,0 0 1 0 0,0 0 0 0 0,-2 20 1384 0 0,-10 29-501 0 0,-34 100 575 0 0,40-124-3938 0 0,-5 46 0 0 0,10-60-1547 0 0,-1-5 2852 0 0,1-2 203 0 0,0-1-1933 0 0</inkml:trace>
+</inkml:ink>
+</file>
+
+<file path=ppt/ink/ink59.xml><?xml version="1.0" encoding="utf-8"?>
+<inkml:ink xmlns:inkml="http://www.w3.org/2003/InkML">
+  <inkml:definitions>
+    <inkml:context xml:id="ctx0">
+      <inkml:inkSource xml:id="inkSrc0">
+        <inkml:traceFormat>
+          <inkml:channel name="X" type="integer" min="-2.14748E9" max="2.14748E9" units="cm"/>
+          <inkml:channel name="Y" type="integer" min="-2.14748E9" max="2.14748E9" units="cm"/>
+          <inkml:channel name="F" type="integer" max="32767" units="dev"/>
+          <inkml:channel name="OA" type="integer" max="360" units="deg"/>
+          <inkml:channel name="OE" type="integer" max="90" units="deg"/>
+        </inkml:traceFormat>
+        <inkml:channelProperties>
+          <inkml:channelProperty channel="X" name="resolution" value="1000" units="1/cm"/>
+          <inkml:channelProperty channel="Y" name="resolution" value="1000" units="1/cm"/>
+          <inkml:channelProperty channel="F" name="resolution" value="0" units="1/dev"/>
+          <inkml:channelProperty channel="OA" name="resolution" value="1000" units="1/deg"/>
+          <inkml:channelProperty channel="OE" name="resolution" value="1000" units="1/deg"/>
+        </inkml:channelProperties>
+      </inkml:inkSource>
+      <inkml:timestamp xml:id="ts0" timeString="2025-11-13T04:10:00.200"/>
+    </inkml:context>
+    <inkml:brush xml:id="br0">
+      <inkml:brushProperty name="width" value="0.035" units="cm"/>
+      <inkml:brushProperty name="height" value="0.035" units="cm"/>
+      <inkml:brushProperty name="color" value="#E71224"/>
+    </inkml:brush>
+  </inkml:definitions>
+  <inkml:trace contextRef="#ctx0" brushRef="#br0">248 1 3792 0 0,'-25'18'9996'0'0,"25"-19"-9353"0"0,9 8-475 0 0,-7-5-162 0 0,0 0-1 0 0,0 0 1 0 0,0 0-1 0 0,-1 0 0 0 0,1 0 1 0 0,-1 0-1 0 0,1 0 1 0 0,-1 0-1 0 0,0 1 1 0 0,0-1-1 0 0,0 0 0 0 0,0 1 1 0 0,0 3-1 0 0,0 4 3 0 0,-1 1-1 0 0,0-1 0 0 0,-1 0 0 0 0,0 1 1 0 0,-1-1-1 0 0,0 0 0 0 0,0 0 0 0 0,-1 0 1 0 0,-1 0-1 0 0,0 0 0 0 0,0-1 0 0 0,-1 0 1 0 0,-8 13-1 0 0,-7 10 44 0 0,-3-2 0 0 0,-32 35 0 0 0,54-63 74 0 0,6-2-107 0 0,8 1-3 0 0,1 0 0 0 0,0 1-1 0 0,-1 0 1 0 0,25 8 0 0 0,-35-9-5 0 0,1 1 0 0 0,-1-1 0 0 0,0 1 1 0 0,1 0-1 0 0,-1-1 0 0 0,0 1 1 0 0,0 1-1 0 0,0-1 0 0 0,0 0 0 0 0,-1 1 1 0 0,1 0-1 0 0,-1-1 0 0 0,1 1 0 0 0,-1 0 1 0 0,0 0-1 0 0,0 0 0 0 0,0 1 1 0 0,0-1-1 0 0,-1 0 0 0 0,0 1 0 0 0,1-1 1 0 0,-1 1-1 0 0,0-1 0 0 0,0 7 0 0 0,0 1 95 0 0,0 0 0 0 0,-1 1 0 0 0,0-1 0 0 0,-1 0-1 0 0,-1 0 1 0 0,0 0 0 0 0,0 0 0 0 0,-1 0 0 0 0,0 0-1 0 0,-1-1 1 0 0,0 1 0 0 0,-1-1 0 0 0,-8 14 0 0 0,9-18-67 0 0,-1 1 0 0 0,0-1 0 0 0,0 1 1 0 0,-1-2-1 0 0,0 1 0 0 0,0 0 1 0 0,0-1-1 0 0,0 0 0 0 0,-1-1 0 0 0,0 0 1 0 0,0 0-1 0 0,0 0 0 0 0,-1 0 0 0 0,1-1 1 0 0,-1-1-1 0 0,0 1 0 0 0,1-1 0 0 0,-1-1 1 0 0,0 1-1 0 0,-12-1 0 0 0,15 0-362 0 0,-36-3-906 0 0,39 1 675 0 0,-1 0 0 0 0,1 0-1 0 0,0 0 1 0 0,0 0 0 0 0,0 0-1 0 0,0 0 1 0 0,0 0 0 0 0,0-1-1 0 0,0 1 1 0 0,-3-3 0 0 0,2-2-2608 0 0,-3-8-258 0 0</inkml:trace>
+</inkml:ink>
+</file>
+
+<file path=ppt/ink/ink6.xml><?xml version="1.0" encoding="utf-8"?>
+<inkml:ink xmlns:inkml="http://www.w3.org/2003/InkML">
+  <inkml:definitions>
+    <inkml:context xml:id="ctx0">
+      <inkml:inkSource xml:id="inkSrc0">
+        <inkml:traceFormat>
+          <inkml:channel name="X" type="integer" min="-2.14748E9" max="2.14748E9" units="cm"/>
+          <inkml:channel name="Y" type="integer" min="-2.14748E9" max="2.14748E9" units="cm"/>
+          <inkml:channel name="F" type="integer" max="32767" units="dev"/>
+          <inkml:channel name="OA" type="integer" max="360" units="deg"/>
+          <inkml:channel name="OE" type="integer" max="90" units="deg"/>
+        </inkml:traceFormat>
+        <inkml:channelProperties>
+          <inkml:channelProperty channel="X" name="resolution" value="1000" units="1/cm"/>
+          <inkml:channelProperty channel="Y" name="resolution" value="1000" units="1/cm"/>
+          <inkml:channelProperty channel="F" name="resolution" value="0" units="1/dev"/>
+          <inkml:channelProperty channel="OA" name="resolution" value="1000" units="1/deg"/>
+          <inkml:channelProperty channel="OE" name="resolution" value="1000" units="1/deg"/>
+        </inkml:channelProperties>
+      </inkml:inkSource>
+      <inkml:timestamp xml:id="ts0" timeString="2025-11-13T04:08:04.755"/>
+    </inkml:context>
+    <inkml:brush xml:id="br0">
+      <inkml:brushProperty name="width" value="0.035" units="cm"/>
+      <inkml:brushProperty name="height" value="0.035" units="cm"/>
+      <inkml:brushProperty name="color" value="#E71224"/>
+    </inkml:brush>
+  </inkml:definitions>
+  <inkml:trace contextRef="#ctx0" brushRef="#br0">180 7 1660 0 0,'9'-7'1808'0'0,"-5"8"1515"0"0,-4 2-3291 0 0,0 0 0 0 0,0-1 1 0 0,-1 1-1 0 0,1-1 0 0 0,-1 1 1 0 0,0-1-1 0 0,1 1 1 0 0,-1-1-1 0 0,0 1 0 0 0,0-1 1 0 0,-1 0-1 0 0,1 1 0 0 0,0-1 1 0 0,-1 0-1 0 0,0 0 0 0 0,-2 3 1 0 0,-38 43 214 0 0,23-28-56 0 0,-3 5 167 0 0,2 1-1 0 0,-19 32 1 0 0,35-51-247 0 0,-1 1 0 0 0,1 0 1 0 0,0 1-1 0 0,1-1 1 0 0,0 0-1 0 0,0 1 0 0 0,1 0 1 0 0,0 0-1 0 0,1 0 0 0 0,0 0 1 0 0,0 0-1 0 0,1 16 1 0 0,1-22-48 0 0,0 0 1 0 0,0 1 0 0 0,1-1 0 0 0,-1-1-1 0 0,1 1 1 0 0,-1 0 0 0 0,1 0-1 0 0,0 0 1 0 0,0-1 0 0 0,0 1 0 0 0,1-1-1 0 0,-1 0 1 0 0,0 1 0 0 0,1-1-1 0 0,0 0 1 0 0,-1-1 0 0 0,1 1 0 0 0,0 0-1 0 0,0-1 1 0 0,0 1 0 0 0,0-1 0 0 0,0 0-1 0 0,0 0 1 0 0,0 0 0 0 0,4 0-1 0 0,12 3 135 0 0,0 0 1 0 0,38 1-1 0 0,-40-4-164 0 0,-8 1-336 0 0,0-2 0 0 0,0 1 0 0 0,0-1 0 0 0,1-1 0 0 0,-1 0 0 0 0,0 0 0 0 0,0 0-1 0 0,0-1 1 0 0,0-1 0 0 0,-1 0 0 0 0,15-6 0 0 0,-22 9 95 0 0,0-1 0 0 0,0 1 0 0 0,0-1 0 0 0,0 0 0 0 0,0 1 0 0 0,0-1 0 0 0,0 0 0 0 0,0 0 0 0 0,0 0 0 0 0,-1 0 0 0 0,1 0 0 0 0,0 0 0 0 0,-1 0 0 0 0,1 0 0 0 0,0 0 0 0 0,-1 0 0 0 0,1 0 0 0 0,-1 0 0 0 0,1-3 0 0 0,0 1-688 0 0,6-16 334 0 0</inkml:trace>
+</inkml:ink>
+</file>
+
+<file path=ppt/ink/ink60.xml><?xml version="1.0" encoding="utf-8"?>
+<inkml:ink xmlns:inkml="http://www.w3.org/2003/InkML">
+  <inkml:definitions>
+    <inkml:context xml:id="ctx0">
+      <inkml:inkSource xml:id="inkSrc0">
+        <inkml:traceFormat>
+          <inkml:channel name="X" type="integer" min="-2.14748E9" max="2.14748E9" units="cm"/>
+          <inkml:channel name="Y" type="integer" min="-2.14748E9" max="2.14748E9" units="cm"/>
+          <inkml:channel name="F" type="integer" max="32767" units="dev"/>
+          <inkml:channel name="OA" type="integer" max="360" units="deg"/>
+          <inkml:channel name="OE" type="integer" max="90" units="deg"/>
+        </inkml:traceFormat>
+        <inkml:channelProperties>
+          <inkml:channelProperty channel="X" name="resolution" value="1000" units="1/cm"/>
+          <inkml:channelProperty channel="Y" name="resolution" value="1000" units="1/cm"/>
+          <inkml:channelProperty channel="F" name="resolution" value="0" units="1/dev"/>
+          <inkml:channelProperty channel="OA" name="resolution" value="1000" units="1/deg"/>
+          <inkml:channelProperty channel="OE" name="resolution" value="1000" units="1/deg"/>
+        </inkml:channelProperties>
+      </inkml:inkSource>
+      <inkml:timestamp xml:id="ts0" timeString="2025-11-13T04:10:05.730"/>
+    </inkml:context>
+    <inkml:brush xml:id="br0">
+      <inkml:brushProperty name="width" value="0.035" units="cm"/>
+      <inkml:brushProperty name="height" value="0.035" units="cm"/>
+      <inkml:brushProperty name="color" value="#E71224"/>
+    </inkml:brush>
+  </inkml:definitions>
+  <inkml:trace contextRef="#ctx0" brushRef="#br0">15 6 4432 0 0,'-14'-6'9290'0'0,"20"11"-9153"0"0,1 0 0 0 0,-1 0 1 0 0,1-1-1 0 0,1 0 0 0 0,-1-1 0 0 0,0 1 1 0 0,1-1-1 0 0,0-1 0 0 0,0 1 0 0 0,0-1 1 0 0,0-1-1 0 0,0 0 0 0 0,11 1 0 0 0,75-5-2741 0 0,10-11-4596 0 0,-69 8 4789 0 0</inkml:trace>
+</inkml:ink>
+</file>
+
+<file path=ppt/ink/ink61.xml><?xml version="1.0" encoding="utf-8"?>
+<inkml:ink xmlns:inkml="http://www.w3.org/2003/InkML">
+  <inkml:definitions>
+    <inkml:context xml:id="ctx0">
+      <inkml:inkSource xml:id="inkSrc0">
+        <inkml:traceFormat>
+          <inkml:channel name="X" type="integer" min="-2.14748E9" max="2.14748E9" units="cm"/>
+          <inkml:channel name="Y" type="integer" min="-2.14748E9" max="2.14748E9" units="cm"/>
+          <inkml:channel name="F" type="integer" max="32767" units="dev"/>
+          <inkml:channel name="OA" type="integer" max="360" units="deg"/>
+          <inkml:channel name="OE" type="integer" max="90" units="deg"/>
+        </inkml:traceFormat>
+        <inkml:channelProperties>
+          <inkml:channelProperty channel="X" name="resolution" value="1000" units="1/cm"/>
+          <inkml:channelProperty channel="Y" name="resolution" value="1000" units="1/cm"/>
+          <inkml:channelProperty channel="F" name="resolution" value="0" units="1/dev"/>
+          <inkml:channelProperty channel="OA" name="resolution" value="1000" units="1/deg"/>
+          <inkml:channelProperty channel="OE" name="resolution" value="1000" units="1/deg"/>
+        </inkml:channelProperties>
+      </inkml:inkSource>
+      <inkml:timestamp xml:id="ts0" timeString="2025-11-13T04:10:06.090"/>
+    </inkml:context>
+    <inkml:brush xml:id="br0">
+      <inkml:brushProperty name="width" value="0.035" units="cm"/>
+      <inkml:brushProperty name="height" value="0.035" units="cm"/>
+      <inkml:brushProperty name="color" value="#E71224"/>
+    </inkml:brush>
+  </inkml:definitions>
+  <inkml:trace contextRef="#ctx0" brushRef="#br0">107 91 2920 0 0,'-21'-11'4545'0'0,"20"10"-4408"0"0,0 1 0 0 0,-1-1 0 0 0,1 0 0 0 0,0 0 0 0 0,0 0-1 0 0,0 0 1 0 0,0 0 0 0 0,1 0 0 0 0,-1 0 0 0 0,0 0 0 0 0,0 0-1 0 0,1 0 1 0 0,-1-1 0 0 0,0 1 0 0 0,1 0 0 0 0,-1 0 0 0 0,1-1-1 0 0,0 1 1 0 0,-1 0 0 0 0,1-1 0 0 0,0 1 0 0 0,0 0 0 0 0,0-1-1 0 0,0 1 1 0 0,0-3 0 0 0,1 2-57 0 0,0 0 0 0 0,0 0 1 0 0,0 0-1 0 0,0 0 0 0 0,0 1 0 0 0,0-1 1 0 0,0 0-1 0 0,1 0 0 0 0,-1 1 0 0 0,1-1 1 0 0,-1 1-1 0 0,1-1 0 0 0,0 1 0 0 0,-1 0 0 0 0,3-2 1 0 0,1 0-46 0 0,-1 1 0 0 0,1-1 0 0 0,-1 1 0 0 0,1 0 0 0 0,0 1 0 0 0,0-1 0 0 0,-1 1 0 0 0,1 0 0 0 0,0 0 0 0 0,1 0 0 0 0,-1 1 0 0 0,0 0 0 0 0,0 0 0 0 0,0 0 0 0 0,0 0 0 0 0,5 2 1 0 0,-7-2-17 0 0,-1 1 1 0 0,0 0 0 0 0,1-1 0 0 0,-1 1 0 0 0,0 0-1 0 0,0 0 1 0 0,1 1 0 0 0,-1-1 0 0 0,0 0 0 0 0,0 1 0 0 0,0-1-1 0 0,-1 1 1 0 0,1-1 0 0 0,0 1 0 0 0,0 0 0 0 0,-1 0-1 0 0,0 0 1 0 0,1 0 0 0 0,-1 0 0 0 0,0 0 0 0 0,0 0 0 0 0,0 1-1 0 0,2 4 1 0 0,-3-3 30 0 0,0 0 0 0 0,0 1 0 0 0,0-1 0 0 0,0 0 0 0 0,0 0 0 0 0,-1 1 0 0 0,0-1 0 0 0,0 0 0 0 0,0 0 0 0 0,-1 0 0 0 0,1 0 0 0 0,-4 7 1 0 0,-6 7 142 0 0,0 0 1 0 0,-2 0 0 0 0,0-2 0 0 0,-23 26 0 0 0,-11 0 186 0 0,36-33-180 0 0,0 0 0 0 0,0 1 0 0 0,1 1-1 0 0,0 0 1 0 0,-15 22 0 0 0,24-32-185 0 0,1 0 0 0 0,-1 0-1 0 0,1 0 1 0 0,-1 0 0 0 0,1 0 0 0 0,0 0 0 0 0,-1 0-1 0 0,1 0 1 0 0,0 0 0 0 0,0 0 0 0 0,0 0 0 0 0,0 0 0 0 0,0 0-1 0 0,0 0 1 0 0,0 0 0 0 0,0 0 0 0 0,0 0 0 0 0,0 0-1 0 0,1 0 1 0 0,-1 0 0 0 0,0 0 0 0 0,1 0 0 0 0,-1 0 0 0 0,0 0-1 0 0,1 0 1 0 0,0-1 0 0 0,-1 1 0 0 0,1 0 0 0 0,-1 0-1 0 0,1 0 1 0 0,0-1 0 0 0,0 1 0 0 0,-1 0 0 0 0,1-1 0 0 0,0 1-1 0 0,0 0 1 0 0,0-1 0 0 0,0 1 0 0 0,0-1 0 0 0,0 0-1 0 0,0 1 1 0 0,1 0 0 0 0,3 0-91 0 0,0 1-1 0 0,0-1 1 0 0,0 0 0 0 0,0 0-1 0 0,0 0 1 0 0,0-1 0 0 0,0 0-1 0 0,8 0 1 0 0,88-16-2900 0 0,7-7-5520 0 0,-87 19 6869 0 0</inkml:trace>
+</inkml:ink>
+</file>
+
+<file path=ppt/ink/ink62.xml><?xml version="1.0" encoding="utf-8"?>
+<inkml:ink xmlns:inkml="http://www.w3.org/2003/InkML">
+  <inkml:definitions>
+    <inkml:context xml:id="ctx0">
+      <inkml:inkSource xml:id="inkSrc0">
+        <inkml:traceFormat>
+          <inkml:channel name="X" type="integer" min="-2.14748E9" max="2.14748E9" units="cm"/>
+          <inkml:channel name="Y" type="integer" min="-2.14748E9" max="2.14748E9" units="cm"/>
+          <inkml:channel name="F" type="integer" max="32767" units="dev"/>
+          <inkml:channel name="OA" type="integer" max="360" units="deg"/>
+          <inkml:channel name="OE" type="integer" max="90" units="deg"/>
+        </inkml:traceFormat>
+        <inkml:channelProperties>
+          <inkml:channelProperty channel="X" name="resolution" value="1000" units="1/cm"/>
+          <inkml:channelProperty channel="Y" name="resolution" value="1000" units="1/cm"/>
+          <inkml:channelProperty channel="F" name="resolution" value="0" units="1/dev"/>
+          <inkml:channelProperty channel="OA" name="resolution" value="1000" units="1/deg"/>
+          <inkml:channelProperty channel="OE" name="resolution" value="1000" units="1/deg"/>
+        </inkml:channelProperties>
+      </inkml:inkSource>
+      <inkml:timestamp xml:id="ts0" timeString="2025-11-13T04:10:06.431"/>
+    </inkml:context>
+    <inkml:brush xml:id="br0">
+      <inkml:brushProperty name="width" value="0.035" units="cm"/>
+      <inkml:brushProperty name="height" value="0.035" units="cm"/>
+      <inkml:brushProperty name="color" value="#E71224"/>
+    </inkml:brush>
+  </inkml:definitions>
+  <inkml:trace contextRef="#ctx0" brushRef="#br0">83 0 3144 0 0,'0'0'4752'0'0,"-3"4"-3887"0"0,-2 4-460 0 0,0 0-1 0 0,1 0 1 0 0,0 1 0 0 0,0 0-1 0 0,1 0 1 0 0,0 0 0 0 0,1 0-1 0 0,-2 12 1 0 0,-10 88 973 0 0,10-68-1255 0 0,2-6-335 0 0,-3 12-2043 0 0,-8-1-3789 0 0,5-29 4079 0 0</inkml:trace>
+</inkml:ink>
+</file>
+
+<file path=ppt/ink/ink63.xml><?xml version="1.0" encoding="utf-8"?>
+<inkml:ink xmlns:inkml="http://www.w3.org/2003/InkML">
+  <inkml:definitions>
+    <inkml:context xml:id="ctx0">
+      <inkml:inkSource xml:id="inkSrc0">
+        <inkml:traceFormat>
+          <inkml:channel name="X" type="integer" min="-2.14748E9" max="2.14748E9" units="cm"/>
+          <inkml:channel name="Y" type="integer" min="-2.14748E9" max="2.14748E9" units="cm"/>
+          <inkml:channel name="F" type="integer" max="32767" units="dev"/>
+          <inkml:channel name="OA" type="integer" max="360" units="deg"/>
+          <inkml:channel name="OE" type="integer" max="90" units="deg"/>
+        </inkml:traceFormat>
+        <inkml:channelProperties>
+          <inkml:channelProperty channel="X" name="resolution" value="1000" units="1/cm"/>
+          <inkml:channelProperty channel="Y" name="resolution" value="1000" units="1/cm"/>
+          <inkml:channelProperty channel="F" name="resolution" value="0" units="1/dev"/>
+          <inkml:channelProperty channel="OA" name="resolution" value="1000" units="1/deg"/>
+          <inkml:channelProperty channel="OE" name="resolution" value="1000" units="1/deg"/>
+        </inkml:channelProperties>
+      </inkml:inkSource>
+      <inkml:timestamp xml:id="ts0" timeString="2025-11-13T04:10:10.028"/>
+    </inkml:context>
+    <inkml:brush xml:id="br0">
+      <inkml:brushProperty name="width" value="0.035" units="cm"/>
+      <inkml:brushProperty name="height" value="0.035" units="cm"/>
+      <inkml:brushProperty name="color" value="#E71224"/>
+    </inkml:brush>
+  </inkml:definitions>
+  <inkml:trace contextRef="#ctx0" brushRef="#br0">499 59 3708 0 0,'-3'-5'436'0'0,"0"1"-1"0"0,-1 0 0 0 0,1-1 1 0 0,-1 1-1 0 0,0 1 0 0 0,0-1 1 0 0,-1 0-1 0 0,1 1 0 0 0,-1 0 0 0 0,0 0 1 0 0,0 1-1 0 0,0-1 0 0 0,0 1 1 0 0,0 0-1 0 0,0 0 0 0 0,0 1 1 0 0,-1-1-1 0 0,1 1 0 0 0,-1 1 1 0 0,-9-1-1 0 0,-2 3-151 0 0,0 2-1 0 0,0 0 1 0 0,0 1 0 0 0,1 1 0 0 0,-1 1 0 0 0,2 0 0 0 0,-1 1-1 0 0,1 0 1 0 0,0 1 0 0 0,1 1 0 0 0,0 1 0 0 0,0 0-1 0 0,-20 22 1 0 0,21-20-177 0 0,1 1 1 0 0,0 0-1 0 0,1 1 0 0 0,1 0 0 0 0,1 0 0 0 0,0 1 0 0 0,0 0 1 0 0,2 1-1 0 0,0 0 0 0 0,1 0 0 0 0,1 0 0 0 0,0 1 1 0 0,-3 28-1 0 0,8-37-76 0 0,0-1 1 0 0,0 0 0 0 0,0 0-1 0 0,1 0 1 0 0,0 0 0 0 0,1 0-1 0 0,0-1 1 0 0,0 1-1 0 0,1 0 1 0 0,0-1 0 0 0,0 0-1 0 0,1 1 1 0 0,0-1 0 0 0,0 0-1 0 0,0-1 1 0 0,1 1 0 0 0,0-1-1 0 0,0 0 1 0 0,1 0-1 0 0,0-1 1 0 0,0 1 0 0 0,0-1-1 0 0,9 5 1 0 0,-7-5 13 0 0,0-1-1 0 0,0 0 0 0 0,0 0 1 0 0,1-1-1 0 0,0 0 1 0 0,-1 0-1 0 0,1-1 1 0 0,0 0-1 0 0,0-1 1 0 0,0 0-1 0 0,0 0 1 0 0,14-2-1 0 0,-21 1 15 0 0,0 0 0 0 0,0 0 0 0 0,1 0 1 0 0,-1 0-1 0 0,0-1 0 0 0,0 1 0 0 0,0-1 0 0 0,1 0 0 0 0,-1 0 0 0 0,0 0 0 0 0,0 0 1 0 0,0 0-1 0 0,0 0 0 0 0,0 0 0 0 0,2-3 0 0 0,-4 4-4 0 0,1-1 0 0 0,0 0 0 0 0,-1 0 0 0 0,1 0 0 0 0,-1 0-1 0 0,1 0 1 0 0,-1 0 0 0 0,1 0 0 0 0,-1 0 0 0 0,0 0 0 0 0,0 0 0 0 0,1 0 0 0 0,-1 0 0 0 0,0 0 0 0 0,0-1 0 0 0,0 1 0 0 0,0 0-1 0 0,0 0 1 0 0,-1 0 0 0 0,1 0 0 0 0,-1-2 0 0 0,0 0 24 0 0,0 0 0 0 0,-1 0 0 0 0,1 0 0 0 0,-1 0 0 0 0,0 0 0 0 0,0 0 0 0 0,0 0 0 0 0,0 1 0 0 0,0-1 0 0 0,-1 1 0 0 0,1 0 0 0 0,-1 0 0 0 0,0 0 0 0 0,0 0 0 0 0,1 0 0 0 0,-5-2 0 0 0,-1 2-52 0 0,0 0 0 0 0,1 0 1 0 0,-1 0-1 0 0,0 1 0 0 0,0 1 0 0 0,-1-1 0 0 0,1 1 0 0 0,0 0 1 0 0,0 1-1 0 0,0 0 0 0 0,0 0 0 0 0,0 1 0 0 0,0 0 0 0 0,1 0 0 0 0,-1 1 1 0 0,1 0-1 0 0,-10 5 0 0 0,10-4-601 0 0,-1 0 1 0 0,1 1 0 0 0,-1 0-1 0 0,2 1 1 0 0,-1-1-1 0 0,-12 14 1 0 0,15-15-532 0 0,1 1-1 0 0,-1 0 1 0 0,1 0 0 0 0,0 0-1 0 0,0 0 1 0 0,1 1 0 0 0,0-1 0 0 0,-1 1-1 0 0,2-1 1 0 0,-3 10 0 0 0</inkml:trace>
+</inkml:ink>
+</file>
+
+<file path=ppt/ink/ink64.xml><?xml version="1.0" encoding="utf-8"?>
+<inkml:ink xmlns:inkml="http://www.w3.org/2003/InkML">
+  <inkml:definitions>
+    <inkml:context xml:id="ctx0">
+      <inkml:inkSource xml:id="inkSrc0">
+        <inkml:traceFormat>
+          <inkml:channel name="X" type="integer" min="-2.14748E9" max="2.14748E9" units="cm"/>
+          <inkml:channel name="Y" type="integer" min="-2.14748E9" max="2.14748E9" units="cm"/>
+          <inkml:channel name="F" type="integer" max="32767" units="dev"/>
+          <inkml:channel name="OA" type="integer" max="360" units="deg"/>
+          <inkml:channel name="OE" type="integer" max="90" units="deg"/>
+        </inkml:traceFormat>
+        <inkml:channelProperties>
+          <inkml:channelProperty channel="X" name="resolution" value="1000" units="1/cm"/>
+          <inkml:channelProperty channel="Y" name="resolution" value="1000" units="1/cm"/>
+          <inkml:channelProperty channel="F" name="resolution" value="0" units="1/dev"/>
+          <inkml:channelProperty channel="OA" name="resolution" value="1000" units="1/deg"/>
+          <inkml:channelProperty channel="OE" name="resolution" value="1000" units="1/deg"/>
+        </inkml:channelProperties>
+      </inkml:inkSource>
+      <inkml:timestamp xml:id="ts0" timeString="2025-11-13T04:10:18.387"/>
+    </inkml:context>
+    <inkml:brush xml:id="br0">
+      <inkml:brushProperty name="width" value="0.035" units="cm"/>
+      <inkml:brushProperty name="height" value="0.035" units="cm"/>
+      <inkml:brushProperty name="color" value="#E71224"/>
+    </inkml:brush>
+  </inkml:definitions>
+  <inkml:trace contextRef="#ctx0" brushRef="#br0">870 422 3108 0 0,'5'-2'1358'0'0,"4"-1"-894"0"0,-1 0 1 0 0,0-1 0 0 0,1 1-1 0 0,-2-2 1 0 0,1 1-1 0 0,-1-1 1 0 0,1-1 0 0 0,-1 1-1 0 0,-1-1 1 0 0,1 0 0 0 0,-1-1-1 0 0,0 1 1 0 0,0-1-1 0 0,-1 0 1 0 0,0-1 0 0 0,0 1-1 0 0,-1-1 1 0 0,0 0 0 0 0,-1 0-1 0 0,1-1 1 0 0,-1 1-1 0 0,3-17 1 0 0,-6 21-348 0 0,0 0-1 0 0,-1 0 1 0 0,1 0 0 0 0,-1 0-1 0 0,0 0 1 0 0,0 0 0 0 0,0 1-1 0 0,-1-1 1 0 0,1 0 0 0 0,-1 1-1 0 0,0-1 1 0 0,0 1-1 0 0,0-1 1 0 0,0 1 0 0 0,-1 0-1 0 0,-4-5 1 0 0,-50-42 555 0 0,49 44-580 0 0,-17-11 16 0 0,0 0 1 0 0,-1 2-1 0 0,-1 1 1 0 0,0 1-1 0 0,-1 1 1 0 0,0 1-1 0 0,-1 2 1 0 0,0 1-1 0 0,-1 1 1 0 0,-57-5-1 0 0,43 9-31 0 0,0 2 0 0 0,0 2 1 0 0,1 2-1 0 0,-1 2 0 0 0,1 2 0 0 0,0 1 1 0 0,-42 15-1 0 0,72-19-75 0 0,-1 0 0 0 0,1 2 0 0 0,0-1 0 0 0,1 2 0 0 0,-1-1 0 0 0,-12 10 0 0 0,20-12-5 0 0,0 1 0 0 0,0-1 0 0 0,1 1 0 0 0,-1 0 0 0 0,1 0 0 0 0,0 1 0 0 0,0-1 0 0 0,1 1 0 0 0,0 0 0 0 0,0 0 0 0 0,0 0-1 0 0,1 0 1 0 0,-1 1 0 0 0,1-1 0 0 0,0 7 0 0 0,-3 9-11 0 0,2-1 0 0 0,1 1 0 0 0,1 0 1 0 0,1 0-1 0 0,0-1 0 0 0,2 1 0 0 0,1 0 0 0 0,0-1 0 0 0,10 31 0 0 0,-8-37 2 0 0,0 1 0 0 0,2-1 0 0 0,0 0-1 0 0,1-1 1 0 0,0 1 0 0 0,1-2 0 0 0,1 1-1 0 0,0-1 1 0 0,0-1 0 0 0,2 0 0 0 0,-1 0 0 0 0,2-1-1 0 0,13 10 1 0 0,-5-7-247 0 0,0-1-1 0 0,0 0 1 0 0,1-2-1 0 0,1-1 1 0 0,0 0 0 0 0,0-2-1 0 0,35 8 1 0 0,19-7-3346 0 0,1-14-3792 0 0,-53 2 4537 0 0</inkml:trace>
+</inkml:ink>
+</file>
+
+<file path=ppt/ink/ink65.xml><?xml version="1.0" encoding="utf-8"?>
+<inkml:ink xmlns:inkml="http://www.w3.org/2003/InkML">
+  <inkml:definitions>
+    <inkml:context xml:id="ctx0">
+      <inkml:inkSource xml:id="inkSrc0">
+        <inkml:traceFormat>
+          <inkml:channel name="X" type="integer" min="-2.14748E9" max="2.14748E9" units="cm"/>
+          <inkml:channel name="Y" type="integer" min="-2.14748E9" max="2.14748E9" units="cm"/>
+          <inkml:channel name="F" type="integer" max="32767" units="dev"/>
+          <inkml:channel name="OA" type="integer" max="360" units="deg"/>
+          <inkml:channel name="OE" type="integer" max="90" units="deg"/>
+        </inkml:traceFormat>
+        <inkml:channelProperties>
+          <inkml:channelProperty channel="X" name="resolution" value="1000" units="1/cm"/>
+          <inkml:channelProperty channel="Y" name="resolution" value="1000" units="1/cm"/>
+          <inkml:channelProperty channel="F" name="resolution" value="0" units="1/dev"/>
+          <inkml:channelProperty channel="OA" name="resolution" value="1000" units="1/deg"/>
+          <inkml:channelProperty channel="OE" name="resolution" value="1000" units="1/deg"/>
+        </inkml:channelProperties>
+      </inkml:inkSource>
+      <inkml:timestamp xml:id="ts0" timeString="2025-11-13T04:12:50.966"/>
+    </inkml:context>
+    <inkml:brush xml:id="br0">
+      <inkml:brushProperty name="width" value="0.035" units="cm"/>
+      <inkml:brushProperty name="height" value="0.035" units="cm"/>
+      <inkml:brushProperty name="color" value="#E71224"/>
+    </inkml:brush>
+  </inkml:definitions>
+  <inkml:trace contextRef="#ctx0" brushRef="#br0">15 22 4316 0 0,'0'0'6556'0'0,"-4"-1"-5456"0"0,4 1-1047 0 0,-1 1 0 0 0,1-1 0 0 0,0 0 0 0 0,-1 0 0 0 0,1 0 0 0 0,0 0 0 0 0,-1 0 0 0 0,1 0 0 0 0,0 0 0 0 0,-1 0 0 0 0,1 0 0 0 0,0 0 0 0 0,-1 0 0 0 0,1 0 0 0 0,0 0-1 0 0,-1-1 1 0 0,1 1 0 0 0,0 0 0 0 0,0 0 0 0 0,-1 0 0 0 0,1 0 0 0 0,0-1 0 0 0,-1 1 0 0 0,1 0 0 0 0,0 0 0 0 0,0 0 0 0 0,-1-1 0 0 0,1 1 0 0 0,0 0 0 0 0,0 0 0 0 0,0-1 0 0 0,-1 1 0 0 0,1 0 0 0 0,0-1 0 0 0,0 1 0 0 0,0 0 0 0 0,0-1 0 0 0,0 1 0 0 0,0 0 0 0 0,0-1 0 0 0,-1 1 0 0 0,1 0 0 0 0,0-1 0 0 0,0 1 0 0 0,0 0 0 0 0,0-1 0 0 0,0 1 0 0 0,1 0 0 0 0,-1-1 0 0 0,22-7 1304 0 0,-15 7-1200 0 0,1 0 0 0 0,-1 0 1 0 0,1 1-1 0 0,0 0 0 0 0,0 0 0 0 0,12 2 0 0 0,-7 2 54 0 0,1 1-1 0 0,0 0 1 0 0,-1 1-1 0 0,0 0 1 0 0,-1 1-1 0 0,1 1 0 0 0,-1 0 1 0 0,18 16-1 0 0,-24-19-132 0 0,-1 1-1 0 0,0 0 1 0 0,0 0-1 0 0,-1 0 1 0 0,1 1-1 0 0,-2-1 1 0 0,1 1-1 0 0,-1 0 1 0 0,0 0-1 0 0,0 0 1 0 0,0 1-1 0 0,-1-1 1 0 0,-1 1-1 0 0,1-1 1 0 0,-1 1-1 0 0,0 0 1 0 0,-1-1-1 0 0,0 13 1 0 0,-4 10 82 0 0,-1 1 1 0 0,-11 32 0 0 0,6-22-263 0 0,2-21-57 0 0,0-11-2861 0 0,-17-15-11198 0 0</inkml:trace>
+</inkml:ink>
+</file>
+
+<file path=ppt/ink/ink66.xml><?xml version="1.0" encoding="utf-8"?>
+<inkml:ink xmlns:inkml="http://www.w3.org/2003/InkML">
+  <inkml:definitions>
+    <inkml:context xml:id="ctx0">
+      <inkml:inkSource xml:id="inkSrc0">
+        <inkml:traceFormat>
+          <inkml:channel name="X" type="integer" min="-2.14748E9" max="2.14748E9" units="cm"/>
+          <inkml:channel name="Y" type="integer" min="-2.14748E9" max="2.14748E9" units="cm"/>
+          <inkml:channel name="F" type="integer" max="32767" units="dev"/>
+          <inkml:channel name="OA" type="integer" max="360" units="deg"/>
+          <inkml:channel name="OE" type="integer" max="90" units="deg"/>
+        </inkml:traceFormat>
+        <inkml:channelProperties>
+          <inkml:channelProperty channel="X" name="resolution" value="1000" units="1/cm"/>
+          <inkml:channelProperty channel="Y" name="resolution" value="1000" units="1/cm"/>
+          <inkml:channelProperty channel="F" name="resolution" value="0" units="1/dev"/>
+          <inkml:channelProperty channel="OA" name="resolution" value="1000" units="1/deg"/>
+          <inkml:channelProperty channel="OE" name="resolution" value="1000" units="1/deg"/>
+        </inkml:channelProperties>
+      </inkml:inkSource>
+      <inkml:timestamp xml:id="ts0" timeString="2025-11-13T04:12:51.309"/>
+    </inkml:context>
+    <inkml:brush xml:id="br0">
+      <inkml:brushProperty name="width" value="0.035" units="cm"/>
+      <inkml:brushProperty name="height" value="0.035" units="cm"/>
+      <inkml:brushProperty name="color" value="#E71224"/>
+    </inkml:brush>
+  </inkml:definitions>
+  <inkml:trace contextRef="#ctx0" brushRef="#br0">0 113 6141 0 0,'5'-1'2040'0'0,"98"-19"5268"0"0,1-6-4655 0 0,0-6-5510 0 0,-4 0-6369 0 0,-97 30 6595 0 0</inkml:trace>
+</inkml:ink>
+</file>
+
+<file path=ppt/ink/ink67.xml><?xml version="1.0" encoding="utf-8"?>
+<inkml:ink xmlns:inkml="http://www.w3.org/2003/InkML">
+  <inkml:definitions>
+    <inkml:context xml:id="ctx0">
+      <inkml:inkSource xml:id="inkSrc0">
+        <inkml:traceFormat>
+          <inkml:channel name="X" type="integer" min="-2.14748E9" max="2.14748E9" units="cm"/>
+          <inkml:channel name="Y" type="integer" min="-2.14748E9" max="2.14748E9" units="cm"/>
+          <inkml:channel name="F" type="integer" max="32767" units="dev"/>
+          <inkml:channel name="OA" type="integer" max="360" units="deg"/>
+          <inkml:channel name="OE" type="integer" max="90" units="deg"/>
+        </inkml:traceFormat>
+        <inkml:channelProperties>
+          <inkml:channelProperty channel="X" name="resolution" value="1000" units="1/cm"/>
+          <inkml:channelProperty channel="Y" name="resolution" value="1000" units="1/cm"/>
+          <inkml:channelProperty channel="F" name="resolution" value="0" units="1/dev"/>
+          <inkml:channelProperty channel="OA" name="resolution" value="1000" units="1/deg"/>
+          <inkml:channelProperty channel="OE" name="resolution" value="1000" units="1/deg"/>
+        </inkml:channelProperties>
+      </inkml:inkSource>
+      <inkml:timestamp xml:id="ts0" timeString="2025-11-13T04:12:51.653"/>
+    </inkml:context>
+    <inkml:brush xml:id="br0">
+      <inkml:brushProperty name="width" value="0.035" units="cm"/>
+      <inkml:brushProperty name="height" value="0.035" units="cm"/>
+      <inkml:brushProperty name="color" value="#E71224"/>
+    </inkml:brush>
+  </inkml:definitions>
+  <inkml:trace contextRef="#ctx0" brushRef="#br0">1 23 3928 0 0,'0'0'3111'0'0,"4"-2"-1861"0"0,3-2-762 0 0,1 1 0 0 0,-1 0 0 0 0,1 0 1 0 0,0 1-1 0 0,0 0 0 0 0,0 1 0 0 0,0 0 1 0 0,15-1-1 0 0,83 4 0 0 0,-101-1-532 0 0,18-1-282 0 0,28 0-5183 0 0,-28-1 3125 0 0,-18 1 904 0 0</inkml:trace>
+</inkml:ink>
+</file>
+
+<file path=ppt/ink/ink68.xml><?xml version="1.0" encoding="utf-8"?>
+<inkml:ink xmlns:inkml="http://www.w3.org/2003/InkML">
+  <inkml:definitions>
+    <inkml:context xml:id="ctx0">
+      <inkml:inkSource xml:id="inkSrc0">
+        <inkml:traceFormat>
+          <inkml:channel name="X" type="integer" min="-2.14748E9" max="2.14748E9" units="cm"/>
+          <inkml:channel name="Y" type="integer" min="-2.14748E9" max="2.14748E9" units="cm"/>
+          <inkml:channel name="F" type="integer" max="32767" units="dev"/>
+          <inkml:channel name="OA" type="integer" max="360" units="deg"/>
+          <inkml:channel name="OE" type="integer" max="90" units="deg"/>
+        </inkml:traceFormat>
+        <inkml:channelProperties>
+          <inkml:channelProperty channel="X" name="resolution" value="1000" units="1/cm"/>
+          <inkml:channelProperty channel="Y" name="resolution" value="1000" units="1/cm"/>
+          <inkml:channelProperty channel="F" name="resolution" value="0" units="1/dev"/>
+          <inkml:channelProperty channel="OA" name="resolution" value="1000" units="1/deg"/>
+          <inkml:channelProperty channel="OE" name="resolution" value="1000" units="1/deg"/>
+        </inkml:channelProperties>
+      </inkml:inkSource>
+      <inkml:timestamp xml:id="ts0" timeString="2025-11-13T04:12:52.042"/>
+    </inkml:context>
+    <inkml:brush xml:id="br0">
+      <inkml:brushProperty name="width" value="0.035" units="cm"/>
+      <inkml:brushProperty name="height" value="0.035" units="cm"/>
+      <inkml:brushProperty name="color" value="#E71224"/>
+    </inkml:brush>
+  </inkml:definitions>
+  <inkml:trace contextRef="#ctx0" brushRef="#br0">7 127 3892 0 0,'4'-11'683'0'0,"1"1"0"0"0,0-1 0 0 0,0 1 0 0 0,1 0 1 0 0,1 0-1 0 0,0 0 0 0 0,0 1 0 0 0,0 0 0 0 0,1 1 0 0 0,13-12 0 0 0,-18 19-587 0 0,-1 0 0 0 0,0 0 0 0 0,1 0 0 0 0,-1 0 0 0 0,1 0 0 0 0,-1 0 0 0 0,1 1 1 0 0,-1-1-1 0 0,1 1 0 0 0,0 0 0 0 0,-1-1 0 0 0,1 1 0 0 0,-1 1 0 0 0,1-1 0 0 0,0 0 0 0 0,-1 1 0 0 0,1-1 1 0 0,-1 1-1 0 0,1 0 0 0 0,3 1 0 0 0,-4-1-141 0 0,1 0 117 0 0,-1 0 0 0 0,0 0 1 0 0,0 0-1 0 0,0 0 1 0 0,0 1-1 0 0,0-1 0 0 0,-1 0 1 0 0,1 1-1 0 0,0 0 0 0 0,-1-1 1 0 0,1 1-1 0 0,-1 0 1 0 0,1 0-1 0 0,-1 0 0 0 0,0 0 1 0 0,0 0-1 0 0,0 0 1 0 0,2 4-1 0 0,-2-2 43 0 0,1 1-1 0 0,-1-1 1 0 0,1 1 0 0 0,-1-1-1 0 0,-1 1 1 0 0,1-1 0 0 0,-1 9-1 0 0,-1-4 33 0 0,0-1 0 0 0,-2 1 0 0 0,1 0 0 0 0,-1-1 0 0 0,0 1 0 0 0,0-1 0 0 0,-1 0 0 0 0,0 0 0 0 0,-1 0 0 0 0,-8 10 0 0 0,-10 12 449 0 0,-33 32-1 0 0,-3 6 582 0 0,58-67-1157 0 0,0-1-1 0 0,0 1 1 0 0,1 0 0 0 0,-1 0 0 0 0,1-1 0 0 0,-1 1 0 0 0,1 0 0 0 0,-1 0-1 0 0,1 0 1 0 0,-1 0 0 0 0,1 0 0 0 0,0 0 0 0 0,-1 0 0 0 0,1 0 0 0 0,0 0-1 0 0,0 0 1 0 0,0 0 0 0 0,0 0 0 0 0,0 0 0 0 0,0 0 0 0 0,0 0-1 0 0,0 0 1 0 0,0 0 0 0 0,1 0 0 0 0,-1 0 0 0 0,0 0 0 0 0,0 0 0 0 0,1 0-1 0 0,-1 0 1 0 0,1 0 0 0 0,-1 0 0 0 0,2 1 0 0 0,0 0-39 0 0,0-1 1 0 0,0 1-1 0 0,1 0 1 0 0,-1-1-1 0 0,1 0 1 0 0,-1 1-1 0 0,1-1 1 0 0,0 0-1 0 0,-1 0 0 0 0,1 0 1 0 0,3 0-1 0 0,55 5-1397 0 0,-42-3 107 0 0,0-2-1 0 0,0 0 0 0 0,0-2 0 0 0,0 0 1 0 0,0-1-1 0 0,0 0 0 0 0,0-2 1 0 0,-1 0-1 0 0,21-8 0 0 0,-13 4-837 0 0</inkml:trace>
+</inkml:ink>
+</file>
+
+<file path=ppt/ink/ink69.xml><?xml version="1.0" encoding="utf-8"?>
+<inkml:ink xmlns:inkml="http://www.w3.org/2003/InkML">
+  <inkml:definitions>
+    <inkml:context xml:id="ctx0">
+      <inkml:inkSource xml:id="inkSrc0">
+        <inkml:traceFormat>
+          <inkml:channel name="X" type="integer" min="-2.14748E9" max="2.14748E9" units="cm"/>
+          <inkml:channel name="Y" type="integer" min="-2.14748E9" max="2.14748E9" units="cm"/>
+          <inkml:channel name="F" type="integer" max="32767" units="dev"/>
+          <inkml:channel name="OA" type="integer" max="360" units="deg"/>
+          <inkml:channel name="OE" type="integer" max="90" units="deg"/>
+        </inkml:traceFormat>
+        <inkml:channelProperties>
+          <inkml:channelProperty channel="X" name="resolution" value="1000" units="1/cm"/>
+          <inkml:channelProperty channel="Y" name="resolution" value="1000" units="1/cm"/>
+          <inkml:channelProperty channel="F" name="resolution" value="0" units="1/dev"/>
+          <inkml:channelProperty channel="OA" name="resolution" value="1000" units="1/deg"/>
+          <inkml:channelProperty channel="OE" name="resolution" value="1000" units="1/deg"/>
+        </inkml:channelProperties>
+      </inkml:inkSource>
+      <inkml:timestamp xml:id="ts0" timeString="2025-11-13T04:12:52.386"/>
+    </inkml:context>
+    <inkml:brush xml:id="br0">
+      <inkml:brushProperty name="width" value="0.035" units="cm"/>
+      <inkml:brushProperty name="height" value="0.035" units="cm"/>
+      <inkml:brushProperty name="color" value="#E71224"/>
+    </inkml:brush>
+  </inkml:definitions>
+  <inkml:trace contextRef="#ctx0" brushRef="#br0">0 1 3492 0 0,'5'0'1862'0'0,"75"6"4037"0"0,29 1-3287 0 0,-63-5-1562 0 0,-43-2-935 0 0,1 0 0 0 0,-1 0 0 0 0,1 0-1 0 0,-1 1 1 0 0,1-1 0 0 0,-1 1 0 0 0,0 0-1 0 0,1 0 1 0 0,-1 0 0 0 0,0 0 0 0 0,0 1-1 0 0,0-1 1 0 0,0 1 0 0 0,0 0 0 0 0,0 0-1 0 0,0 0 1 0 0,0 0 0 0 0,-1 0 0 0 0,1 1-1 0 0,-1-1 1 0 0,0 1 0 0 0,0 0 0 0 0,0-1-1 0 0,0 1 1 0 0,0 0 0 0 0,0 0 0 0 0,-1 0-1 0 0,1 1 1 0 0,-1-1 0 0 0,0 0 0 0 0,0 0-1 0 0,0 5 1 0 0,1 8 282 0 0,-2 0 0 0 0,0 0 0 0 0,-1 0 0 0 0,0-1 0 0 0,-7 30 0 0 0,-1 14-74 0 0,9 1-177 0 0,1-43-1709 0 0,-1 1 0 0 0,-1 0 0 0 0,-5 31 0 0 0,5-46-21 0 0,-14 10-6233 0 0</inkml:trace>
+</inkml:ink>
+</file>
+
+<file path=ppt/ink/ink7.xml><?xml version="1.0" encoding="utf-8"?>
+<inkml:ink xmlns:inkml="http://www.w3.org/2003/InkML">
+  <inkml:definitions>
+    <inkml:context xml:id="ctx0">
+      <inkml:inkSource xml:id="inkSrc0">
+        <inkml:traceFormat>
+          <inkml:channel name="X" type="integer" min="-2.14748E9" max="2.14748E9" units="cm"/>
+          <inkml:channel name="Y" type="integer" min="-2.14748E9" max="2.14748E9" units="cm"/>
+          <inkml:channel name="F" type="integer" max="32767" units="dev"/>
+          <inkml:channel name="OA" type="integer" max="360" units="deg"/>
+          <inkml:channel name="OE" type="integer" max="90" units="deg"/>
+        </inkml:traceFormat>
+        <inkml:channelProperties>
+          <inkml:channelProperty channel="X" name="resolution" value="1000" units="1/cm"/>
+          <inkml:channelProperty channel="Y" name="resolution" value="1000" units="1/cm"/>
+          <inkml:channelProperty channel="F" name="resolution" value="0" units="1/dev"/>
+          <inkml:channelProperty channel="OA" name="resolution" value="1000" units="1/deg"/>
+          <inkml:channelProperty channel="OE" name="resolution" value="1000" units="1/deg"/>
+        </inkml:channelProperties>
+      </inkml:inkSource>
+      <inkml:timestamp xml:id="ts0" timeString="2025-11-13T04:08:05.097"/>
+    </inkml:context>
+    <inkml:brush xml:id="br0">
+      <inkml:brushProperty name="width" value="0.035" units="cm"/>
+      <inkml:brushProperty name="height" value="0.035" units="cm"/>
+      <inkml:brushProperty name="color" value="#E71224"/>
+    </inkml:brush>
+  </inkml:definitions>
+  <inkml:trace contextRef="#ctx0" brushRef="#br0">81 1 3172 0 0,'-4'2'1400'0'0,"-2"4"-953"0"0,1-1 0 0 0,-1 1 0 0 0,1 0 0 0 0,0 1 0 0 0,1-1 0 0 0,0 1 0 0 0,0 0 0 0 0,0 0 0 0 0,1 0 0 0 0,-1 0 0 0 0,2 1 0 0 0,-1-1 0 0 0,1 1 0 0 0,-2 13 0 0 0,-2 19-374 0 0,-1 68 0 0 0,5-69-1628 0 0,6 7-3989 0 0,2-34 4648 0 0</inkml:trace>
+</inkml:ink>
+</file>
+
+<file path=ppt/ink/ink70.xml><?xml version="1.0" encoding="utf-8"?>
+<inkml:ink xmlns:inkml="http://www.w3.org/2003/InkML">
+  <inkml:definitions>
+    <inkml:context xml:id="ctx0">
+      <inkml:inkSource xml:id="inkSrc0">
+        <inkml:traceFormat>
+          <inkml:channel name="X" type="integer" min="-2.14748E9" max="2.14748E9" units="cm"/>
+          <inkml:channel name="Y" type="integer" min="-2.14748E9" max="2.14748E9" units="cm"/>
+          <inkml:channel name="F" type="integer" max="32767" units="dev"/>
+          <inkml:channel name="OA" type="integer" max="360" units="deg"/>
+          <inkml:channel name="OE" type="integer" max="90" units="deg"/>
+        </inkml:traceFormat>
+        <inkml:channelProperties>
+          <inkml:channelProperty channel="X" name="resolution" value="1000" units="1/cm"/>
+          <inkml:channelProperty channel="Y" name="resolution" value="1000" units="1/cm"/>
+          <inkml:channelProperty channel="F" name="resolution" value="0" units="1/dev"/>
+          <inkml:channelProperty channel="OA" name="resolution" value="1000" units="1/deg"/>
+          <inkml:channelProperty channel="OE" name="resolution" value="1000" units="1/deg"/>
+        </inkml:channelProperties>
+      </inkml:inkSource>
+      <inkml:timestamp xml:id="ts0" timeString="2025-11-13T04:12:52.713"/>
+    </inkml:context>
+    <inkml:brush xml:id="br0">
+      <inkml:brushProperty name="width" value="0.035" units="cm"/>
+      <inkml:brushProperty name="height" value="0.035" units="cm"/>
+      <inkml:brushProperty name="color" value="#E71224"/>
+    </inkml:brush>
+  </inkml:definitions>
+  <inkml:trace contextRef="#ctx0" brushRef="#br0">21 49 3980 0 0,'-7'-8'235'0'0,"-7"-8"6315"0"0,14 15-6425 0 0,0 0 1 0 0,0 1-1 0 0,0-1 1 0 0,0 1-1 0 0,0-1 1 0 0,1 0-1 0 0,-1 1 1 0 0,0-1-1 0 0,0 1 1 0 0,0-1-1 0 0,1 0 1 0 0,-1 1-1 0 0,0-1 1 0 0,0 1-1 0 0,1-1 1 0 0,-1 1-1 0 0,0-1 1 0 0,1 1-1 0 0,-1-1 1 0 0,1 1-1 0 0,-1 0 1 0 0,1-1-1 0 0,-1 1 1 0 0,1-1-1 0 0,-1 1 1 0 0,1 0-1 0 0,-1 0 0 0 0,2-1 1 0 0,1-1 644 0 0,3 1-160 0 0,34 1 428 0 0,56 8-1 0 0,-33-2-3557 0 0,-62-6 2108 0 0,1 0 0 0 0,0 0 0 0 0,0 0 0 0 0,0 0 0 0 0,0 0 0 0 0,0-1-1 0 0,0 1 1 0 0,0-1 0 0 0,-1 1 0 0 0,1-1 0 0 0,0 0 0 0 0,0 0 0 0 0,-1 1 0 0 0,1-1-1 0 0,0 0 1 0 0,-1-1 0 0 0,1 1 0 0 0,-1 0 0 0 0,0 0 0 0 0,1-1 0 0 0,0-1 0 0 0,-1 2 85 0 0,2-1-2191 0 0</inkml:trace>
+</inkml:ink>
+</file>
+
+<file path=ppt/ink/ink71.xml><?xml version="1.0" encoding="utf-8"?>
+<inkml:ink xmlns:inkml="http://www.w3.org/2003/InkML">
+  <inkml:definitions>
+    <inkml:context xml:id="ctx0">
+      <inkml:inkSource xml:id="inkSrc0">
+        <inkml:traceFormat>
+          <inkml:channel name="X" type="integer" min="-2.14748E9" max="2.14748E9" units="cm"/>
+          <inkml:channel name="Y" type="integer" min="-2.14748E9" max="2.14748E9" units="cm"/>
+          <inkml:channel name="F" type="integer" max="32767" units="dev"/>
+          <inkml:channel name="OA" type="integer" max="360" units="deg"/>
+          <inkml:channel name="OE" type="integer" max="90" units="deg"/>
+        </inkml:traceFormat>
+        <inkml:channelProperties>
+          <inkml:channelProperty channel="X" name="resolution" value="1000" units="1/cm"/>
+          <inkml:channelProperty channel="Y" name="resolution" value="1000" units="1/cm"/>
+          <inkml:channelProperty channel="F" name="resolution" value="0" units="1/dev"/>
+          <inkml:channelProperty channel="OA" name="resolution" value="1000" units="1/deg"/>
+          <inkml:channelProperty channel="OE" name="resolution" value="1000" units="1/deg"/>
+        </inkml:channelProperties>
+      </inkml:inkSource>
+      <inkml:timestamp xml:id="ts0" timeString="2025-11-13T04:12:56.190"/>
+    </inkml:context>
+    <inkml:brush xml:id="br0">
+      <inkml:brushProperty name="width" value="0.035" units="cm"/>
+      <inkml:brushProperty name="height" value="0.035" units="cm"/>
+      <inkml:brushProperty name="color" value="#E71224"/>
+    </inkml:brush>
+  </inkml:definitions>
+  <inkml:trace contextRef="#ctx0" brushRef="#br0">30 183 3864 0 0,'0'0'3547'0'0,"16"4"-2657"0"0,-10-5 2358 0 0,3-5-2825 0 0,-7 20 120 0 0,-2-13-484 0 0,1 0-1 0 0,-1-1 1 0 0,0 1-1 0 0,1-1 1 0 0,-1 1-1 0 0,1-1 1 0 0,-1 1-1 0 0,1-1 1 0 0,0 1-1 0 0,-1-1 1 0 0,1 1-1 0 0,-1-1 1 0 0,1 1-1 0 0,0-1 1 0 0,-1 0-1 0 0,1 0 1 0 0,0 1-1 0 0,-1-1 1 0 0,1 0-1 0 0,0 0 1 0 0,0 0-1 0 0,-1 0 1 0 0,2 0-1 0 0,2-2-30 0 0,-1-2-1 0 0,0 1 0 0 0,0 0 1 0 0,0 0-1 0 0,0-1 0 0 0,-1 0 1 0 0,1 0-1 0 0,-1 1 0 0 0,0-1 1 0 0,0 0-1 0 0,0-1 0 0 0,-1 1 1 0 0,0 0-1 0 0,0 0 0 0 0,0-1 1 0 0,0 1-1 0 0,0-6 1 0 0,0-3-44 0 0,-1 1 1 0 0,-1-1 0 0 0,0 1 0 0 0,-5-22-1 0 0,6 32-4 0 0,0 0-1 0 0,0 0 0 0 0,-1 0 1 0 0,1 0-1 0 0,-1 0 1 0 0,1 1-1 0 0,-1-1 0 0 0,0 0 1 0 0,1 0-1 0 0,-1 0 1 0 0,0 1-1 0 0,-1-1 0 0 0,1 0 1 0 0,0 1-1 0 0,0-1 0 0 0,-1 1 1 0 0,1-1-1 0 0,0 1 1 0 0,-1 0-1 0 0,0-1 0 0 0,1 1 1 0 0,-1 0-1 0 0,0 0 0 0 0,1 0 1 0 0,-1 1-1 0 0,0-1 1 0 0,0 0-1 0 0,0 1 0 0 0,0-1 1 0 0,0 1-1 0 0,0-1 0 0 0,0 1 1 0 0,0 0-1 0 0,0 0 1 0 0,0 0-1 0 0,0 0 0 0 0,0 0 1 0 0,0 0-1 0 0,0 1 1 0 0,-2 0-1 0 0,3 0 19 0 0,0 0-1 0 0,0-1 1 0 0,0 1 0 0 0,0 0 0 0 0,0 0-1 0 0,0 0 1 0 0,0 0 0 0 0,1 0 0 0 0,-1 0-1 0 0,0 1 1 0 0,1-1 0 0 0,-1 0-1 0 0,1 0 1 0 0,0 0 0 0 0,-1 0 0 0 0,1 1-1 0 0,0-1 1 0 0,-1 0 0 0 0,1 1 0 0 0,0-1-1 0 0,0 0 1 0 0,0 3 0 0 0,5 31-35 0 0,25 40 0 0 0,-17-46 80 0 0,-1 1 0 0 0,-1 0 0 0 0,-2 1 0 0 0,0 0 0 0 0,4 45 1 0 0,-10-65-64 0 0,-3 31 24 0 0,-1-37-4 0 0,0 0-1 0 0,0 0 1 0 0,0 0-1 0 0,0-1 1 0 0,-1 1-1 0 0,0 0 1 0 0,0 0-1 0 0,0-1 1 0 0,-1 1-1 0 0,1-1 1 0 0,-1 0-1 0 0,0 0 1 0 0,0 0-1 0 0,-1 0 1 0 0,1 0-1 0 0,-6 4 1 0 0,6-6 45 0 0,-2-1 15 0 0,1 0-26 0 0,0-1 0 0 0,1 1-1 0 0,-1-1 1 0 0,0 0 0 0 0,1 0 0 0 0,-1 0 0 0 0,0 0-1 0 0,1-1 1 0 0,-1 0 0 0 0,0 1 0 0 0,1-1 0 0 0,-1 0 0 0 0,1-1-1 0 0,-1 1 1 0 0,1-1 0 0 0,0 1 0 0 0,-5-4 0 0 0,6 3-25 0 0,0-1 0 0 0,0 1 0 0 0,0-1 0 0 0,0 1 0 0 0,0-1 0 0 0,1 0 0 0 0,-1 0 0 0 0,1 1 0 0 0,0-1 0 0 0,0 0 0 0 0,0 0 0 0 0,0 0 0 0 0,1 0 0 0 0,-1 0 0 0 0,1-1 0 0 0,0 1 0 0 0,0 0 0 0 0,0 0 0 0 0,0 0 0 0 0,0 0 0 0 0,1 0 0 0 0,-1 0 1 0 0,1 0-1 0 0,0 0 0 0 0,0 0 0 0 0,0 0 0 0 0,0 0 0 0 0,0 0 0 0 0,1 0 0 0 0,0 1 0 0 0,-1-1 0 0 0,5-4 0 0 0,-1 0-518 0 0,1 0-1 0 0,-1 1 1 0 0,1 0-1 0 0,12-9 1 0 0,25-12-6269 0 0,-39 25 4920 0 0</inkml:trace>
+</inkml:ink>
+</file>
+
+<file path=ppt/ink/ink72.xml><?xml version="1.0" encoding="utf-8"?>
+<inkml:ink xmlns:inkml="http://www.w3.org/2003/InkML">
+  <inkml:definitions>
+    <inkml:context xml:id="ctx0">
+      <inkml:inkSource xml:id="inkSrc0">
+        <inkml:traceFormat>
+          <inkml:channel name="X" type="integer" min="-2.14748E9" max="2.14748E9" units="cm"/>
+          <inkml:channel name="Y" type="integer" min="-2.14748E9" max="2.14748E9" units="cm"/>
+          <inkml:channel name="F" type="integer" max="32767" units="dev"/>
+          <inkml:channel name="OA" type="integer" max="360" units="deg"/>
+          <inkml:channel name="OE" type="integer" max="90" units="deg"/>
+        </inkml:traceFormat>
+        <inkml:channelProperties>
+          <inkml:channelProperty channel="X" name="resolution" value="1000" units="1/cm"/>
+          <inkml:channelProperty channel="Y" name="resolution" value="1000" units="1/cm"/>
+          <inkml:channelProperty channel="F" name="resolution" value="0" units="1/dev"/>
+          <inkml:channelProperty channel="OA" name="resolution" value="1000" units="1/deg"/>
+          <inkml:channelProperty channel="OE" name="resolution" value="1000" units="1/deg"/>
+        </inkml:channelProperties>
+      </inkml:inkSource>
+      <inkml:timestamp xml:id="ts0" timeString="2025-11-13T04:12:56.529"/>
+    </inkml:context>
+    <inkml:brush xml:id="br0">
+      <inkml:brushProperty name="width" value="0.035" units="cm"/>
+      <inkml:brushProperty name="height" value="0.035" units="cm"/>
+      <inkml:brushProperty name="color" value="#E71224"/>
+    </inkml:brush>
+  </inkml:definitions>
+  <inkml:trace contextRef="#ctx0" brushRef="#br0">0 85 4192 0 0,'0'0'1669'0'0,"26"-7"663"0"0,-4-5-920 0 0,6-1-532 0 0,3-1-664 0 0,4 0-464 0 0,4 5-1464 0 0,-1-2-2661 0 0,-16 6 3433 0 0</inkml:trace>
+</inkml:ink>
+</file>
+
+<file path=ppt/ink/ink73.xml><?xml version="1.0" encoding="utf-8"?>
+<inkml:ink xmlns:inkml="http://www.w3.org/2003/InkML">
+  <inkml:definitions>
+    <inkml:context xml:id="ctx0">
+      <inkml:inkSource xml:id="inkSrc0">
+        <inkml:traceFormat>
+          <inkml:channel name="X" type="integer" min="-2.14748E9" max="2.14748E9" units="cm"/>
+          <inkml:channel name="Y" type="integer" min="-2.14748E9" max="2.14748E9" units="cm"/>
+          <inkml:channel name="F" type="integer" max="32767" units="dev"/>
+          <inkml:channel name="OA" type="integer" max="360" units="deg"/>
+          <inkml:channel name="OE" type="integer" max="90" units="deg"/>
+        </inkml:traceFormat>
+        <inkml:channelProperties>
+          <inkml:channelProperty channel="X" name="resolution" value="1000" units="1/cm"/>
+          <inkml:channelProperty channel="Y" name="resolution" value="1000" units="1/cm"/>
+          <inkml:channelProperty channel="F" name="resolution" value="0" units="1/dev"/>
+          <inkml:channelProperty channel="OA" name="resolution" value="1000" units="1/deg"/>
+          <inkml:channelProperty channel="OE" name="resolution" value="1000" units="1/deg"/>
+        </inkml:channelProperties>
+      </inkml:inkSource>
+      <inkml:timestamp xml:id="ts0" timeString="2025-11-13T04:12:56.871"/>
+    </inkml:context>
+    <inkml:brush xml:id="br0">
+      <inkml:brushProperty name="width" value="0.035" units="cm"/>
+      <inkml:brushProperty name="height" value="0.035" units="cm"/>
+      <inkml:brushProperty name="color" value="#E71224"/>
+    </inkml:brush>
+  </inkml:definitions>
+  <inkml:trace contextRef="#ctx0" brushRef="#br0">7 73 2492 0 0,'-6'-8'7840'0'0,"8"18"-6271"0"0,-1-7-1530 0 0,0 0 1 0 0,1 1-1 0 0,-1-1 1 0 0,1 0-1 0 0,0 0 1 0 0,0 0-1 0 0,0 0 1 0 0,5 5-1 0 0,4-2 298 0 0,-1 0-1 0 0,1 0 1 0 0,20 6-1 0 0,-26-11-67 0 0,1-1-61 0 0,-1-1-180 0 0,43-9 449 0 0,-45 9-433 0 0,0 0-1 0 0,0 0 1 0 0,-1-1 0 0 0,1 1 0 0 0,0-1 0 0 0,-1 0-1 0 0,1 1 1 0 0,-1-1 0 0 0,0 0 0 0 0,1 0-1 0 0,-1-1 1 0 0,0 1 0 0 0,0 0 0 0 0,0-1 0 0 0,-1 1-1 0 0,1-1 1 0 0,2-5 0 0 0,-3 5-32 0 0,0 1-1 0 0,0 0 1 0 0,0-1-1 0 0,-1 1 1 0 0,1-1-1 0 0,-1 0 1 0 0,1 1 0 0 0,-1-1-1 0 0,0 1 1 0 0,0-1-1 0 0,0 0 1 0 0,0 1-1 0 0,0-1 1 0 0,-1 0 0 0 0,1 1-1 0 0,-1-1 1 0 0,0 1-1 0 0,0-1 1 0 0,0 1-1 0 0,0 0 1 0 0,0-1 0 0 0,0 1-1 0 0,-1 0 1 0 0,1-1-1 0 0,-1 1 1 0 0,1 0-1 0 0,-1 0 1 0 0,0 1 0 0 0,0-1-1 0 0,-3-2 1 0 0,2 2-41 0 0,-1 0 0 0 0,1 1 0 0 0,0 0 0 0 0,-1-1 0 0 0,1 1 0 0 0,-1 0-1 0 0,1 1 1 0 0,-1-1 0 0 0,0 1 0 0 0,1 0 0 0 0,-1 0 0 0 0,1 0 0 0 0,-1 0 0 0 0,-5 1 0 0 0,9-1 17 0 0,-5 1-123 0 0,0 0-1 0 0,0 0 0 0 0,0 0 0 0 0,0 0 0 0 0,0 1 0 0 0,1 0 0 0 0,-1 0 0 0 0,0 0 0 0 0,1 1 0 0 0,0-1 0 0 0,-1 1 1 0 0,1 0-1 0 0,0 0 0 0 0,1 1 0 0 0,-1-1 0 0 0,1 1 0 0 0,-6 6 0 0 0,1-1-659 0 0,1 8-856 0 0</inkml:trace>
+</inkml:ink>
+</file>
+
+<file path=ppt/ink/ink74.xml><?xml version="1.0" encoding="utf-8"?>
+<inkml:ink xmlns:inkml="http://www.w3.org/2003/InkML">
+  <inkml:definitions>
+    <inkml:context xml:id="ctx0">
+      <inkml:inkSource xml:id="inkSrc0">
+        <inkml:traceFormat>
+          <inkml:channel name="X" type="integer" min="-2.14748E9" max="2.14748E9" units="cm"/>
+          <inkml:channel name="Y" type="integer" min="-2.14748E9" max="2.14748E9" units="cm"/>
+          <inkml:channel name="F" type="integer" max="32767" units="dev"/>
+          <inkml:channel name="OA" type="integer" max="360" units="deg"/>
+          <inkml:channel name="OE" type="integer" max="90" units="deg"/>
+        </inkml:traceFormat>
+        <inkml:channelProperties>
+          <inkml:channelProperty channel="X" name="resolution" value="1000" units="1/cm"/>
+          <inkml:channelProperty channel="Y" name="resolution" value="1000" units="1/cm"/>
+          <inkml:channelProperty channel="F" name="resolution" value="0" units="1/dev"/>
+          <inkml:channelProperty channel="OA" name="resolution" value="1000" units="1/deg"/>
+          <inkml:channelProperty channel="OE" name="resolution" value="1000" units="1/deg"/>
+        </inkml:channelProperties>
+      </inkml:inkSource>
+      <inkml:timestamp xml:id="ts0" timeString="2025-11-13T04:12:57.198"/>
+    </inkml:context>
+    <inkml:brush xml:id="br0">
+      <inkml:brushProperty name="width" value="0.035" units="cm"/>
+      <inkml:brushProperty name="height" value="0.035" units="cm"/>
+      <inkml:brushProperty name="color" value="#E71224"/>
+    </inkml:brush>
+  </inkml:definitions>
+  <inkml:trace contextRef="#ctx0" brushRef="#br0">67 1 3420 0 0,'4'0'211'0'0,"0"0"-1"0"0,1 0 1 0 0,-1 0-1 0 0,0 0 1 0 0,1 1-1 0 0,-1-1 0 0 0,0 1 1 0 0,1 0-1 0 0,-1 0 1 0 0,0 1-1 0 0,0-1 1 0 0,0 1-1 0 0,0 0 1 0 0,-1 0-1 0 0,1 0 1 0 0,0 1-1 0 0,-1 0 0 0 0,1-1 1 0 0,-1 1-1 0 0,0 0 1 0 0,0 0-1 0 0,3 4 1 0 0,-2 0 52 0 0,1 1 0 0 0,-1 0 1 0 0,0-1-1 0 0,-1 1 1 0 0,0 0-1 0 0,0 1 0 0 0,-1-1 1 0 0,0 0-1 0 0,0 1 0 0 0,0 12 1 0 0,-1-6-112 0 0,-1 0 0 0 0,-1 0 0 0 0,0 0 0 0 0,-1 0 0 0 0,-1 0 1 0 0,0-1-1 0 0,-1 1 0 0 0,0-1 0 0 0,-1 0 0 0 0,-1 0 0 0 0,0 0 0 0 0,-1-1 1 0 0,0 0-1 0 0,-1 0 0 0 0,-1-1 0 0 0,0 0 0 0 0,-1-1 0 0 0,0 0 0 0 0,-20 17 1 0 0,5-16-375 0 0,20-10-138 0 0,-5-3-597 0 0,10 1 866 0 0,-1 0 1 0 0,0 0 0 0 0,0 0 0 0 0,0 0-1 0 0,0 0 1 0 0,0 0 0 0 0,0 0 0 0 0,0 0 0 0 0,0 0-1 0 0,0 0 1 0 0,0 0 0 0 0,0 0 0 0 0,0-1-1 0 0,0 1 1 0 0,0 0 0 0 0,0-1 0 0 0,0 1-1 0 0,0-1 1 0 0,-1 0 0 0 0,-6-30-6018 0 0,8 28 4787 0 0</inkml:trace>
+</inkml:ink>
+</file>
+
+<file path=ppt/ink/ink75.xml><?xml version="1.0" encoding="utf-8"?>
+<inkml:ink xmlns:inkml="http://www.w3.org/2003/InkML">
+  <inkml:definitions>
+    <inkml:context xml:id="ctx0">
+      <inkml:inkSource xml:id="inkSrc0">
+        <inkml:traceFormat>
+          <inkml:channel name="X" type="integer" min="-2.14748E9" max="2.14748E9" units="cm"/>
+          <inkml:channel name="Y" type="integer" min="-2.14748E9" max="2.14748E9" units="cm"/>
+          <inkml:channel name="F" type="integer" max="32767" units="dev"/>
+          <inkml:channel name="OA" type="integer" max="360" units="deg"/>
+          <inkml:channel name="OE" type="integer" max="90" units="deg"/>
+        </inkml:traceFormat>
+        <inkml:channelProperties>
+          <inkml:channelProperty channel="X" name="resolution" value="1000" units="1/cm"/>
+          <inkml:channelProperty channel="Y" name="resolution" value="1000" units="1/cm"/>
+          <inkml:channelProperty channel="F" name="resolution" value="0" units="1/dev"/>
+          <inkml:channelProperty channel="OA" name="resolution" value="1000" units="1/deg"/>
+          <inkml:channelProperty channel="OE" name="resolution" value="1000" units="1/deg"/>
+        </inkml:channelProperties>
+      </inkml:inkSource>
+      <inkml:timestamp xml:id="ts0" timeString="2025-11-13T04:12:57.539"/>
+    </inkml:context>
+    <inkml:brush xml:id="br0">
+      <inkml:brushProperty name="width" value="0.035" units="cm"/>
+      <inkml:brushProperty name="height" value="0.035" units="cm"/>
+      <inkml:brushProperty name="color" value="#E71224"/>
+    </inkml:brush>
+  </inkml:definitions>
+  <inkml:trace contextRef="#ctx0" brushRef="#br0">185 152 4404 0 0,'4'-6'477'0'0,"0"0"-1"0"0,0-1 1 0 0,0 0-1 0 0,-1 1 0 0 0,0-1 1 0 0,0 0-1 0 0,-1-1 1 0 0,0 1-1 0 0,0 0 0 0 0,-1-1 1 0 0,0 1-1 0 0,0-1 1 0 0,-1 1-1 0 0,0-1 0 0 0,0 1 1 0 0,-3-14-1 0 0,3 20-442 0 0,-1 0 0 0 0,1 0 1 0 0,-1 0-1 0 0,0 0 0 0 0,0 0 0 0 0,1 0 0 0 0,-1 0 0 0 0,0 0 0 0 0,0 0 0 0 0,0 0 1 0 0,0 1-1 0 0,0-1 0 0 0,0 0 0 0 0,0 1 0 0 0,0-1 0 0 0,0 0 0 0 0,0 1 0 0 0,-1-1 1 0 0,1 1-1 0 0,0 0 0 0 0,0-1 0 0 0,-1 1 0 0 0,1 0 0 0 0,0 0 0 0 0,0 0 0 0 0,-1 0 1 0 0,1 0-1 0 0,0 0 0 0 0,-2 0 0 0 0,1 0-11 0 0,0 0-1 0 0,0 1 1 0 0,0-1-1 0 0,0 0 1 0 0,0 1-1 0 0,0-1 1 0 0,0 1 0 0 0,0 0-1 0 0,0-1 1 0 0,1 1-1 0 0,-1 0 1 0 0,0 0 0 0 0,1 0-1 0 0,-1 0 1 0 0,0 1-1 0 0,1-1 1 0 0,-1 0-1 0 0,1 1 1 0 0,-2 1 0 0 0,-1 5 8 0 0,0 1 0 0 0,1 0 0 0 0,0 0 0 0 0,0 0 0 0 0,1 0 0 0 0,0 0 0 0 0,1 1 1 0 0,0-1-1 0 0,1 1 0 0 0,-1-1 0 0 0,2 1 0 0 0,-1-1 0 0 0,3 13 0 0 0,5 16 26 0 0,2-1 0 0 0,15 40 0 0 0,-11-37-8 0 0,11 53 0 0 0,-25-90-45 0 0,4 26 61 0 0,-4-28-47 0 0,1 1-1 0 0,-1-1 1 0 0,0 0 0 0 0,-1 0 0 0 0,1 0 0 0 0,0 0-1 0 0,0 0 1 0 0,0 0 0 0 0,0 0 0 0 0,-1 0-1 0 0,1 0 1 0 0,-1 0 0 0 0,1 0 0 0 0,0 0 0 0 0,-1 0-1 0 0,0-1 1 0 0,1 1 0 0 0,-1 0 0 0 0,0 0-1 0 0,1 0 1 0 0,-1-1 0 0 0,0 1 0 0 0,0 0 0 0 0,1-1-1 0 0,-1 1 1 0 0,0 0 0 0 0,0-1 0 0 0,-1 1-1 0 0,-4 1 138 0 0,0-1-1 0 0,-1 0 1 0 0,1-1-1 0 0,0 1 1 0 0,-1-1 0 0 0,1 0-1 0 0,0-1 1 0 0,-1 1-1 0 0,1-1 1 0 0,0-1-1 0 0,0 1 1 0 0,0-1-1 0 0,0 0 1 0 0,-8-4-1 0 0,4 1 40 0 0,1 0-1 0 0,-1 0 1 0 0,1-1-1 0 0,1-1 1 0 0,-1 1-1 0 0,1-1 1 0 0,-11-12-1 0 0,18 17-181 0 0,-1 0 1 0 0,1 1-1 0 0,-1-1 0 0 0,1 0 0 0 0,0 0 1 0 0,-1-1-1 0 0,1 1 0 0 0,0 0 0 0 0,0 0 1 0 0,1 0-1 0 0,-1-1 0 0 0,0 1 1 0 0,1 0-1 0 0,0-1 0 0 0,-1 1 0 0 0,1-1 1 0 0,0 1-1 0 0,0-1 0 0 0,0 1 0 0 0,0 0 1 0 0,1-1-1 0 0,-1 1 0 0 0,1 0 1 0 0,-1-1-1 0 0,1 1 0 0 0,0 0 0 0 0,0-1 1 0 0,0 1-1 0 0,0 0 0 0 0,1 0 0 0 0,-1 0 1 0 0,3-3-1 0 0,5-5-620 0 0,0 0 0 0 0,0 1 0 0 0,1 0 0 0 0,20-14 0 0 0,-8 6-2161 0 0,13-10-4001 0 0,-19 14 3239 0 0</inkml:trace>
+</inkml:ink>
+</file>
+
+<file path=ppt/ink/ink76.xml><?xml version="1.0" encoding="utf-8"?>
+<inkml:ink xmlns:inkml="http://www.w3.org/2003/InkML">
+  <inkml:definitions>
+    <inkml:context xml:id="ctx0">
+      <inkml:inkSource xml:id="inkSrc0">
+        <inkml:traceFormat>
+          <inkml:channel name="X" type="integer" min="-2.14748E9" max="2.14748E9" units="cm"/>
+          <inkml:channel name="Y" type="integer" min="-2.14748E9" max="2.14748E9" units="cm"/>
+          <inkml:channel name="F" type="integer" max="32767" units="dev"/>
+          <inkml:channel name="OA" type="integer" max="360" units="deg"/>
+          <inkml:channel name="OE" type="integer" max="90" units="deg"/>
+        </inkml:traceFormat>
+        <inkml:channelProperties>
+          <inkml:channelProperty channel="X" name="resolution" value="1000" units="1/cm"/>
+          <inkml:channelProperty channel="Y" name="resolution" value="1000" units="1/cm"/>
+          <inkml:channelProperty channel="F" name="resolution" value="0" units="1/dev"/>
+          <inkml:channelProperty channel="OA" name="resolution" value="1000" units="1/deg"/>
+          <inkml:channelProperty channel="OE" name="resolution" value="1000" units="1/deg"/>
+        </inkml:channelProperties>
+      </inkml:inkSource>
+      <inkml:timestamp xml:id="ts0" timeString="2025-11-13T04:13:11.940"/>
+    </inkml:context>
+    <inkml:brush xml:id="br0">
+      <inkml:brushProperty name="width" value="0.035" units="cm"/>
+      <inkml:brushProperty name="height" value="0.035" units="cm"/>
+      <inkml:brushProperty name="color" value="#E71224"/>
+    </inkml:brush>
+  </inkml:definitions>
+  <inkml:trace contextRef="#ctx0" brushRef="#br0">69 17 3744 0 0,'0'0'1340'0'0,"-4"1"-163"0"0,-3 1-311 0 0,0 0-1 0 0,0 1 0 0 0,0-1 1 0 0,0 2-1 0 0,0-1 1 0 0,1 1-1 0 0,-8 5 1 0 0,12-7 1062 0 0,3-2-1922 0 0,1 0-1 0 0,-1 0 1 0 0,0-1-1 0 0,1 1 0 0 0,-1 0 1 0 0,1-1-1 0 0,-1 1 1 0 0,0-1-1 0 0,0 1 0 0 0,1-1 1 0 0,-1 0-1 0 0,0 0 1 0 0,0 1-1 0 0,2-3 0 0 0,4-1 9 0 0,0 0 0 0 0,0 0 0 0 0,1 0 0 0 0,-1 1 0 0 0,1 0 0 0 0,0 0 0 0 0,8-2 0 0 0,33-4-49 0 0,-45 9 33 0 0,1 1 7 0 0,-3-1-5 0 0,27 7 27 0 0,-28-6-28 0 0,0-1 1 0 0,0 1-1 0 0,0-1 0 0 0,0 1 0 0 0,0 0 1 0 0,0-1-1 0 0,0 1 0 0 0,0 0 0 0 0,0-1 1 0 0,-1 1-1 0 0,1 0 0 0 0,0 0 0 0 0,-1 0 1 0 0,1 0-1 0 0,0 0 0 0 0,-1 0 0 0 0,1 0 1 0 0,-1 0-1 0 0,1 0 0 0 0,-1 0 0 0 0,0 0 1 0 0,0 0-1 0 0,1 0 0 0 0,-1 0 0 0 0,0 1 1 0 0,0-1-1 0 0,0 0 0 0 0,0 2 0 0 0,-1 3 9 0 0,0 1-1 0 0,-1 0 0 0 0,0-1 1 0 0,0 1-1 0 0,0-1 1 0 0,-1 0-1 0 0,0 1 0 0 0,0-1 1 0 0,0-1-1 0 0,-7 10 0 0 0,-55 53-22 0 0,7-10 297 0 0,56-56-221 0 0,3-1-71 0 0,1 0 15 0 0,-1 0-1 0 0,1 0 1 0 0,0-1 0 0 0,-1 1 0 0 0,1 0 0 0 0,0-1 0 0 0,-1 0 0 0 0,1 1-1 0 0,0-1 1 0 0,0 0 0 0 0,-1 0 0 0 0,1 0 0 0 0,0 0 0 0 0,1 0 0 0 0,21 0 19 0 0,-12 1 2 0 0,29 0-25 0 0,-30 1 2 0 0,21 9-10 0 0,3 3-60 0 0,-28-6 28 0 0,-4-3 16 0 0,1-1 63 0 0,0-1 0 0 0,-1 0 0 0 0,0 1 0 0 0,1-1 0 0 0,-1 1 0 0 0,-1 0-1 0 0,1 0 1 0 0,-1 0 0 0 0,1 1 0 0 0,-1-1 0 0 0,0 1 0 0 0,-1-1 0 0 0,1 1 0 0 0,-1-1 0 0 0,0 1 0 0 0,0 0 0 0 0,0 0 0 0 0,0 7 0 0 0,-2-6 33 0 0,0 1 1 0 0,0-1-1 0 0,-1 1 1 0 0,1-1-1 0 0,-1 1 1 0 0,-1-1-1 0 0,1 0 1 0 0,-1 0-1 0 0,0 0 1 0 0,-1-1-1 0 0,1 1 1 0 0,-5 5-1 0 0,-4 2 31 0 0,0 1 0 0 0,-1-1 0 0 0,0-1 0 0 0,-1-1 1 0 0,0 0-1 0 0,-1 0 0 0 0,0-1 0 0 0,-24 11 0 0 0,35-19-200 0 0,-1-2-752 0 0,3 0 643 0 0,0 0 1 0 0,0-1 0 0 0,0 1 0 0 0,0 0 0 0 0,0-1 0 0 0,0 1 0 0 0,1-1 0 0 0,-1 1 0 0 0,0-1-1 0 0,0 0 1 0 0,1 0 0 0 0,-4-2 0 0 0,4 2-69 0 0,0 0 0 0 0,0 0-1 0 0,1 0 1 0 0,-1 0 0 0 0,0 0 0 0 0,1 0-1 0 0,-1 0 1 0 0,1 0 0 0 0,-1 0 0 0 0,1 0-1 0 0,0-1 1 0 0,0 1 0 0 0,-1 0 0 0 0,1 0-1 0 0,0-1 1 0 0,0 1 0 0 0,0 0-1 0 0,0 0 1 0 0,0 0 0 0 0,0-1 0 0 0,1 1-1 0 0,-1 0 1 0 0,0 0 0 0 0,1-1 0 0 0,-1 1-1 0 0,1 0 1 0 0,-1 0 0 0 0,1 0 0 0 0,-1 0-1 0 0,1 0 1 0 0,1-1 0 0 0,10-23-2277 0 0</inkml:trace>
+</inkml:ink>
+</file>
+
+<file path=ppt/ink/ink77.xml><?xml version="1.0" encoding="utf-8"?>
+<inkml:ink xmlns:inkml="http://www.w3.org/2003/InkML">
+  <inkml:definitions>
+    <inkml:context xml:id="ctx0">
+      <inkml:inkSource xml:id="inkSrc0">
+        <inkml:traceFormat>
+          <inkml:channel name="X" type="integer" min="-2.14748E9" max="2.14748E9" units="cm"/>
+          <inkml:channel name="Y" type="integer" min="-2.14748E9" max="2.14748E9" units="cm"/>
+          <inkml:channel name="F" type="integer" max="32767" units="dev"/>
+          <inkml:channel name="OA" type="integer" max="360" units="deg"/>
+          <inkml:channel name="OE" type="integer" max="90" units="deg"/>
+        </inkml:traceFormat>
+        <inkml:channelProperties>
+          <inkml:channelProperty channel="X" name="resolution" value="1000" units="1/cm"/>
+          <inkml:channelProperty channel="Y" name="resolution" value="1000" units="1/cm"/>
+          <inkml:channelProperty channel="F" name="resolution" value="0" units="1/dev"/>
+          <inkml:channelProperty channel="OA" name="resolution" value="1000" units="1/deg"/>
+          <inkml:channelProperty channel="OE" name="resolution" value="1000" units="1/deg"/>
+        </inkml:channelProperties>
+      </inkml:inkSource>
+      <inkml:timestamp xml:id="ts0" timeString="2025-11-13T04:13:12.296"/>
+    </inkml:context>
+    <inkml:brush xml:id="br0">
+      <inkml:brushProperty name="width" value="0.035" units="cm"/>
+      <inkml:brushProperty name="height" value="0.035" units="cm"/>
+      <inkml:brushProperty name="color" value="#E71224"/>
+    </inkml:brush>
+  </inkml:definitions>
+  <inkml:trace contextRef="#ctx0" brushRef="#br0">0 74 3864 0 0,'4'-4'1561'0'0,"1"-1"-1064"0"0,0-1-2 0 0,0 1 0 0 0,0 0 0 0 0,1 1 1 0 0,0-1-1 0 0,-1 1 0 0 0,2 0 0 0 0,-1 1 0 0 0,9-5 0 0 0,-8 5-282 0 0,1-1-1 0 0,-1 2 1 0 0,0-1 0 0 0,1 1-1 0 0,0 0 1 0 0,-1 0-1 0 0,1 1 1 0 0,0 0-1 0 0,0 1 1 0 0,0 0 0 0 0,0 0-1 0 0,-1 0 1 0 0,1 1-1 0 0,0 0 1 0 0,0 1-1 0 0,-1 0 1 0 0,14 4 0 0 0,-17-4-87 0 0,0 0 0 0 0,0 0 1 0 0,0 0-1 0 0,-1 0 0 0 0,1 0 1 0 0,0 1-1 0 0,-1 0 1 0 0,0 0-1 0 0,1 0 0 0 0,-1 0 1 0 0,0 0-1 0 0,-1 0 0 0 0,1 1 1 0 0,0 0-1 0 0,-1-1 1 0 0,3 8-1 0 0,-2-5 17 0 0,-1 1-1 0 0,-1-1 1 0 0,1 1 0 0 0,-1-1 0 0 0,-1 1 0 0 0,1-1-1 0 0,-1 1 1 0 0,0 0 0 0 0,0-1 0 0 0,-2 8-1 0 0,-3 12 240 0 0,-2-1-1 0 0,0 0 0 0 0,-2 0 0 0 0,-16 32 0 0 0,22-49-293 0 0,-80 224-246 0 0,74-205-1212 0 0,8-25 103 0 0,-11 9-1458 0 0</inkml:trace>
+</inkml:ink>
+</file>
+
+<file path=ppt/ink/ink78.xml><?xml version="1.0" encoding="utf-8"?>
+<inkml:ink xmlns:inkml="http://www.w3.org/2003/InkML">
+  <inkml:definitions>
+    <inkml:context xml:id="ctx0">
+      <inkml:inkSource xml:id="inkSrc0">
+        <inkml:traceFormat>
+          <inkml:channel name="X" type="integer" min="-2.14748E9" max="2.14748E9" units="cm"/>
+          <inkml:channel name="Y" type="integer" min="-2.14748E9" max="2.14748E9" units="cm"/>
+          <inkml:channel name="F" type="integer" max="32767" units="dev"/>
+          <inkml:channel name="OA" type="integer" max="360" units="deg"/>
+          <inkml:channel name="OE" type="integer" max="90" units="deg"/>
+        </inkml:traceFormat>
+        <inkml:channelProperties>
+          <inkml:channelProperty channel="X" name="resolution" value="1000" units="1/cm"/>
+          <inkml:channelProperty channel="Y" name="resolution" value="1000" units="1/cm"/>
+          <inkml:channelProperty channel="F" name="resolution" value="0" units="1/dev"/>
+          <inkml:channelProperty channel="OA" name="resolution" value="1000" units="1/deg"/>
+          <inkml:channelProperty channel="OE" name="resolution" value="1000" units="1/deg"/>
+        </inkml:channelProperties>
+      </inkml:inkSource>
+      <inkml:timestamp xml:id="ts0" timeString="2025-11-13T04:13:12.625"/>
+    </inkml:context>
+    <inkml:brush xml:id="br0">
+      <inkml:brushProperty name="width" value="0.035" units="cm"/>
+      <inkml:brushProperty name="height" value="0.035" units="cm"/>
+      <inkml:brushProperty name="color" value="#E71224"/>
+    </inkml:brush>
+  </inkml:definitions>
+  <inkml:trace contextRef="#ctx0" brushRef="#br0">0 113 4088 0 0,'20'-10'1355'0'0,"-1"1"-1"0"0,2 1 0 0 0,-1 1 0 0 0,1 1 0 0 0,0 0 1 0 0,1 2-1 0 0,25-2 0 0 0,43-10-1992 0 0,-74 12-961 0 0,1-1 1 0 0,-1 0-1 0 0,19-10 1 0 0,-16 6-792 0 0,-14 6 318 0 0</inkml:trace>
+</inkml:ink>
+</file>
+
+<file path=ppt/ink/ink79.xml><?xml version="1.0" encoding="utf-8"?>
+<inkml:ink xmlns:inkml="http://www.w3.org/2003/InkML">
+  <inkml:definitions>
+    <inkml:context xml:id="ctx0">
+      <inkml:inkSource xml:id="inkSrc0">
+        <inkml:traceFormat>
+          <inkml:channel name="X" type="integer" min="-2.14748E9" max="2.14748E9" units="cm"/>
+          <inkml:channel name="Y" type="integer" min="-2.14748E9" max="2.14748E9" units="cm"/>
+          <inkml:channel name="F" type="integer" max="32767" units="dev"/>
+          <inkml:channel name="OA" type="integer" max="360" units="deg"/>
+          <inkml:channel name="OE" type="integer" max="90" units="deg"/>
+        </inkml:traceFormat>
+        <inkml:channelProperties>
+          <inkml:channelProperty channel="X" name="resolution" value="1000" units="1/cm"/>
+          <inkml:channelProperty channel="Y" name="resolution" value="1000" units="1/cm"/>
+          <inkml:channelProperty channel="F" name="resolution" value="0" units="1/dev"/>
+          <inkml:channelProperty channel="OA" name="resolution" value="1000" units="1/deg"/>
+          <inkml:channelProperty channel="OE" name="resolution" value="1000" units="1/deg"/>
+        </inkml:channelProperties>
+      </inkml:inkSource>
+      <inkml:timestamp xml:id="ts0" timeString="2025-11-13T04:19:17.988"/>
+    </inkml:context>
+    <inkml:brush xml:id="br0">
+      <inkml:brushProperty name="width" value="0.035" units="cm"/>
+      <inkml:brushProperty name="height" value="0.035" units="cm"/>
+      <inkml:brushProperty name="color" value="#E71224"/>
+    </inkml:brush>
+  </inkml:definitions>
+  <inkml:trace contextRef="#ctx0" brushRef="#br0">1 1 1456 0 0,'0'0'2084'0'0</inkml:trace>
+</inkml:ink>
+</file>
+
+<file path=ppt/ink/ink8.xml><?xml version="1.0" encoding="utf-8"?>
+<inkml:ink xmlns:inkml="http://www.w3.org/2003/InkML">
+  <inkml:definitions>
+    <inkml:context xml:id="ctx0">
+      <inkml:inkSource xml:id="inkSrc0">
+        <inkml:traceFormat>
+          <inkml:channel name="X" type="integer" min="-2.14748E9" max="2.14748E9" units="cm"/>
+          <inkml:channel name="Y" type="integer" min="-2.14748E9" max="2.14748E9" units="cm"/>
+          <inkml:channel name="F" type="integer" max="32767" units="dev"/>
+          <inkml:channel name="OA" type="integer" max="360" units="deg"/>
+          <inkml:channel name="OE" type="integer" max="90" units="deg"/>
+        </inkml:traceFormat>
+        <inkml:channelProperties>
+          <inkml:channelProperty channel="X" name="resolution" value="1000" units="1/cm"/>
+          <inkml:channelProperty channel="Y" name="resolution" value="1000" units="1/cm"/>
+          <inkml:channelProperty channel="F" name="resolution" value="0" units="1/dev"/>
+          <inkml:channelProperty channel="OA" name="resolution" value="1000" units="1/deg"/>
+          <inkml:channelProperty channel="OE" name="resolution" value="1000" units="1/deg"/>
+        </inkml:channelProperties>
+      </inkml:inkSource>
+      <inkml:timestamp xml:id="ts0" timeString="2025-11-13T04:08:05.547"/>
+    </inkml:context>
+    <inkml:brush xml:id="br0">
+      <inkml:brushProperty name="width" value="0.035" units="cm"/>
+      <inkml:brushProperty name="height" value="0.035" units="cm"/>
+      <inkml:brushProperty name="color" value="#E71224"/>
+    </inkml:brush>
+  </inkml:definitions>
+  <inkml:trace contextRef="#ctx0" brushRef="#br0">4 120 2696 0 0,'0'0'877'0'0,"29"-39"1587"0"0,15-39-118 0 0,-43 75-1622 0 0,-31 51 59 0 0,14-22-534 0 0,10-18-170 0 0,1-1 1 0 0,0 1-1 0 0,1 0 0 0 0,0 0 1 0 0,-4 10-1 0 0,8-17-62 0 0,0 0 0 0 0,0 0 0 0 0,0 1-1 0 0,1-1 1 0 0,-1 0 0 0 0,0 0 0 0 0,0 0 0 0 0,1 0 0 0 0,-1 0-1 0 0,0 0 1 0 0,1 0 0 0 0,-1 0 0 0 0,1 0 0 0 0,-1 0 0 0 0,1 0 0 0 0,0 0-1 0 0,-1 0 1 0 0,1 0 0 0 0,0-1 0 0 0,0 1 0 0 0,-1 0 0 0 0,1 0-1 0 0,0-1 1 0 0,0 1 0 0 0,0-1 0 0 0,0 1 0 0 0,0-1 0 0 0,0 1 0 0 0,0-1-1 0 0,0 1 1 0 0,2-1 0 0 0,37 12-42 0 0,-33-11 44 0 0,6 4 112 0 0,-1 0 0 0 0,1 0 1 0 0,-1 1-1 0 0,0 1 0 0 0,0 0 1 0 0,-1 0-1 0 0,0 1 0 0 0,0 1 1 0 0,16 17-1 0 0,-24-23-108 0 0,0 0 0 0 0,0-1 0 0 0,-1 1 0 0 0,0 1 0 0 0,1-1 0 0 0,-1 0 0 0 0,0 0 0 0 0,-1 1 0 0 0,1 0 0 0 0,0-1 0 0 0,-1 1 0 0 0,0 0 0 0 0,0-1-1 0 0,0 1 1 0 0,0 0 0 0 0,-1 0 0 0 0,0 0 0 0 0,1 0 0 0 0,-1 0 0 0 0,-1 0 0 0 0,1-1 0 0 0,0 1 0 0 0,-1 0 0 0 0,0 0 0 0 0,0 0 0 0 0,0 0 0 0 0,-1-1 0 0 0,1 1 0 0 0,-1-1 0 0 0,0 1 0 0 0,0-1 0 0 0,0 1 0 0 0,0-1 0 0 0,0 0 0 0 0,-1 0 0 0 0,0 0 0 0 0,-4 3 0 0 0,3-1-296 0 0,-1-1 1 0 0,0-1-1 0 0,-1 1 0 0 0,1 0 1 0 0,-1-1-1 0 0,1 0 0 0 0,-10 3 1 0 0,-40 8-5637 0 0,52-13 4093 0 0</inkml:trace>
+</inkml:ink>
+</file>
+
+<file path=ppt/ink/ink80.xml><?xml version="1.0" encoding="utf-8"?>
+<inkml:ink xmlns:inkml="http://www.w3.org/2003/InkML">
+  <inkml:definitions>
+    <inkml:context xml:id="ctx0">
+      <inkml:inkSource xml:id="inkSrc0">
+        <inkml:traceFormat>
+          <inkml:channel name="X" type="integer" min="-2.14748E9" max="2.14748E9" units="cm"/>
+          <inkml:channel name="Y" type="integer" min="-2.14748E9" max="2.14748E9" units="cm"/>
+          <inkml:channel name="F" type="integer" max="32767" units="dev"/>
+          <inkml:channel name="OA" type="integer" max="360" units="deg"/>
+          <inkml:channel name="OE" type="integer" max="90" units="deg"/>
+        </inkml:traceFormat>
+        <inkml:channelProperties>
+          <inkml:channelProperty channel="X" name="resolution" value="1000" units="1/cm"/>
+          <inkml:channelProperty channel="Y" name="resolution" value="1000" units="1/cm"/>
+          <inkml:channelProperty channel="F" name="resolution" value="0" units="1/dev"/>
+          <inkml:channelProperty channel="OA" name="resolution" value="1000" units="1/deg"/>
+          <inkml:channelProperty channel="OE" name="resolution" value="1000" units="1/deg"/>
+        </inkml:channelProperties>
+      </inkml:inkSource>
+      <inkml:timestamp xml:id="ts0" timeString="2025-11-13T04:19:33.269"/>
+    </inkml:context>
+    <inkml:brush xml:id="br0">
+      <inkml:brushProperty name="width" value="0.035" units="cm"/>
+      <inkml:brushProperty name="height" value="0.035" units="cm"/>
+      <inkml:brushProperty name="color" value="#E71224"/>
+    </inkml:brush>
+  </inkml:definitions>
+  <inkml:trace contextRef="#ctx0" brushRef="#br0">13 76 2536 0 0,'0'0'6008'0'0,"-13"35"-3626"0"0,13-27-2206 0 0,1 0 1 0 0,0 0-1 0 0,0-1 1 0 0,1 1 0 0 0,-1-1-1 0 0,2 1 1 0 0,-1-1-1 0 0,6 12 1 0 0,-6-15-143 0 0,1 0-1 0 0,-1 0 1 0 0,1 0 0 0 0,0 0-1 0 0,0 0 1 0 0,0-1 0 0 0,1 1-1 0 0,-1-1 1 0 0,1 0 0 0 0,-1 0-1 0 0,1 0 1 0 0,0-1 0 0 0,0 1-1 0 0,1-1 1 0 0,-1 0 0 0 0,0 0 0 0 0,7 2-1 0 0,-5-3-11 0 0,-1 0-1 0 0,0-1 1 0 0,1 0-1 0 0,-1 1 1 0 0,1-2-1 0 0,-1 1 1 0 0,1-1-1 0 0,-1 1 1 0 0,0-1-1 0 0,1-1 1 0 0,-1 1-1 0 0,0-1 1 0 0,0 0-1 0 0,0 0 1 0 0,0-1-1 0 0,0 1 1 0 0,-1-1-1 0 0,10-7 1 0 0,-9 6-11 0 0,0 0 1 0 0,-1-1 0 0 0,1 1 0 0 0,-1-1-1 0 0,0 0 1 0 0,0 0 0 0 0,0-1 0 0 0,-1 1-1 0 0,0-1 1 0 0,0 0 0 0 0,0 0 0 0 0,-1 0-1 0 0,0 0 1 0 0,0 0 0 0 0,0-1 0 0 0,-1 1 0 0 0,1-7-1 0 0,-2 5-2 0 0,1 4-6 0 0,0 0 0 0 0,-1 1 0 0 0,1-1 0 0 0,-1 0 0 0 0,0 0 0 0 0,0 0 0 0 0,-1 0 0 0 0,1 0 0 0 0,-1 0 0 0 0,0 0 0 0 0,0 1 0 0 0,0-1 0 0 0,0 0 0 0 0,-1 1 0 0 0,1-1-1 0 0,-1 1 1 0 0,0-1 0 0 0,0 1 0 0 0,0 0 0 0 0,-1 0 0 0 0,1 0 0 0 0,-1 0 0 0 0,0 0 0 0 0,0 0 0 0 0,0 1 0 0 0,0 0 0 0 0,0-1 0 0 0,0 1 0 0 0,-6-2 0 0 0,6 2-23 0 0,0 1 0 0 0,0 0 1 0 0,0 0-1 0 0,0 1 1 0 0,0-1-1 0 0,-1 1 1 0 0,1-1-1 0 0,0 1 0 0 0,0 0 1 0 0,-1 0-1 0 0,1 1 1 0 0,0-1-1 0 0,0 1 1 0 0,0-1-1 0 0,-1 1 1 0 0,1 0-1 0 0,0 0 0 0 0,0 0 1 0 0,0 1-1 0 0,1-1 1 0 0,-1 1-1 0 0,0-1 1 0 0,0 1-1 0 0,-4 4 0 0 0,-5 4-1286 0 0,1 0 0 0 0,-1 1 0 0 0,2 0 0 0 0,-10 13 0 0 0,10-12-691 0 0,-1 0 603 0 0</inkml:trace>
+</inkml:ink>
+</file>
+
+<file path=ppt/ink/ink81.xml><?xml version="1.0" encoding="utf-8"?>
+<inkml:ink xmlns:inkml="http://www.w3.org/2003/InkML">
+  <inkml:definitions>
+    <inkml:context xml:id="ctx0">
+      <inkml:inkSource xml:id="inkSrc0">
+        <inkml:traceFormat>
+          <inkml:channel name="X" type="integer" min="-2.14748E9" max="2.14748E9" units="cm"/>
+          <inkml:channel name="Y" type="integer" min="-2.14748E9" max="2.14748E9" units="cm"/>
+          <inkml:channel name="F" type="integer" max="32767" units="dev"/>
+          <inkml:channel name="OA" type="integer" max="360" units="deg"/>
+          <inkml:channel name="OE" type="integer" max="90" units="deg"/>
+        </inkml:traceFormat>
+        <inkml:channelProperties>
+          <inkml:channelProperty channel="X" name="resolution" value="1000" units="1/cm"/>
+          <inkml:channelProperty channel="Y" name="resolution" value="1000" units="1/cm"/>
+          <inkml:channelProperty channel="F" name="resolution" value="0" units="1/dev"/>
+          <inkml:channelProperty channel="OA" name="resolution" value="1000" units="1/deg"/>
+          <inkml:channelProperty channel="OE" name="resolution" value="1000" units="1/deg"/>
+        </inkml:channelProperties>
+      </inkml:inkSource>
+      <inkml:timestamp xml:id="ts0" timeString="2025-11-13T04:19:33.609"/>
+    </inkml:context>
+    <inkml:brush xml:id="br0">
+      <inkml:brushProperty name="width" value="0.035" units="cm"/>
+      <inkml:brushProperty name="height" value="0.035" units="cm"/>
+      <inkml:brushProperty name="color" value="#E71224"/>
+    </inkml:brush>
+  </inkml:definitions>
+  <inkml:trace contextRef="#ctx0" brushRef="#br0">217 1 3252 0 0,'3'2'1225'0'0,"4"4"-824"0"0,-1 1-1 0 0,1 0 0 0 0,-1 0 1 0 0,-1 1-1 0 0,1-1 1 0 0,-1 1-1 0 0,-1 0 1 0 0,1 0-1 0 0,-2 1 1 0 0,1-1-1 0 0,-1 1 0 0 0,0 0 1 0 0,-1 0-1 0 0,0 0 1 0 0,1 12-1 0 0,0-3-140 0 0,-1 0 0 0 0,0-1 0 0 0,-2 1-1 0 0,0 0 1 0 0,-1 0 0 0 0,-1 0 0 0 0,-5 26 0 0 0,4-34-77 0 0,-1 0 0 0 0,0-1 0 0 0,-1 1 1 0 0,0-1-1 0 0,0 0 0 0 0,0 0 0 0 0,-2 0 1 0 0,1-1-1 0 0,-1 0 0 0 0,0 0 1 0 0,0-1-1 0 0,-1 0 0 0 0,-15 10 0 0 0,8-6 49 0 0,-1-2-1 0 0,-1 0 1 0 0,1-1-1 0 0,-2 0 0 0 0,1-2 1 0 0,-30 8-1 0 0,42-13-203 0 0,0-1-94 0 0,-17-3-234 0 0,21 2 197 0 0,0 1 1 0 0,0 0 0 0 0,1-1 0 0 0,-1 1 0 0 0,0-1 0 0 0,0 1 0 0 0,1-1 0 0 0,-1 0 0 0 0,0 1 0 0 0,1-1 0 0 0,-1 0 0 0 0,1 1 0 0 0,-1-1 0 0 0,0 0-1 0 0,1 0 1 0 0,0 1 0 0 0,-1-1 0 0 0,1 0 0 0 0,0 0 0 0 0,-1 0 0 0 0,1 0 0 0 0,0 1 0 0 0,0-1 0 0 0,-1 0 0 0 0,1 0 0 0 0,0 0 0 0 0,0 0-1 0 0,0 0 1 0 0,0 0 0 0 0,0 0 0 0 0,1 0 0 0 0,-1 1 0 0 0,0-1 0 0 0,0 0 0 0 0,1-2 0 0 0,9-29-4688 0 0,-1 16 2234 0 0,4 0 195 0 0</inkml:trace>
+</inkml:ink>
+</file>
+
+<file path=ppt/ink/ink82.xml><?xml version="1.0" encoding="utf-8"?>
+<inkml:ink xmlns:inkml="http://www.w3.org/2003/InkML">
+  <inkml:definitions>
+    <inkml:context xml:id="ctx0">
+      <inkml:inkSource xml:id="inkSrc0">
+        <inkml:traceFormat>
+          <inkml:channel name="X" type="integer" min="-2.14748E9" max="2.14748E9" units="cm"/>
+          <inkml:channel name="Y" type="integer" min="-2.14748E9" max="2.14748E9" units="cm"/>
+          <inkml:channel name="F" type="integer" max="32767" units="dev"/>
+          <inkml:channel name="OA" type="integer" max="360" units="deg"/>
+          <inkml:channel name="OE" type="integer" max="90" units="deg"/>
+        </inkml:traceFormat>
+        <inkml:channelProperties>
+          <inkml:channelProperty channel="X" name="resolution" value="1000" units="1/cm"/>
+          <inkml:channelProperty channel="Y" name="resolution" value="1000" units="1/cm"/>
+          <inkml:channelProperty channel="F" name="resolution" value="0" units="1/dev"/>
+          <inkml:channelProperty channel="OA" name="resolution" value="1000" units="1/deg"/>
+          <inkml:channelProperty channel="OE" name="resolution" value="1000" units="1/deg"/>
+        </inkml:channelProperties>
+      </inkml:inkSource>
+      <inkml:timestamp xml:id="ts0" timeString="2025-11-13T04:19:33.953"/>
+    </inkml:context>
+    <inkml:brush xml:id="br0">
+      <inkml:brushProperty name="width" value="0.035" units="cm"/>
+      <inkml:brushProperty name="height" value="0.035" units="cm"/>
+      <inkml:brushProperty name="color" value="#E71224"/>
+    </inkml:brush>
+  </inkml:definitions>
+  <inkml:trace contextRef="#ctx0" brushRef="#br0">15 0 4712 0 0,'-1'1'251'0'0,"0"-1"-1"0"0,0 1 0 0 0,0 0 0 0 0,0-1 0 0 0,0 1 1 0 0,0 0-1 0 0,1-1 0 0 0,-1 1 0 0 0,0 0 0 0 0,1 0 1 0 0,-1 0-1 0 0,0 0 0 0 0,1-1 0 0 0,-1 1 1 0 0,1 0-1 0 0,-1 0 0 0 0,1 0 0 0 0,0 0 0 0 0,-1 0 1 0 0,1 0-1 0 0,0 1 0 0 0,0-1 0 0 0,0 0 0 0 0,0 0 1 0 0,0 0-1 0 0,0 0 0 0 0,0 0 0 0 0,0 1 0 0 0,1 0-79 0 0,0 0 0 0 0,0 0 0 0 0,0-1 0 0 0,0 1 0 0 0,1-1-1 0 0,-1 1 1 0 0,0-1 0 0 0,1 1 0 0 0,-1-1 0 0 0,1 0 0 0 0,0 1-1 0 0,-1-1 1 0 0,4 1 0 0 0,8 4-118 0 0,-1 0 0 0 0,1-1 0 0 0,16 3 0 0 0,-26-7 234 0 0,23 5-120 0 0,0-2-1 0 0,0-1 0 0 0,0-1 1 0 0,52-4-1 0 0,-21 1-29 0 0,-57 1-149 0 0,36-2 86 0 0,-35 2-218 0 0,1 1-1 0 0,-1-1 1 0 0,1-1-1 0 0,-1 1 1 0 0,1 0 0 0 0,0 0-1 0 0,-1 0 1 0 0,1-1 0 0 0,-1 1-1 0 0,1-1 1 0 0,-1 1-1 0 0,0-1 1 0 0,1 0 0 0 0,-1 1-1 0 0,0-1 1 0 0,1 0-1 0 0,-1 0 1 0 0,0 0 0 0 0,0 0-1 0 0,0 0 1 0 0,1 0 0 0 0,0-2-1 0 0,-5-3-4307 0 0,-4-2 3487 0 0,6 7 244 0 0,-1-2-2282 0 0</inkml:trace>
+</inkml:ink>
+</file>
+
+<file path=ppt/ink/ink83.xml><?xml version="1.0" encoding="utf-8"?>
+<inkml:ink xmlns:inkml="http://www.w3.org/2003/InkML">
+  <inkml:definitions>
+    <inkml:context xml:id="ctx0">
+      <inkml:inkSource xml:id="inkSrc0">
+        <inkml:traceFormat>
+          <inkml:channel name="X" type="integer" min="-2.14748E9" max="2.14748E9" units="cm"/>
+          <inkml:channel name="Y" type="integer" min="-2.14748E9" max="2.14748E9" units="cm"/>
+          <inkml:channel name="F" type="integer" max="32767" units="dev"/>
+          <inkml:channel name="OA" type="integer" max="360" units="deg"/>
+          <inkml:channel name="OE" type="integer" max="90" units="deg"/>
+        </inkml:traceFormat>
+        <inkml:channelProperties>
+          <inkml:channelProperty channel="X" name="resolution" value="1000" units="1/cm"/>
+          <inkml:channelProperty channel="Y" name="resolution" value="1000" units="1/cm"/>
+          <inkml:channelProperty channel="F" name="resolution" value="0" units="1/dev"/>
+          <inkml:channelProperty channel="OA" name="resolution" value="1000" units="1/deg"/>
+          <inkml:channelProperty channel="OE" name="resolution" value="1000" units="1/deg"/>
+        </inkml:channelProperties>
+      </inkml:inkSource>
+      <inkml:timestamp xml:id="ts0" timeString="2025-11-13T04:20:20.690"/>
+    </inkml:context>
+    <inkml:brush xml:id="br0">
+      <inkml:brushProperty name="width" value="0.035" units="cm"/>
+      <inkml:brushProperty name="height" value="0.035" units="cm"/>
+      <inkml:brushProperty name="color" value="#E71224"/>
+    </inkml:brush>
+  </inkml:definitions>
+  <inkml:trace contextRef="#ctx0" brushRef="#br0">0 2 3536 0 0,'0'0'6144'0'0,"6"0"-5771"0"0,18 0 28 0 0,-18 0 17 0 0,-1 0 1 0 0,44-1 477 0 0,-16 0-363 0 0,55 6 1 0 0,-76-3-440 0 0,-1 0 1 0 0,1 0 0 0 0,-1 1 0 0 0,1 1-1 0 0,-1 0 1 0 0,0 1 0 0 0,-1 0-1 0 0,16 10 1 0 0,1 2 158 0 0,-14-10-126 0 0,0 1 1 0 0,-1 1 0 0 0,1 0 0 0 0,-2 0-1 0 0,1 1 1 0 0,-1 1 0 0 0,-1 0-1 0 0,0 0 1 0 0,0 1 0 0 0,9 17-1 0 0,-14-20-36 0 0,1 0-10 0 0,-2 0 1 0 0,1 0 0 0 0,-1 1-1 0 0,4 12 1 0 0,-5-5-43 0 0,0 0-1 0 0,-2 0 1 0 0,0 30 0 0 0,-1-42-290 0 0,0 0 0 0 0,0-1 0 0 0,0 1 1 0 0,-1 0-1 0 0,0 0 0 0 0,0 0 0 0 0,0-1 0 0 0,-1 1 1 0 0,0-1-1 0 0,1 1 0 0 0,-2-1 0 0 0,-3 8 0 0 0,3-9-672 0 0,0 0-1 0 0,1 0 0 0 0,-1 0 1 0 0,0 0-1 0 0,0-1 1 0 0,-1 1-1 0 0,-6 3 0 0 0,-7 4-1415 0 0</inkml:trace>
+</inkml:ink>
+</file>
+
+<file path=ppt/ink/ink84.xml><?xml version="1.0" encoding="utf-8"?>
+<inkml:ink xmlns:inkml="http://www.w3.org/2003/InkML">
+  <inkml:definitions>
+    <inkml:context xml:id="ctx0">
+      <inkml:inkSource xml:id="inkSrc0">
+        <inkml:traceFormat>
+          <inkml:channel name="X" type="integer" min="-2.14748E9" max="2.14748E9" units="cm"/>
+          <inkml:channel name="Y" type="integer" min="-2.14748E9" max="2.14748E9" units="cm"/>
+          <inkml:channel name="F" type="integer" max="32767" units="dev"/>
+          <inkml:channel name="OA" type="integer" max="360" units="deg"/>
+          <inkml:channel name="OE" type="integer" max="90" units="deg"/>
+        </inkml:traceFormat>
+        <inkml:channelProperties>
+          <inkml:channelProperty channel="X" name="resolution" value="1000" units="1/cm"/>
+          <inkml:channelProperty channel="Y" name="resolution" value="1000" units="1/cm"/>
+          <inkml:channelProperty channel="F" name="resolution" value="0" units="1/dev"/>
+          <inkml:channelProperty channel="OA" name="resolution" value="1000" units="1/deg"/>
+          <inkml:channelProperty channel="OE" name="resolution" value="1000" units="1/deg"/>
+        </inkml:channelProperties>
+      </inkml:inkSource>
+      <inkml:timestamp xml:id="ts0" timeString="2025-11-13T04:20:21.019"/>
+    </inkml:context>
+    <inkml:brush xml:id="br0">
+      <inkml:brushProperty name="width" value="0.035" units="cm"/>
+      <inkml:brushProperty name="height" value="0.035" units="cm"/>
+      <inkml:brushProperty name="color" value="#E71224"/>
+    </inkml:brush>
+  </inkml:definitions>
+  <inkml:trace contextRef="#ctx0" brushRef="#br0">35 122 4300 0 0,'-3'-1'377'0'0,"0"-1"-1"0"0,0 0 0 0 0,-1 1 1 0 0,1-1-1 0 0,0 0 1 0 0,1 0-1 0 0,-1-1 0 0 0,0 1 1 0 0,-2-4-1 0 0,4 6-263 0 0,1-1-1 0 0,0 1 1 0 0,0-1 0 0 0,-1 1-1 0 0,1-1 1 0 0,0 1 0 0 0,0-1-1 0 0,0 0 1 0 0,0 1 0 0 0,0-1-1 0 0,-1 1 1 0 0,1-1 0 0 0,0 0 0 0 0,0 1-1 0 0,1-1 1 0 0,-1 1 0 0 0,0-1-1 0 0,0 1 1 0 0,0-1 0 0 0,0 0-1 0 0,0 1 1 0 0,1-1 0 0 0,-1 0-1 0 0,20-17 790 0 0,-8 11-591 0 0,1 1 0 0 0,0 0 0 0 0,1 0 0 0 0,0 1 0 0 0,0 1 0 0 0,0 0-1 0 0,21-2 1 0 0,104-3 248 0 0,-42 5-1540 0 0,-64 4-849 0 0,-26 1 672 0 0,0-1 0 0 0,0 0 1 0 0,0 0-1 0 0,0-1 0 0 0,12-3 0 0 0,5-1-372 0 0</inkml:trace>
+</inkml:ink>
+</file>
+
+<file path=ppt/ink/ink85.xml><?xml version="1.0" encoding="utf-8"?>
+<inkml:ink xmlns:inkml="http://www.w3.org/2003/InkML">
+  <inkml:definitions>
+    <inkml:context xml:id="ctx0">
+      <inkml:inkSource xml:id="inkSrc0">
+        <inkml:traceFormat>
+          <inkml:channel name="X" type="integer" min="-2.14748E9" max="2.14748E9" units="cm"/>
+          <inkml:channel name="Y" type="integer" min="-2.14748E9" max="2.14748E9" units="cm"/>
+          <inkml:channel name="F" type="integer" max="32767" units="dev"/>
+          <inkml:channel name="OA" type="integer" max="360" units="deg"/>
+          <inkml:channel name="OE" type="integer" max="90" units="deg"/>
+        </inkml:traceFormat>
+        <inkml:channelProperties>
+          <inkml:channelProperty channel="X" name="resolution" value="1000" units="1/cm"/>
+          <inkml:channelProperty channel="Y" name="resolution" value="1000" units="1/cm"/>
+          <inkml:channelProperty channel="F" name="resolution" value="0" units="1/dev"/>
+          <inkml:channelProperty channel="OA" name="resolution" value="1000" units="1/deg"/>
+          <inkml:channelProperty channel="OE" name="resolution" value="1000" units="1/deg"/>
+        </inkml:channelProperties>
+      </inkml:inkSource>
+      <inkml:timestamp xml:id="ts0" timeString="2025-11-13T04:20:21.652"/>
+    </inkml:context>
+    <inkml:brush xml:id="br0">
+      <inkml:brushProperty name="width" value="0.035" units="cm"/>
+      <inkml:brushProperty name="height" value="0.035" units="cm"/>
+      <inkml:brushProperty name="color" value="#E71224"/>
+    </inkml:brush>
+  </inkml:definitions>
+  <inkml:trace contextRef="#ctx0" brushRef="#br0">38 3 4412 0 0,'0'0'1785'0'0,"-6"0"-208"0"0,-20 0-207 0 0,20 0 3947 0 0,11-1-4909 0 0,29 0-27 0 0,0 0 0 0 0,-1 3 0 0 0,41 5 0 0 0,41 15-3603 0 0,-110-21 2077 0 0,0-1-555 0 0,17-3-993 0 0,-16 2 396 0 0</inkml:trace>
+</inkml:ink>
+</file>
+
+<file path=ppt/ink/ink86.xml><?xml version="1.0" encoding="utf-8"?>
+<inkml:ink xmlns:inkml="http://www.w3.org/2003/InkML">
+  <inkml:definitions>
+    <inkml:context xml:id="ctx0">
+      <inkml:inkSource xml:id="inkSrc0">
+        <inkml:traceFormat>
+          <inkml:channel name="X" type="integer" min="-2.14748E9" max="2.14748E9" units="cm"/>
+          <inkml:channel name="Y" type="integer" min="-2.14748E9" max="2.14748E9" units="cm"/>
+          <inkml:channel name="F" type="integer" max="32767" units="dev"/>
+          <inkml:channel name="OA" type="integer" max="360" units="deg"/>
+          <inkml:channel name="OE" type="integer" max="90" units="deg"/>
+        </inkml:traceFormat>
+        <inkml:channelProperties>
+          <inkml:channelProperty channel="X" name="resolution" value="1000" units="1/cm"/>
+          <inkml:channelProperty channel="Y" name="resolution" value="1000" units="1/cm"/>
+          <inkml:channelProperty channel="F" name="resolution" value="0" units="1/dev"/>
+          <inkml:channelProperty channel="OA" name="resolution" value="1000" units="1/deg"/>
+          <inkml:channelProperty channel="OE" name="resolution" value="1000" units="1/deg"/>
+        </inkml:channelProperties>
+      </inkml:inkSource>
+      <inkml:timestamp xml:id="ts0" timeString="2025-11-13T04:20:21.986"/>
+    </inkml:context>
+    <inkml:brush xml:id="br0">
+      <inkml:brushProperty name="width" value="0.035" units="cm"/>
+      <inkml:brushProperty name="height" value="0.035" units="cm"/>
+      <inkml:brushProperty name="color" value="#E71224"/>
+    </inkml:brush>
+  </inkml:definitions>
+  <inkml:trace contextRef="#ctx0" brushRef="#br0">128 1 2832 0 0,'-4'2'352'0'0,"1"0"0"0"0,0 0 0 0 0,0 0 0 0 0,0 1 0 0 0,0-1 0 0 0,0 1 0 0 0,1 0 0 0 0,-1 0 0 0 0,1 0 0 0 0,0 0 0 0 0,0 0 0 0 0,0 0 0 0 0,0 1 0 0 0,0-1 0 0 0,1 1 0 0 0,0-1 1 0 0,-1 1-1 0 0,1-1 0 0 0,1 1 0 0 0,-1 0 0 0 0,0 5 0 0 0,-2 16 651 0 0,1 0 1 0 0,2 32 0 0 0,0-8-255 0 0,-1-38-953 0 0,-1-1 1 0 0,1 0 0 0 0,-2 0-1 0 0,1 0 1 0 0,-1 0 0 0 0,-1 0-1 0 0,-5 11 1 0 0,-27 34-6954 0 0,21-37 5032 0 0</inkml:trace>
+</inkml:ink>
+</file>
+
+<file path=ppt/ink/ink87.xml><?xml version="1.0" encoding="utf-8"?>
+<inkml:ink xmlns:inkml="http://www.w3.org/2003/InkML">
+  <inkml:definitions>
+    <inkml:context xml:id="ctx0">
+      <inkml:inkSource xml:id="inkSrc0">
+        <inkml:traceFormat>
+          <inkml:channel name="X" type="integer" min="-2.14748E9" max="2.14748E9" units="cm"/>
+          <inkml:channel name="Y" type="integer" min="-2.14748E9" max="2.14748E9" units="cm"/>
+          <inkml:channel name="F" type="integer" max="32767" units="dev"/>
+          <inkml:channel name="OA" type="integer" max="360" units="deg"/>
+          <inkml:channel name="OE" type="integer" max="90" units="deg"/>
+        </inkml:traceFormat>
+        <inkml:channelProperties>
+          <inkml:channelProperty channel="X" name="resolution" value="1000" units="1/cm"/>
+          <inkml:channelProperty channel="Y" name="resolution" value="1000" units="1/cm"/>
+          <inkml:channelProperty channel="F" name="resolution" value="0" units="1/dev"/>
+          <inkml:channelProperty channel="OA" name="resolution" value="1000" units="1/deg"/>
+          <inkml:channelProperty channel="OE" name="resolution" value="1000" units="1/deg"/>
+        </inkml:channelProperties>
+      </inkml:inkSource>
+      <inkml:timestamp xml:id="ts0" timeString="2025-11-13T04:20:23.953"/>
+    </inkml:context>
+    <inkml:brush xml:id="br0">
+      <inkml:brushProperty name="width" value="0.035" units="cm"/>
+      <inkml:brushProperty name="height" value="0.035" units="cm"/>
+      <inkml:brushProperty name="color" value="#E71224"/>
+    </inkml:brush>
+  </inkml:definitions>
+  <inkml:trace contextRef="#ctx0" brushRef="#br0">36 52 3944 0 0,'-35'16'11791'0'0,"37"-19"-11528"0"0,5-4-186 0 0,0 1-1 0 0,0 0 1 0 0,0 0-1 0 0,1 1 1 0 0,0 0-1 0 0,0 1 1 0 0,0-1 0 0 0,1 2-1 0 0,-1-1 1 0 0,1 1-1 0 0,0 0 1 0 0,10-1-1 0 0,-16 3-65 0 0,2-1 8 0 0,2 2 0 0 0,-3 0 4 0 0,1 0-30 0 0,0 0-1 0 0,0 0 1 0 0,0 1 0 0 0,0-1-1 0 0,-1 1 1 0 0,9 2 0 0 0,-12-2 20 0 0,1-1 0 0 0,-1 1 0 0 0,0 0 1 0 0,1-1-1 0 0,-1 1 0 0 0,0 0 0 0 0,0 0 1 0 0,1 0-1 0 0,-1 0 0 0 0,0 0 0 0 0,0 0 1 0 0,0 0-1 0 0,0 0 0 0 0,0 0 0 0 0,0 1 1 0 0,-1-1-1 0 0,1 0 0 0 0,0 1 0 0 0,-1-1 1 0 0,1 1-1 0 0,-1-1 0 0 0,1 0 0 0 0,-1 1 1 0 0,0-1-1 0 0,1 1 0 0 0,-1-1 0 0 0,0 1 1 0 0,0-1-1 0 0,0 1 0 0 0,0-1 0 0 0,0 1 1 0 0,-1 2-1 0 0,-4 16 150 0 0,0 0 1 0 0,-2 0-1 0 0,0-1 0 0 0,-14 26 1 0 0,13-29 10 0 0,1-1 1 0 0,0 1-1 0 0,1 0 0 0 0,1 1 1 0 0,0-1-1 0 0,1 1 1 0 0,-2 30-1 0 0,5-44-174 0 0,1-1 0 0 0,1 1 1 0 0,-1-1-1 0 0,0 0 0 0 0,0 1 0 0 0,1-1 0 0 0,-1 0 1 0 0,1 1-1 0 0,0-1 0 0 0,0 0 0 0 0,0 0 0 0 0,0 0 0 0 0,0 0 1 0 0,0 0-1 0 0,1 0 0 0 0,-1 0 0 0 0,1 0 0 0 0,-1 0 0 0 0,1 0 1 0 0,0-1-1 0 0,-1 1 0 0 0,1-1 0 0 0,0 1 0 0 0,0-1 0 0 0,0 0 1 0 0,0 0-1 0 0,0 0 0 0 0,1 0 0 0 0,-1 0 0 0 0,0 0 1 0 0,0 0-1 0 0,1-1 0 0 0,-1 1 0 0 0,0-1 0 0 0,1 0 0 0 0,-1 0 1 0 0,1 0-1 0 0,-1 0 0 0 0,4 0 0 0 0,3-1-389 0 0,1 0 0 0 0,-1 0 0 0 0,0-1 1 0 0,1 0-1 0 0,-1-1 0 0 0,0 0 0 0 0,0 0 0 0 0,14-8 0 0 0,-15 6-886 0 0,0-1 0 0 0,-1 0 0 0 0,1 0 0 0 0,11-14 0 0 0,-1 1-2161 0 0,-3 2 505 0 0</inkml:trace>
+</inkml:ink>
+</file>
+
+<file path=ppt/ink/ink88.xml><?xml version="1.0" encoding="utf-8"?>
+<inkml:ink xmlns:inkml="http://www.w3.org/2003/InkML">
+  <inkml:definitions>
+    <inkml:context xml:id="ctx0">
+      <inkml:inkSource xml:id="inkSrc0">
+        <inkml:traceFormat>
+          <inkml:channel name="X" type="integer" min="-2.14748E9" max="2.14748E9" units="cm"/>
+          <inkml:channel name="Y" type="integer" min="-2.14748E9" max="2.14748E9" units="cm"/>
+          <inkml:channel name="F" type="integer" max="32767" units="dev"/>
+          <inkml:channel name="OA" type="integer" max="360" units="deg"/>
+          <inkml:channel name="OE" type="integer" max="90" units="deg"/>
+        </inkml:traceFormat>
+        <inkml:channelProperties>
+          <inkml:channelProperty channel="X" name="resolution" value="1000" units="1/cm"/>
+          <inkml:channelProperty channel="Y" name="resolution" value="1000" units="1/cm"/>
+          <inkml:channelProperty channel="F" name="resolution" value="0" units="1/dev"/>
+          <inkml:channelProperty channel="OA" name="resolution" value="1000" units="1/deg"/>
+          <inkml:channelProperty channel="OE" name="resolution" value="1000" units="1/deg"/>
+        </inkml:channelProperties>
+      </inkml:inkSource>
+      <inkml:timestamp xml:id="ts0" timeString="2025-11-13T04:20:24.421"/>
+    </inkml:context>
+    <inkml:brush xml:id="br0">
+      <inkml:brushProperty name="width" value="0.035" units="cm"/>
+      <inkml:brushProperty name="height" value="0.035" units="cm"/>
+      <inkml:brushProperty name="color" value="#E71224"/>
+    </inkml:brush>
+  </inkml:definitions>
+  <inkml:trace contextRef="#ctx0" brushRef="#br0">15 12 4232 0 0,'0'0'4988'0'0,"-4"-1"-4331"0"0,-7-5 1565 0 0,33 3-933 0 0,-15 3-1122 0 0,18-1-44 0 0,-18 0-49 0 0,20 8 169 0 0,-25-5-226 0 0,0 0 0 0 0,-1 0 0 0 0,1 0 0 0 0,-1 1 0 0 0,0-1 0 0 0,0 0 0 0 0,0 1 0 0 0,0-1 0 0 0,0 0 0 0 0,0 1 0 0 0,-1-1 0 0 0,1 1 0 0 0,-1-1 0 0 0,0 1 0 0 0,1 0 0 0 0,-1-1 0 0 0,0 1 0 0 0,-1-1 0 0 0,1 1 0 0 0,0 0 0 0 0,-1-1 0 0 0,0 1 0 0 0,1-1 0 0 0,-1 0 0 0 0,0 1 0 0 0,-1 2 0 0 0,-5 10 123 0 0,-1 1 0 0 0,-17 26 0 0 0,12-21-34 0 0,12-18-35 0 0,0-2-64 0 0,1 0-1 0 0,0 1 0 0 0,-1-1 1 0 0,1 1-1 0 0,0-1 0 0 0,0 0 1 0 0,0 1-1 0 0,0-1 1 0 0,0 1-1 0 0,0-1 0 0 0,1 0 1 0 0,-1 1-1 0 0,0-1 0 0 0,1 0 1 0 0,-1 1-1 0 0,1-1 0 0 0,-1 0 1 0 0,1 1-1 0 0,0-1 0 0 0,-1 0 1 0 0,1 0-1 0 0,0 0 0 0 0,0 0 1 0 0,0 0-1 0 0,0 0 0 0 0,0 0 1 0 0,0 0-1 0 0,0 0 1 0 0,0 0-1 0 0,1 0 0 0 0,-1-1 1 0 0,0 1-1 0 0,0 0 0 0 0,1-1 1 0 0,-1 1-1 0 0,0-1 0 0 0,1 1 1 0 0,-1-1-1 0 0,3 0 0 0 0,1 1-165 0 0,0-1-125 0 0,17 2-66 0 0,-16-2-113 0 0,0 0-73 0 0,51-2-2381 0 0,-52 2 1867 0 0,-4 0 948 0 0,-1-1-1 0 0,1 1 0 0 0,0-1 1 0 0,-1 1-1 0 0,1-1 1 0 0,-1 1-1 0 0,1-1 0 0 0,0 1 1 0 0,-1 0-1 0 0,1 0 0 0 0,0-1 1 0 0,-1 1-1 0 0,1 0 1 0 0,0 0-1 0 0,0 0 0 0 0,-1 0 1 0 0,1-1-1 0 0,0 1 1 0 0,-1 0-1 0 0,1 1 0 0 0,0-1 1 0 0,0 0-1 0 0,1 0 1 0 0,-1 0-96 0 0,1 1 0 0 0,-1-1 0 0 0,1 0 0 0 0,0 0 0 0 0,-1 0 0 0 0,1 0 0 0 0,-1-1 0 0 0,1 1 0 0 0,0 0 0 0 0,-1-1 0 0 0,1 1 0 0 0,-1-1 0 0 0,3-1 0 0 0,15-7-686 0 0</inkml:trace>
+</inkml:ink>
+</file>
+
+<file path=ppt/ink/ink89.xml><?xml version="1.0" encoding="utf-8"?>
+<inkml:ink xmlns:inkml="http://www.w3.org/2003/InkML">
+  <inkml:definitions>
+    <inkml:context xml:id="ctx0">
+      <inkml:inkSource xml:id="inkSrc0">
+        <inkml:traceFormat>
+          <inkml:channel name="X" type="integer" min="-2.14748E9" max="2.14748E9" units="cm"/>
+          <inkml:channel name="Y" type="integer" min="-2.14748E9" max="2.14748E9" units="cm"/>
+          <inkml:channel name="F" type="integer" max="32767" units="dev"/>
+          <inkml:channel name="OA" type="integer" max="360" units="deg"/>
+          <inkml:channel name="OE" type="integer" max="90" units="deg"/>
+        </inkml:traceFormat>
+        <inkml:channelProperties>
+          <inkml:channelProperty channel="X" name="resolution" value="1000" units="1/cm"/>
+          <inkml:channelProperty channel="Y" name="resolution" value="1000" units="1/cm"/>
+          <inkml:channelProperty channel="F" name="resolution" value="0" units="1/dev"/>
+          <inkml:channelProperty channel="OA" name="resolution" value="1000" units="1/deg"/>
+          <inkml:channelProperty channel="OE" name="resolution" value="1000" units="1/deg"/>
+        </inkml:channelProperties>
+      </inkml:inkSource>
+      <inkml:timestamp xml:id="ts0" timeString="2025-11-13T04:21:30.332"/>
+    </inkml:context>
+    <inkml:brush xml:id="br0">
+      <inkml:brushProperty name="width" value="0.035" units="cm"/>
+      <inkml:brushProperty name="height" value="0.035" units="cm"/>
+      <inkml:brushProperty name="color" value="#E71224"/>
+    </inkml:brush>
+  </inkml:definitions>
+  <inkml:trace contextRef="#ctx0" brushRef="#br0">304 851 3796 0 0,'-6'30'1139'0'0,"0"1"1"0"0,2-1-1 0 0,1 1 0 0 0,2 0 0 0 0,1 0 0 0 0,1 0 0 0 0,2 0 0 0 0,12 59 0 0 0,-11-74-928 0 0,1-1 0 0 0,1 0 1 0 0,0 0-1 0 0,0-1 0 0 0,2 1 0 0 0,0-2 0 0 0,1 1 0 0 0,0-1 1 0 0,1 0-1 0 0,14 15 0 0 0,-14-19-99 0 0,0-1 0 0 0,1 0 0 0 0,-1 0 1 0 0,2-1-1 0 0,-1 0 0 0 0,1-1 0 0 0,0 0 0 0 0,17 5 0 0 0,-17-7-74 0 0,1-1 0 0 0,-1 0 0 0 0,1-1 0 0 0,-1 0 0 0 0,1-1 0 0 0,0-1 0 0 0,-1 0 0 0 0,1-1 0 0 0,0 0 0 0 0,18-4 0 0 0,-11 0-10 0 0,0-1 1 0 0,0-1 0 0 0,-1-1-1 0 0,1-1 1 0 0,30-19 0 0 0,-6-3-6 0 0,-1-1 1 0 0,-2-2 0 0 0,-1-2-1 0 0,37-45 1 0 0,-51 53 33 0 0,-1-2 0 0 0,-2 0 0 0 0,-1-2 1 0 0,-2-1-1 0 0,0 0 0 0 0,16-43 0 0 0,-26 52 36 0 0,-2-1 1 0 0,0 0-1 0 0,-2 0 0 0 0,-1-1 0 0 0,-1 1 0 0 0,-1-1 0 0 0,-1 0 1 0 0,-2 0-1 0 0,0 0 0 0 0,-5-30 0 0 0,0 25-53 0 0,-1 0 0 0 0,-2 1 0 0 0,-1 0 0 0 0,-1 0 0 0 0,-2 1 0 0 0,-1 0 0 0 0,-1 1 0 0 0,-1 1 0 0 0,-1 0 0 0 0,-2 1 0 0 0,-1 1 0 0 0,-1 1 0 0 0,-44-43 0 0 0,44 50-46 0 0,1 1 0 0 0,-2 1 0 0 0,0 1 0 0 0,0 1 0 0 0,-2 1 0 0 0,1 1 0 0 0,-2 0 0 0 0,1 2 0 0 0,-1 1 0 0 0,-1 1 1 0 0,1 1-1 0 0,-1 1 0 0 0,0 1 0 0 0,0 1 0 0 0,-1 2 0 0 0,1 0 0 0 0,-46 5 0 0 0,45 0-1 0 0,0 1 1 0 0,1 1-1 0 0,0 1 1 0 0,1 1 0 0 0,-1 1-1 0 0,2 1 1 0 0,-1 1-1 0 0,1 1 1 0 0,1 1-1 0 0,0 1 1 0 0,-34 30-1 0 0,33-23 13 0 0,1 2 0 0 0,1 0-1 0 0,1 1 1 0 0,1 1 0 0 0,1 1-1 0 0,2 1 1 0 0,0 0 0 0 0,2 1-1 0 0,-15 41 1 0 0,14-26-11 0 0,2 0 0 0 0,1 1 0 0 0,3 0 0 0 0,2 1-1 0 0,1 0 1 0 0,1 87 0 0 0,6-109-15 0 0,0-1 0 0 0,1 1 0 0 0,2-1 0 0 0,0 0-1 0 0,1 0 1 0 0,1 0 0 0 0,1-1 0 0 0,1 0 0 0 0,1 0 0 0 0,1-1 0 0 0,1 0 0 0 0,1-1 0 0 0,0 0-1 0 0,1-1 1 0 0,29 30 0 0 0,-28-36-53 0 0,1-1 1 0 0,0 0-1 0 0,1-1 0 0 0,0 0 0 0 0,0-2 0 0 0,1 0 0 0 0,0 0 1 0 0,1-2-1 0 0,0 0 0 0 0,0-1 0 0 0,0-1 0 0 0,0-1 1 0 0,1-1-1 0 0,-1 0 0 0 0,38-2 0 0 0,-5-3-329 0 0,-1-2-1 0 0,0-3 1 0 0,0-2-1 0 0,77-25 1 0 0,-13-8-2115 0 0,-2-5 1 0 0,-2-5 0 0 0,122-79 0 0 0,-101 54-401 0 0</inkml:trace>
+</inkml:ink>
+</file>
+
+<file path=ppt/ink/ink9.xml><?xml version="1.0" encoding="utf-8"?>
+<inkml:ink xmlns:inkml="http://www.w3.org/2003/InkML">
+  <inkml:definitions>
+    <inkml:context xml:id="ctx0">
+      <inkml:inkSource xml:id="inkSrc0">
+        <inkml:traceFormat>
+          <inkml:channel name="X" type="integer" min="-2.14748E9" max="2.14748E9" units="cm"/>
+          <inkml:channel name="Y" type="integer" min="-2.14748E9" max="2.14748E9" units="cm"/>
+          <inkml:channel name="F" type="integer" max="32767" units="dev"/>
+          <inkml:channel name="OA" type="integer" max="360" units="deg"/>
+          <inkml:channel name="OE" type="integer" max="90" units="deg"/>
+        </inkml:traceFormat>
+        <inkml:channelProperties>
+          <inkml:channelProperty channel="X" name="resolution" value="1000" units="1/cm"/>
+          <inkml:channelProperty channel="Y" name="resolution" value="1000" units="1/cm"/>
+          <inkml:channelProperty channel="F" name="resolution" value="0" units="1/dev"/>
+          <inkml:channelProperty channel="OA" name="resolution" value="1000" units="1/deg"/>
+          <inkml:channelProperty channel="OE" name="resolution" value="1000" units="1/deg"/>
+        </inkml:channelProperties>
+      </inkml:inkSource>
+      <inkml:timestamp xml:id="ts0" timeString="2025-11-13T04:08:05.877"/>
+    </inkml:context>
+    <inkml:brush xml:id="br0">
+      <inkml:brushProperty name="width" value="0.035" units="cm"/>
+      <inkml:brushProperty name="height" value="0.035" units="cm"/>
+      <inkml:brushProperty name="color" value="#E71224"/>
+    </inkml:brush>
+  </inkml:definitions>
+  <inkml:trace contextRef="#ctx0" brushRef="#br0">0 170 3332 0 0,'13'-21'1532'0'0,"2"4"-199"0"0,0 0-193 0 0,2 2-252 0 0,2 1-116 0 0,0-3-104 0 0,4 4-84 0 0,0 1-188 0 0,1 1-52 0 0,-1-1-300 0 0,2 5-324 0 0,-1 3-380 0 0,1-2-736 0 0,-4 3-1120 0 0,19 3-237 0 0</inkml:trace>
+</inkml:ink>
+</file>
+
 <file path=ppt/notesMasters/notesMaster1.xml><?xml version="1.0" encoding="utf-8"?>
 <p:notesMaster xmlns:a="http://schemas.openxmlformats.org/drawingml/2006/main" xmlns:r="http://schemas.openxmlformats.org/officeDocument/2006/relationships" xmlns:p="http://schemas.openxmlformats.org/presentationml/2006/main">
   <p:cSld>
@@ -403,7 +3256,7 @@
                 <a:ea typeface="+mn-ea"/>
                 <a:cs typeface="+mn-cs"/>
               </a:rPr>
-              <a:t>2/26/2025</a:t>
+              <a:t>11/13/2025</a:t>
             </a:fld>
             <a:endParaRPr kumimoji="0" lang="en-US" sz="1200" b="0" i="0" u="none" strike="noStrike" kern="1200" cap="none" spc="0" normalizeH="0" baseline="0" noProof="0">
               <a:ln>
@@ -3394,7 +6247,7 @@
                 <a:ea typeface="+mn-ea"/>
                 <a:cs typeface="+mn-cs"/>
               </a:rPr>
-              <a:t>2/26/2025</a:t>
+              <a:t>11/13/2025</a:t>
             </a:fld>
             <a:endParaRPr kumimoji="0" lang="en-US" sz="1200" b="0" i="0" u="none" strike="noStrike" kern="1200" cap="none" spc="0" normalizeH="0" baseline="0" noProof="0">
               <a:ln>
@@ -3644,7 +6497,7 @@
                 <a:ea typeface="+mn-ea"/>
                 <a:cs typeface="+mn-cs"/>
               </a:rPr>
-              <a:t>2/26/2025</a:t>
+              <a:t>11/13/2025</a:t>
             </a:fld>
             <a:endParaRPr kumimoji="0" lang="en-US" sz="1200" b="0" i="0" u="none" strike="noStrike" kern="1200" cap="none" spc="0" normalizeH="0" baseline="0" noProof="0">
               <a:ln>
@@ -3904,7 +6757,7 @@
                 <a:ea typeface="+mn-ea"/>
                 <a:cs typeface="+mn-cs"/>
               </a:rPr>
-              <a:t>2/26/2025</a:t>
+              <a:t>11/13/2025</a:t>
             </a:fld>
             <a:endParaRPr kumimoji="0" lang="en-US" sz="1200" b="0" i="0" u="none" strike="noStrike" kern="1200" cap="none" spc="0" normalizeH="0" baseline="0" noProof="0">
               <a:ln>
@@ -4161,7 +7014,7 @@
                 <a:ea typeface="+mn-ea"/>
                 <a:cs typeface="+mn-cs"/>
               </a:rPr>
-              <a:t>2/26/2025</a:t>
+              <a:t>11/13/2025</a:t>
             </a:fld>
             <a:endParaRPr kumimoji="0" lang="en-US" sz="1200" b="0" i="0" u="none" strike="noStrike" kern="1200" cap="none" spc="0" normalizeH="0" baseline="0" noProof="0">
               <a:ln>
@@ -4446,7 +7299,7 @@
                 <a:ea typeface="+mn-ea"/>
                 <a:cs typeface="+mn-cs"/>
               </a:rPr>
-              <a:t>2/26/2025</a:t>
+              <a:t>11/13/2025</a:t>
             </a:fld>
             <a:endParaRPr kumimoji="0" lang="en-US" sz="1200" b="0" i="0" u="none" strike="noStrike" kern="1200" cap="none" spc="0" normalizeH="0" baseline="0" noProof="0">
               <a:ln>
@@ -4773,7 +7626,7 @@
                 <a:ea typeface="+mn-ea"/>
                 <a:cs typeface="+mn-cs"/>
               </a:rPr>
-              <a:t>2/26/2025</a:t>
+              <a:t>11/13/2025</a:t>
             </a:fld>
             <a:endParaRPr kumimoji="0" lang="en-US" sz="1200" b="0" i="0" u="none" strike="noStrike" kern="1200" cap="none" spc="0" normalizeH="0" baseline="0" noProof="0">
               <a:ln>
@@ -5140,7 +7993,7 @@
                 <a:ea typeface="+mn-ea"/>
                 <a:cs typeface="+mn-cs"/>
               </a:rPr>
-              <a:t>2/26/2025</a:t>
+              <a:t>11/13/2025</a:t>
             </a:fld>
             <a:endParaRPr kumimoji="0" lang="en-US" sz="1200" b="0" i="0" u="none" strike="noStrike" kern="1200" cap="none" spc="0" normalizeH="0" baseline="0" noProof="0">
               <a:ln>
@@ -5641,7 +8494,7 @@
                 <a:ea typeface="+mn-ea"/>
                 <a:cs typeface="+mn-cs"/>
               </a:rPr>
-              <a:t>2/26/2025</a:t>
+              <a:t>11/13/2025</a:t>
             </a:fld>
             <a:endParaRPr kumimoji="0" lang="en-US" sz="1200" b="0" i="0" u="none" strike="noStrike" kern="1200" cap="none" spc="0" normalizeH="0" baseline="0" noProof="0">
               <a:ln>
@@ -5840,7 +8693,7 @@
                 <a:ea typeface="+mn-ea"/>
                 <a:cs typeface="+mn-cs"/>
               </a:rPr>
-              <a:t>2/26/2025</a:t>
+              <a:t>11/13/2025</a:t>
             </a:fld>
             <a:endParaRPr kumimoji="0" lang="en-US" sz="1200" b="0" i="0" u="none" strike="noStrike" kern="1200" cap="none" spc="0" normalizeH="0" baseline="0" noProof="0">
               <a:ln>
@@ -6017,7 +8870,7 @@
                 <a:ea typeface="+mn-ea"/>
                 <a:cs typeface="+mn-cs"/>
               </a:rPr>
-              <a:t>2/26/2025</a:t>
+              <a:t>11/13/2025</a:t>
             </a:fld>
             <a:endParaRPr kumimoji="0" lang="en-US" sz="1200" b="0" i="0" u="none" strike="noStrike" kern="1200" cap="none" spc="0" normalizeH="0" baseline="0" noProof="0">
               <a:ln>
@@ -6374,7 +9227,7 @@
                 <a:ea typeface="+mn-ea"/>
                 <a:cs typeface="+mn-cs"/>
               </a:rPr>
-              <a:t>2/26/2025</a:t>
+              <a:t>11/13/2025</a:t>
             </a:fld>
             <a:endParaRPr kumimoji="0" lang="en-US" sz="1200" b="0" i="0" u="none" strike="noStrike" kern="1200" cap="none" spc="0" normalizeH="0" baseline="0" noProof="0">
               <a:ln>
@@ -6739,7 +9592,7 @@
                 <a:ea typeface="+mn-ea"/>
                 <a:cs typeface="+mn-cs"/>
               </a:rPr>
-              <a:t>2/26/2025</a:t>
+              <a:t>11/13/2025</a:t>
             </a:fld>
             <a:endParaRPr kumimoji="0" lang="en-US" sz="1200" b="0" i="0" u="none" strike="noStrike" kern="1200" cap="none" spc="0" normalizeH="0" baseline="0" noProof="0">
               <a:ln>
@@ -7038,7 +9891,7 @@
                 <a:ea typeface="+mn-ea"/>
                 <a:cs typeface="+mn-cs"/>
               </a:rPr>
-              <a:t>2/26/2025</a:t>
+              <a:t>11/13/2025</a:t>
             </a:fld>
             <a:endParaRPr kumimoji="0" lang="en-US" sz="1200" b="0" i="0" u="none" strike="noStrike" kern="1200" cap="none" spc="0" normalizeH="0" baseline="0" noProof="0">
               <a:ln>
@@ -11285,12 +14138,12 @@
           <a:graphicData uri="http://schemas.openxmlformats.org/presentationml/2006/ole">
             <mc:AlternateContent xmlns:mc="http://schemas.openxmlformats.org/markup-compatibility/2006">
               <mc:Choice xmlns:v="urn:schemas-microsoft-com:vml" Requires="v">
-                <p:oleObj spid="_x0000_s3102" r:id="rId3" imgW="114300" imgH="215265" progId="Equation.3">
+                <p:oleObj r:id="rId2" imgW="114300" imgH="215265" progId="Equation.3">
                   <p:embed/>
                 </p:oleObj>
               </mc:Choice>
               <mc:Fallback>
-                <p:oleObj r:id="rId3" imgW="114300" imgH="215265" progId="Equation.3">
+                <p:oleObj r:id="rId2" imgW="114300" imgH="215265" progId="Equation.3">
                   <p:embed/>
                   <p:pic>
                     <p:nvPicPr>
@@ -11299,7 +14152,7 @@
                       <p:nvPr/>
                     </p:nvPicPr>
                     <p:blipFill>
-                      <a:blip r:embed="rId4"/>
+                      <a:blip r:embed="rId3"/>
                       <a:stretch>
                         <a:fillRect/>
                       </a:stretch>
@@ -19129,12 +21982,12 @@
           <a:graphicData uri="http://schemas.openxmlformats.org/presentationml/2006/ole">
             <mc:AlternateContent xmlns:mc="http://schemas.openxmlformats.org/markup-compatibility/2006">
               <mc:Choice xmlns:v="urn:schemas-microsoft-com:vml" Requires="v">
-                <p:oleObj spid="_x0000_s4121" r:id="rId4" imgW="114300" imgH="215265" progId="Equation.3">
+                <p:oleObj r:id="rId3" imgW="114300" imgH="215265" progId="Equation.3">
                   <p:embed/>
                 </p:oleObj>
               </mc:Choice>
               <mc:Fallback>
-                <p:oleObj r:id="rId4" imgW="114300" imgH="215265" progId="Equation.3">
+                <p:oleObj r:id="rId3" imgW="114300" imgH="215265" progId="Equation.3">
                   <p:embed/>
                   <p:pic>
                     <p:nvPicPr>
@@ -19143,7 +21996,7 @@
                       <p:nvPr/>
                     </p:nvPicPr>
                     <p:blipFill>
-                      <a:blip r:embed="rId5"/>
+                      <a:blip r:embed="rId4"/>
                       <a:stretch>
                         <a:fillRect/>
                       </a:stretch>
@@ -19435,7 +22288,7 @@
             <a:r>
               <a:rPr lang="en-US" altLang="en-US" sz="2000" b="1" dirty="0">
                 <a:latin typeface="Arial" panose="020B0604020202020204" pitchFamily="34" charset="0"/>
-                <a:hlinkClick r:id="rId6" tooltip="Cryptography"/>
+                <a:hlinkClick r:id="rId5" tooltip="Cryptography"/>
               </a:rPr>
               <a:t>cryptographic</a:t>
             </a:r>
@@ -19454,7 +22307,7 @@
             <a:r>
               <a:rPr lang="en-US" altLang="en-US" sz="2000" dirty="0">
                 <a:latin typeface="Arial" panose="020B0604020202020204" pitchFamily="34" charset="0"/>
-                <a:hlinkClick r:id="rId7" tooltip="Hash function"/>
+                <a:hlinkClick r:id="rId6" tooltip="Hash function"/>
               </a:rPr>
               <a:t>hash function</a:t>
             </a:r>
@@ -19584,7 +22437,7 @@
             <a:r>
               <a:rPr lang="en-US" altLang="en-US" sz="2000" dirty="0">
                 <a:latin typeface="Arial" panose="020B0604020202020204" pitchFamily="34" charset="0"/>
-                <a:hlinkClick r:id="rId8" tooltip="Computational complexity theory"/>
+                <a:hlinkClick r:id="rId7" tooltip="Computational complexity theory"/>
               </a:rPr>
               <a:t>extremely computationally difficult</a:t>
             </a:r>
@@ -19627,7 +22480,7 @@
             <a:r>
               <a:rPr lang="en-US" altLang="en-US" sz="2000" dirty="0">
                 <a:latin typeface="Arial" panose="020B0604020202020204" pitchFamily="34" charset="0"/>
-                <a:hlinkClick r:id="rId6" tooltip="Cryptography"/>
+                <a:hlinkClick r:id="rId5" tooltip="Cryptography"/>
               </a:rPr>
               <a:t>cryptography</a:t>
             </a:r>
@@ -19640,7 +22493,7 @@
             <a:r>
               <a:rPr lang="en-US" altLang="en-US" sz="2000" dirty="0">
                 <a:latin typeface="Arial" panose="020B0604020202020204" pitchFamily="34" charset="0"/>
-                <a:hlinkClick r:id="rId9" tooltip="Data integrity"/>
+                <a:hlinkClick r:id="rId8" tooltip="Data integrity"/>
               </a:rPr>
               <a:t>message integrity</a:t>
             </a:r>
@@ -19653,7 +22506,7 @@
             <a:r>
               <a:rPr lang="en-US" altLang="en-US" sz="2000" dirty="0">
                 <a:latin typeface="Arial" panose="020B0604020202020204" pitchFamily="34" charset="0"/>
-                <a:hlinkClick r:id="rId10" tooltip="Digital signature"/>
+                <a:hlinkClick r:id="rId9" tooltip="Digital signature"/>
               </a:rPr>
               <a:t>digital signatures</a:t>
             </a:r>
@@ -19666,7 +22519,7 @@
             <a:r>
               <a:rPr lang="en-US" altLang="en-US" sz="2000" dirty="0">
                 <a:latin typeface="Arial" panose="020B0604020202020204" pitchFamily="34" charset="0"/>
-                <a:hlinkClick r:id="rId11" tooltip="Authentication"/>
+                <a:hlinkClick r:id="rId10" tooltip="Authentication"/>
               </a:rPr>
               <a:t>authentication</a:t>
             </a:r>
@@ -19679,7 +22532,7 @@
             <a:r>
               <a:rPr lang="en-US" altLang="en-US" sz="2000" dirty="0">
                 <a:latin typeface="Arial" panose="020B0604020202020204" pitchFamily="34" charset="0"/>
-                <a:hlinkClick r:id="rId12" tooltip="Information security"/>
+                <a:hlinkClick r:id="rId11" tooltip="Information security"/>
               </a:rPr>
               <a:t>information security</a:t>
             </a:r>
@@ -19719,7 +22572,7 @@
             <a:r>
               <a:rPr lang="en-US" altLang="en-US" sz="2000" dirty="0">
                 <a:latin typeface="Arial" panose="020B0604020202020204" pitchFamily="34" charset="0"/>
-                <a:hlinkClick r:id="rId13"/>
+                <a:hlinkClick r:id="rId12"/>
               </a:rPr>
               <a:t>MD5</a:t>
             </a:r>
@@ -27010,6 +29863,3564 @@
           </a:prstGeom>
         </p:spPr>
       </p:pic>
+      <p:grpSp>
+        <p:nvGrpSpPr>
+          <p:cNvPr id="30" name="Group 29">
+            <a:extLst>
+              <a:ext uri="{FF2B5EF4-FFF2-40B4-BE49-F238E27FC236}">
+                <a16:creationId xmlns:a16="http://schemas.microsoft.com/office/drawing/2014/main" id="{7373B5F9-A578-7B2B-5B47-69EAE37A7FDB}"/>
+              </a:ext>
+            </a:extLst>
+          </p:cNvPr>
+          <p:cNvGrpSpPr/>
+          <p:nvPr/>
+        </p:nvGrpSpPr>
+        <p:grpSpPr>
+          <a:xfrm>
+            <a:off x="1603150" y="1729070"/>
+            <a:ext cx="727920" cy="202680"/>
+            <a:chOff x="1603150" y="1729070"/>
+            <a:chExt cx="727920" cy="202680"/>
+          </a:xfrm>
+        </p:grpSpPr>
+        <mc:AlternateContent xmlns:mc="http://schemas.openxmlformats.org/markup-compatibility/2006">
+          <mc:Choice xmlns:p14="http://schemas.microsoft.com/office/powerpoint/2010/main" Requires="p14">
+            <p:contentPart p14:bwMode="auto" r:id="rId4">
+              <p14:nvContentPartPr>
+                <p14:cNvPr id="10" name="Ink 9">
+                  <a:extLst>
+                    <a:ext uri="{FF2B5EF4-FFF2-40B4-BE49-F238E27FC236}">
+                      <a16:creationId xmlns:a16="http://schemas.microsoft.com/office/drawing/2014/main" id="{6FD27F71-7C5F-6F00-5672-FC64E796A7AC}"/>
+                    </a:ext>
+                  </a:extLst>
+                </p14:cNvPr>
+                <p14:cNvContentPartPr/>
+                <p14:nvPr/>
+              </p14:nvContentPartPr>
+              <p14:xfrm>
+                <a:off x="1603150" y="1816190"/>
+                <a:ext cx="111600" cy="61560"/>
+              </p14:xfrm>
+            </p:contentPart>
+          </mc:Choice>
+          <mc:Fallback>
+            <p:pic>
+              <p:nvPicPr>
+                <p:cNvPr id="10" name="Ink 9">
+                  <a:extLst>
+                    <a:ext uri="{FF2B5EF4-FFF2-40B4-BE49-F238E27FC236}">
+                      <a16:creationId xmlns:a16="http://schemas.microsoft.com/office/drawing/2014/main" id="{6FD27F71-7C5F-6F00-5672-FC64E796A7AC}"/>
+                    </a:ext>
+                  </a:extLst>
+                </p:cNvPr>
+                <p:cNvPicPr/>
+                <p:nvPr/>
+              </p:nvPicPr>
+              <p:blipFill>
+                <a:blip r:embed="rId5"/>
+                <a:stretch>
+                  <a:fillRect/>
+                </a:stretch>
+              </p:blipFill>
+              <p:spPr>
+                <a:xfrm>
+                  <a:off x="1597030" y="1810070"/>
+                  <a:ext cx="123840" cy="73800"/>
+                </a:xfrm>
+                <a:prstGeom prst="rect">
+                  <a:avLst/>
+                </a:prstGeom>
+              </p:spPr>
+            </p:pic>
+          </mc:Fallback>
+        </mc:AlternateContent>
+        <mc:AlternateContent xmlns:mc="http://schemas.openxmlformats.org/markup-compatibility/2006">
+          <mc:Choice xmlns:p14="http://schemas.microsoft.com/office/powerpoint/2010/main" Requires="p14">
+            <p:contentPart p14:bwMode="auto" r:id="rId6">
+              <p14:nvContentPartPr>
+                <p14:cNvPr id="11" name="Ink 10">
+                  <a:extLst>
+                    <a:ext uri="{FF2B5EF4-FFF2-40B4-BE49-F238E27FC236}">
+                      <a16:creationId xmlns:a16="http://schemas.microsoft.com/office/drawing/2014/main" id="{2AB4B291-7AF3-FC52-B4AA-6C1FFC5537B0}"/>
+                    </a:ext>
+                  </a:extLst>
+                </p14:cNvPr>
+                <p14:cNvContentPartPr/>
+                <p14:nvPr/>
+              </p14:nvContentPartPr>
+              <p14:xfrm>
+                <a:off x="1819510" y="1729070"/>
+                <a:ext cx="114840" cy="202320"/>
+              </p14:xfrm>
+            </p:contentPart>
+          </mc:Choice>
+          <mc:Fallback>
+            <p:pic>
+              <p:nvPicPr>
+                <p:cNvPr id="11" name="Ink 10">
+                  <a:extLst>
+                    <a:ext uri="{FF2B5EF4-FFF2-40B4-BE49-F238E27FC236}">
+                      <a16:creationId xmlns:a16="http://schemas.microsoft.com/office/drawing/2014/main" id="{2AB4B291-7AF3-FC52-B4AA-6C1FFC5537B0}"/>
+                    </a:ext>
+                  </a:extLst>
+                </p:cNvPr>
+                <p:cNvPicPr/>
+                <p:nvPr/>
+              </p:nvPicPr>
+              <p:blipFill>
+                <a:blip r:embed="rId7"/>
+                <a:stretch>
+                  <a:fillRect/>
+                </a:stretch>
+              </p:blipFill>
+              <p:spPr>
+                <a:xfrm>
+                  <a:off x="1813390" y="1722950"/>
+                  <a:ext cx="127080" cy="214560"/>
+                </a:xfrm>
+                <a:prstGeom prst="rect">
+                  <a:avLst/>
+                </a:prstGeom>
+              </p:spPr>
+            </p:pic>
+          </mc:Fallback>
+        </mc:AlternateContent>
+        <mc:AlternateContent xmlns:mc="http://schemas.openxmlformats.org/markup-compatibility/2006">
+          <mc:Choice xmlns:p14="http://schemas.microsoft.com/office/powerpoint/2010/main" Requires="p14">
+            <p:contentPart p14:bwMode="auto" r:id="rId8">
+              <p14:nvContentPartPr>
+                <p14:cNvPr id="12" name="Ink 11">
+                  <a:extLst>
+                    <a:ext uri="{FF2B5EF4-FFF2-40B4-BE49-F238E27FC236}">
+                      <a16:creationId xmlns:a16="http://schemas.microsoft.com/office/drawing/2014/main" id="{CAABEAEE-74AA-61B9-EBA1-140AD7784579}"/>
+                    </a:ext>
+                  </a:extLst>
+                </p14:cNvPr>
+                <p14:cNvContentPartPr/>
+                <p14:nvPr/>
+              </p14:nvContentPartPr>
+              <p14:xfrm>
+                <a:off x="1998430" y="1762190"/>
+                <a:ext cx="78120" cy="149400"/>
+              </p14:xfrm>
+            </p:contentPart>
+          </mc:Choice>
+          <mc:Fallback>
+            <p:pic>
+              <p:nvPicPr>
+                <p:cNvPr id="12" name="Ink 11">
+                  <a:extLst>
+                    <a:ext uri="{FF2B5EF4-FFF2-40B4-BE49-F238E27FC236}">
+                      <a16:creationId xmlns:a16="http://schemas.microsoft.com/office/drawing/2014/main" id="{CAABEAEE-74AA-61B9-EBA1-140AD7784579}"/>
+                    </a:ext>
+                  </a:extLst>
+                </p:cNvPr>
+                <p:cNvPicPr/>
+                <p:nvPr/>
+              </p:nvPicPr>
+              <p:blipFill>
+                <a:blip r:embed="rId9"/>
+                <a:stretch>
+                  <a:fillRect/>
+                </a:stretch>
+              </p:blipFill>
+              <p:spPr>
+                <a:xfrm>
+                  <a:off x="1992310" y="1756070"/>
+                  <a:ext cx="90360" cy="161640"/>
+                </a:xfrm>
+                <a:prstGeom prst="rect">
+                  <a:avLst/>
+                </a:prstGeom>
+              </p:spPr>
+            </p:pic>
+          </mc:Fallback>
+        </mc:AlternateContent>
+        <mc:AlternateContent xmlns:mc="http://schemas.openxmlformats.org/markup-compatibility/2006">
+          <mc:Choice xmlns:p14="http://schemas.microsoft.com/office/powerpoint/2010/main" Requires="p14">
+            <p:contentPart p14:bwMode="auto" r:id="rId10">
+              <p14:nvContentPartPr>
+                <p14:cNvPr id="13" name="Ink 12">
+                  <a:extLst>
+                    <a:ext uri="{FF2B5EF4-FFF2-40B4-BE49-F238E27FC236}">
+                      <a16:creationId xmlns:a16="http://schemas.microsoft.com/office/drawing/2014/main" id="{34F743DA-74F2-484D-7EAE-E74C043EF3EF}"/>
+                    </a:ext>
+                  </a:extLst>
+                </p14:cNvPr>
+                <p14:cNvContentPartPr/>
+                <p14:nvPr/>
+              </p14:nvContentPartPr>
+              <p14:xfrm>
+                <a:off x="2000950" y="1756430"/>
+                <a:ext cx="132120" cy="47160"/>
+              </p14:xfrm>
+            </p:contentPart>
+          </mc:Choice>
+          <mc:Fallback>
+            <p:pic>
+              <p:nvPicPr>
+                <p:cNvPr id="13" name="Ink 12">
+                  <a:extLst>
+                    <a:ext uri="{FF2B5EF4-FFF2-40B4-BE49-F238E27FC236}">
+                      <a16:creationId xmlns:a16="http://schemas.microsoft.com/office/drawing/2014/main" id="{34F743DA-74F2-484D-7EAE-E74C043EF3EF}"/>
+                    </a:ext>
+                  </a:extLst>
+                </p:cNvPr>
+                <p:cNvPicPr/>
+                <p:nvPr/>
+              </p:nvPicPr>
+              <p:blipFill>
+                <a:blip r:embed="rId11"/>
+                <a:stretch>
+                  <a:fillRect/>
+                </a:stretch>
+              </p:blipFill>
+              <p:spPr>
+                <a:xfrm>
+                  <a:off x="1994830" y="1750310"/>
+                  <a:ext cx="144360" cy="59400"/>
+                </a:xfrm>
+                <a:prstGeom prst="rect">
+                  <a:avLst/>
+                </a:prstGeom>
+              </p:spPr>
+            </p:pic>
+          </mc:Fallback>
+        </mc:AlternateContent>
+        <mc:AlternateContent xmlns:mc="http://schemas.openxmlformats.org/markup-compatibility/2006">
+          <mc:Choice xmlns:p14="http://schemas.microsoft.com/office/powerpoint/2010/main" Requires="p14">
+            <p:contentPart p14:bwMode="auto" r:id="rId12">
+              <p14:nvContentPartPr>
+                <p14:cNvPr id="14" name="Ink 13">
+                  <a:extLst>
+                    <a:ext uri="{FF2B5EF4-FFF2-40B4-BE49-F238E27FC236}">
+                      <a16:creationId xmlns:a16="http://schemas.microsoft.com/office/drawing/2014/main" id="{9C882112-C62D-DDAF-81DD-E6BA1EED8147}"/>
+                    </a:ext>
+                  </a:extLst>
+                </p14:cNvPr>
+                <p14:cNvContentPartPr/>
+                <p14:nvPr/>
+              </p14:nvContentPartPr>
+              <p14:xfrm>
+                <a:off x="2236390" y="1816910"/>
+                <a:ext cx="94680" cy="114840"/>
+              </p14:xfrm>
+            </p:contentPart>
+          </mc:Choice>
+          <mc:Fallback>
+            <p:pic>
+              <p:nvPicPr>
+                <p:cNvPr id="14" name="Ink 13">
+                  <a:extLst>
+                    <a:ext uri="{FF2B5EF4-FFF2-40B4-BE49-F238E27FC236}">
+                      <a16:creationId xmlns:a16="http://schemas.microsoft.com/office/drawing/2014/main" id="{9C882112-C62D-DDAF-81DD-E6BA1EED8147}"/>
+                    </a:ext>
+                  </a:extLst>
+                </p:cNvPr>
+                <p:cNvPicPr/>
+                <p:nvPr/>
+              </p:nvPicPr>
+              <p:blipFill>
+                <a:blip r:embed="rId13"/>
+                <a:stretch>
+                  <a:fillRect/>
+                </a:stretch>
+              </p:blipFill>
+              <p:spPr>
+                <a:xfrm>
+                  <a:off x="2230270" y="1810790"/>
+                  <a:ext cx="106920" cy="127080"/>
+                </a:xfrm>
+                <a:prstGeom prst="rect">
+                  <a:avLst/>
+                </a:prstGeom>
+              </p:spPr>
+            </p:pic>
+          </mc:Fallback>
+        </mc:AlternateContent>
+      </p:grpSp>
+      <p:grpSp>
+        <p:nvGrpSpPr>
+          <p:cNvPr id="29" name="Group 28">
+            <a:extLst>
+              <a:ext uri="{FF2B5EF4-FFF2-40B4-BE49-F238E27FC236}">
+                <a16:creationId xmlns:a16="http://schemas.microsoft.com/office/drawing/2014/main" id="{4DF94698-BE73-75A6-A66F-37C28679756F}"/>
+              </a:ext>
+            </a:extLst>
+          </p:cNvPr>
+          <p:cNvGrpSpPr/>
+          <p:nvPr/>
+        </p:nvGrpSpPr>
+        <p:grpSpPr>
+          <a:xfrm>
+            <a:off x="988630" y="1663190"/>
+            <a:ext cx="432720" cy="313920"/>
+            <a:chOff x="988630" y="1663190"/>
+            <a:chExt cx="432720" cy="313920"/>
+          </a:xfrm>
+        </p:grpSpPr>
+        <mc:AlternateContent xmlns:mc="http://schemas.openxmlformats.org/markup-compatibility/2006">
+          <mc:Choice xmlns:p14="http://schemas.microsoft.com/office/powerpoint/2010/main" Requires="p14">
+            <p:contentPart p14:bwMode="auto" r:id="rId14">
+              <p14:nvContentPartPr>
+                <p14:cNvPr id="3" name="Ink 2">
+                  <a:extLst>
+                    <a:ext uri="{FF2B5EF4-FFF2-40B4-BE49-F238E27FC236}">
+                      <a16:creationId xmlns:a16="http://schemas.microsoft.com/office/drawing/2014/main" id="{72AEBC0B-E461-70E7-65DE-5BC21266BC74}"/>
+                    </a:ext>
+                  </a:extLst>
+                </p14:cNvPr>
+                <p14:cNvContentPartPr/>
+                <p14:nvPr/>
+              </p14:nvContentPartPr>
+              <p14:xfrm>
+                <a:off x="1102750" y="1746710"/>
+                <a:ext cx="115920" cy="151920"/>
+              </p14:xfrm>
+            </p:contentPart>
+          </mc:Choice>
+          <mc:Fallback>
+            <p:pic>
+              <p:nvPicPr>
+                <p:cNvPr id="3" name="Ink 2">
+                  <a:extLst>
+                    <a:ext uri="{FF2B5EF4-FFF2-40B4-BE49-F238E27FC236}">
+                      <a16:creationId xmlns:a16="http://schemas.microsoft.com/office/drawing/2014/main" id="{72AEBC0B-E461-70E7-65DE-5BC21266BC74}"/>
+                    </a:ext>
+                  </a:extLst>
+                </p:cNvPr>
+                <p:cNvPicPr/>
+                <p:nvPr/>
+              </p:nvPicPr>
+              <p:blipFill>
+                <a:blip r:embed="rId15"/>
+                <a:stretch>
+                  <a:fillRect/>
+                </a:stretch>
+              </p:blipFill>
+              <p:spPr>
+                <a:xfrm>
+                  <a:off x="1096630" y="1740590"/>
+                  <a:ext cx="128160" cy="164160"/>
+                </a:xfrm>
+                <a:prstGeom prst="rect">
+                  <a:avLst/>
+                </a:prstGeom>
+              </p:spPr>
+            </p:pic>
+          </mc:Fallback>
+        </mc:AlternateContent>
+        <mc:AlternateContent xmlns:mc="http://schemas.openxmlformats.org/markup-compatibility/2006">
+          <mc:Choice xmlns:p14="http://schemas.microsoft.com/office/powerpoint/2010/main" Requires="p14">
+            <p:contentPart p14:bwMode="auto" r:id="rId16">
+              <p14:nvContentPartPr>
+                <p14:cNvPr id="7" name="Ink 6">
+                  <a:extLst>
+                    <a:ext uri="{FF2B5EF4-FFF2-40B4-BE49-F238E27FC236}">
+                      <a16:creationId xmlns:a16="http://schemas.microsoft.com/office/drawing/2014/main" id="{1FC3640C-EFF0-E722-28A5-9022F5F46E7C}"/>
+                    </a:ext>
+                  </a:extLst>
+                </p14:cNvPr>
+                <p14:cNvContentPartPr/>
+                <p14:nvPr/>
+              </p14:nvContentPartPr>
+              <p14:xfrm>
+                <a:off x="1179430" y="1804310"/>
+                <a:ext cx="29160" cy="130680"/>
+              </p14:xfrm>
+            </p:contentPart>
+          </mc:Choice>
+          <mc:Fallback>
+            <p:pic>
+              <p:nvPicPr>
+                <p:cNvPr id="7" name="Ink 6">
+                  <a:extLst>
+                    <a:ext uri="{FF2B5EF4-FFF2-40B4-BE49-F238E27FC236}">
+                      <a16:creationId xmlns:a16="http://schemas.microsoft.com/office/drawing/2014/main" id="{1FC3640C-EFF0-E722-28A5-9022F5F46E7C}"/>
+                    </a:ext>
+                  </a:extLst>
+                </p:cNvPr>
+                <p:cNvPicPr/>
+                <p:nvPr/>
+              </p:nvPicPr>
+              <p:blipFill>
+                <a:blip r:embed="rId17"/>
+                <a:stretch>
+                  <a:fillRect/>
+                </a:stretch>
+              </p:blipFill>
+              <p:spPr>
+                <a:xfrm>
+                  <a:off x="1173310" y="1798190"/>
+                  <a:ext cx="41400" cy="142920"/>
+                </a:xfrm>
+                <a:prstGeom prst="rect">
+                  <a:avLst/>
+                </a:prstGeom>
+              </p:spPr>
+            </p:pic>
+          </mc:Fallback>
+        </mc:AlternateContent>
+        <mc:AlternateContent xmlns:mc="http://schemas.openxmlformats.org/markup-compatibility/2006">
+          <mc:Choice xmlns:p14="http://schemas.microsoft.com/office/powerpoint/2010/main" Requires="p14">
+            <p:contentPart p14:bwMode="auto" r:id="rId18">
+              <p14:nvContentPartPr>
+                <p14:cNvPr id="8" name="Ink 7">
+                  <a:extLst>
+                    <a:ext uri="{FF2B5EF4-FFF2-40B4-BE49-F238E27FC236}">
+                      <a16:creationId xmlns:a16="http://schemas.microsoft.com/office/drawing/2014/main" id="{CEFFF08F-EF27-8D07-B5B4-9E69CD71EB99}"/>
+                    </a:ext>
+                  </a:extLst>
+                </p14:cNvPr>
+                <p14:cNvContentPartPr/>
+                <p14:nvPr/>
+              </p14:nvContentPartPr>
+              <p14:xfrm>
+                <a:off x="1286350" y="1772270"/>
+                <a:ext cx="83880" cy="158040"/>
+              </p14:xfrm>
+            </p:contentPart>
+          </mc:Choice>
+          <mc:Fallback>
+            <p:pic>
+              <p:nvPicPr>
+                <p:cNvPr id="8" name="Ink 7">
+                  <a:extLst>
+                    <a:ext uri="{FF2B5EF4-FFF2-40B4-BE49-F238E27FC236}">
+                      <a16:creationId xmlns:a16="http://schemas.microsoft.com/office/drawing/2014/main" id="{CEFFF08F-EF27-8D07-B5B4-9E69CD71EB99}"/>
+                    </a:ext>
+                  </a:extLst>
+                </p:cNvPr>
+                <p:cNvPicPr/>
+                <p:nvPr/>
+              </p:nvPicPr>
+              <p:blipFill>
+                <a:blip r:embed="rId19"/>
+                <a:stretch>
+                  <a:fillRect/>
+                </a:stretch>
+              </p:blipFill>
+              <p:spPr>
+                <a:xfrm>
+                  <a:off x="1280230" y="1766150"/>
+                  <a:ext cx="96120" cy="170280"/>
+                </a:xfrm>
+                <a:prstGeom prst="rect">
+                  <a:avLst/>
+                </a:prstGeom>
+              </p:spPr>
+            </p:pic>
+          </mc:Fallback>
+        </mc:AlternateContent>
+        <mc:AlternateContent xmlns:mc="http://schemas.openxmlformats.org/markup-compatibility/2006">
+          <mc:Choice xmlns:p14="http://schemas.microsoft.com/office/powerpoint/2010/main" Requires="p14">
+            <p:contentPart p14:bwMode="auto" r:id="rId20">
+              <p14:nvContentPartPr>
+                <p14:cNvPr id="9" name="Ink 8">
+                  <a:extLst>
+                    <a:ext uri="{FF2B5EF4-FFF2-40B4-BE49-F238E27FC236}">
+                      <a16:creationId xmlns:a16="http://schemas.microsoft.com/office/drawing/2014/main" id="{BE113ABE-2ACA-437B-0B45-0196D6987E49}"/>
+                    </a:ext>
+                  </a:extLst>
+                </p14:cNvPr>
+                <p14:cNvContentPartPr/>
+                <p14:nvPr/>
+              </p14:nvContentPartPr>
+              <p14:xfrm>
+                <a:off x="1303630" y="1763270"/>
+                <a:ext cx="117720" cy="61560"/>
+              </p14:xfrm>
+            </p:contentPart>
+          </mc:Choice>
+          <mc:Fallback>
+            <p:pic>
+              <p:nvPicPr>
+                <p:cNvPr id="9" name="Ink 8">
+                  <a:extLst>
+                    <a:ext uri="{FF2B5EF4-FFF2-40B4-BE49-F238E27FC236}">
+                      <a16:creationId xmlns:a16="http://schemas.microsoft.com/office/drawing/2014/main" id="{BE113ABE-2ACA-437B-0B45-0196D6987E49}"/>
+                    </a:ext>
+                  </a:extLst>
+                </p:cNvPr>
+                <p:cNvPicPr/>
+                <p:nvPr/>
+              </p:nvPicPr>
+              <p:blipFill>
+                <a:blip r:embed="rId21"/>
+                <a:stretch>
+                  <a:fillRect/>
+                </a:stretch>
+              </p:blipFill>
+              <p:spPr>
+                <a:xfrm>
+                  <a:off x="1297510" y="1757150"/>
+                  <a:ext cx="129960" cy="73800"/>
+                </a:xfrm>
+                <a:prstGeom prst="rect">
+                  <a:avLst/>
+                </a:prstGeom>
+              </p:spPr>
+            </p:pic>
+          </mc:Fallback>
+        </mc:AlternateContent>
+        <mc:AlternateContent xmlns:mc="http://schemas.openxmlformats.org/markup-compatibility/2006">
+          <mc:Choice xmlns:p14="http://schemas.microsoft.com/office/powerpoint/2010/main" Requires="p14">
+            <p:contentPart p14:bwMode="auto" r:id="rId22">
+              <p14:nvContentPartPr>
+                <p14:cNvPr id="21" name="Ink 20">
+                  <a:extLst>
+                    <a:ext uri="{FF2B5EF4-FFF2-40B4-BE49-F238E27FC236}">
+                      <a16:creationId xmlns:a16="http://schemas.microsoft.com/office/drawing/2014/main" id="{BFD5C600-3F65-5CA0-697D-1FA5F082DBD8}"/>
+                    </a:ext>
+                  </a:extLst>
+                </p14:cNvPr>
+                <p14:cNvContentPartPr/>
+                <p14:nvPr/>
+              </p14:nvContentPartPr>
+              <p14:xfrm>
+                <a:off x="988630" y="1663190"/>
+                <a:ext cx="123120" cy="313920"/>
+              </p14:xfrm>
+            </p:contentPart>
+          </mc:Choice>
+          <mc:Fallback>
+            <p:pic>
+              <p:nvPicPr>
+                <p:cNvPr id="21" name="Ink 20">
+                  <a:extLst>
+                    <a:ext uri="{FF2B5EF4-FFF2-40B4-BE49-F238E27FC236}">
+                      <a16:creationId xmlns:a16="http://schemas.microsoft.com/office/drawing/2014/main" id="{BFD5C600-3F65-5CA0-697D-1FA5F082DBD8}"/>
+                    </a:ext>
+                  </a:extLst>
+                </p:cNvPr>
+                <p:cNvPicPr/>
+                <p:nvPr/>
+              </p:nvPicPr>
+              <p:blipFill>
+                <a:blip r:embed="rId23"/>
+                <a:stretch>
+                  <a:fillRect/>
+                </a:stretch>
+              </p:blipFill>
+              <p:spPr>
+                <a:xfrm>
+                  <a:off x="982510" y="1657070"/>
+                  <a:ext cx="135360" cy="326160"/>
+                </a:xfrm>
+                <a:prstGeom prst="rect">
+                  <a:avLst/>
+                </a:prstGeom>
+              </p:spPr>
+            </p:pic>
+          </mc:Fallback>
+        </mc:AlternateContent>
+      </p:grpSp>
+      <p:grpSp>
+        <p:nvGrpSpPr>
+          <p:cNvPr id="28" name="Group 27">
+            <a:extLst>
+              <a:ext uri="{FF2B5EF4-FFF2-40B4-BE49-F238E27FC236}">
+                <a16:creationId xmlns:a16="http://schemas.microsoft.com/office/drawing/2014/main" id="{DAFF27C2-82F0-474E-2831-44606E346699}"/>
+              </a:ext>
+            </a:extLst>
+          </p:cNvPr>
+          <p:cNvGrpSpPr/>
+          <p:nvPr/>
+        </p:nvGrpSpPr>
+        <p:grpSpPr>
+          <a:xfrm>
+            <a:off x="2505670" y="1679390"/>
+            <a:ext cx="1084680" cy="341640"/>
+            <a:chOff x="2505670" y="1679390"/>
+            <a:chExt cx="1084680" cy="341640"/>
+          </a:xfrm>
+        </p:grpSpPr>
+        <mc:AlternateContent xmlns:mc="http://schemas.openxmlformats.org/markup-compatibility/2006">
+          <mc:Choice xmlns:p14="http://schemas.microsoft.com/office/powerpoint/2010/main" Requires="p14">
+            <p:contentPart p14:bwMode="auto" r:id="rId24">
+              <p14:nvContentPartPr>
+                <p14:cNvPr id="15" name="Ink 14">
+                  <a:extLst>
+                    <a:ext uri="{FF2B5EF4-FFF2-40B4-BE49-F238E27FC236}">
+                      <a16:creationId xmlns:a16="http://schemas.microsoft.com/office/drawing/2014/main" id="{8E73FAD0-E537-8BF3-0140-A739C5D7A423}"/>
+                    </a:ext>
+                  </a:extLst>
+                </p14:cNvPr>
+                <p14:cNvContentPartPr/>
+                <p14:nvPr/>
+              </p14:nvContentPartPr>
+              <p14:xfrm>
+                <a:off x="2505670" y="1679390"/>
+                <a:ext cx="117360" cy="264600"/>
+              </p14:xfrm>
+            </p:contentPart>
+          </mc:Choice>
+          <mc:Fallback>
+            <p:pic>
+              <p:nvPicPr>
+                <p:cNvPr id="15" name="Ink 14">
+                  <a:extLst>
+                    <a:ext uri="{FF2B5EF4-FFF2-40B4-BE49-F238E27FC236}">
+                      <a16:creationId xmlns:a16="http://schemas.microsoft.com/office/drawing/2014/main" id="{8E73FAD0-E537-8BF3-0140-A739C5D7A423}"/>
+                    </a:ext>
+                  </a:extLst>
+                </p:cNvPr>
+                <p:cNvPicPr/>
+                <p:nvPr/>
+              </p:nvPicPr>
+              <p:blipFill>
+                <a:blip r:embed="rId25"/>
+                <a:stretch>
+                  <a:fillRect/>
+                </a:stretch>
+              </p:blipFill>
+              <p:spPr>
+                <a:xfrm>
+                  <a:off x="2499550" y="1673270"/>
+                  <a:ext cx="129600" cy="276840"/>
+                </a:xfrm>
+                <a:prstGeom prst="rect">
+                  <a:avLst/>
+                </a:prstGeom>
+              </p:spPr>
+            </p:pic>
+          </mc:Fallback>
+        </mc:AlternateContent>
+        <mc:AlternateContent xmlns:mc="http://schemas.openxmlformats.org/markup-compatibility/2006">
+          <mc:Choice xmlns:p14="http://schemas.microsoft.com/office/powerpoint/2010/main" Requires="p14">
+            <p:contentPart p14:bwMode="auto" r:id="rId26">
+              <p14:nvContentPartPr>
+                <p14:cNvPr id="16" name="Ink 15">
+                  <a:extLst>
+                    <a:ext uri="{FF2B5EF4-FFF2-40B4-BE49-F238E27FC236}">
+                      <a16:creationId xmlns:a16="http://schemas.microsoft.com/office/drawing/2014/main" id="{C7558099-6D13-3B08-D619-7834853B9017}"/>
+                    </a:ext>
+                  </a:extLst>
+                </p14:cNvPr>
+                <p14:cNvContentPartPr/>
+                <p14:nvPr/>
+              </p14:nvContentPartPr>
+              <p14:xfrm>
+                <a:off x="2506030" y="1841390"/>
+                <a:ext cx="129240" cy="70920"/>
+              </p14:xfrm>
+            </p:contentPart>
+          </mc:Choice>
+          <mc:Fallback>
+            <p:pic>
+              <p:nvPicPr>
+                <p:cNvPr id="16" name="Ink 15">
+                  <a:extLst>
+                    <a:ext uri="{FF2B5EF4-FFF2-40B4-BE49-F238E27FC236}">
+                      <a16:creationId xmlns:a16="http://schemas.microsoft.com/office/drawing/2014/main" id="{C7558099-6D13-3B08-D619-7834853B9017}"/>
+                    </a:ext>
+                  </a:extLst>
+                </p:cNvPr>
+                <p:cNvPicPr/>
+                <p:nvPr/>
+              </p:nvPicPr>
+              <p:blipFill>
+                <a:blip r:embed="rId27"/>
+                <a:stretch>
+                  <a:fillRect/>
+                </a:stretch>
+              </p:blipFill>
+              <p:spPr>
+                <a:xfrm>
+                  <a:off x="2499910" y="1835270"/>
+                  <a:ext cx="141480" cy="83160"/>
+                </a:xfrm>
+                <a:prstGeom prst="rect">
+                  <a:avLst/>
+                </a:prstGeom>
+              </p:spPr>
+            </p:pic>
+          </mc:Fallback>
+        </mc:AlternateContent>
+        <mc:AlternateContent xmlns:mc="http://schemas.openxmlformats.org/markup-compatibility/2006">
+          <mc:Choice xmlns:p14="http://schemas.microsoft.com/office/powerpoint/2010/main" Requires="p14">
+            <p:contentPart p14:bwMode="auto" r:id="rId28">
+              <p14:nvContentPartPr>
+                <p14:cNvPr id="17" name="Ink 16">
+                  <a:extLst>
+                    <a:ext uri="{FF2B5EF4-FFF2-40B4-BE49-F238E27FC236}">
+                      <a16:creationId xmlns:a16="http://schemas.microsoft.com/office/drawing/2014/main" id="{A6EACEF7-C4C3-3208-2B7C-6E635BB901E2}"/>
+                    </a:ext>
+                  </a:extLst>
+                </p14:cNvPr>
+                <p14:cNvContentPartPr/>
+                <p14:nvPr/>
+              </p14:nvContentPartPr>
+              <p14:xfrm>
+                <a:off x="2687470" y="1721870"/>
+                <a:ext cx="138960" cy="92520"/>
+              </p14:xfrm>
+            </p:contentPart>
+          </mc:Choice>
+          <mc:Fallback>
+            <p:pic>
+              <p:nvPicPr>
+                <p:cNvPr id="17" name="Ink 16">
+                  <a:extLst>
+                    <a:ext uri="{FF2B5EF4-FFF2-40B4-BE49-F238E27FC236}">
+                      <a16:creationId xmlns:a16="http://schemas.microsoft.com/office/drawing/2014/main" id="{A6EACEF7-C4C3-3208-2B7C-6E635BB901E2}"/>
+                    </a:ext>
+                  </a:extLst>
+                </p:cNvPr>
+                <p:cNvPicPr/>
+                <p:nvPr/>
+              </p:nvPicPr>
+              <p:blipFill>
+                <a:blip r:embed="rId29"/>
+                <a:stretch>
+                  <a:fillRect/>
+                </a:stretch>
+              </p:blipFill>
+              <p:spPr>
+                <a:xfrm>
+                  <a:off x="2681350" y="1715750"/>
+                  <a:ext cx="151200" cy="104760"/>
+                </a:xfrm>
+                <a:prstGeom prst="rect">
+                  <a:avLst/>
+                </a:prstGeom>
+              </p:spPr>
+            </p:pic>
+          </mc:Fallback>
+        </mc:AlternateContent>
+        <mc:AlternateContent xmlns:mc="http://schemas.openxmlformats.org/markup-compatibility/2006">
+          <mc:Choice xmlns:p14="http://schemas.microsoft.com/office/powerpoint/2010/main" Requires="p14">
+            <p:contentPart p14:bwMode="auto" r:id="rId30">
+              <p14:nvContentPartPr>
+                <p14:cNvPr id="18" name="Ink 17">
+                  <a:extLst>
+                    <a:ext uri="{FF2B5EF4-FFF2-40B4-BE49-F238E27FC236}">
+                      <a16:creationId xmlns:a16="http://schemas.microsoft.com/office/drawing/2014/main" id="{BF31A5FB-DD39-8C7B-23F1-80ADD7F4BBC4}"/>
+                    </a:ext>
+                  </a:extLst>
+                </p14:cNvPr>
+                <p14:cNvContentPartPr/>
+                <p14:nvPr/>
+              </p14:nvContentPartPr>
+              <p14:xfrm>
+                <a:off x="2750470" y="1748870"/>
+                <a:ext cx="446040" cy="197280"/>
+              </p14:xfrm>
+            </p:contentPart>
+          </mc:Choice>
+          <mc:Fallback>
+            <p:pic>
+              <p:nvPicPr>
+                <p:cNvPr id="18" name="Ink 17">
+                  <a:extLst>
+                    <a:ext uri="{FF2B5EF4-FFF2-40B4-BE49-F238E27FC236}">
+                      <a16:creationId xmlns:a16="http://schemas.microsoft.com/office/drawing/2014/main" id="{BF31A5FB-DD39-8C7B-23F1-80ADD7F4BBC4}"/>
+                    </a:ext>
+                  </a:extLst>
+                </p:cNvPr>
+                <p:cNvPicPr/>
+                <p:nvPr/>
+              </p:nvPicPr>
+              <p:blipFill>
+                <a:blip r:embed="rId31"/>
+                <a:stretch>
+                  <a:fillRect/>
+                </a:stretch>
+              </p:blipFill>
+              <p:spPr>
+                <a:xfrm>
+                  <a:off x="2744350" y="1742750"/>
+                  <a:ext cx="458280" cy="209520"/>
+                </a:xfrm>
+                <a:prstGeom prst="rect">
+                  <a:avLst/>
+                </a:prstGeom>
+              </p:spPr>
+            </p:pic>
+          </mc:Fallback>
+        </mc:AlternateContent>
+        <mc:AlternateContent xmlns:mc="http://schemas.openxmlformats.org/markup-compatibility/2006">
+          <mc:Choice xmlns:p14="http://schemas.microsoft.com/office/powerpoint/2010/main" Requires="p14">
+            <p:contentPart p14:bwMode="auto" r:id="rId32">
+              <p14:nvContentPartPr>
+                <p14:cNvPr id="19" name="Ink 18">
+                  <a:extLst>
+                    <a:ext uri="{FF2B5EF4-FFF2-40B4-BE49-F238E27FC236}">
+                      <a16:creationId xmlns:a16="http://schemas.microsoft.com/office/drawing/2014/main" id="{8D3FF7D2-394F-6FE9-5AAD-973F74E5777F}"/>
+                    </a:ext>
+                  </a:extLst>
+                </p14:cNvPr>
+                <p14:cNvContentPartPr/>
+                <p14:nvPr/>
+              </p14:nvContentPartPr>
+              <p14:xfrm>
+                <a:off x="3089590" y="1819430"/>
+                <a:ext cx="20880" cy="68400"/>
+              </p14:xfrm>
+            </p:contentPart>
+          </mc:Choice>
+          <mc:Fallback>
+            <p:pic>
+              <p:nvPicPr>
+                <p:cNvPr id="19" name="Ink 18">
+                  <a:extLst>
+                    <a:ext uri="{FF2B5EF4-FFF2-40B4-BE49-F238E27FC236}">
+                      <a16:creationId xmlns:a16="http://schemas.microsoft.com/office/drawing/2014/main" id="{8D3FF7D2-394F-6FE9-5AAD-973F74E5777F}"/>
+                    </a:ext>
+                  </a:extLst>
+                </p:cNvPr>
+                <p:cNvPicPr/>
+                <p:nvPr/>
+              </p:nvPicPr>
+              <p:blipFill>
+                <a:blip r:embed="rId33"/>
+                <a:stretch>
+                  <a:fillRect/>
+                </a:stretch>
+              </p:blipFill>
+              <p:spPr>
+                <a:xfrm>
+                  <a:off x="3083470" y="1813310"/>
+                  <a:ext cx="33120" cy="80640"/>
+                </a:xfrm>
+                <a:prstGeom prst="rect">
+                  <a:avLst/>
+                </a:prstGeom>
+              </p:spPr>
+            </p:pic>
+          </mc:Fallback>
+        </mc:AlternateContent>
+        <mc:AlternateContent xmlns:mc="http://schemas.openxmlformats.org/markup-compatibility/2006">
+          <mc:Choice xmlns:p14="http://schemas.microsoft.com/office/powerpoint/2010/main" Requires="p14">
+            <p:contentPart p14:bwMode="auto" r:id="rId34">
+              <p14:nvContentPartPr>
+                <p14:cNvPr id="20" name="Ink 19">
+                  <a:extLst>
+                    <a:ext uri="{FF2B5EF4-FFF2-40B4-BE49-F238E27FC236}">
+                      <a16:creationId xmlns:a16="http://schemas.microsoft.com/office/drawing/2014/main" id="{46EDF09F-DE7D-2C66-6358-54533428414B}"/>
+                    </a:ext>
+                  </a:extLst>
+                </p14:cNvPr>
+                <p14:cNvContentPartPr/>
+                <p14:nvPr/>
+              </p14:nvContentPartPr>
+              <p14:xfrm>
+                <a:off x="3236470" y="1720070"/>
+                <a:ext cx="99720" cy="208440"/>
+              </p14:xfrm>
+            </p:contentPart>
+          </mc:Choice>
+          <mc:Fallback>
+            <p:pic>
+              <p:nvPicPr>
+                <p:cNvPr id="20" name="Ink 19">
+                  <a:extLst>
+                    <a:ext uri="{FF2B5EF4-FFF2-40B4-BE49-F238E27FC236}">
+                      <a16:creationId xmlns:a16="http://schemas.microsoft.com/office/drawing/2014/main" id="{46EDF09F-DE7D-2C66-6358-54533428414B}"/>
+                    </a:ext>
+                  </a:extLst>
+                </p:cNvPr>
+                <p:cNvPicPr/>
+                <p:nvPr/>
+              </p:nvPicPr>
+              <p:blipFill>
+                <a:blip r:embed="rId35"/>
+                <a:stretch>
+                  <a:fillRect/>
+                </a:stretch>
+              </p:blipFill>
+              <p:spPr>
+                <a:xfrm>
+                  <a:off x="3230350" y="1713950"/>
+                  <a:ext cx="111960" cy="220680"/>
+                </a:xfrm>
+                <a:prstGeom prst="rect">
+                  <a:avLst/>
+                </a:prstGeom>
+              </p:spPr>
+            </p:pic>
+          </mc:Fallback>
+        </mc:AlternateContent>
+        <mc:AlternateContent xmlns:mc="http://schemas.openxmlformats.org/markup-compatibility/2006">
+          <mc:Choice xmlns:p14="http://schemas.microsoft.com/office/powerpoint/2010/main" Requires="p14">
+            <p:contentPart p14:bwMode="auto" r:id="rId36">
+              <p14:nvContentPartPr>
+                <p14:cNvPr id="22" name="Ink 21">
+                  <a:extLst>
+                    <a:ext uri="{FF2B5EF4-FFF2-40B4-BE49-F238E27FC236}">
+                      <a16:creationId xmlns:a16="http://schemas.microsoft.com/office/drawing/2014/main" id="{C7CB7A4C-384B-A2C2-362F-E709C0731976}"/>
+                    </a:ext>
+                  </a:extLst>
+                </p14:cNvPr>
+                <p14:cNvContentPartPr/>
+                <p14:nvPr/>
+              </p14:nvContentPartPr>
+              <p14:xfrm>
+                <a:off x="3450310" y="1737350"/>
+                <a:ext cx="140040" cy="283680"/>
+              </p14:xfrm>
+            </p:contentPart>
+          </mc:Choice>
+          <mc:Fallback>
+            <p:pic>
+              <p:nvPicPr>
+                <p:cNvPr id="22" name="Ink 21">
+                  <a:extLst>
+                    <a:ext uri="{FF2B5EF4-FFF2-40B4-BE49-F238E27FC236}">
+                      <a16:creationId xmlns:a16="http://schemas.microsoft.com/office/drawing/2014/main" id="{C7CB7A4C-384B-A2C2-362F-E709C0731976}"/>
+                    </a:ext>
+                  </a:extLst>
+                </p:cNvPr>
+                <p:cNvPicPr/>
+                <p:nvPr/>
+              </p:nvPicPr>
+              <p:blipFill>
+                <a:blip r:embed="rId37"/>
+                <a:stretch>
+                  <a:fillRect/>
+                </a:stretch>
+              </p:blipFill>
+              <p:spPr>
+                <a:xfrm>
+                  <a:off x="3444190" y="1731230"/>
+                  <a:ext cx="152280" cy="295920"/>
+                </a:xfrm>
+                <a:prstGeom prst="rect">
+                  <a:avLst/>
+                </a:prstGeom>
+              </p:spPr>
+            </p:pic>
+          </mc:Fallback>
+        </mc:AlternateContent>
+      </p:grpSp>
+      <mc:AlternateContent xmlns:mc="http://schemas.openxmlformats.org/markup-compatibility/2006">
+        <mc:Choice xmlns:p14="http://schemas.microsoft.com/office/powerpoint/2010/main" Requires="p14">
+          <p:contentPart p14:bwMode="auto" r:id="rId38">
+            <p14:nvContentPartPr>
+              <p14:cNvPr id="23" name="Ink 22">
+                <a:extLst>
+                  <a:ext uri="{FF2B5EF4-FFF2-40B4-BE49-F238E27FC236}">
+                    <a16:creationId xmlns:a16="http://schemas.microsoft.com/office/drawing/2014/main" id="{01CD06A6-1F01-741C-FEE5-565E594C0E0D}"/>
+                  </a:ext>
+                </a:extLst>
+              </p14:cNvPr>
+              <p14:cNvContentPartPr/>
+              <p14:nvPr/>
+            </p14:nvContentPartPr>
+            <p14:xfrm>
+              <a:off x="3736150" y="1724750"/>
+              <a:ext cx="147960" cy="270720"/>
+            </p14:xfrm>
+          </p:contentPart>
+        </mc:Choice>
+        <mc:Fallback>
+          <p:pic>
+            <p:nvPicPr>
+              <p:cNvPr id="23" name="Ink 22">
+                <a:extLst>
+                  <a:ext uri="{FF2B5EF4-FFF2-40B4-BE49-F238E27FC236}">
+                    <a16:creationId xmlns:a16="http://schemas.microsoft.com/office/drawing/2014/main" id="{01CD06A6-1F01-741C-FEE5-565E594C0E0D}"/>
+                  </a:ext>
+                </a:extLst>
+              </p:cNvPr>
+              <p:cNvPicPr/>
+              <p:nvPr/>
+            </p:nvPicPr>
+            <p:blipFill>
+              <a:blip r:embed="rId39"/>
+              <a:stretch>
+                <a:fillRect/>
+              </a:stretch>
+            </p:blipFill>
+            <p:spPr>
+              <a:xfrm>
+                <a:off x="3730030" y="1718630"/>
+                <a:ext cx="160200" cy="282960"/>
+              </a:xfrm>
+              <a:prstGeom prst="rect">
+                <a:avLst/>
+              </a:prstGeom>
+            </p:spPr>
+          </p:pic>
+        </mc:Fallback>
+      </mc:AlternateContent>
+      <p:grpSp>
+        <p:nvGrpSpPr>
+          <p:cNvPr id="27" name="Group 26">
+            <a:extLst>
+              <a:ext uri="{FF2B5EF4-FFF2-40B4-BE49-F238E27FC236}">
+                <a16:creationId xmlns:a16="http://schemas.microsoft.com/office/drawing/2014/main" id="{B9352015-C7D7-D541-8801-23C68DABB95F}"/>
+              </a:ext>
+            </a:extLst>
+          </p:cNvPr>
+          <p:cNvGrpSpPr/>
+          <p:nvPr/>
+        </p:nvGrpSpPr>
+        <p:grpSpPr>
+          <a:xfrm>
+            <a:off x="4150870" y="1736270"/>
+            <a:ext cx="407880" cy="217800"/>
+            <a:chOff x="4150870" y="1736270"/>
+            <a:chExt cx="407880" cy="217800"/>
+          </a:xfrm>
+        </p:grpSpPr>
+        <mc:AlternateContent xmlns:mc="http://schemas.openxmlformats.org/markup-compatibility/2006">
+          <mc:Choice xmlns:p14="http://schemas.microsoft.com/office/powerpoint/2010/main" Requires="p14">
+            <p:contentPart p14:bwMode="auto" r:id="rId40">
+              <p14:nvContentPartPr>
+                <p14:cNvPr id="24" name="Ink 23">
+                  <a:extLst>
+                    <a:ext uri="{FF2B5EF4-FFF2-40B4-BE49-F238E27FC236}">
+                      <a16:creationId xmlns:a16="http://schemas.microsoft.com/office/drawing/2014/main" id="{B649F35E-FBE1-CCE6-280A-E245A47D794A}"/>
+                    </a:ext>
+                  </a:extLst>
+                </p14:cNvPr>
+                <p14:cNvContentPartPr/>
+                <p14:nvPr/>
+              </p14:nvContentPartPr>
+              <p14:xfrm>
+                <a:off x="4150870" y="1736270"/>
+                <a:ext cx="65160" cy="217800"/>
+              </p14:xfrm>
+            </p:contentPart>
+          </mc:Choice>
+          <mc:Fallback>
+            <p:pic>
+              <p:nvPicPr>
+                <p:cNvPr id="24" name="Ink 23">
+                  <a:extLst>
+                    <a:ext uri="{FF2B5EF4-FFF2-40B4-BE49-F238E27FC236}">
+                      <a16:creationId xmlns:a16="http://schemas.microsoft.com/office/drawing/2014/main" id="{B649F35E-FBE1-CCE6-280A-E245A47D794A}"/>
+                    </a:ext>
+                  </a:extLst>
+                </p:cNvPr>
+                <p:cNvPicPr/>
+                <p:nvPr/>
+              </p:nvPicPr>
+              <p:blipFill>
+                <a:blip r:embed="rId41"/>
+                <a:stretch>
+                  <a:fillRect/>
+                </a:stretch>
+              </p:blipFill>
+              <p:spPr>
+                <a:xfrm>
+                  <a:off x="4144750" y="1730150"/>
+                  <a:ext cx="77400" cy="230040"/>
+                </a:xfrm>
+                <a:prstGeom prst="rect">
+                  <a:avLst/>
+                </a:prstGeom>
+              </p:spPr>
+            </p:pic>
+          </mc:Fallback>
+        </mc:AlternateContent>
+        <mc:AlternateContent xmlns:mc="http://schemas.openxmlformats.org/markup-compatibility/2006">
+          <mc:Choice xmlns:p14="http://schemas.microsoft.com/office/powerpoint/2010/main" Requires="p14">
+            <p:contentPart p14:bwMode="auto" r:id="rId42">
+              <p14:nvContentPartPr>
+                <p14:cNvPr id="25" name="Ink 24">
+                  <a:extLst>
+                    <a:ext uri="{FF2B5EF4-FFF2-40B4-BE49-F238E27FC236}">
+                      <a16:creationId xmlns:a16="http://schemas.microsoft.com/office/drawing/2014/main" id="{91DD3675-DD9B-57CB-45CA-7361B0DD0C08}"/>
+                    </a:ext>
+                  </a:extLst>
+                </p14:cNvPr>
+                <p14:cNvContentPartPr/>
+                <p14:nvPr/>
+              </p14:nvContentPartPr>
+              <p14:xfrm>
+                <a:off x="4275790" y="1799270"/>
+                <a:ext cx="79560" cy="131040"/>
+              </p14:xfrm>
+            </p:contentPart>
+          </mc:Choice>
+          <mc:Fallback>
+            <p:pic>
+              <p:nvPicPr>
+                <p:cNvPr id="25" name="Ink 24">
+                  <a:extLst>
+                    <a:ext uri="{FF2B5EF4-FFF2-40B4-BE49-F238E27FC236}">
+                      <a16:creationId xmlns:a16="http://schemas.microsoft.com/office/drawing/2014/main" id="{91DD3675-DD9B-57CB-45CA-7361B0DD0C08}"/>
+                    </a:ext>
+                  </a:extLst>
+                </p:cNvPr>
+                <p:cNvPicPr/>
+                <p:nvPr/>
+              </p:nvPicPr>
+              <p:blipFill>
+                <a:blip r:embed="rId43"/>
+                <a:stretch>
+                  <a:fillRect/>
+                </a:stretch>
+              </p:blipFill>
+              <p:spPr>
+                <a:xfrm>
+                  <a:off x="4269670" y="1793150"/>
+                  <a:ext cx="91800" cy="143280"/>
+                </a:xfrm>
+                <a:prstGeom prst="rect">
+                  <a:avLst/>
+                </a:prstGeom>
+              </p:spPr>
+            </p:pic>
+          </mc:Fallback>
+        </mc:AlternateContent>
+        <mc:AlternateContent xmlns:mc="http://schemas.openxmlformats.org/markup-compatibility/2006">
+          <mc:Choice xmlns:p14="http://schemas.microsoft.com/office/powerpoint/2010/main" Requires="p14">
+            <p:contentPart p14:bwMode="auto" r:id="rId44">
+              <p14:nvContentPartPr>
+                <p14:cNvPr id="26" name="Ink 25">
+                  <a:extLst>
+                    <a:ext uri="{FF2B5EF4-FFF2-40B4-BE49-F238E27FC236}">
+                      <a16:creationId xmlns:a16="http://schemas.microsoft.com/office/drawing/2014/main" id="{78EBDFD1-E41C-733F-A35B-45FDA775EED3}"/>
+                    </a:ext>
+                  </a:extLst>
+                </p14:cNvPr>
+                <p14:cNvContentPartPr/>
+                <p14:nvPr/>
+              </p14:nvContentPartPr>
+              <p14:xfrm>
+                <a:off x="4397470" y="1786670"/>
+                <a:ext cx="161280" cy="138240"/>
+              </p14:xfrm>
+            </p:contentPart>
+          </mc:Choice>
+          <mc:Fallback>
+            <p:pic>
+              <p:nvPicPr>
+                <p:cNvPr id="26" name="Ink 25">
+                  <a:extLst>
+                    <a:ext uri="{FF2B5EF4-FFF2-40B4-BE49-F238E27FC236}">
+                      <a16:creationId xmlns:a16="http://schemas.microsoft.com/office/drawing/2014/main" id="{78EBDFD1-E41C-733F-A35B-45FDA775EED3}"/>
+                    </a:ext>
+                  </a:extLst>
+                </p:cNvPr>
+                <p:cNvPicPr/>
+                <p:nvPr/>
+              </p:nvPicPr>
+              <p:blipFill>
+                <a:blip r:embed="rId45"/>
+                <a:stretch>
+                  <a:fillRect/>
+                </a:stretch>
+              </p:blipFill>
+              <p:spPr>
+                <a:xfrm>
+                  <a:off x="4391350" y="1780550"/>
+                  <a:ext cx="173520" cy="150480"/>
+                </a:xfrm>
+                <a:prstGeom prst="rect">
+                  <a:avLst/>
+                </a:prstGeom>
+              </p:spPr>
+            </p:pic>
+          </mc:Fallback>
+        </mc:AlternateContent>
+      </p:grpSp>
+      <p:grpSp>
+        <p:nvGrpSpPr>
+          <p:cNvPr id="33" name="Group 32">
+            <a:extLst>
+              <a:ext uri="{FF2B5EF4-FFF2-40B4-BE49-F238E27FC236}">
+                <a16:creationId xmlns:a16="http://schemas.microsoft.com/office/drawing/2014/main" id="{390732BC-359A-E05B-2C5A-C3DAA48877D4}"/>
+              </a:ext>
+            </a:extLst>
+          </p:cNvPr>
+          <p:cNvGrpSpPr/>
+          <p:nvPr/>
+        </p:nvGrpSpPr>
+        <p:grpSpPr>
+          <a:xfrm>
+            <a:off x="4941430" y="1855070"/>
+            <a:ext cx="156240" cy="39960"/>
+            <a:chOff x="4941430" y="1855070"/>
+            <a:chExt cx="156240" cy="39960"/>
+          </a:xfrm>
+        </p:grpSpPr>
+        <mc:AlternateContent xmlns:mc="http://schemas.openxmlformats.org/markup-compatibility/2006">
+          <mc:Choice xmlns:p14="http://schemas.microsoft.com/office/powerpoint/2010/main" Requires="p14">
+            <p:contentPart p14:bwMode="auto" r:id="rId46">
+              <p14:nvContentPartPr>
+                <p14:cNvPr id="31" name="Ink 30">
+                  <a:extLst>
+                    <a:ext uri="{FF2B5EF4-FFF2-40B4-BE49-F238E27FC236}">
+                      <a16:creationId xmlns:a16="http://schemas.microsoft.com/office/drawing/2014/main" id="{3526542A-BBA9-137C-D0D3-EA4240376E33}"/>
+                    </a:ext>
+                  </a:extLst>
+                </p14:cNvPr>
+                <p14:cNvContentPartPr/>
+                <p14:nvPr/>
+              </p14:nvContentPartPr>
+              <p14:xfrm>
+                <a:off x="4941430" y="1883150"/>
+                <a:ext cx="132840" cy="11880"/>
+              </p14:xfrm>
+            </p:contentPart>
+          </mc:Choice>
+          <mc:Fallback>
+            <p:pic>
+              <p:nvPicPr>
+                <p:cNvPr id="31" name="Ink 30">
+                  <a:extLst>
+                    <a:ext uri="{FF2B5EF4-FFF2-40B4-BE49-F238E27FC236}">
+                      <a16:creationId xmlns:a16="http://schemas.microsoft.com/office/drawing/2014/main" id="{3526542A-BBA9-137C-D0D3-EA4240376E33}"/>
+                    </a:ext>
+                  </a:extLst>
+                </p:cNvPr>
+                <p:cNvPicPr/>
+                <p:nvPr/>
+              </p:nvPicPr>
+              <p:blipFill>
+                <a:blip r:embed="rId47"/>
+                <a:stretch>
+                  <a:fillRect/>
+                </a:stretch>
+              </p:blipFill>
+              <p:spPr>
+                <a:xfrm>
+                  <a:off x="4935310" y="1877030"/>
+                  <a:ext cx="145080" cy="24120"/>
+                </a:xfrm>
+                <a:prstGeom prst="rect">
+                  <a:avLst/>
+                </a:prstGeom>
+              </p:spPr>
+            </p:pic>
+          </mc:Fallback>
+        </mc:AlternateContent>
+        <mc:AlternateContent xmlns:mc="http://schemas.openxmlformats.org/markup-compatibility/2006">
+          <mc:Choice xmlns:p14="http://schemas.microsoft.com/office/powerpoint/2010/main" Requires="p14">
+            <p:contentPart p14:bwMode="auto" r:id="rId48">
+              <p14:nvContentPartPr>
+                <p14:cNvPr id="32" name="Ink 31">
+                  <a:extLst>
+                    <a:ext uri="{FF2B5EF4-FFF2-40B4-BE49-F238E27FC236}">
+                      <a16:creationId xmlns:a16="http://schemas.microsoft.com/office/drawing/2014/main" id="{8F895EBC-0FC3-BE14-E903-F690CC3A007E}"/>
+                    </a:ext>
+                  </a:extLst>
+                </p14:cNvPr>
+                <p14:cNvContentPartPr/>
+                <p14:nvPr/>
+              </p14:nvContentPartPr>
+              <p14:xfrm>
+                <a:off x="4990750" y="1855070"/>
+                <a:ext cx="106920" cy="7200"/>
+              </p14:xfrm>
+            </p:contentPart>
+          </mc:Choice>
+          <mc:Fallback>
+            <p:pic>
+              <p:nvPicPr>
+                <p:cNvPr id="32" name="Ink 31">
+                  <a:extLst>
+                    <a:ext uri="{FF2B5EF4-FFF2-40B4-BE49-F238E27FC236}">
+                      <a16:creationId xmlns:a16="http://schemas.microsoft.com/office/drawing/2014/main" id="{8F895EBC-0FC3-BE14-E903-F690CC3A007E}"/>
+                    </a:ext>
+                  </a:extLst>
+                </p:cNvPr>
+                <p:cNvPicPr/>
+                <p:nvPr/>
+              </p:nvPicPr>
+              <p:blipFill>
+                <a:blip r:embed="rId49"/>
+                <a:stretch>
+                  <a:fillRect/>
+                </a:stretch>
+              </p:blipFill>
+              <p:spPr>
+                <a:xfrm>
+                  <a:off x="4984630" y="1848950"/>
+                  <a:ext cx="119160" cy="19440"/>
+                </a:xfrm>
+                <a:prstGeom prst="rect">
+                  <a:avLst/>
+                </a:prstGeom>
+              </p:spPr>
+            </p:pic>
+          </mc:Fallback>
+        </mc:AlternateContent>
+      </p:grpSp>
+      <p:grpSp>
+        <p:nvGrpSpPr>
+          <p:cNvPr id="37" name="Group 36">
+            <a:extLst>
+              <a:ext uri="{FF2B5EF4-FFF2-40B4-BE49-F238E27FC236}">
+                <a16:creationId xmlns:a16="http://schemas.microsoft.com/office/drawing/2014/main" id="{76372690-1F6F-74E6-75CD-CF4A75538E5C}"/>
+              </a:ext>
+            </a:extLst>
+          </p:cNvPr>
+          <p:cNvGrpSpPr/>
+          <p:nvPr/>
+        </p:nvGrpSpPr>
+        <p:grpSpPr>
+          <a:xfrm>
+            <a:off x="5383510" y="1746350"/>
+            <a:ext cx="487800" cy="247680"/>
+            <a:chOff x="5383510" y="1746350"/>
+            <a:chExt cx="487800" cy="247680"/>
+          </a:xfrm>
+        </p:grpSpPr>
+        <mc:AlternateContent xmlns:mc="http://schemas.openxmlformats.org/markup-compatibility/2006">
+          <mc:Choice xmlns:p14="http://schemas.microsoft.com/office/powerpoint/2010/main" Requires="p14">
+            <p:contentPart p14:bwMode="auto" r:id="rId50">
+              <p14:nvContentPartPr>
+                <p14:cNvPr id="34" name="Ink 33">
+                  <a:extLst>
+                    <a:ext uri="{FF2B5EF4-FFF2-40B4-BE49-F238E27FC236}">
+                      <a16:creationId xmlns:a16="http://schemas.microsoft.com/office/drawing/2014/main" id="{3FBD6A05-1FD4-EC74-6D17-D37BC5284E31}"/>
+                    </a:ext>
+                  </a:extLst>
+                </p14:cNvPr>
+                <p14:cNvContentPartPr/>
+                <p14:nvPr/>
+              </p14:nvContentPartPr>
+              <p14:xfrm>
+                <a:off x="5383510" y="1746350"/>
+                <a:ext cx="144000" cy="105480"/>
+              </p14:xfrm>
+            </p:contentPart>
+          </mc:Choice>
+          <mc:Fallback>
+            <p:pic>
+              <p:nvPicPr>
+                <p:cNvPr id="34" name="Ink 33">
+                  <a:extLst>
+                    <a:ext uri="{FF2B5EF4-FFF2-40B4-BE49-F238E27FC236}">
+                      <a16:creationId xmlns:a16="http://schemas.microsoft.com/office/drawing/2014/main" id="{3FBD6A05-1FD4-EC74-6D17-D37BC5284E31}"/>
+                    </a:ext>
+                  </a:extLst>
+                </p:cNvPr>
+                <p:cNvPicPr/>
+                <p:nvPr/>
+              </p:nvPicPr>
+              <p:blipFill>
+                <a:blip r:embed="rId51"/>
+                <a:stretch>
+                  <a:fillRect/>
+                </a:stretch>
+              </p:blipFill>
+              <p:spPr>
+                <a:xfrm>
+                  <a:off x="5377390" y="1740230"/>
+                  <a:ext cx="156240" cy="117720"/>
+                </a:xfrm>
+                <a:prstGeom prst="rect">
+                  <a:avLst/>
+                </a:prstGeom>
+              </p:spPr>
+            </p:pic>
+          </mc:Fallback>
+        </mc:AlternateContent>
+        <mc:AlternateContent xmlns:mc="http://schemas.openxmlformats.org/markup-compatibility/2006">
+          <mc:Choice xmlns:p14="http://schemas.microsoft.com/office/powerpoint/2010/main" Requires="p14">
+            <p:contentPart p14:bwMode="auto" r:id="rId52">
+              <p14:nvContentPartPr>
+                <p14:cNvPr id="35" name="Ink 34">
+                  <a:extLst>
+                    <a:ext uri="{FF2B5EF4-FFF2-40B4-BE49-F238E27FC236}">
+                      <a16:creationId xmlns:a16="http://schemas.microsoft.com/office/drawing/2014/main" id="{F462E7E6-A4DC-FDDA-B881-A6F7EB0C6F4F}"/>
+                    </a:ext>
+                  </a:extLst>
+                </p14:cNvPr>
+                <p14:cNvContentPartPr/>
+                <p14:nvPr/>
+              </p14:nvContentPartPr>
+              <p14:xfrm>
+                <a:off x="5447590" y="1756430"/>
+                <a:ext cx="92520" cy="237600"/>
+              </p14:xfrm>
+            </p:contentPart>
+          </mc:Choice>
+          <mc:Fallback>
+            <p:pic>
+              <p:nvPicPr>
+                <p:cNvPr id="35" name="Ink 34">
+                  <a:extLst>
+                    <a:ext uri="{FF2B5EF4-FFF2-40B4-BE49-F238E27FC236}">
+                      <a16:creationId xmlns:a16="http://schemas.microsoft.com/office/drawing/2014/main" id="{F462E7E6-A4DC-FDDA-B881-A6F7EB0C6F4F}"/>
+                    </a:ext>
+                  </a:extLst>
+                </p:cNvPr>
+                <p:cNvPicPr/>
+                <p:nvPr/>
+              </p:nvPicPr>
+              <p:blipFill>
+                <a:blip r:embed="rId53"/>
+                <a:stretch>
+                  <a:fillRect/>
+                </a:stretch>
+              </p:blipFill>
+              <p:spPr>
+                <a:xfrm>
+                  <a:off x="5441470" y="1750310"/>
+                  <a:ext cx="104760" cy="249840"/>
+                </a:xfrm>
+                <a:prstGeom prst="rect">
+                  <a:avLst/>
+                </a:prstGeom>
+              </p:spPr>
+            </p:pic>
+          </mc:Fallback>
+        </mc:AlternateContent>
+        <mc:AlternateContent xmlns:mc="http://schemas.openxmlformats.org/markup-compatibility/2006">
+          <mc:Choice xmlns:p14="http://schemas.microsoft.com/office/powerpoint/2010/main" Requires="p14">
+            <p:contentPart p14:bwMode="auto" r:id="rId54">
+              <p14:nvContentPartPr>
+                <p14:cNvPr id="36" name="Ink 35">
+                  <a:extLst>
+                    <a:ext uri="{FF2B5EF4-FFF2-40B4-BE49-F238E27FC236}">
+                      <a16:creationId xmlns:a16="http://schemas.microsoft.com/office/drawing/2014/main" id="{B4F545BA-AEE8-88B4-C8D5-C139D475DBE4}"/>
+                    </a:ext>
+                  </a:extLst>
+                </p14:cNvPr>
+                <p14:cNvContentPartPr/>
+                <p14:nvPr/>
+              </p14:nvContentPartPr>
+              <p14:xfrm>
+                <a:off x="5617150" y="1761110"/>
+                <a:ext cx="254160" cy="185040"/>
+              </p14:xfrm>
+            </p:contentPart>
+          </mc:Choice>
+          <mc:Fallback>
+            <p:pic>
+              <p:nvPicPr>
+                <p:cNvPr id="36" name="Ink 35">
+                  <a:extLst>
+                    <a:ext uri="{FF2B5EF4-FFF2-40B4-BE49-F238E27FC236}">
+                      <a16:creationId xmlns:a16="http://schemas.microsoft.com/office/drawing/2014/main" id="{B4F545BA-AEE8-88B4-C8D5-C139D475DBE4}"/>
+                    </a:ext>
+                  </a:extLst>
+                </p:cNvPr>
+                <p:cNvPicPr/>
+                <p:nvPr/>
+              </p:nvPicPr>
+              <p:blipFill>
+                <a:blip r:embed="rId55"/>
+                <a:stretch>
+                  <a:fillRect/>
+                </a:stretch>
+              </p:blipFill>
+              <p:spPr>
+                <a:xfrm>
+                  <a:off x="5611030" y="1754990"/>
+                  <a:ext cx="266400" cy="197280"/>
+                </a:xfrm>
+                <a:prstGeom prst="rect">
+                  <a:avLst/>
+                </a:prstGeom>
+              </p:spPr>
+            </p:pic>
+          </mc:Fallback>
+        </mc:AlternateContent>
+      </p:grpSp>
+      <mc:AlternateContent xmlns:mc="http://schemas.openxmlformats.org/markup-compatibility/2006">
+        <mc:Choice xmlns:p14="http://schemas.microsoft.com/office/powerpoint/2010/main" Requires="p14">
+          <p:contentPart p14:bwMode="auto" r:id="rId56">
+            <p14:nvContentPartPr>
+              <p14:cNvPr id="38" name="Ink 37">
+                <a:extLst>
+                  <a:ext uri="{FF2B5EF4-FFF2-40B4-BE49-F238E27FC236}">
+                    <a16:creationId xmlns:a16="http://schemas.microsoft.com/office/drawing/2014/main" id="{2D7AFF7D-83F2-F07D-D38C-A66108E73F83}"/>
+                  </a:ext>
+                </a:extLst>
+              </p14:cNvPr>
+              <p14:cNvContentPartPr/>
+              <p14:nvPr/>
+            </p14:nvContentPartPr>
+            <p14:xfrm>
+              <a:off x="3020470" y="2616350"/>
+              <a:ext cx="1498320" cy="49320"/>
+            </p14:xfrm>
+          </p:contentPart>
+        </mc:Choice>
+        <mc:Fallback>
+          <p:pic>
+            <p:nvPicPr>
+              <p:cNvPr id="38" name="Ink 37">
+                <a:extLst>
+                  <a:ext uri="{FF2B5EF4-FFF2-40B4-BE49-F238E27FC236}">
+                    <a16:creationId xmlns:a16="http://schemas.microsoft.com/office/drawing/2014/main" id="{2D7AFF7D-83F2-F07D-D38C-A66108E73F83}"/>
+                  </a:ext>
+                </a:extLst>
+              </p:cNvPr>
+              <p:cNvPicPr/>
+              <p:nvPr/>
+            </p:nvPicPr>
+            <p:blipFill>
+              <a:blip r:embed="rId57"/>
+              <a:stretch>
+                <a:fillRect/>
+              </a:stretch>
+            </p:blipFill>
+            <p:spPr>
+              <a:xfrm>
+                <a:off x="3014350" y="2610230"/>
+                <a:ext cx="1510560" cy="61560"/>
+              </a:xfrm>
+              <a:prstGeom prst="rect">
+                <a:avLst/>
+              </a:prstGeom>
+            </p:spPr>
+          </p:pic>
+        </mc:Fallback>
+      </mc:AlternateContent>
+      <mc:AlternateContent xmlns:mc="http://schemas.openxmlformats.org/markup-compatibility/2006">
+        <mc:Choice xmlns:p14="http://schemas.microsoft.com/office/powerpoint/2010/main" Requires="p14">
+          <p:contentPart p14:bwMode="auto" r:id="rId58">
+            <p14:nvContentPartPr>
+              <p14:cNvPr id="39" name="Ink 38">
+                <a:extLst>
+                  <a:ext uri="{FF2B5EF4-FFF2-40B4-BE49-F238E27FC236}">
+                    <a16:creationId xmlns:a16="http://schemas.microsoft.com/office/drawing/2014/main" id="{7CE8666C-4D1C-6027-94C0-E4A230ADF26C}"/>
+                  </a:ext>
+                </a:extLst>
+              </p14:cNvPr>
+              <p14:cNvContentPartPr/>
+              <p14:nvPr/>
+            </p14:nvContentPartPr>
+            <p14:xfrm>
+              <a:off x="1181590" y="3256550"/>
+              <a:ext cx="111600" cy="8640"/>
+            </p14:xfrm>
+          </p:contentPart>
+        </mc:Choice>
+        <mc:Fallback>
+          <p:pic>
+            <p:nvPicPr>
+              <p:cNvPr id="39" name="Ink 38">
+                <a:extLst>
+                  <a:ext uri="{FF2B5EF4-FFF2-40B4-BE49-F238E27FC236}">
+                    <a16:creationId xmlns:a16="http://schemas.microsoft.com/office/drawing/2014/main" id="{7CE8666C-4D1C-6027-94C0-E4A230ADF26C}"/>
+                  </a:ext>
+                </a:extLst>
+              </p:cNvPr>
+              <p:cNvPicPr/>
+              <p:nvPr/>
+            </p:nvPicPr>
+            <p:blipFill>
+              <a:blip r:embed="rId59"/>
+              <a:stretch>
+                <a:fillRect/>
+              </a:stretch>
+            </p:blipFill>
+            <p:spPr>
+              <a:xfrm>
+                <a:off x="1175470" y="3250430"/>
+                <a:ext cx="123840" cy="20880"/>
+              </a:xfrm>
+              <a:prstGeom prst="rect">
+                <a:avLst/>
+              </a:prstGeom>
+            </p:spPr>
+          </p:pic>
+        </mc:Fallback>
+      </mc:AlternateContent>
+      <mc:AlternateContent xmlns:mc="http://schemas.openxmlformats.org/markup-compatibility/2006">
+        <mc:Choice xmlns:p14="http://schemas.microsoft.com/office/powerpoint/2010/main" Requires="p14">
+          <p:contentPart p14:bwMode="auto" r:id="rId60">
+            <p14:nvContentPartPr>
+              <p14:cNvPr id="40" name="Ink 39">
+                <a:extLst>
+                  <a:ext uri="{FF2B5EF4-FFF2-40B4-BE49-F238E27FC236}">
+                    <a16:creationId xmlns:a16="http://schemas.microsoft.com/office/drawing/2014/main" id="{E6FD853E-2DBF-402F-7417-FE2A43BB64AF}"/>
+                  </a:ext>
+                </a:extLst>
+              </p14:cNvPr>
+              <p14:cNvContentPartPr/>
+              <p14:nvPr/>
+            </p14:nvContentPartPr>
+            <p14:xfrm>
+              <a:off x="1606750" y="3221630"/>
+              <a:ext cx="96480" cy="10080"/>
+            </p14:xfrm>
+          </p:contentPart>
+        </mc:Choice>
+        <mc:Fallback>
+          <p:pic>
+            <p:nvPicPr>
+              <p:cNvPr id="40" name="Ink 39">
+                <a:extLst>
+                  <a:ext uri="{FF2B5EF4-FFF2-40B4-BE49-F238E27FC236}">
+                    <a16:creationId xmlns:a16="http://schemas.microsoft.com/office/drawing/2014/main" id="{E6FD853E-2DBF-402F-7417-FE2A43BB64AF}"/>
+                  </a:ext>
+                </a:extLst>
+              </p:cNvPr>
+              <p:cNvPicPr/>
+              <p:nvPr/>
+            </p:nvPicPr>
+            <p:blipFill>
+              <a:blip r:embed="rId61"/>
+              <a:stretch>
+                <a:fillRect/>
+              </a:stretch>
+            </p:blipFill>
+            <p:spPr>
+              <a:xfrm>
+                <a:off x="1600630" y="3215510"/>
+                <a:ext cx="108720" cy="22320"/>
+              </a:xfrm>
+              <a:prstGeom prst="rect">
+                <a:avLst/>
+              </a:prstGeom>
+            </p:spPr>
+          </p:pic>
+        </mc:Fallback>
+      </mc:AlternateContent>
+      <mc:AlternateContent xmlns:mc="http://schemas.openxmlformats.org/markup-compatibility/2006">
+        <mc:Choice xmlns:p14="http://schemas.microsoft.com/office/powerpoint/2010/main" Requires="p14">
+          <p:contentPart p14:bwMode="auto" r:id="rId62">
+            <p14:nvContentPartPr>
+              <p14:cNvPr id="41" name="Ink 40">
+                <a:extLst>
+                  <a:ext uri="{FF2B5EF4-FFF2-40B4-BE49-F238E27FC236}">
+                    <a16:creationId xmlns:a16="http://schemas.microsoft.com/office/drawing/2014/main" id="{6E0B7E53-4EF1-9549-5783-A7EF50E44643}"/>
+                  </a:ext>
+                </a:extLst>
+              </p14:cNvPr>
+              <p14:cNvContentPartPr/>
+              <p14:nvPr/>
+            </p14:nvContentPartPr>
+            <p14:xfrm>
+              <a:off x="3986710" y="4602710"/>
+              <a:ext cx="90000" cy="3240"/>
+            </p14:xfrm>
+          </p:contentPart>
+        </mc:Choice>
+        <mc:Fallback>
+          <p:pic>
+            <p:nvPicPr>
+              <p:cNvPr id="41" name="Ink 40">
+                <a:extLst>
+                  <a:ext uri="{FF2B5EF4-FFF2-40B4-BE49-F238E27FC236}">
+                    <a16:creationId xmlns:a16="http://schemas.microsoft.com/office/drawing/2014/main" id="{6E0B7E53-4EF1-9549-5783-A7EF50E44643}"/>
+                  </a:ext>
+                </a:extLst>
+              </p:cNvPr>
+              <p:cNvPicPr/>
+              <p:nvPr/>
+            </p:nvPicPr>
+            <p:blipFill>
+              <a:blip r:embed="rId63"/>
+              <a:stretch>
+                <a:fillRect/>
+              </a:stretch>
+            </p:blipFill>
+            <p:spPr>
+              <a:xfrm>
+                <a:off x="3980590" y="4596590"/>
+                <a:ext cx="102240" cy="15480"/>
+              </a:xfrm>
+              <a:prstGeom prst="rect">
+                <a:avLst/>
+              </a:prstGeom>
+            </p:spPr>
+          </p:pic>
+        </mc:Fallback>
+      </mc:AlternateContent>
+      <mc:AlternateContent xmlns:mc="http://schemas.openxmlformats.org/markup-compatibility/2006">
+        <mc:Choice xmlns:p14="http://schemas.microsoft.com/office/powerpoint/2010/main" Requires="p14">
+          <p:contentPart p14:bwMode="auto" r:id="rId64">
+            <p14:nvContentPartPr>
+              <p14:cNvPr id="42" name="Ink 41">
+                <a:extLst>
+                  <a:ext uri="{FF2B5EF4-FFF2-40B4-BE49-F238E27FC236}">
+                    <a16:creationId xmlns:a16="http://schemas.microsoft.com/office/drawing/2014/main" id="{F5B76B6E-9B40-300E-FE40-61123BE25D2D}"/>
+                  </a:ext>
+                </a:extLst>
+              </p14:cNvPr>
+              <p14:cNvContentPartPr/>
+              <p14:nvPr/>
+            </p14:nvContentPartPr>
+            <p14:xfrm>
+              <a:off x="2020750" y="3231470"/>
+              <a:ext cx="169200" cy="7560"/>
+            </p14:xfrm>
+          </p:contentPart>
+        </mc:Choice>
+        <mc:Fallback>
+          <p:pic>
+            <p:nvPicPr>
+              <p:cNvPr id="42" name="Ink 41">
+                <a:extLst>
+                  <a:ext uri="{FF2B5EF4-FFF2-40B4-BE49-F238E27FC236}">
+                    <a16:creationId xmlns:a16="http://schemas.microsoft.com/office/drawing/2014/main" id="{F5B76B6E-9B40-300E-FE40-61123BE25D2D}"/>
+                  </a:ext>
+                </a:extLst>
+              </p:cNvPr>
+              <p:cNvPicPr/>
+              <p:nvPr/>
+            </p:nvPicPr>
+            <p:blipFill>
+              <a:blip r:embed="rId65"/>
+              <a:stretch>
+                <a:fillRect/>
+              </a:stretch>
+            </p:blipFill>
+            <p:spPr>
+              <a:xfrm>
+                <a:off x="2014630" y="3225350"/>
+                <a:ext cx="181440" cy="19800"/>
+              </a:xfrm>
+              <a:prstGeom prst="rect">
+                <a:avLst/>
+              </a:prstGeom>
+            </p:spPr>
+          </p:pic>
+        </mc:Fallback>
+      </mc:AlternateContent>
+      <mc:AlternateContent xmlns:mc="http://schemas.openxmlformats.org/markup-compatibility/2006">
+        <mc:Choice xmlns:p14="http://schemas.microsoft.com/office/powerpoint/2010/main" Requires="p14">
+          <p:contentPart p14:bwMode="auto" r:id="rId66">
+            <p14:nvContentPartPr>
+              <p14:cNvPr id="43" name="Ink 42">
+                <a:extLst>
+                  <a:ext uri="{FF2B5EF4-FFF2-40B4-BE49-F238E27FC236}">
+                    <a16:creationId xmlns:a16="http://schemas.microsoft.com/office/drawing/2014/main" id="{A4FF5587-4309-7BA5-16F1-EFD415FECBB8}"/>
+                  </a:ext>
+                </a:extLst>
+              </p14:cNvPr>
+              <p14:cNvContentPartPr/>
+              <p14:nvPr/>
+            </p14:nvContentPartPr>
+            <p14:xfrm>
+              <a:off x="2461030" y="3228590"/>
+              <a:ext cx="144720" cy="6840"/>
+            </p14:xfrm>
+          </p:contentPart>
+        </mc:Choice>
+        <mc:Fallback>
+          <p:pic>
+            <p:nvPicPr>
+              <p:cNvPr id="43" name="Ink 42">
+                <a:extLst>
+                  <a:ext uri="{FF2B5EF4-FFF2-40B4-BE49-F238E27FC236}">
+                    <a16:creationId xmlns:a16="http://schemas.microsoft.com/office/drawing/2014/main" id="{A4FF5587-4309-7BA5-16F1-EFD415FECBB8}"/>
+                  </a:ext>
+                </a:extLst>
+              </p:cNvPr>
+              <p:cNvPicPr/>
+              <p:nvPr/>
+            </p:nvPicPr>
+            <p:blipFill>
+              <a:blip r:embed="rId67"/>
+              <a:stretch>
+                <a:fillRect/>
+              </a:stretch>
+            </p:blipFill>
+            <p:spPr>
+              <a:xfrm>
+                <a:off x="2454910" y="3222470"/>
+                <a:ext cx="156960" cy="19080"/>
+              </a:xfrm>
+              <a:prstGeom prst="rect">
+                <a:avLst/>
+              </a:prstGeom>
+            </p:spPr>
+          </p:pic>
+        </mc:Fallback>
+      </mc:AlternateContent>
+      <mc:AlternateContent xmlns:mc="http://schemas.openxmlformats.org/markup-compatibility/2006">
+        <mc:Choice xmlns:p14="http://schemas.microsoft.com/office/powerpoint/2010/main" Requires="p14">
+          <p:contentPart p14:bwMode="auto" r:id="rId68">
+            <p14:nvContentPartPr>
+              <p14:cNvPr id="44" name="Ink 43">
+                <a:extLst>
+                  <a:ext uri="{FF2B5EF4-FFF2-40B4-BE49-F238E27FC236}">
+                    <a16:creationId xmlns:a16="http://schemas.microsoft.com/office/drawing/2014/main" id="{4DBC98E7-6882-7E9F-6A9C-41CCC4D6AA1F}"/>
+                  </a:ext>
+                </a:extLst>
+              </p14:cNvPr>
+              <p14:cNvContentPartPr/>
+              <p14:nvPr/>
+            </p14:nvContentPartPr>
+            <p14:xfrm>
+              <a:off x="3001390" y="3235430"/>
+              <a:ext cx="135360" cy="7560"/>
+            </p14:xfrm>
+          </p:contentPart>
+        </mc:Choice>
+        <mc:Fallback>
+          <p:pic>
+            <p:nvPicPr>
+              <p:cNvPr id="44" name="Ink 43">
+                <a:extLst>
+                  <a:ext uri="{FF2B5EF4-FFF2-40B4-BE49-F238E27FC236}">
+                    <a16:creationId xmlns:a16="http://schemas.microsoft.com/office/drawing/2014/main" id="{4DBC98E7-6882-7E9F-6A9C-41CCC4D6AA1F}"/>
+                  </a:ext>
+                </a:extLst>
+              </p:cNvPr>
+              <p:cNvPicPr/>
+              <p:nvPr/>
+            </p:nvPicPr>
+            <p:blipFill>
+              <a:blip r:embed="rId69"/>
+              <a:stretch>
+                <a:fillRect/>
+              </a:stretch>
+            </p:blipFill>
+            <p:spPr>
+              <a:xfrm>
+                <a:off x="2995270" y="3229310"/>
+                <a:ext cx="147600" cy="19800"/>
+              </a:xfrm>
+              <a:prstGeom prst="rect">
+                <a:avLst/>
+              </a:prstGeom>
+            </p:spPr>
+          </p:pic>
+        </mc:Fallback>
+      </mc:AlternateContent>
+      <p:grpSp>
+        <p:nvGrpSpPr>
+          <p:cNvPr id="50" name="Group 49">
+            <a:extLst>
+              <a:ext uri="{FF2B5EF4-FFF2-40B4-BE49-F238E27FC236}">
+                <a16:creationId xmlns:a16="http://schemas.microsoft.com/office/drawing/2014/main" id="{51FD59BD-FDE6-BDDE-7E16-2BD7BC8DE69A}"/>
+              </a:ext>
+            </a:extLst>
+          </p:cNvPr>
+          <p:cNvGrpSpPr/>
+          <p:nvPr/>
+        </p:nvGrpSpPr>
+        <p:grpSpPr>
+          <a:xfrm>
+            <a:off x="7231390" y="3346670"/>
+            <a:ext cx="873360" cy="191520"/>
+            <a:chOff x="7231390" y="3346670"/>
+            <a:chExt cx="873360" cy="191520"/>
+          </a:xfrm>
+        </p:grpSpPr>
+        <mc:AlternateContent xmlns:mc="http://schemas.openxmlformats.org/markup-compatibility/2006">
+          <mc:Choice xmlns:p14="http://schemas.microsoft.com/office/powerpoint/2010/main" Requires="p14">
+            <p:contentPart p14:bwMode="auto" r:id="rId70">
+              <p14:nvContentPartPr>
+                <p14:cNvPr id="45" name="Ink 44">
+                  <a:extLst>
+                    <a:ext uri="{FF2B5EF4-FFF2-40B4-BE49-F238E27FC236}">
+                      <a16:creationId xmlns:a16="http://schemas.microsoft.com/office/drawing/2014/main" id="{36D7030A-7F22-4527-77DD-6BF9E67A19A9}"/>
+                    </a:ext>
+                  </a:extLst>
+                </p14:cNvPr>
+                <p14:cNvContentPartPr/>
+                <p14:nvPr/>
+              </p14:nvContentPartPr>
+              <p14:xfrm>
+                <a:off x="7231390" y="3346670"/>
+                <a:ext cx="125280" cy="186840"/>
+              </p14:xfrm>
+            </p:contentPart>
+          </mc:Choice>
+          <mc:Fallback>
+            <p:pic>
+              <p:nvPicPr>
+                <p:cNvPr id="45" name="Ink 44">
+                  <a:extLst>
+                    <a:ext uri="{FF2B5EF4-FFF2-40B4-BE49-F238E27FC236}">
+                      <a16:creationId xmlns:a16="http://schemas.microsoft.com/office/drawing/2014/main" id="{36D7030A-7F22-4527-77DD-6BF9E67A19A9}"/>
+                    </a:ext>
+                  </a:extLst>
+                </p:cNvPr>
+                <p:cNvPicPr/>
+                <p:nvPr/>
+              </p:nvPicPr>
+              <p:blipFill>
+                <a:blip r:embed="rId71"/>
+                <a:stretch>
+                  <a:fillRect/>
+                </a:stretch>
+              </p:blipFill>
+              <p:spPr>
+                <a:xfrm>
+                  <a:off x="7225270" y="3340550"/>
+                  <a:ext cx="137520" cy="199080"/>
+                </a:xfrm>
+                <a:prstGeom prst="rect">
+                  <a:avLst/>
+                </a:prstGeom>
+              </p:spPr>
+            </p:pic>
+          </mc:Fallback>
+        </mc:AlternateContent>
+        <mc:AlternateContent xmlns:mc="http://schemas.openxmlformats.org/markup-compatibility/2006">
+          <mc:Choice xmlns:p14="http://schemas.microsoft.com/office/powerpoint/2010/main" Requires="p14">
+            <p:contentPart p14:bwMode="auto" r:id="rId72">
+              <p14:nvContentPartPr>
+                <p14:cNvPr id="46" name="Ink 45">
+                  <a:extLst>
+                    <a:ext uri="{FF2B5EF4-FFF2-40B4-BE49-F238E27FC236}">
+                      <a16:creationId xmlns:a16="http://schemas.microsoft.com/office/drawing/2014/main" id="{288D0C6E-9A11-7126-51A6-2FFF951C1F5B}"/>
+                    </a:ext>
+                  </a:extLst>
+                </p14:cNvPr>
+                <p14:cNvContentPartPr/>
+                <p14:nvPr/>
+              </p14:nvContentPartPr>
+              <p14:xfrm>
+                <a:off x="7302670" y="3353510"/>
+                <a:ext cx="158760" cy="27720"/>
+              </p14:xfrm>
+            </p:contentPart>
+          </mc:Choice>
+          <mc:Fallback>
+            <p:pic>
+              <p:nvPicPr>
+                <p:cNvPr id="46" name="Ink 45">
+                  <a:extLst>
+                    <a:ext uri="{FF2B5EF4-FFF2-40B4-BE49-F238E27FC236}">
+                      <a16:creationId xmlns:a16="http://schemas.microsoft.com/office/drawing/2014/main" id="{288D0C6E-9A11-7126-51A6-2FFF951C1F5B}"/>
+                    </a:ext>
+                  </a:extLst>
+                </p:cNvPr>
+                <p:cNvPicPr/>
+                <p:nvPr/>
+              </p:nvPicPr>
+              <p:blipFill>
+                <a:blip r:embed="rId73"/>
+                <a:stretch>
+                  <a:fillRect/>
+                </a:stretch>
+              </p:blipFill>
+              <p:spPr>
+                <a:xfrm>
+                  <a:off x="7296550" y="3347390"/>
+                  <a:ext cx="171000" cy="39960"/>
+                </a:xfrm>
+                <a:prstGeom prst="rect">
+                  <a:avLst/>
+                </a:prstGeom>
+              </p:spPr>
+            </p:pic>
+          </mc:Fallback>
+        </mc:AlternateContent>
+        <mc:AlternateContent xmlns:mc="http://schemas.openxmlformats.org/markup-compatibility/2006">
+          <mc:Choice xmlns:p14="http://schemas.microsoft.com/office/powerpoint/2010/main" Requires="p14">
+            <p:contentPart p14:bwMode="auto" r:id="rId74">
+              <p14:nvContentPartPr>
+                <p14:cNvPr id="47" name="Ink 46">
+                  <a:extLst>
+                    <a:ext uri="{FF2B5EF4-FFF2-40B4-BE49-F238E27FC236}">
+                      <a16:creationId xmlns:a16="http://schemas.microsoft.com/office/drawing/2014/main" id="{70FDD8A8-FC08-755B-7CED-326581722FB4}"/>
+                    </a:ext>
+                  </a:extLst>
+                </p14:cNvPr>
+                <p14:cNvContentPartPr/>
+                <p14:nvPr/>
+              </p14:nvContentPartPr>
+              <p14:xfrm>
+                <a:off x="7568710" y="3447470"/>
+                <a:ext cx="97200" cy="8640"/>
+              </p14:xfrm>
+            </p:contentPart>
+          </mc:Choice>
+          <mc:Fallback>
+            <p:pic>
+              <p:nvPicPr>
+                <p:cNvPr id="47" name="Ink 46">
+                  <a:extLst>
+                    <a:ext uri="{FF2B5EF4-FFF2-40B4-BE49-F238E27FC236}">
+                      <a16:creationId xmlns:a16="http://schemas.microsoft.com/office/drawing/2014/main" id="{70FDD8A8-FC08-755B-7CED-326581722FB4}"/>
+                    </a:ext>
+                  </a:extLst>
+                </p:cNvPr>
+                <p:cNvPicPr/>
+                <p:nvPr/>
+              </p:nvPicPr>
+              <p:blipFill>
+                <a:blip r:embed="rId75"/>
+                <a:stretch>
+                  <a:fillRect/>
+                </a:stretch>
+              </p:blipFill>
+              <p:spPr>
+                <a:xfrm>
+                  <a:off x="7562590" y="3441350"/>
+                  <a:ext cx="109440" cy="20880"/>
+                </a:xfrm>
+                <a:prstGeom prst="rect">
+                  <a:avLst/>
+                </a:prstGeom>
+              </p:spPr>
+            </p:pic>
+          </mc:Fallback>
+        </mc:AlternateContent>
+        <mc:AlternateContent xmlns:mc="http://schemas.openxmlformats.org/markup-compatibility/2006">
+          <mc:Choice xmlns:p14="http://schemas.microsoft.com/office/powerpoint/2010/main" Requires="p14">
+            <p:contentPart p14:bwMode="auto" r:id="rId76">
+              <p14:nvContentPartPr>
+                <p14:cNvPr id="48" name="Ink 47">
+                  <a:extLst>
+                    <a:ext uri="{FF2B5EF4-FFF2-40B4-BE49-F238E27FC236}">
+                      <a16:creationId xmlns:a16="http://schemas.microsoft.com/office/drawing/2014/main" id="{A9D59464-6908-49B6-B1B4-F2A44E55A861}"/>
+                    </a:ext>
+                  </a:extLst>
+                </p14:cNvPr>
+                <p14:cNvContentPartPr/>
+                <p14:nvPr/>
+              </p14:nvContentPartPr>
+              <p14:xfrm>
+                <a:off x="7762390" y="3369710"/>
+                <a:ext cx="87120" cy="168480"/>
+              </p14:xfrm>
+            </p:contentPart>
+          </mc:Choice>
+          <mc:Fallback>
+            <p:pic>
+              <p:nvPicPr>
+                <p:cNvPr id="48" name="Ink 47">
+                  <a:extLst>
+                    <a:ext uri="{FF2B5EF4-FFF2-40B4-BE49-F238E27FC236}">
+                      <a16:creationId xmlns:a16="http://schemas.microsoft.com/office/drawing/2014/main" id="{A9D59464-6908-49B6-B1B4-F2A44E55A861}"/>
+                    </a:ext>
+                  </a:extLst>
+                </p:cNvPr>
+                <p:cNvPicPr/>
+                <p:nvPr/>
+              </p:nvPicPr>
+              <p:blipFill>
+                <a:blip r:embed="rId77"/>
+                <a:stretch>
+                  <a:fillRect/>
+                </a:stretch>
+              </p:blipFill>
+              <p:spPr>
+                <a:xfrm>
+                  <a:off x="7756270" y="3363590"/>
+                  <a:ext cx="99360" cy="180720"/>
+                </a:xfrm>
+                <a:prstGeom prst="rect">
+                  <a:avLst/>
+                </a:prstGeom>
+              </p:spPr>
+            </p:pic>
+          </mc:Fallback>
+        </mc:AlternateContent>
+        <mc:AlternateContent xmlns:mc="http://schemas.openxmlformats.org/markup-compatibility/2006">
+          <mc:Choice xmlns:p14="http://schemas.microsoft.com/office/powerpoint/2010/main" Requires="p14">
+            <p:contentPart p14:bwMode="auto" r:id="rId78">
+              <p14:nvContentPartPr>
+                <p14:cNvPr id="49" name="Ink 48">
+                  <a:extLst>
+                    <a:ext uri="{FF2B5EF4-FFF2-40B4-BE49-F238E27FC236}">
+                      <a16:creationId xmlns:a16="http://schemas.microsoft.com/office/drawing/2014/main" id="{2064BD43-A4B0-F177-324A-350F29CB9E7E}"/>
+                    </a:ext>
+                  </a:extLst>
+                </p14:cNvPr>
+                <p14:cNvContentPartPr/>
+                <p14:nvPr/>
+              </p14:nvContentPartPr>
+              <p14:xfrm>
+                <a:off x="7903870" y="3380150"/>
+                <a:ext cx="200880" cy="101160"/>
+              </p14:xfrm>
+            </p:contentPart>
+          </mc:Choice>
+          <mc:Fallback>
+            <p:pic>
+              <p:nvPicPr>
+                <p:cNvPr id="49" name="Ink 48">
+                  <a:extLst>
+                    <a:ext uri="{FF2B5EF4-FFF2-40B4-BE49-F238E27FC236}">
+                      <a16:creationId xmlns:a16="http://schemas.microsoft.com/office/drawing/2014/main" id="{2064BD43-A4B0-F177-324A-350F29CB9E7E}"/>
+                    </a:ext>
+                  </a:extLst>
+                </p:cNvPr>
+                <p:cNvPicPr/>
+                <p:nvPr/>
+              </p:nvPicPr>
+              <p:blipFill>
+                <a:blip r:embed="rId79"/>
+                <a:stretch>
+                  <a:fillRect/>
+                </a:stretch>
+              </p:blipFill>
+              <p:spPr>
+                <a:xfrm>
+                  <a:off x="7897750" y="3374030"/>
+                  <a:ext cx="213120" cy="113400"/>
+                </a:xfrm>
+                <a:prstGeom prst="rect">
+                  <a:avLst/>
+                </a:prstGeom>
+              </p:spPr>
+            </p:pic>
+          </mc:Fallback>
+        </mc:AlternateContent>
+      </p:grpSp>
+      <mc:AlternateContent xmlns:mc="http://schemas.openxmlformats.org/markup-compatibility/2006">
+        <mc:Choice xmlns:p14="http://schemas.microsoft.com/office/powerpoint/2010/main" Requires="p14">
+          <p:contentPart p14:bwMode="auto" r:id="rId80">
+            <p14:nvContentPartPr>
+              <p14:cNvPr id="51" name="Ink 50">
+                <a:extLst>
+                  <a:ext uri="{FF2B5EF4-FFF2-40B4-BE49-F238E27FC236}">
+                    <a16:creationId xmlns:a16="http://schemas.microsoft.com/office/drawing/2014/main" id="{BE8A41E7-90AF-4531-10EF-5E8B9F087798}"/>
+                  </a:ext>
+                </a:extLst>
+              </p14:cNvPr>
+              <p14:cNvContentPartPr/>
+              <p14:nvPr/>
+            </p14:nvContentPartPr>
+            <p14:xfrm>
+              <a:off x="7326430" y="3685430"/>
+              <a:ext cx="11880" cy="138240"/>
+            </p14:xfrm>
+          </p:contentPart>
+        </mc:Choice>
+        <mc:Fallback>
+          <p:pic>
+            <p:nvPicPr>
+              <p:cNvPr id="51" name="Ink 50">
+                <a:extLst>
+                  <a:ext uri="{FF2B5EF4-FFF2-40B4-BE49-F238E27FC236}">
+                    <a16:creationId xmlns:a16="http://schemas.microsoft.com/office/drawing/2014/main" id="{BE8A41E7-90AF-4531-10EF-5E8B9F087798}"/>
+                  </a:ext>
+                </a:extLst>
+              </p:cNvPr>
+              <p:cNvPicPr/>
+              <p:nvPr/>
+            </p:nvPicPr>
+            <p:blipFill>
+              <a:blip r:embed="rId81"/>
+              <a:stretch>
+                <a:fillRect/>
+              </a:stretch>
+            </p:blipFill>
+            <p:spPr>
+              <a:xfrm>
+                <a:off x="7320310" y="3679310"/>
+                <a:ext cx="24120" cy="150480"/>
+              </a:xfrm>
+              <a:prstGeom prst="rect">
+                <a:avLst/>
+              </a:prstGeom>
+            </p:spPr>
+          </p:pic>
+        </mc:Fallback>
+      </mc:AlternateContent>
+      <p:grpSp>
+        <p:nvGrpSpPr>
+          <p:cNvPr id="55" name="Group 54">
+            <a:extLst>
+              <a:ext uri="{FF2B5EF4-FFF2-40B4-BE49-F238E27FC236}">
+                <a16:creationId xmlns:a16="http://schemas.microsoft.com/office/drawing/2014/main" id="{ED60792C-69F8-6548-D860-ECE741C42A76}"/>
+              </a:ext>
+            </a:extLst>
+          </p:cNvPr>
+          <p:cNvGrpSpPr/>
+          <p:nvPr/>
+        </p:nvGrpSpPr>
+        <p:grpSpPr>
+          <a:xfrm>
+            <a:off x="7502110" y="3682550"/>
+            <a:ext cx="472320" cy="164880"/>
+            <a:chOff x="7502110" y="3682550"/>
+            <a:chExt cx="472320" cy="164880"/>
+          </a:xfrm>
+        </p:grpSpPr>
+        <mc:AlternateContent xmlns:mc="http://schemas.openxmlformats.org/markup-compatibility/2006">
+          <mc:Choice xmlns:p14="http://schemas.microsoft.com/office/powerpoint/2010/main" Requires="p14">
+            <p:contentPart p14:bwMode="auto" r:id="rId82">
+              <p14:nvContentPartPr>
+                <p14:cNvPr id="52" name="Ink 51">
+                  <a:extLst>
+                    <a:ext uri="{FF2B5EF4-FFF2-40B4-BE49-F238E27FC236}">
+                      <a16:creationId xmlns:a16="http://schemas.microsoft.com/office/drawing/2014/main" id="{3BD43C58-AF3C-732B-DC6E-8E898359B3B4}"/>
+                    </a:ext>
+                  </a:extLst>
+                </p14:cNvPr>
+                <p14:cNvContentPartPr/>
+                <p14:nvPr/>
+              </p14:nvContentPartPr>
+              <p14:xfrm>
+                <a:off x="7502110" y="3748430"/>
+                <a:ext cx="154080" cy="9360"/>
+              </p14:xfrm>
+            </p:contentPart>
+          </mc:Choice>
+          <mc:Fallback>
+            <p:pic>
+              <p:nvPicPr>
+                <p:cNvPr id="52" name="Ink 51">
+                  <a:extLst>
+                    <a:ext uri="{FF2B5EF4-FFF2-40B4-BE49-F238E27FC236}">
+                      <a16:creationId xmlns:a16="http://schemas.microsoft.com/office/drawing/2014/main" id="{3BD43C58-AF3C-732B-DC6E-8E898359B3B4}"/>
+                    </a:ext>
+                  </a:extLst>
+                </p:cNvPr>
+                <p:cNvPicPr/>
+                <p:nvPr/>
+              </p:nvPicPr>
+              <p:blipFill>
+                <a:blip r:embed="rId83"/>
+                <a:stretch>
+                  <a:fillRect/>
+                </a:stretch>
+              </p:blipFill>
+              <p:spPr>
+                <a:xfrm>
+                  <a:off x="7495990" y="3742310"/>
+                  <a:ext cx="166320" cy="21600"/>
+                </a:xfrm>
+                <a:prstGeom prst="rect">
+                  <a:avLst/>
+                </a:prstGeom>
+              </p:spPr>
+            </p:pic>
+          </mc:Fallback>
+        </mc:AlternateContent>
+        <mc:AlternateContent xmlns:mc="http://schemas.openxmlformats.org/markup-compatibility/2006">
+          <mc:Choice xmlns:p14="http://schemas.microsoft.com/office/powerpoint/2010/main" Requires="p14">
+            <p:contentPart p14:bwMode="auto" r:id="rId84">
+              <p14:nvContentPartPr>
+                <p14:cNvPr id="53" name="Ink 52">
+                  <a:extLst>
+                    <a:ext uri="{FF2B5EF4-FFF2-40B4-BE49-F238E27FC236}">
+                      <a16:creationId xmlns:a16="http://schemas.microsoft.com/office/drawing/2014/main" id="{E6D137E4-4294-9B4E-0EAE-49855E61C6BE}"/>
+                    </a:ext>
+                  </a:extLst>
+                </p14:cNvPr>
+                <p14:cNvContentPartPr/>
+                <p14:nvPr/>
+              </p14:nvContentPartPr>
+              <p14:xfrm>
+                <a:off x="7784710" y="3682550"/>
+                <a:ext cx="118800" cy="150480"/>
+              </p14:xfrm>
+            </p:contentPart>
+          </mc:Choice>
+          <mc:Fallback>
+            <p:pic>
+              <p:nvPicPr>
+                <p:cNvPr id="53" name="Ink 52">
+                  <a:extLst>
+                    <a:ext uri="{FF2B5EF4-FFF2-40B4-BE49-F238E27FC236}">
+                      <a16:creationId xmlns:a16="http://schemas.microsoft.com/office/drawing/2014/main" id="{E6D137E4-4294-9B4E-0EAE-49855E61C6BE}"/>
+                    </a:ext>
+                  </a:extLst>
+                </p:cNvPr>
+                <p:cNvPicPr/>
+                <p:nvPr/>
+              </p:nvPicPr>
+              <p:blipFill>
+                <a:blip r:embed="rId85"/>
+                <a:stretch>
+                  <a:fillRect/>
+                </a:stretch>
+              </p:blipFill>
+              <p:spPr>
+                <a:xfrm>
+                  <a:off x="7778590" y="3676430"/>
+                  <a:ext cx="131040" cy="162720"/>
+                </a:xfrm>
+                <a:prstGeom prst="rect">
+                  <a:avLst/>
+                </a:prstGeom>
+              </p:spPr>
+            </p:pic>
+          </mc:Fallback>
+        </mc:AlternateContent>
+        <mc:AlternateContent xmlns:mc="http://schemas.openxmlformats.org/markup-compatibility/2006">
+          <mc:Choice xmlns:p14="http://schemas.microsoft.com/office/powerpoint/2010/main" Requires="p14">
+            <p:contentPart p14:bwMode="auto" r:id="rId86">
+              <p14:nvContentPartPr>
+                <p14:cNvPr id="54" name="Ink 53">
+                  <a:extLst>
+                    <a:ext uri="{FF2B5EF4-FFF2-40B4-BE49-F238E27FC236}">
+                      <a16:creationId xmlns:a16="http://schemas.microsoft.com/office/drawing/2014/main" id="{39A69A01-20E5-8DF8-DB06-C661FE6104D5}"/>
+                    </a:ext>
+                  </a:extLst>
+                </p14:cNvPr>
+                <p14:cNvContentPartPr/>
+                <p14:nvPr/>
+              </p14:nvContentPartPr>
+              <p14:xfrm>
+                <a:off x="7942030" y="3726470"/>
+                <a:ext cx="32400" cy="120960"/>
+              </p14:xfrm>
+            </p:contentPart>
+          </mc:Choice>
+          <mc:Fallback>
+            <p:pic>
+              <p:nvPicPr>
+                <p:cNvPr id="54" name="Ink 53">
+                  <a:extLst>
+                    <a:ext uri="{FF2B5EF4-FFF2-40B4-BE49-F238E27FC236}">
+                      <a16:creationId xmlns:a16="http://schemas.microsoft.com/office/drawing/2014/main" id="{39A69A01-20E5-8DF8-DB06-C661FE6104D5}"/>
+                    </a:ext>
+                  </a:extLst>
+                </p:cNvPr>
+                <p:cNvPicPr/>
+                <p:nvPr/>
+              </p:nvPicPr>
+              <p:blipFill>
+                <a:blip r:embed="rId87"/>
+                <a:stretch>
+                  <a:fillRect/>
+                </a:stretch>
+              </p:blipFill>
+              <p:spPr>
+                <a:xfrm>
+                  <a:off x="7935910" y="3720350"/>
+                  <a:ext cx="44640" cy="133200"/>
+                </a:xfrm>
+                <a:prstGeom prst="rect">
+                  <a:avLst/>
+                </a:prstGeom>
+              </p:spPr>
+            </p:pic>
+          </mc:Fallback>
+        </mc:AlternateContent>
+      </p:grpSp>
+      <p:grpSp>
+        <p:nvGrpSpPr>
+          <p:cNvPr id="77" name="Group 76">
+            <a:extLst>
+              <a:ext uri="{FF2B5EF4-FFF2-40B4-BE49-F238E27FC236}">
+                <a16:creationId xmlns:a16="http://schemas.microsoft.com/office/drawing/2014/main" id="{283FCC4F-6350-D060-AF83-74C6E6A57CD7}"/>
+              </a:ext>
+            </a:extLst>
+          </p:cNvPr>
+          <p:cNvGrpSpPr/>
+          <p:nvPr/>
+        </p:nvGrpSpPr>
+        <p:grpSpPr>
+          <a:xfrm>
+            <a:off x="7273510" y="3996110"/>
+            <a:ext cx="163800" cy="180720"/>
+            <a:chOff x="7273510" y="3996110"/>
+            <a:chExt cx="163800" cy="180720"/>
+          </a:xfrm>
+        </p:grpSpPr>
+        <mc:AlternateContent xmlns:mc="http://schemas.openxmlformats.org/markup-compatibility/2006">
+          <mc:Choice xmlns:p14="http://schemas.microsoft.com/office/powerpoint/2010/main" Requires="p14">
+            <p:contentPart p14:bwMode="auto" r:id="rId88">
+              <p14:nvContentPartPr>
+                <p14:cNvPr id="72" name="Ink 71">
+                  <a:extLst>
+                    <a:ext uri="{FF2B5EF4-FFF2-40B4-BE49-F238E27FC236}">
+                      <a16:creationId xmlns:a16="http://schemas.microsoft.com/office/drawing/2014/main" id="{5D148DAE-ABFB-5C23-6A92-E3BD0F0F3236}"/>
+                    </a:ext>
+                  </a:extLst>
+                </p14:cNvPr>
+                <p14:cNvContentPartPr/>
+                <p14:nvPr/>
+              </p14:nvContentPartPr>
+              <p14:xfrm>
+                <a:off x="7273510" y="3996110"/>
+                <a:ext cx="163800" cy="142200"/>
+              </p14:xfrm>
+            </p:contentPart>
+          </mc:Choice>
+          <mc:Fallback>
+            <p:pic>
+              <p:nvPicPr>
+                <p:cNvPr id="72" name="Ink 71">
+                  <a:extLst>
+                    <a:ext uri="{FF2B5EF4-FFF2-40B4-BE49-F238E27FC236}">
+                      <a16:creationId xmlns:a16="http://schemas.microsoft.com/office/drawing/2014/main" id="{5D148DAE-ABFB-5C23-6A92-E3BD0F0F3236}"/>
+                    </a:ext>
+                  </a:extLst>
+                </p:cNvPr>
+                <p:cNvPicPr/>
+                <p:nvPr/>
+              </p:nvPicPr>
+              <p:blipFill>
+                <a:blip r:embed="rId89"/>
+                <a:stretch>
+                  <a:fillRect/>
+                </a:stretch>
+              </p:blipFill>
+              <p:spPr>
+                <a:xfrm>
+                  <a:off x="7267390" y="3989990"/>
+                  <a:ext cx="176040" cy="154440"/>
+                </a:xfrm>
+                <a:prstGeom prst="rect">
+                  <a:avLst/>
+                </a:prstGeom>
+              </p:spPr>
+            </p:pic>
+          </mc:Fallback>
+        </mc:AlternateContent>
+        <mc:AlternateContent xmlns:mc="http://schemas.openxmlformats.org/markup-compatibility/2006">
+          <mc:Choice xmlns:p14="http://schemas.microsoft.com/office/powerpoint/2010/main" Requires="p14">
+            <p:contentPart p14:bwMode="auto" r:id="rId90">
+              <p14:nvContentPartPr>
+                <p14:cNvPr id="73" name="Ink 72">
+                  <a:extLst>
+                    <a:ext uri="{FF2B5EF4-FFF2-40B4-BE49-F238E27FC236}">
+                      <a16:creationId xmlns:a16="http://schemas.microsoft.com/office/drawing/2014/main" id="{AE744D8B-A2E2-2A05-0060-9FC326188C1F}"/>
+                    </a:ext>
+                  </a:extLst>
+                </p14:cNvPr>
+                <p14:cNvContentPartPr/>
+                <p14:nvPr/>
+              </p14:nvContentPartPr>
+              <p14:xfrm>
+                <a:off x="7377190" y="3996830"/>
+                <a:ext cx="57960" cy="180000"/>
+              </p14:xfrm>
+            </p:contentPart>
+          </mc:Choice>
+          <mc:Fallback>
+            <p:pic>
+              <p:nvPicPr>
+                <p:cNvPr id="73" name="Ink 72">
+                  <a:extLst>
+                    <a:ext uri="{FF2B5EF4-FFF2-40B4-BE49-F238E27FC236}">
+                      <a16:creationId xmlns:a16="http://schemas.microsoft.com/office/drawing/2014/main" id="{AE744D8B-A2E2-2A05-0060-9FC326188C1F}"/>
+                    </a:ext>
+                  </a:extLst>
+                </p:cNvPr>
+                <p:cNvPicPr/>
+                <p:nvPr/>
+              </p:nvPicPr>
+              <p:blipFill>
+                <a:blip r:embed="rId91"/>
+                <a:stretch>
+                  <a:fillRect/>
+                </a:stretch>
+              </p:blipFill>
+              <p:spPr>
+                <a:xfrm>
+                  <a:off x="7371070" y="3990710"/>
+                  <a:ext cx="70200" cy="192240"/>
+                </a:xfrm>
+                <a:prstGeom prst="rect">
+                  <a:avLst/>
+                </a:prstGeom>
+              </p:spPr>
+            </p:pic>
+          </mc:Fallback>
+        </mc:AlternateContent>
+      </p:grpSp>
+      <p:grpSp>
+        <p:nvGrpSpPr>
+          <p:cNvPr id="76" name="Group 75">
+            <a:extLst>
+              <a:ext uri="{FF2B5EF4-FFF2-40B4-BE49-F238E27FC236}">
+                <a16:creationId xmlns:a16="http://schemas.microsoft.com/office/drawing/2014/main" id="{2B4B51B7-D830-7211-85D5-60D25ECBF192}"/>
+              </a:ext>
+            </a:extLst>
+          </p:cNvPr>
+          <p:cNvGrpSpPr/>
+          <p:nvPr/>
+        </p:nvGrpSpPr>
+        <p:grpSpPr>
+          <a:xfrm>
+            <a:off x="7635670" y="4091510"/>
+            <a:ext cx="134640" cy="48240"/>
+            <a:chOff x="7635670" y="4091510"/>
+            <a:chExt cx="134640" cy="48240"/>
+          </a:xfrm>
+        </p:grpSpPr>
+        <mc:AlternateContent xmlns:mc="http://schemas.openxmlformats.org/markup-compatibility/2006">
+          <mc:Choice xmlns:p14="http://schemas.microsoft.com/office/powerpoint/2010/main" Requires="p14">
+            <p:contentPart p14:bwMode="auto" r:id="rId92">
+              <p14:nvContentPartPr>
+                <p14:cNvPr id="74" name="Ink 73">
+                  <a:extLst>
+                    <a:ext uri="{FF2B5EF4-FFF2-40B4-BE49-F238E27FC236}">
+                      <a16:creationId xmlns:a16="http://schemas.microsoft.com/office/drawing/2014/main" id="{60FAA84F-114F-FEE4-8529-75F14C55D96B}"/>
+                    </a:ext>
+                  </a:extLst>
+                </p14:cNvPr>
+                <p14:cNvContentPartPr/>
+                <p14:nvPr/>
+              </p14:nvContentPartPr>
+              <p14:xfrm>
+                <a:off x="7647190" y="4134710"/>
+                <a:ext cx="123120" cy="5040"/>
+              </p14:xfrm>
+            </p:contentPart>
+          </mc:Choice>
+          <mc:Fallback>
+            <p:pic>
+              <p:nvPicPr>
+                <p:cNvPr id="74" name="Ink 73">
+                  <a:extLst>
+                    <a:ext uri="{FF2B5EF4-FFF2-40B4-BE49-F238E27FC236}">
+                      <a16:creationId xmlns:a16="http://schemas.microsoft.com/office/drawing/2014/main" id="{60FAA84F-114F-FEE4-8529-75F14C55D96B}"/>
+                    </a:ext>
+                  </a:extLst>
+                </p:cNvPr>
+                <p:cNvPicPr/>
+                <p:nvPr/>
+              </p:nvPicPr>
+              <p:blipFill>
+                <a:blip r:embed="rId93"/>
+                <a:stretch>
+                  <a:fillRect/>
+                </a:stretch>
+              </p:blipFill>
+              <p:spPr>
+                <a:xfrm>
+                  <a:off x="7641070" y="4128590"/>
+                  <a:ext cx="135360" cy="17280"/>
+                </a:xfrm>
+                <a:prstGeom prst="rect">
+                  <a:avLst/>
+                </a:prstGeom>
+              </p:spPr>
+            </p:pic>
+          </mc:Fallback>
+        </mc:AlternateContent>
+        <mc:AlternateContent xmlns:mc="http://schemas.openxmlformats.org/markup-compatibility/2006">
+          <mc:Choice xmlns:p14="http://schemas.microsoft.com/office/powerpoint/2010/main" Requires="p14">
+            <p:contentPart p14:bwMode="auto" r:id="rId94">
+              <p14:nvContentPartPr>
+                <p14:cNvPr id="75" name="Ink 74">
+                  <a:extLst>
+                    <a:ext uri="{FF2B5EF4-FFF2-40B4-BE49-F238E27FC236}">
+                      <a16:creationId xmlns:a16="http://schemas.microsoft.com/office/drawing/2014/main" id="{85D21AC0-3F8B-E6A1-F5C7-3054E0C38D50}"/>
+                    </a:ext>
+                  </a:extLst>
+                </p14:cNvPr>
+                <p14:cNvContentPartPr/>
+                <p14:nvPr/>
+              </p14:nvContentPartPr>
+              <p14:xfrm>
+                <a:off x="7635670" y="4091510"/>
+                <a:ext cx="116280" cy="7200"/>
+              </p14:xfrm>
+            </p:contentPart>
+          </mc:Choice>
+          <mc:Fallback>
+            <p:pic>
+              <p:nvPicPr>
+                <p:cNvPr id="75" name="Ink 74">
+                  <a:extLst>
+                    <a:ext uri="{FF2B5EF4-FFF2-40B4-BE49-F238E27FC236}">
+                      <a16:creationId xmlns:a16="http://schemas.microsoft.com/office/drawing/2014/main" id="{85D21AC0-3F8B-E6A1-F5C7-3054E0C38D50}"/>
+                    </a:ext>
+                  </a:extLst>
+                </p:cNvPr>
+                <p:cNvPicPr/>
+                <p:nvPr/>
+              </p:nvPicPr>
+              <p:blipFill>
+                <a:blip r:embed="rId95"/>
+                <a:stretch>
+                  <a:fillRect/>
+                </a:stretch>
+              </p:blipFill>
+              <p:spPr>
+                <a:xfrm>
+                  <a:off x="7629550" y="4085390"/>
+                  <a:ext cx="128520" cy="19440"/>
+                </a:xfrm>
+                <a:prstGeom prst="rect">
+                  <a:avLst/>
+                </a:prstGeom>
+              </p:spPr>
+            </p:pic>
+          </mc:Fallback>
+        </mc:AlternateContent>
+      </p:grpSp>
+      <p:grpSp>
+        <p:nvGrpSpPr>
+          <p:cNvPr id="81" name="Group 80">
+            <a:extLst>
+              <a:ext uri="{FF2B5EF4-FFF2-40B4-BE49-F238E27FC236}">
+                <a16:creationId xmlns:a16="http://schemas.microsoft.com/office/drawing/2014/main" id="{E3E7717E-B10D-5822-F78A-8E7E6DC2BC11}"/>
+              </a:ext>
+            </a:extLst>
+          </p:cNvPr>
+          <p:cNvGrpSpPr/>
+          <p:nvPr/>
+        </p:nvGrpSpPr>
+        <p:grpSpPr>
+          <a:xfrm>
+            <a:off x="8007190" y="4000430"/>
+            <a:ext cx="202320" cy="242280"/>
+            <a:chOff x="8007190" y="4000430"/>
+            <a:chExt cx="202320" cy="242280"/>
+          </a:xfrm>
+        </p:grpSpPr>
+        <mc:AlternateContent xmlns:mc="http://schemas.openxmlformats.org/markup-compatibility/2006">
+          <mc:Choice xmlns:p14="http://schemas.microsoft.com/office/powerpoint/2010/main" Requires="p14">
+            <p:contentPart p14:bwMode="auto" r:id="rId96">
+              <p14:nvContentPartPr>
+                <p14:cNvPr id="78" name="Ink 77">
+                  <a:extLst>
+                    <a:ext uri="{FF2B5EF4-FFF2-40B4-BE49-F238E27FC236}">
+                      <a16:creationId xmlns:a16="http://schemas.microsoft.com/office/drawing/2014/main" id="{0FDA9366-933F-69B6-4EE2-29B582C72CD7}"/>
+                    </a:ext>
+                  </a:extLst>
+                </p14:cNvPr>
+                <p14:cNvContentPartPr/>
+                <p14:nvPr/>
+              </p14:nvContentPartPr>
+              <p14:xfrm>
+                <a:off x="8007190" y="4000430"/>
+                <a:ext cx="45360" cy="211680"/>
+              </p14:xfrm>
+            </p:contentPart>
+          </mc:Choice>
+          <mc:Fallback>
+            <p:pic>
+              <p:nvPicPr>
+                <p:cNvPr id="78" name="Ink 77">
+                  <a:extLst>
+                    <a:ext uri="{FF2B5EF4-FFF2-40B4-BE49-F238E27FC236}">
+                      <a16:creationId xmlns:a16="http://schemas.microsoft.com/office/drawing/2014/main" id="{0FDA9366-933F-69B6-4EE2-29B582C72CD7}"/>
+                    </a:ext>
+                  </a:extLst>
+                </p:cNvPr>
+                <p:cNvPicPr/>
+                <p:nvPr/>
+              </p:nvPicPr>
+              <p:blipFill>
+                <a:blip r:embed="rId97"/>
+                <a:stretch>
+                  <a:fillRect/>
+                </a:stretch>
+              </p:blipFill>
+              <p:spPr>
+                <a:xfrm>
+                  <a:off x="8001070" y="3994310"/>
+                  <a:ext cx="57600" cy="223920"/>
+                </a:xfrm>
+                <a:prstGeom prst="rect">
+                  <a:avLst/>
+                </a:prstGeom>
+              </p:spPr>
+            </p:pic>
+          </mc:Fallback>
+        </mc:AlternateContent>
+        <mc:AlternateContent xmlns:mc="http://schemas.openxmlformats.org/markup-compatibility/2006">
+          <mc:Choice xmlns:p14="http://schemas.microsoft.com/office/powerpoint/2010/main" Requires="p14">
+            <p:contentPart p14:bwMode="auto" r:id="rId98">
+              <p14:nvContentPartPr>
+                <p14:cNvPr id="79" name="Ink 78">
+                  <a:extLst>
+                    <a:ext uri="{FF2B5EF4-FFF2-40B4-BE49-F238E27FC236}">
+                      <a16:creationId xmlns:a16="http://schemas.microsoft.com/office/drawing/2014/main" id="{2CDA3909-E015-CC58-B80F-1504DF067F5D}"/>
+                    </a:ext>
+                  </a:extLst>
+                </p14:cNvPr>
+                <p14:cNvContentPartPr/>
+                <p14:nvPr/>
+              </p14:nvContentPartPr>
+              <p14:xfrm>
+                <a:off x="8096110" y="4022750"/>
+                <a:ext cx="113400" cy="165600"/>
+              </p14:xfrm>
+            </p:contentPart>
+          </mc:Choice>
+          <mc:Fallback>
+            <p:pic>
+              <p:nvPicPr>
+                <p:cNvPr id="79" name="Ink 78">
+                  <a:extLst>
+                    <a:ext uri="{FF2B5EF4-FFF2-40B4-BE49-F238E27FC236}">
+                      <a16:creationId xmlns:a16="http://schemas.microsoft.com/office/drawing/2014/main" id="{2CDA3909-E015-CC58-B80F-1504DF067F5D}"/>
+                    </a:ext>
+                  </a:extLst>
+                </p:cNvPr>
+                <p:cNvPicPr/>
+                <p:nvPr/>
+              </p:nvPicPr>
+              <p:blipFill>
+                <a:blip r:embed="rId99"/>
+                <a:stretch>
+                  <a:fillRect/>
+                </a:stretch>
+              </p:blipFill>
+              <p:spPr>
+                <a:xfrm>
+                  <a:off x="8089990" y="4016630"/>
+                  <a:ext cx="125640" cy="177840"/>
+                </a:xfrm>
+                <a:prstGeom prst="rect">
+                  <a:avLst/>
+                </a:prstGeom>
+              </p:spPr>
+            </p:pic>
+          </mc:Fallback>
+        </mc:AlternateContent>
+        <mc:AlternateContent xmlns:mc="http://schemas.openxmlformats.org/markup-compatibility/2006">
+          <mc:Choice xmlns:p14="http://schemas.microsoft.com/office/powerpoint/2010/main" Requires="p14">
+            <p:contentPart p14:bwMode="auto" r:id="rId100">
+              <p14:nvContentPartPr>
+                <p14:cNvPr id="80" name="Ink 79">
+                  <a:extLst>
+                    <a:ext uri="{FF2B5EF4-FFF2-40B4-BE49-F238E27FC236}">
+                      <a16:creationId xmlns:a16="http://schemas.microsoft.com/office/drawing/2014/main" id="{2072B41E-5C27-71E5-DF1A-A06D55402FDC}"/>
+                    </a:ext>
+                  </a:extLst>
+                </p14:cNvPr>
+                <p14:cNvContentPartPr/>
+                <p14:nvPr/>
+              </p14:nvContentPartPr>
+              <p14:xfrm>
+                <a:off x="8159470" y="4088630"/>
+                <a:ext cx="30240" cy="154080"/>
+              </p14:xfrm>
+            </p:contentPart>
+          </mc:Choice>
+          <mc:Fallback>
+            <p:pic>
+              <p:nvPicPr>
+                <p:cNvPr id="80" name="Ink 79">
+                  <a:extLst>
+                    <a:ext uri="{FF2B5EF4-FFF2-40B4-BE49-F238E27FC236}">
+                      <a16:creationId xmlns:a16="http://schemas.microsoft.com/office/drawing/2014/main" id="{2072B41E-5C27-71E5-DF1A-A06D55402FDC}"/>
+                    </a:ext>
+                  </a:extLst>
+                </p:cNvPr>
+                <p:cNvPicPr/>
+                <p:nvPr/>
+              </p:nvPicPr>
+              <p:blipFill>
+                <a:blip r:embed="rId101"/>
+                <a:stretch>
+                  <a:fillRect/>
+                </a:stretch>
+              </p:blipFill>
+              <p:spPr>
+                <a:xfrm>
+                  <a:off x="8153350" y="4082510"/>
+                  <a:ext cx="42480" cy="166320"/>
+                </a:xfrm>
+                <a:prstGeom prst="rect">
+                  <a:avLst/>
+                </a:prstGeom>
+              </p:spPr>
+            </p:pic>
+          </mc:Fallback>
+        </mc:AlternateContent>
+      </p:grpSp>
+      <mc:AlternateContent xmlns:mc="http://schemas.openxmlformats.org/markup-compatibility/2006">
+        <mc:Choice xmlns:p14="http://schemas.microsoft.com/office/powerpoint/2010/main" Requires="p14">
+          <p:contentPart p14:bwMode="auto" r:id="rId102">
+            <p14:nvContentPartPr>
+              <p14:cNvPr id="82" name="Ink 81">
+                <a:extLst>
+                  <a:ext uri="{FF2B5EF4-FFF2-40B4-BE49-F238E27FC236}">
+                    <a16:creationId xmlns:a16="http://schemas.microsoft.com/office/drawing/2014/main" id="{128DAB7C-F90A-F80E-23B6-A5D4A682CCD2}"/>
+                  </a:ext>
+                </a:extLst>
+              </p14:cNvPr>
+              <p14:cNvContentPartPr/>
+              <p14:nvPr/>
+            </p14:nvContentPartPr>
+            <p14:xfrm>
+              <a:off x="7319230" y="4343150"/>
+              <a:ext cx="124920" cy="165240"/>
+            </p14:xfrm>
+          </p:contentPart>
+        </mc:Choice>
+        <mc:Fallback>
+          <p:pic>
+            <p:nvPicPr>
+              <p:cNvPr id="82" name="Ink 81">
+                <a:extLst>
+                  <a:ext uri="{FF2B5EF4-FFF2-40B4-BE49-F238E27FC236}">
+                    <a16:creationId xmlns:a16="http://schemas.microsoft.com/office/drawing/2014/main" id="{128DAB7C-F90A-F80E-23B6-A5D4A682CCD2}"/>
+                  </a:ext>
+                </a:extLst>
+              </p:cNvPr>
+              <p:cNvPicPr/>
+              <p:nvPr/>
+            </p:nvPicPr>
+            <p:blipFill>
+              <a:blip r:embed="rId103"/>
+              <a:stretch>
+                <a:fillRect/>
+              </a:stretch>
+            </p:blipFill>
+            <p:spPr>
+              <a:xfrm>
+                <a:off x="7313110" y="4337030"/>
+                <a:ext cx="137160" cy="177480"/>
+              </a:xfrm>
+              <a:prstGeom prst="rect">
+                <a:avLst/>
+              </a:prstGeom>
+            </p:spPr>
+          </p:pic>
+        </mc:Fallback>
+      </mc:AlternateContent>
+      <mc:AlternateContent xmlns:mc="http://schemas.openxmlformats.org/markup-compatibility/2006">
+        <mc:Choice xmlns:p14="http://schemas.microsoft.com/office/powerpoint/2010/main" Requires="p14">
+          <p:contentPart p14:bwMode="auto" r:id="rId104">
+            <p14:nvContentPartPr>
+              <p14:cNvPr id="83" name="Ink 82">
+                <a:extLst>
+                  <a:ext uri="{FF2B5EF4-FFF2-40B4-BE49-F238E27FC236}">
+                    <a16:creationId xmlns:a16="http://schemas.microsoft.com/office/drawing/2014/main" id="{0D18F16A-A453-D2C0-8911-8379B90DDDFE}"/>
+                  </a:ext>
+                </a:extLst>
+              </p14:cNvPr>
+              <p14:cNvContentPartPr/>
+              <p14:nvPr/>
+            </p14:nvContentPartPr>
+            <p14:xfrm>
+              <a:off x="7692910" y="4462670"/>
+              <a:ext cx="87840" cy="12600"/>
+            </p14:xfrm>
+          </p:contentPart>
+        </mc:Choice>
+        <mc:Fallback>
+          <p:pic>
+            <p:nvPicPr>
+              <p:cNvPr id="83" name="Ink 82">
+                <a:extLst>
+                  <a:ext uri="{FF2B5EF4-FFF2-40B4-BE49-F238E27FC236}">
+                    <a16:creationId xmlns:a16="http://schemas.microsoft.com/office/drawing/2014/main" id="{0D18F16A-A453-D2C0-8911-8379B90DDDFE}"/>
+                  </a:ext>
+                </a:extLst>
+              </p:cNvPr>
+              <p:cNvPicPr/>
+              <p:nvPr/>
+            </p:nvPicPr>
+            <p:blipFill>
+              <a:blip r:embed="rId105"/>
+              <a:stretch>
+                <a:fillRect/>
+              </a:stretch>
+            </p:blipFill>
+            <p:spPr>
+              <a:xfrm>
+                <a:off x="7686790" y="4456550"/>
+                <a:ext cx="100080" cy="24840"/>
+              </a:xfrm>
+              <a:prstGeom prst="rect">
+                <a:avLst/>
+              </a:prstGeom>
+            </p:spPr>
+          </p:pic>
+        </mc:Fallback>
+      </mc:AlternateContent>
+      <p:grpSp>
+        <p:nvGrpSpPr>
+          <p:cNvPr id="86" name="Group 85">
+            <a:extLst>
+              <a:ext uri="{FF2B5EF4-FFF2-40B4-BE49-F238E27FC236}">
+                <a16:creationId xmlns:a16="http://schemas.microsoft.com/office/drawing/2014/main" id="{4186E95D-16C8-37FA-4EB9-452D9A1F0393}"/>
+              </a:ext>
+            </a:extLst>
+          </p:cNvPr>
+          <p:cNvGrpSpPr/>
+          <p:nvPr/>
+        </p:nvGrpSpPr>
+        <p:grpSpPr>
+          <a:xfrm>
+            <a:off x="8019070" y="4369790"/>
+            <a:ext cx="279360" cy="185400"/>
+            <a:chOff x="8019070" y="4369790"/>
+            <a:chExt cx="279360" cy="185400"/>
+          </a:xfrm>
+        </p:grpSpPr>
+        <mc:AlternateContent xmlns:mc="http://schemas.openxmlformats.org/markup-compatibility/2006">
+          <mc:Choice xmlns:p14="http://schemas.microsoft.com/office/powerpoint/2010/main" Requires="p14">
+            <p:contentPart p14:bwMode="auto" r:id="rId106">
+              <p14:nvContentPartPr>
+                <p14:cNvPr id="84" name="Ink 83">
+                  <a:extLst>
+                    <a:ext uri="{FF2B5EF4-FFF2-40B4-BE49-F238E27FC236}">
+                      <a16:creationId xmlns:a16="http://schemas.microsoft.com/office/drawing/2014/main" id="{B7AD746C-04D8-AF30-BFB9-F1D3D1848173}"/>
+                    </a:ext>
+                  </a:extLst>
+                </p14:cNvPr>
+                <p14:cNvContentPartPr/>
+                <p14:nvPr/>
+              </p14:nvContentPartPr>
+              <p14:xfrm>
+                <a:off x="8019070" y="4369790"/>
+                <a:ext cx="81000" cy="180360"/>
+              </p14:xfrm>
+            </p:contentPart>
+          </mc:Choice>
+          <mc:Fallback>
+            <p:pic>
+              <p:nvPicPr>
+                <p:cNvPr id="84" name="Ink 83">
+                  <a:extLst>
+                    <a:ext uri="{FF2B5EF4-FFF2-40B4-BE49-F238E27FC236}">
+                      <a16:creationId xmlns:a16="http://schemas.microsoft.com/office/drawing/2014/main" id="{B7AD746C-04D8-AF30-BFB9-F1D3D1848173}"/>
+                    </a:ext>
+                  </a:extLst>
+                </p:cNvPr>
+                <p:cNvPicPr/>
+                <p:nvPr/>
+              </p:nvPicPr>
+              <p:blipFill>
+                <a:blip r:embed="rId107"/>
+                <a:stretch>
+                  <a:fillRect/>
+                </a:stretch>
+              </p:blipFill>
+              <p:spPr>
+                <a:xfrm>
+                  <a:off x="8012950" y="4363670"/>
+                  <a:ext cx="93240" cy="192600"/>
+                </a:xfrm>
+                <a:prstGeom prst="rect">
+                  <a:avLst/>
+                </a:prstGeom>
+              </p:spPr>
+            </p:pic>
+          </mc:Fallback>
+        </mc:AlternateContent>
+        <mc:AlternateContent xmlns:mc="http://schemas.openxmlformats.org/markup-compatibility/2006">
+          <mc:Choice xmlns:p14="http://schemas.microsoft.com/office/powerpoint/2010/main" Requires="p14">
+            <p:contentPart p14:bwMode="auto" r:id="rId108">
+              <p14:nvContentPartPr>
+                <p14:cNvPr id="85" name="Ink 84">
+                  <a:extLst>
+                    <a:ext uri="{FF2B5EF4-FFF2-40B4-BE49-F238E27FC236}">
+                      <a16:creationId xmlns:a16="http://schemas.microsoft.com/office/drawing/2014/main" id="{F6D7E83B-BF5B-9FD9-CAFB-660B13FFBD59}"/>
+                    </a:ext>
+                  </a:extLst>
+                </p14:cNvPr>
+                <p14:cNvContentPartPr/>
+                <p14:nvPr/>
+              </p14:nvContentPartPr>
+              <p14:xfrm>
+                <a:off x="8215630" y="4394630"/>
+                <a:ext cx="82800" cy="160560"/>
+              </p14:xfrm>
+            </p:contentPart>
+          </mc:Choice>
+          <mc:Fallback>
+            <p:pic>
+              <p:nvPicPr>
+                <p:cNvPr id="85" name="Ink 84">
+                  <a:extLst>
+                    <a:ext uri="{FF2B5EF4-FFF2-40B4-BE49-F238E27FC236}">
+                      <a16:creationId xmlns:a16="http://schemas.microsoft.com/office/drawing/2014/main" id="{F6D7E83B-BF5B-9FD9-CAFB-660B13FFBD59}"/>
+                    </a:ext>
+                  </a:extLst>
+                </p:cNvPr>
+                <p:cNvPicPr/>
+                <p:nvPr/>
+              </p:nvPicPr>
+              <p:blipFill>
+                <a:blip r:embed="rId109"/>
+                <a:stretch>
+                  <a:fillRect/>
+                </a:stretch>
+              </p:blipFill>
+              <p:spPr>
+                <a:xfrm>
+                  <a:off x="8209510" y="4388510"/>
+                  <a:ext cx="95040" cy="172800"/>
+                </a:xfrm>
+                <a:prstGeom prst="rect">
+                  <a:avLst/>
+                </a:prstGeom>
+              </p:spPr>
+            </p:pic>
+          </mc:Fallback>
+        </mc:AlternateContent>
+      </p:grpSp>
+      <p:grpSp>
+        <p:nvGrpSpPr>
+          <p:cNvPr id="92" name="Group 91">
+            <a:extLst>
+              <a:ext uri="{FF2B5EF4-FFF2-40B4-BE49-F238E27FC236}">
+                <a16:creationId xmlns:a16="http://schemas.microsoft.com/office/drawing/2014/main" id="{A7197F71-DFF6-327F-1D10-40BFC1CEB80C}"/>
+              </a:ext>
+            </a:extLst>
+          </p:cNvPr>
+          <p:cNvGrpSpPr/>
+          <p:nvPr/>
+        </p:nvGrpSpPr>
+        <p:grpSpPr>
+          <a:xfrm>
+            <a:off x="7724590" y="4709990"/>
+            <a:ext cx="510480" cy="184320"/>
+            <a:chOff x="7724590" y="4709990"/>
+            <a:chExt cx="510480" cy="184320"/>
+          </a:xfrm>
+        </p:grpSpPr>
+        <mc:AlternateContent xmlns:mc="http://schemas.openxmlformats.org/markup-compatibility/2006">
+          <mc:Choice xmlns:p14="http://schemas.microsoft.com/office/powerpoint/2010/main" Requires="p14">
+            <p:contentPart p14:bwMode="auto" r:id="rId110">
+              <p14:nvContentPartPr>
+                <p14:cNvPr id="87" name="Ink 86">
+                  <a:extLst>
+                    <a:ext uri="{FF2B5EF4-FFF2-40B4-BE49-F238E27FC236}">
+                      <a16:creationId xmlns:a16="http://schemas.microsoft.com/office/drawing/2014/main" id="{C8B6A215-4626-BCFE-4B61-F3A8ECD852B8}"/>
+                    </a:ext>
+                  </a:extLst>
+                </p14:cNvPr>
+                <p14:cNvContentPartPr/>
+                <p14:nvPr/>
+              </p14:nvContentPartPr>
+              <p14:xfrm>
+                <a:off x="7724590" y="4803590"/>
+                <a:ext cx="161280" cy="6840"/>
+              </p14:xfrm>
+            </p:contentPart>
+          </mc:Choice>
+          <mc:Fallback>
+            <p:pic>
+              <p:nvPicPr>
+                <p:cNvPr id="87" name="Ink 86">
+                  <a:extLst>
+                    <a:ext uri="{FF2B5EF4-FFF2-40B4-BE49-F238E27FC236}">
+                      <a16:creationId xmlns:a16="http://schemas.microsoft.com/office/drawing/2014/main" id="{C8B6A215-4626-BCFE-4B61-F3A8ECD852B8}"/>
+                    </a:ext>
+                  </a:extLst>
+                </p:cNvPr>
+                <p:cNvPicPr/>
+                <p:nvPr/>
+              </p:nvPicPr>
+              <p:blipFill>
+                <a:blip r:embed="rId111"/>
+                <a:stretch>
+                  <a:fillRect/>
+                </a:stretch>
+              </p:blipFill>
+              <p:spPr>
+                <a:xfrm>
+                  <a:off x="7718470" y="4797470"/>
+                  <a:ext cx="173520" cy="19080"/>
+                </a:xfrm>
+                <a:prstGeom prst="rect">
+                  <a:avLst/>
+                </a:prstGeom>
+              </p:spPr>
+            </p:pic>
+          </mc:Fallback>
+        </mc:AlternateContent>
+        <mc:AlternateContent xmlns:mc="http://schemas.openxmlformats.org/markup-compatibility/2006">
+          <mc:Choice xmlns:p14="http://schemas.microsoft.com/office/powerpoint/2010/main" Requires="p14">
+            <p:contentPart p14:bwMode="auto" r:id="rId112">
+              <p14:nvContentPartPr>
+                <p14:cNvPr id="88" name="Ink 87">
+                  <a:extLst>
+                    <a:ext uri="{FF2B5EF4-FFF2-40B4-BE49-F238E27FC236}">
+                      <a16:creationId xmlns:a16="http://schemas.microsoft.com/office/drawing/2014/main" id="{E4ABC8A9-3933-FB75-2899-8E88F0B238C3}"/>
+                    </a:ext>
+                  </a:extLst>
+                </p14:cNvPr>
+                <p14:cNvContentPartPr/>
+                <p14:nvPr/>
+              </p14:nvContentPartPr>
+              <p14:xfrm>
+                <a:off x="7995310" y="4715030"/>
+                <a:ext cx="66240" cy="126720"/>
+              </p14:xfrm>
+            </p:contentPart>
+          </mc:Choice>
+          <mc:Fallback>
+            <p:pic>
+              <p:nvPicPr>
+                <p:cNvPr id="88" name="Ink 87">
+                  <a:extLst>
+                    <a:ext uri="{FF2B5EF4-FFF2-40B4-BE49-F238E27FC236}">
+                      <a16:creationId xmlns:a16="http://schemas.microsoft.com/office/drawing/2014/main" id="{E4ABC8A9-3933-FB75-2899-8E88F0B238C3}"/>
+                    </a:ext>
+                  </a:extLst>
+                </p:cNvPr>
+                <p:cNvPicPr/>
+                <p:nvPr/>
+              </p:nvPicPr>
+              <p:blipFill>
+                <a:blip r:embed="rId113"/>
+                <a:stretch>
+                  <a:fillRect/>
+                </a:stretch>
+              </p:blipFill>
+              <p:spPr>
+                <a:xfrm>
+                  <a:off x="7989190" y="4708910"/>
+                  <a:ext cx="78480" cy="138960"/>
+                </a:xfrm>
+                <a:prstGeom prst="rect">
+                  <a:avLst/>
+                </a:prstGeom>
+              </p:spPr>
+            </p:pic>
+          </mc:Fallback>
+        </mc:AlternateContent>
+        <mc:AlternateContent xmlns:mc="http://schemas.openxmlformats.org/markup-compatibility/2006">
+          <mc:Choice xmlns:p14="http://schemas.microsoft.com/office/powerpoint/2010/main" Requires="p14">
+            <p:contentPart p14:bwMode="auto" r:id="rId114">
+              <p14:nvContentPartPr>
+                <p14:cNvPr id="89" name="Ink 88">
+                  <a:extLst>
+                    <a:ext uri="{FF2B5EF4-FFF2-40B4-BE49-F238E27FC236}">
+                      <a16:creationId xmlns:a16="http://schemas.microsoft.com/office/drawing/2014/main" id="{61401717-DC08-1167-2C45-359B307D224E}"/>
+                    </a:ext>
+                  </a:extLst>
+                </p14:cNvPr>
+                <p14:cNvContentPartPr/>
+                <p14:nvPr/>
+              </p14:nvContentPartPr>
+              <p14:xfrm>
+                <a:off x="8061190" y="4709990"/>
+                <a:ext cx="127440" cy="73080"/>
+              </p14:xfrm>
+            </p:contentPart>
+          </mc:Choice>
+          <mc:Fallback>
+            <p:pic>
+              <p:nvPicPr>
+                <p:cNvPr id="89" name="Ink 88">
+                  <a:extLst>
+                    <a:ext uri="{FF2B5EF4-FFF2-40B4-BE49-F238E27FC236}">
+                      <a16:creationId xmlns:a16="http://schemas.microsoft.com/office/drawing/2014/main" id="{61401717-DC08-1167-2C45-359B307D224E}"/>
+                    </a:ext>
+                  </a:extLst>
+                </p:cNvPr>
+                <p:cNvPicPr/>
+                <p:nvPr/>
+              </p:nvPicPr>
+              <p:blipFill>
+                <a:blip r:embed="rId115"/>
+                <a:stretch>
+                  <a:fillRect/>
+                </a:stretch>
+              </p:blipFill>
+              <p:spPr>
+                <a:xfrm>
+                  <a:off x="8055070" y="4703870"/>
+                  <a:ext cx="139680" cy="85320"/>
+                </a:xfrm>
+                <a:prstGeom prst="rect">
+                  <a:avLst/>
+                </a:prstGeom>
+              </p:spPr>
+            </p:pic>
+          </mc:Fallback>
+        </mc:AlternateContent>
+        <mc:AlternateContent xmlns:mc="http://schemas.openxmlformats.org/markup-compatibility/2006">
+          <mc:Choice xmlns:p14="http://schemas.microsoft.com/office/powerpoint/2010/main" Requires="p14">
+            <p:contentPart p14:bwMode="auto" r:id="rId116">
+              <p14:nvContentPartPr>
+                <p14:cNvPr id="90" name="Ink 89">
+                  <a:extLst>
+                    <a:ext uri="{FF2B5EF4-FFF2-40B4-BE49-F238E27FC236}">
+                      <a16:creationId xmlns:a16="http://schemas.microsoft.com/office/drawing/2014/main" id="{080B3F1D-917C-8130-B94E-11210E5D4AC0}"/>
+                    </a:ext>
+                  </a:extLst>
+                </p14:cNvPr>
+                <p14:cNvContentPartPr/>
+                <p14:nvPr/>
+              </p14:nvContentPartPr>
+              <p14:xfrm>
+                <a:off x="8061190" y="4736270"/>
+                <a:ext cx="122760" cy="143640"/>
+              </p14:xfrm>
+            </p:contentPart>
+          </mc:Choice>
+          <mc:Fallback>
+            <p:pic>
+              <p:nvPicPr>
+                <p:cNvPr id="90" name="Ink 89">
+                  <a:extLst>
+                    <a:ext uri="{FF2B5EF4-FFF2-40B4-BE49-F238E27FC236}">
+                      <a16:creationId xmlns:a16="http://schemas.microsoft.com/office/drawing/2014/main" id="{080B3F1D-917C-8130-B94E-11210E5D4AC0}"/>
+                    </a:ext>
+                  </a:extLst>
+                </p:cNvPr>
+                <p:cNvPicPr/>
+                <p:nvPr/>
+              </p:nvPicPr>
+              <p:blipFill>
+                <a:blip r:embed="rId117"/>
+                <a:stretch>
+                  <a:fillRect/>
+                </a:stretch>
+              </p:blipFill>
+              <p:spPr>
+                <a:xfrm>
+                  <a:off x="8055070" y="4730150"/>
+                  <a:ext cx="135000" cy="155880"/>
+                </a:xfrm>
+                <a:prstGeom prst="rect">
+                  <a:avLst/>
+                </a:prstGeom>
+              </p:spPr>
+            </p:pic>
+          </mc:Fallback>
+        </mc:AlternateContent>
+        <mc:AlternateContent xmlns:mc="http://schemas.openxmlformats.org/markup-compatibility/2006">
+          <mc:Choice xmlns:p14="http://schemas.microsoft.com/office/powerpoint/2010/main" Requires="p14">
+            <p:contentPart p14:bwMode="auto" r:id="rId118">
+              <p14:nvContentPartPr>
+                <p14:cNvPr id="91" name="Ink 90">
+                  <a:extLst>
+                    <a:ext uri="{FF2B5EF4-FFF2-40B4-BE49-F238E27FC236}">
+                      <a16:creationId xmlns:a16="http://schemas.microsoft.com/office/drawing/2014/main" id="{0ADEAD44-1020-0D4B-732C-5AA32288CF5F}"/>
+                    </a:ext>
+                  </a:extLst>
+                </p14:cNvPr>
+                <p14:cNvContentPartPr/>
+                <p14:nvPr/>
+              </p14:nvContentPartPr>
+              <p14:xfrm>
+                <a:off x="8205190" y="4772270"/>
+                <a:ext cx="29880" cy="122040"/>
+              </p14:xfrm>
+            </p:contentPart>
+          </mc:Choice>
+          <mc:Fallback>
+            <p:pic>
+              <p:nvPicPr>
+                <p:cNvPr id="91" name="Ink 90">
+                  <a:extLst>
+                    <a:ext uri="{FF2B5EF4-FFF2-40B4-BE49-F238E27FC236}">
+                      <a16:creationId xmlns:a16="http://schemas.microsoft.com/office/drawing/2014/main" id="{0ADEAD44-1020-0D4B-732C-5AA32288CF5F}"/>
+                    </a:ext>
+                  </a:extLst>
+                </p:cNvPr>
+                <p:cNvPicPr/>
+                <p:nvPr/>
+              </p:nvPicPr>
+              <p:blipFill>
+                <a:blip r:embed="rId119"/>
+                <a:stretch>
+                  <a:fillRect/>
+                </a:stretch>
+              </p:blipFill>
+              <p:spPr>
+                <a:xfrm>
+                  <a:off x="8199070" y="4766150"/>
+                  <a:ext cx="42120" cy="134280"/>
+                </a:xfrm>
+                <a:prstGeom prst="rect">
+                  <a:avLst/>
+                </a:prstGeom>
+              </p:spPr>
+            </p:pic>
+          </mc:Fallback>
+        </mc:AlternateContent>
+      </p:grpSp>
+      <mc:AlternateContent xmlns:mc="http://schemas.openxmlformats.org/markup-compatibility/2006">
+        <mc:Choice xmlns:p14="http://schemas.microsoft.com/office/powerpoint/2010/main" Requires="p14">
+          <p:contentPart p14:bwMode="auto" r:id="rId120">
+            <p14:nvContentPartPr>
+              <p14:cNvPr id="93" name="Ink 92">
+                <a:extLst>
+                  <a:ext uri="{FF2B5EF4-FFF2-40B4-BE49-F238E27FC236}">
+                    <a16:creationId xmlns:a16="http://schemas.microsoft.com/office/drawing/2014/main" id="{6F233669-8C50-E24E-CFD6-4BD58B325644}"/>
+                  </a:ext>
+                </a:extLst>
+              </p14:cNvPr>
+              <p14:cNvContentPartPr/>
+              <p14:nvPr/>
+            </p14:nvContentPartPr>
+            <p14:xfrm>
+              <a:off x="7358470" y="4675790"/>
+              <a:ext cx="97560" cy="245520"/>
+            </p14:xfrm>
+          </p:contentPart>
+        </mc:Choice>
+        <mc:Fallback>
+          <p:pic>
+            <p:nvPicPr>
+              <p:cNvPr id="93" name="Ink 92">
+                <a:extLst>
+                  <a:ext uri="{FF2B5EF4-FFF2-40B4-BE49-F238E27FC236}">
+                    <a16:creationId xmlns:a16="http://schemas.microsoft.com/office/drawing/2014/main" id="{6F233669-8C50-E24E-CFD6-4BD58B325644}"/>
+                  </a:ext>
+                </a:extLst>
+              </p:cNvPr>
+              <p:cNvPicPr/>
+              <p:nvPr/>
+            </p:nvPicPr>
+            <p:blipFill>
+              <a:blip r:embed="rId121"/>
+              <a:stretch>
+                <a:fillRect/>
+              </a:stretch>
+            </p:blipFill>
+            <p:spPr>
+              <a:xfrm>
+                <a:off x="7352350" y="4669670"/>
+                <a:ext cx="109800" cy="257760"/>
+              </a:xfrm>
+              <a:prstGeom prst="rect">
+                <a:avLst/>
+              </a:prstGeom>
+            </p:spPr>
+          </p:pic>
+        </mc:Fallback>
+      </mc:AlternateContent>
+      <p:grpSp>
+        <p:nvGrpSpPr>
+          <p:cNvPr id="97" name="Group 96">
+            <a:extLst>
+              <a:ext uri="{FF2B5EF4-FFF2-40B4-BE49-F238E27FC236}">
+                <a16:creationId xmlns:a16="http://schemas.microsoft.com/office/drawing/2014/main" id="{1A57FB04-7B70-7ACB-6243-C0669E363DF1}"/>
+              </a:ext>
+            </a:extLst>
+          </p:cNvPr>
+          <p:cNvGrpSpPr/>
+          <p:nvPr/>
+        </p:nvGrpSpPr>
+        <p:grpSpPr>
+          <a:xfrm>
+            <a:off x="7755550" y="5061710"/>
+            <a:ext cx="441000" cy="150480"/>
+            <a:chOff x="7755550" y="5061710"/>
+            <a:chExt cx="441000" cy="150480"/>
+          </a:xfrm>
+        </p:grpSpPr>
+        <mc:AlternateContent xmlns:mc="http://schemas.openxmlformats.org/markup-compatibility/2006">
+          <mc:Choice xmlns:p14="http://schemas.microsoft.com/office/powerpoint/2010/main" Requires="p14">
+            <p:contentPart p14:bwMode="auto" r:id="rId122">
+              <p14:nvContentPartPr>
+                <p14:cNvPr id="94" name="Ink 93">
+                  <a:extLst>
+                    <a:ext uri="{FF2B5EF4-FFF2-40B4-BE49-F238E27FC236}">
+                      <a16:creationId xmlns:a16="http://schemas.microsoft.com/office/drawing/2014/main" id="{C5CEDF8E-A03F-09CE-1B7B-ED3E4858510F}"/>
+                    </a:ext>
+                  </a:extLst>
+                </p14:cNvPr>
+                <p14:cNvContentPartPr/>
+                <p14:nvPr/>
+              </p14:nvContentPartPr>
+              <p14:xfrm>
+                <a:off x="7755550" y="5104910"/>
+                <a:ext cx="126000" cy="16200"/>
+              </p14:xfrm>
+            </p:contentPart>
+          </mc:Choice>
+          <mc:Fallback>
+            <p:pic>
+              <p:nvPicPr>
+                <p:cNvPr id="94" name="Ink 93">
+                  <a:extLst>
+                    <a:ext uri="{FF2B5EF4-FFF2-40B4-BE49-F238E27FC236}">
+                      <a16:creationId xmlns:a16="http://schemas.microsoft.com/office/drawing/2014/main" id="{C5CEDF8E-A03F-09CE-1B7B-ED3E4858510F}"/>
+                    </a:ext>
+                  </a:extLst>
+                </p:cNvPr>
+                <p:cNvPicPr/>
+                <p:nvPr/>
+              </p:nvPicPr>
+              <p:blipFill>
+                <a:blip r:embed="rId123"/>
+                <a:stretch>
+                  <a:fillRect/>
+                </a:stretch>
+              </p:blipFill>
+              <p:spPr>
+                <a:xfrm>
+                  <a:off x="7749430" y="5098790"/>
+                  <a:ext cx="138240" cy="28440"/>
+                </a:xfrm>
+                <a:prstGeom prst="rect">
+                  <a:avLst/>
+                </a:prstGeom>
+              </p:spPr>
+            </p:pic>
+          </mc:Fallback>
+        </mc:AlternateContent>
+        <mc:AlternateContent xmlns:mc="http://schemas.openxmlformats.org/markup-compatibility/2006">
+          <mc:Choice xmlns:p14="http://schemas.microsoft.com/office/powerpoint/2010/main" Requires="p14">
+            <p:contentPart p14:bwMode="auto" r:id="rId124">
+              <p14:nvContentPartPr>
+                <p14:cNvPr id="95" name="Ink 94">
+                  <a:extLst>
+                    <a:ext uri="{FF2B5EF4-FFF2-40B4-BE49-F238E27FC236}">
+                      <a16:creationId xmlns:a16="http://schemas.microsoft.com/office/drawing/2014/main" id="{744D4B92-A451-2D30-2BB2-31E8EC150D6E}"/>
+                    </a:ext>
+                  </a:extLst>
+                </p14:cNvPr>
+                <p14:cNvContentPartPr/>
+                <p14:nvPr/>
+              </p14:nvContentPartPr>
+              <p14:xfrm>
+                <a:off x="7983790" y="5061710"/>
+                <a:ext cx="108720" cy="139320"/>
+              </p14:xfrm>
+            </p:contentPart>
+          </mc:Choice>
+          <mc:Fallback>
+            <p:pic>
+              <p:nvPicPr>
+                <p:cNvPr id="95" name="Ink 94">
+                  <a:extLst>
+                    <a:ext uri="{FF2B5EF4-FFF2-40B4-BE49-F238E27FC236}">
+                      <a16:creationId xmlns:a16="http://schemas.microsoft.com/office/drawing/2014/main" id="{744D4B92-A451-2D30-2BB2-31E8EC150D6E}"/>
+                    </a:ext>
+                  </a:extLst>
+                </p:cNvPr>
+                <p:cNvPicPr/>
+                <p:nvPr/>
+              </p:nvPicPr>
+              <p:blipFill>
+                <a:blip r:embed="rId125"/>
+                <a:stretch>
+                  <a:fillRect/>
+                </a:stretch>
+              </p:blipFill>
+              <p:spPr>
+                <a:xfrm>
+                  <a:off x="7977670" y="5055590"/>
+                  <a:ext cx="120960" cy="151560"/>
+                </a:xfrm>
+                <a:prstGeom prst="rect">
+                  <a:avLst/>
+                </a:prstGeom>
+              </p:spPr>
+            </p:pic>
+          </mc:Fallback>
+        </mc:AlternateContent>
+        <mc:AlternateContent xmlns:mc="http://schemas.openxmlformats.org/markup-compatibility/2006">
+          <mc:Choice xmlns:p14="http://schemas.microsoft.com/office/powerpoint/2010/main" Requires="p14">
+            <p:contentPart p14:bwMode="auto" r:id="rId126">
+              <p14:nvContentPartPr>
+                <p14:cNvPr id="96" name="Ink 95">
+                  <a:extLst>
+                    <a:ext uri="{FF2B5EF4-FFF2-40B4-BE49-F238E27FC236}">
+                      <a16:creationId xmlns:a16="http://schemas.microsoft.com/office/drawing/2014/main" id="{80329034-131F-4E48-C14F-C17D73C60CB6}"/>
+                    </a:ext>
+                  </a:extLst>
+                </p14:cNvPr>
+                <p14:cNvContentPartPr/>
+                <p14:nvPr/>
+              </p14:nvContentPartPr>
+              <p14:xfrm>
+                <a:off x="8166310" y="5071790"/>
+                <a:ext cx="30240" cy="140400"/>
+              </p14:xfrm>
+            </p:contentPart>
+          </mc:Choice>
+          <mc:Fallback>
+            <p:pic>
+              <p:nvPicPr>
+                <p:cNvPr id="96" name="Ink 95">
+                  <a:extLst>
+                    <a:ext uri="{FF2B5EF4-FFF2-40B4-BE49-F238E27FC236}">
+                      <a16:creationId xmlns:a16="http://schemas.microsoft.com/office/drawing/2014/main" id="{80329034-131F-4E48-C14F-C17D73C60CB6}"/>
+                    </a:ext>
+                  </a:extLst>
+                </p:cNvPr>
+                <p:cNvPicPr/>
+                <p:nvPr/>
+              </p:nvPicPr>
+              <p:blipFill>
+                <a:blip r:embed="rId127"/>
+                <a:stretch>
+                  <a:fillRect/>
+                </a:stretch>
+              </p:blipFill>
+              <p:spPr>
+                <a:xfrm>
+                  <a:off x="8160190" y="5065670"/>
+                  <a:ext cx="42480" cy="152640"/>
+                </a:xfrm>
+                <a:prstGeom prst="rect">
+                  <a:avLst/>
+                </a:prstGeom>
+              </p:spPr>
+            </p:pic>
+          </mc:Fallback>
+        </mc:AlternateContent>
+      </p:grpSp>
+      <mc:AlternateContent xmlns:mc="http://schemas.openxmlformats.org/markup-compatibility/2006">
+        <mc:Choice xmlns:p14="http://schemas.microsoft.com/office/powerpoint/2010/main" Requires="p14">
+          <p:contentPart p14:bwMode="auto" r:id="rId128">
+            <p14:nvContentPartPr>
+              <p14:cNvPr id="98" name="Ink 97">
+                <a:extLst>
+                  <a:ext uri="{FF2B5EF4-FFF2-40B4-BE49-F238E27FC236}">
+                    <a16:creationId xmlns:a16="http://schemas.microsoft.com/office/drawing/2014/main" id="{AFDFB904-F8FB-7871-D059-251C8F895A5D}"/>
+                  </a:ext>
+                </a:extLst>
+              </p14:cNvPr>
+              <p14:cNvContentPartPr/>
+              <p14:nvPr/>
+            </p14:nvContentPartPr>
+            <p14:xfrm>
+              <a:off x="7393030" y="5039030"/>
+              <a:ext cx="180000" cy="225720"/>
+            </p14:xfrm>
+          </p:contentPart>
+        </mc:Choice>
+        <mc:Fallback>
+          <p:pic>
+            <p:nvPicPr>
+              <p:cNvPr id="98" name="Ink 97">
+                <a:extLst>
+                  <a:ext uri="{FF2B5EF4-FFF2-40B4-BE49-F238E27FC236}">
+                    <a16:creationId xmlns:a16="http://schemas.microsoft.com/office/drawing/2014/main" id="{AFDFB904-F8FB-7871-D059-251C8F895A5D}"/>
+                  </a:ext>
+                </a:extLst>
+              </p:cNvPr>
+              <p:cNvPicPr/>
+              <p:nvPr/>
+            </p:nvPicPr>
+            <p:blipFill>
+              <a:blip r:embed="rId129"/>
+              <a:stretch>
+                <a:fillRect/>
+              </a:stretch>
+            </p:blipFill>
+            <p:spPr>
+              <a:xfrm>
+                <a:off x="7386910" y="5032910"/>
+                <a:ext cx="192240" cy="237960"/>
+              </a:xfrm>
+              <a:prstGeom prst="rect">
+                <a:avLst/>
+              </a:prstGeom>
+            </p:spPr>
+          </p:pic>
+        </mc:Fallback>
+      </mc:AlternateContent>
+      <mc:AlternateContent xmlns:mc="http://schemas.openxmlformats.org/markup-compatibility/2006">
+        <mc:Choice xmlns:p14="http://schemas.microsoft.com/office/powerpoint/2010/main" Requires="p14">
+          <p:contentPart p14:bwMode="auto" r:id="rId130">
+            <p14:nvContentPartPr>
+              <p14:cNvPr id="99" name="Ink 98">
+                <a:extLst>
+                  <a:ext uri="{FF2B5EF4-FFF2-40B4-BE49-F238E27FC236}">
+                    <a16:creationId xmlns:a16="http://schemas.microsoft.com/office/drawing/2014/main" id="{90F37632-AFED-5D06-19FB-FD1FEB3F2A4C}"/>
+                  </a:ext>
+                </a:extLst>
+              </p14:cNvPr>
+              <p14:cNvContentPartPr/>
+              <p14:nvPr/>
+            </p14:nvContentPartPr>
+            <p14:xfrm>
+              <a:off x="4829470" y="6496070"/>
+              <a:ext cx="365760" cy="266400"/>
+            </p14:xfrm>
+          </p:contentPart>
+        </mc:Choice>
+        <mc:Fallback>
+          <p:pic>
+            <p:nvPicPr>
+              <p:cNvPr id="99" name="Ink 98">
+                <a:extLst>
+                  <a:ext uri="{FF2B5EF4-FFF2-40B4-BE49-F238E27FC236}">
+                    <a16:creationId xmlns:a16="http://schemas.microsoft.com/office/drawing/2014/main" id="{90F37632-AFED-5D06-19FB-FD1FEB3F2A4C}"/>
+                  </a:ext>
+                </a:extLst>
+              </p:cNvPr>
+              <p:cNvPicPr/>
+              <p:nvPr/>
+            </p:nvPicPr>
+            <p:blipFill>
+              <a:blip r:embed="rId131"/>
+              <a:stretch>
+                <a:fillRect/>
+              </a:stretch>
+            </p:blipFill>
+            <p:spPr>
+              <a:xfrm>
+                <a:off x="4823350" y="6489950"/>
+                <a:ext cx="378000" cy="278640"/>
+              </a:xfrm>
+              <a:prstGeom prst="rect">
+                <a:avLst/>
+              </a:prstGeom>
+            </p:spPr>
+          </p:pic>
+        </mc:Fallback>
+      </mc:AlternateContent>
     </p:spTree>
   </p:cSld>
   <p:clrMapOvr>
@@ -27292,6 +33703,1407 @@
           </a:prstGeom>
         </p:spPr>
       </p:pic>
+      <p:grpSp>
+        <p:nvGrpSpPr>
+          <p:cNvPr id="12" name="Group 11">
+            <a:extLst>
+              <a:ext uri="{FF2B5EF4-FFF2-40B4-BE49-F238E27FC236}">
+                <a16:creationId xmlns:a16="http://schemas.microsoft.com/office/drawing/2014/main" id="{AAE08D29-B4EE-E4EA-DB23-40593B33D9F2}"/>
+              </a:ext>
+            </a:extLst>
+          </p:cNvPr>
+          <p:cNvGrpSpPr/>
+          <p:nvPr/>
+        </p:nvGrpSpPr>
+        <p:grpSpPr>
+          <a:xfrm>
+            <a:off x="6195180" y="2739540"/>
+            <a:ext cx="819360" cy="166680"/>
+            <a:chOff x="6195180" y="2739540"/>
+            <a:chExt cx="819360" cy="166680"/>
+          </a:xfrm>
+        </p:grpSpPr>
+        <mc:AlternateContent xmlns:mc="http://schemas.openxmlformats.org/markup-compatibility/2006">
+          <mc:Choice xmlns:p14="http://schemas.microsoft.com/office/powerpoint/2010/main" Requires="p14">
+            <p:contentPart p14:bwMode="auto" r:id="rId5">
+              <p14:nvContentPartPr>
+                <p14:cNvPr id="2" name="Ink 1">
+                  <a:extLst>
+                    <a:ext uri="{FF2B5EF4-FFF2-40B4-BE49-F238E27FC236}">
+                      <a16:creationId xmlns:a16="http://schemas.microsoft.com/office/drawing/2014/main" id="{2D86AAC8-58ED-5B46-8544-FD81B222B78B}"/>
+                    </a:ext>
+                  </a:extLst>
+                </p14:cNvPr>
+                <p14:cNvContentPartPr/>
+                <p14:nvPr/>
+              </p14:nvContentPartPr>
+              <p14:xfrm>
+                <a:off x="6195180" y="2757540"/>
+                <a:ext cx="100800" cy="148680"/>
+              </p14:xfrm>
+            </p:contentPart>
+          </mc:Choice>
+          <mc:Fallback>
+            <p:pic>
+              <p:nvPicPr>
+                <p:cNvPr id="2" name="Ink 1">
+                  <a:extLst>
+                    <a:ext uri="{FF2B5EF4-FFF2-40B4-BE49-F238E27FC236}">
+                      <a16:creationId xmlns:a16="http://schemas.microsoft.com/office/drawing/2014/main" id="{2D86AAC8-58ED-5B46-8544-FD81B222B78B}"/>
+                    </a:ext>
+                  </a:extLst>
+                </p:cNvPr>
+                <p:cNvPicPr/>
+                <p:nvPr/>
+              </p:nvPicPr>
+              <p:blipFill>
+                <a:blip r:embed="rId6"/>
+                <a:stretch>
+                  <a:fillRect/>
+                </a:stretch>
+              </p:blipFill>
+              <p:spPr>
+                <a:xfrm>
+                  <a:off x="6189060" y="2751420"/>
+                  <a:ext cx="113040" cy="160920"/>
+                </a:xfrm>
+                <a:prstGeom prst="rect">
+                  <a:avLst/>
+                </a:prstGeom>
+              </p:spPr>
+            </p:pic>
+          </mc:Fallback>
+        </mc:AlternateContent>
+        <mc:AlternateContent xmlns:mc="http://schemas.openxmlformats.org/markup-compatibility/2006">
+          <mc:Choice xmlns:p14="http://schemas.microsoft.com/office/powerpoint/2010/main" Requires="p14">
+            <p:contentPart p14:bwMode="auto" r:id="rId7">
+              <p14:nvContentPartPr>
+                <p14:cNvPr id="7" name="Ink 6">
+                  <a:extLst>
+                    <a:ext uri="{FF2B5EF4-FFF2-40B4-BE49-F238E27FC236}">
+                      <a16:creationId xmlns:a16="http://schemas.microsoft.com/office/drawing/2014/main" id="{08D20C0E-D3CA-46CB-B835-C47B65A261D6}"/>
+                    </a:ext>
+                  </a:extLst>
+                </p14:cNvPr>
+                <p14:cNvContentPartPr/>
+                <p14:nvPr/>
+              </p14:nvContentPartPr>
+              <p14:xfrm>
+                <a:off x="6217860" y="2811540"/>
+                <a:ext cx="151200" cy="40680"/>
+              </p14:xfrm>
+            </p:contentPart>
+          </mc:Choice>
+          <mc:Fallback>
+            <p:pic>
+              <p:nvPicPr>
+                <p:cNvPr id="7" name="Ink 6">
+                  <a:extLst>
+                    <a:ext uri="{FF2B5EF4-FFF2-40B4-BE49-F238E27FC236}">
+                      <a16:creationId xmlns:a16="http://schemas.microsoft.com/office/drawing/2014/main" id="{08D20C0E-D3CA-46CB-B835-C47B65A261D6}"/>
+                    </a:ext>
+                  </a:extLst>
+                </p:cNvPr>
+                <p:cNvPicPr/>
+                <p:nvPr/>
+              </p:nvPicPr>
+              <p:blipFill>
+                <a:blip r:embed="rId8"/>
+                <a:stretch>
+                  <a:fillRect/>
+                </a:stretch>
+              </p:blipFill>
+              <p:spPr>
+                <a:xfrm>
+                  <a:off x="6211740" y="2805420"/>
+                  <a:ext cx="163440" cy="52920"/>
+                </a:xfrm>
+                <a:prstGeom prst="rect">
+                  <a:avLst/>
+                </a:prstGeom>
+              </p:spPr>
+            </p:pic>
+          </mc:Fallback>
+        </mc:AlternateContent>
+        <mc:AlternateContent xmlns:mc="http://schemas.openxmlformats.org/markup-compatibility/2006">
+          <mc:Choice xmlns:p14="http://schemas.microsoft.com/office/powerpoint/2010/main" Requires="p14">
+            <p:contentPart p14:bwMode="auto" r:id="rId9">
+              <p14:nvContentPartPr>
+                <p14:cNvPr id="8" name="Ink 7">
+                  <a:extLst>
+                    <a:ext uri="{FF2B5EF4-FFF2-40B4-BE49-F238E27FC236}">
+                      <a16:creationId xmlns:a16="http://schemas.microsoft.com/office/drawing/2014/main" id="{35916506-835B-345C-7B2A-89EEBAD94832}"/>
+                    </a:ext>
+                  </a:extLst>
+                </p14:cNvPr>
+                <p14:cNvContentPartPr/>
+                <p14:nvPr/>
+              </p14:nvContentPartPr>
+              <p14:xfrm>
+                <a:off x="6496500" y="2836380"/>
+                <a:ext cx="109080" cy="8640"/>
+              </p14:xfrm>
+            </p:contentPart>
+          </mc:Choice>
+          <mc:Fallback>
+            <p:pic>
+              <p:nvPicPr>
+                <p:cNvPr id="8" name="Ink 7">
+                  <a:extLst>
+                    <a:ext uri="{FF2B5EF4-FFF2-40B4-BE49-F238E27FC236}">
+                      <a16:creationId xmlns:a16="http://schemas.microsoft.com/office/drawing/2014/main" id="{35916506-835B-345C-7B2A-89EEBAD94832}"/>
+                    </a:ext>
+                  </a:extLst>
+                </p:cNvPr>
+                <p:cNvPicPr/>
+                <p:nvPr/>
+              </p:nvPicPr>
+              <p:blipFill>
+                <a:blip r:embed="rId10"/>
+                <a:stretch>
+                  <a:fillRect/>
+                </a:stretch>
+              </p:blipFill>
+              <p:spPr>
+                <a:xfrm>
+                  <a:off x="6490380" y="2830260"/>
+                  <a:ext cx="121320" cy="20880"/>
+                </a:xfrm>
+                <a:prstGeom prst="rect">
+                  <a:avLst/>
+                </a:prstGeom>
+              </p:spPr>
+            </p:pic>
+          </mc:Fallback>
+        </mc:AlternateContent>
+        <mc:AlternateContent xmlns:mc="http://schemas.openxmlformats.org/markup-compatibility/2006">
+          <mc:Choice xmlns:p14="http://schemas.microsoft.com/office/powerpoint/2010/main" Requires="p14">
+            <p:contentPart p14:bwMode="auto" r:id="rId11">
+              <p14:nvContentPartPr>
+                <p14:cNvPr id="9" name="Ink 8">
+                  <a:extLst>
+                    <a:ext uri="{FF2B5EF4-FFF2-40B4-BE49-F238E27FC236}">
+                      <a16:creationId xmlns:a16="http://schemas.microsoft.com/office/drawing/2014/main" id="{C7B79125-A4D6-8E72-1226-9E3B690E694C}"/>
+                    </a:ext>
+                  </a:extLst>
+                </p14:cNvPr>
+                <p14:cNvContentPartPr/>
+                <p14:nvPr/>
+              </p14:nvContentPartPr>
+              <p14:xfrm>
+                <a:off x="6724740" y="2739540"/>
+                <a:ext cx="120600" cy="146160"/>
+              </p14:xfrm>
+            </p:contentPart>
+          </mc:Choice>
+          <mc:Fallback>
+            <p:pic>
+              <p:nvPicPr>
+                <p:cNvPr id="9" name="Ink 8">
+                  <a:extLst>
+                    <a:ext uri="{FF2B5EF4-FFF2-40B4-BE49-F238E27FC236}">
+                      <a16:creationId xmlns:a16="http://schemas.microsoft.com/office/drawing/2014/main" id="{C7B79125-A4D6-8E72-1226-9E3B690E694C}"/>
+                    </a:ext>
+                  </a:extLst>
+                </p:cNvPr>
+                <p:cNvPicPr/>
+                <p:nvPr/>
+              </p:nvPicPr>
+              <p:blipFill>
+                <a:blip r:embed="rId12"/>
+                <a:stretch>
+                  <a:fillRect/>
+                </a:stretch>
+              </p:blipFill>
+              <p:spPr>
+                <a:xfrm>
+                  <a:off x="6718620" y="2733420"/>
+                  <a:ext cx="132840" cy="158400"/>
+                </a:xfrm>
+                <a:prstGeom prst="rect">
+                  <a:avLst/>
+                </a:prstGeom>
+              </p:spPr>
+            </p:pic>
+          </mc:Fallback>
+        </mc:AlternateContent>
+        <mc:AlternateContent xmlns:mc="http://schemas.openxmlformats.org/markup-compatibility/2006">
+          <mc:Choice xmlns:p14="http://schemas.microsoft.com/office/powerpoint/2010/main" Requires="p14">
+            <p:contentPart p14:bwMode="auto" r:id="rId13">
+              <p14:nvContentPartPr>
+                <p14:cNvPr id="10" name="Ink 9">
+                  <a:extLst>
+                    <a:ext uri="{FF2B5EF4-FFF2-40B4-BE49-F238E27FC236}">
+                      <a16:creationId xmlns:a16="http://schemas.microsoft.com/office/drawing/2014/main" id="{51207F87-D229-C576-2C91-6901A708B35A}"/>
+                    </a:ext>
+                  </a:extLst>
+                </p14:cNvPr>
+                <p14:cNvContentPartPr/>
+                <p14:nvPr/>
+              </p14:nvContentPartPr>
+              <p14:xfrm>
+                <a:off x="6875220" y="2743140"/>
+                <a:ext cx="117720" cy="160200"/>
+              </p14:xfrm>
+            </p:contentPart>
+          </mc:Choice>
+          <mc:Fallback>
+            <p:pic>
+              <p:nvPicPr>
+                <p:cNvPr id="10" name="Ink 9">
+                  <a:extLst>
+                    <a:ext uri="{FF2B5EF4-FFF2-40B4-BE49-F238E27FC236}">
+                      <a16:creationId xmlns:a16="http://schemas.microsoft.com/office/drawing/2014/main" id="{51207F87-D229-C576-2C91-6901A708B35A}"/>
+                    </a:ext>
+                  </a:extLst>
+                </p:cNvPr>
+                <p:cNvPicPr/>
+                <p:nvPr/>
+              </p:nvPicPr>
+              <p:blipFill>
+                <a:blip r:embed="rId14"/>
+                <a:stretch>
+                  <a:fillRect/>
+                </a:stretch>
+              </p:blipFill>
+              <p:spPr>
+                <a:xfrm>
+                  <a:off x="6869100" y="2737020"/>
+                  <a:ext cx="129960" cy="172440"/>
+                </a:xfrm>
+                <a:prstGeom prst="rect">
+                  <a:avLst/>
+                </a:prstGeom>
+              </p:spPr>
+            </p:pic>
+          </mc:Fallback>
+        </mc:AlternateContent>
+        <mc:AlternateContent xmlns:mc="http://schemas.openxmlformats.org/markup-compatibility/2006">
+          <mc:Choice xmlns:p14="http://schemas.microsoft.com/office/powerpoint/2010/main" Requires="p14">
+            <p:contentPart p14:bwMode="auto" r:id="rId15">
+              <p14:nvContentPartPr>
+                <p14:cNvPr id="11" name="Ink 10">
+                  <a:extLst>
+                    <a:ext uri="{FF2B5EF4-FFF2-40B4-BE49-F238E27FC236}">
+                      <a16:creationId xmlns:a16="http://schemas.microsoft.com/office/drawing/2014/main" id="{A3FE92CC-1FD3-8F71-3AA7-E5F3D2021B0F}"/>
+                    </a:ext>
+                  </a:extLst>
+                </p14:cNvPr>
+                <p14:cNvContentPartPr/>
+                <p14:nvPr/>
+              </p14:nvContentPartPr>
+              <p14:xfrm>
+                <a:off x="6920940" y="2858340"/>
+                <a:ext cx="93600" cy="17640"/>
+              </p14:xfrm>
+            </p:contentPart>
+          </mc:Choice>
+          <mc:Fallback>
+            <p:pic>
+              <p:nvPicPr>
+                <p:cNvPr id="11" name="Ink 10">
+                  <a:extLst>
+                    <a:ext uri="{FF2B5EF4-FFF2-40B4-BE49-F238E27FC236}">
+                      <a16:creationId xmlns:a16="http://schemas.microsoft.com/office/drawing/2014/main" id="{A3FE92CC-1FD3-8F71-3AA7-E5F3D2021B0F}"/>
+                    </a:ext>
+                  </a:extLst>
+                </p:cNvPr>
+                <p:cNvPicPr/>
+                <p:nvPr/>
+              </p:nvPicPr>
+              <p:blipFill>
+                <a:blip r:embed="rId16"/>
+                <a:stretch>
+                  <a:fillRect/>
+                </a:stretch>
+              </p:blipFill>
+              <p:spPr>
+                <a:xfrm>
+                  <a:off x="6914820" y="2852220"/>
+                  <a:ext cx="105840" cy="29880"/>
+                </a:xfrm>
+                <a:prstGeom prst="rect">
+                  <a:avLst/>
+                </a:prstGeom>
+              </p:spPr>
+            </p:pic>
+          </mc:Fallback>
+        </mc:AlternateContent>
+      </p:grpSp>
+      <mc:AlternateContent xmlns:mc="http://schemas.openxmlformats.org/markup-compatibility/2006">
+        <mc:Choice xmlns:p14="http://schemas.microsoft.com/office/powerpoint/2010/main" Requires="p14">
+          <p:contentPart p14:bwMode="auto" r:id="rId17">
+            <p14:nvContentPartPr>
+              <p14:cNvPr id="13" name="Ink 12">
+                <a:extLst>
+                  <a:ext uri="{FF2B5EF4-FFF2-40B4-BE49-F238E27FC236}">
+                    <a16:creationId xmlns:a16="http://schemas.microsoft.com/office/drawing/2014/main" id="{B14CA0F2-7E8A-A39B-2F69-99F067676B3E}"/>
+                  </a:ext>
+                </a:extLst>
+              </p14:cNvPr>
+              <p14:cNvContentPartPr/>
+              <p14:nvPr/>
+            </p14:nvContentPartPr>
+            <p14:xfrm>
+              <a:off x="6255660" y="2996940"/>
+              <a:ext cx="51120" cy="182160"/>
+            </p14:xfrm>
+          </p:contentPart>
+        </mc:Choice>
+        <mc:Fallback>
+          <p:pic>
+            <p:nvPicPr>
+              <p:cNvPr id="13" name="Ink 12">
+                <a:extLst>
+                  <a:ext uri="{FF2B5EF4-FFF2-40B4-BE49-F238E27FC236}">
+                    <a16:creationId xmlns:a16="http://schemas.microsoft.com/office/drawing/2014/main" id="{B14CA0F2-7E8A-A39B-2F69-99F067676B3E}"/>
+                  </a:ext>
+                </a:extLst>
+              </p:cNvPr>
+              <p:cNvPicPr/>
+              <p:nvPr/>
+            </p:nvPicPr>
+            <p:blipFill>
+              <a:blip r:embed="rId18"/>
+              <a:stretch>
+                <a:fillRect/>
+              </a:stretch>
+            </p:blipFill>
+            <p:spPr>
+              <a:xfrm>
+                <a:off x="6249540" y="2990820"/>
+                <a:ext cx="63360" cy="194400"/>
+              </a:xfrm>
+              <a:prstGeom prst="rect">
+                <a:avLst/>
+              </a:prstGeom>
+            </p:spPr>
+          </p:pic>
+        </mc:Fallback>
+      </mc:AlternateContent>
+      <mc:AlternateContent xmlns:mc="http://schemas.openxmlformats.org/markup-compatibility/2006">
+        <mc:Choice xmlns:p14="http://schemas.microsoft.com/office/powerpoint/2010/main" Requires="p14">
+          <p:contentPart p14:bwMode="auto" r:id="rId19">
+            <p14:nvContentPartPr>
+              <p14:cNvPr id="14" name="Ink 13">
+                <a:extLst>
+                  <a:ext uri="{FF2B5EF4-FFF2-40B4-BE49-F238E27FC236}">
+                    <a16:creationId xmlns:a16="http://schemas.microsoft.com/office/drawing/2014/main" id="{8B3D3863-5BC7-6134-37F2-DA6BC2F05350}"/>
+                  </a:ext>
+                </a:extLst>
+              </p14:cNvPr>
+              <p14:cNvContentPartPr/>
+              <p14:nvPr/>
+            </p14:nvContentPartPr>
+            <p14:xfrm>
+              <a:off x="6458340" y="3123660"/>
+              <a:ext cx="87120" cy="30960"/>
+            </p14:xfrm>
+          </p:contentPart>
+        </mc:Choice>
+        <mc:Fallback>
+          <p:pic>
+            <p:nvPicPr>
+              <p:cNvPr id="14" name="Ink 13">
+                <a:extLst>
+                  <a:ext uri="{FF2B5EF4-FFF2-40B4-BE49-F238E27FC236}">
+                    <a16:creationId xmlns:a16="http://schemas.microsoft.com/office/drawing/2014/main" id="{8B3D3863-5BC7-6134-37F2-DA6BC2F05350}"/>
+                  </a:ext>
+                </a:extLst>
+              </p:cNvPr>
+              <p:cNvPicPr/>
+              <p:nvPr/>
+            </p:nvPicPr>
+            <p:blipFill>
+              <a:blip r:embed="rId20"/>
+              <a:stretch>
+                <a:fillRect/>
+              </a:stretch>
+            </p:blipFill>
+            <p:spPr>
+              <a:xfrm>
+                <a:off x="6452220" y="3117540"/>
+                <a:ext cx="99360" cy="43200"/>
+              </a:xfrm>
+              <a:prstGeom prst="rect">
+                <a:avLst/>
+              </a:prstGeom>
+            </p:spPr>
+          </p:pic>
+        </mc:Fallback>
+      </mc:AlternateContent>
+      <p:grpSp>
+        <p:nvGrpSpPr>
+          <p:cNvPr id="18" name="Group 17">
+            <a:extLst>
+              <a:ext uri="{FF2B5EF4-FFF2-40B4-BE49-F238E27FC236}">
+                <a16:creationId xmlns:a16="http://schemas.microsoft.com/office/drawing/2014/main" id="{5121BB8F-169B-12C7-E519-AAB41FF1BE97}"/>
+              </a:ext>
+            </a:extLst>
+          </p:cNvPr>
+          <p:cNvGrpSpPr/>
+          <p:nvPr/>
+        </p:nvGrpSpPr>
+        <p:grpSpPr>
+          <a:xfrm>
+            <a:off x="6718260" y="3020340"/>
+            <a:ext cx="216360" cy="182880"/>
+            <a:chOff x="6718260" y="3020340"/>
+            <a:chExt cx="216360" cy="182880"/>
+          </a:xfrm>
+        </p:grpSpPr>
+        <mc:AlternateContent xmlns:mc="http://schemas.openxmlformats.org/markup-compatibility/2006">
+          <mc:Choice xmlns:p14="http://schemas.microsoft.com/office/powerpoint/2010/main" Requires="p14">
+            <p:contentPart p14:bwMode="auto" r:id="rId21">
+              <p14:nvContentPartPr>
+                <p14:cNvPr id="15" name="Ink 14">
+                  <a:extLst>
+                    <a:ext uri="{FF2B5EF4-FFF2-40B4-BE49-F238E27FC236}">
+                      <a16:creationId xmlns:a16="http://schemas.microsoft.com/office/drawing/2014/main" id="{B96CDECD-80E5-2224-B63F-53A1707423FE}"/>
+                    </a:ext>
+                  </a:extLst>
+                </p14:cNvPr>
+                <p14:cNvContentPartPr/>
+                <p14:nvPr/>
+              </p14:nvContentPartPr>
+              <p14:xfrm>
+                <a:off x="6718260" y="3045540"/>
+                <a:ext cx="72360" cy="50400"/>
+              </p14:xfrm>
+            </p:contentPart>
+          </mc:Choice>
+          <mc:Fallback>
+            <p:pic>
+              <p:nvPicPr>
+                <p:cNvPr id="15" name="Ink 14">
+                  <a:extLst>
+                    <a:ext uri="{FF2B5EF4-FFF2-40B4-BE49-F238E27FC236}">
+                      <a16:creationId xmlns:a16="http://schemas.microsoft.com/office/drawing/2014/main" id="{B96CDECD-80E5-2224-B63F-53A1707423FE}"/>
+                    </a:ext>
+                  </a:extLst>
+                </p:cNvPr>
+                <p:cNvPicPr/>
+                <p:nvPr/>
+              </p:nvPicPr>
+              <p:blipFill>
+                <a:blip r:embed="rId22"/>
+                <a:stretch>
+                  <a:fillRect/>
+                </a:stretch>
+              </p:blipFill>
+              <p:spPr>
+                <a:xfrm>
+                  <a:off x="6712140" y="3039420"/>
+                  <a:ext cx="84600" cy="62640"/>
+                </a:xfrm>
+                <a:prstGeom prst="rect">
+                  <a:avLst/>
+                </a:prstGeom>
+              </p:spPr>
+            </p:pic>
+          </mc:Fallback>
+        </mc:AlternateContent>
+        <mc:AlternateContent xmlns:mc="http://schemas.openxmlformats.org/markup-compatibility/2006">
+          <mc:Choice xmlns:p14="http://schemas.microsoft.com/office/powerpoint/2010/main" Requires="p14">
+            <p:contentPart p14:bwMode="auto" r:id="rId23">
+              <p14:nvContentPartPr>
+                <p14:cNvPr id="16" name="Ink 15">
+                  <a:extLst>
+                    <a:ext uri="{FF2B5EF4-FFF2-40B4-BE49-F238E27FC236}">
+                      <a16:creationId xmlns:a16="http://schemas.microsoft.com/office/drawing/2014/main" id="{057908D3-1DFF-193A-0F64-6B787C61ABE9}"/>
+                    </a:ext>
+                  </a:extLst>
+                </p14:cNvPr>
+                <p14:cNvContentPartPr/>
+                <p14:nvPr/>
+              </p14:nvContentPartPr>
+              <p14:xfrm>
+                <a:off x="6745260" y="3040860"/>
+                <a:ext cx="69840" cy="159480"/>
+              </p14:xfrm>
+            </p:contentPart>
+          </mc:Choice>
+          <mc:Fallback>
+            <p:pic>
+              <p:nvPicPr>
+                <p:cNvPr id="16" name="Ink 15">
+                  <a:extLst>
+                    <a:ext uri="{FF2B5EF4-FFF2-40B4-BE49-F238E27FC236}">
+                      <a16:creationId xmlns:a16="http://schemas.microsoft.com/office/drawing/2014/main" id="{057908D3-1DFF-193A-0F64-6B787C61ABE9}"/>
+                    </a:ext>
+                  </a:extLst>
+                </p:cNvPr>
+                <p:cNvPicPr/>
+                <p:nvPr/>
+              </p:nvPicPr>
+              <p:blipFill>
+                <a:blip r:embed="rId24"/>
+                <a:stretch>
+                  <a:fillRect/>
+                </a:stretch>
+              </p:blipFill>
+              <p:spPr>
+                <a:xfrm>
+                  <a:off x="6739140" y="3034740"/>
+                  <a:ext cx="82080" cy="171720"/>
+                </a:xfrm>
+                <a:prstGeom prst="rect">
+                  <a:avLst/>
+                </a:prstGeom>
+              </p:spPr>
+            </p:pic>
+          </mc:Fallback>
+        </mc:AlternateContent>
+        <mc:AlternateContent xmlns:mc="http://schemas.openxmlformats.org/markup-compatibility/2006">
+          <mc:Choice xmlns:p14="http://schemas.microsoft.com/office/powerpoint/2010/main" Requires="p14">
+            <p:contentPart p14:bwMode="auto" r:id="rId25">
+              <p14:nvContentPartPr>
+                <p14:cNvPr id="17" name="Ink 16">
+                  <a:extLst>
+                    <a:ext uri="{FF2B5EF4-FFF2-40B4-BE49-F238E27FC236}">
+                      <a16:creationId xmlns:a16="http://schemas.microsoft.com/office/drawing/2014/main" id="{BE66BBF9-333F-7023-176D-7D7E799DD92F}"/>
+                    </a:ext>
+                  </a:extLst>
+                </p14:cNvPr>
+                <p14:cNvContentPartPr/>
+                <p14:nvPr/>
+              </p14:nvContentPartPr>
+              <p14:xfrm>
+                <a:off x="6855420" y="3020340"/>
+                <a:ext cx="79200" cy="182880"/>
+              </p14:xfrm>
+            </p:contentPart>
+          </mc:Choice>
+          <mc:Fallback>
+            <p:pic>
+              <p:nvPicPr>
+                <p:cNvPr id="17" name="Ink 16">
+                  <a:extLst>
+                    <a:ext uri="{FF2B5EF4-FFF2-40B4-BE49-F238E27FC236}">
+                      <a16:creationId xmlns:a16="http://schemas.microsoft.com/office/drawing/2014/main" id="{BE66BBF9-333F-7023-176D-7D7E799DD92F}"/>
+                    </a:ext>
+                  </a:extLst>
+                </p:cNvPr>
+                <p:cNvPicPr/>
+                <p:nvPr/>
+              </p:nvPicPr>
+              <p:blipFill>
+                <a:blip r:embed="rId26"/>
+                <a:stretch>
+                  <a:fillRect/>
+                </a:stretch>
+              </p:blipFill>
+              <p:spPr>
+                <a:xfrm>
+                  <a:off x="6849300" y="3014220"/>
+                  <a:ext cx="91440" cy="195120"/>
+                </a:xfrm>
+                <a:prstGeom prst="rect">
+                  <a:avLst/>
+                </a:prstGeom>
+              </p:spPr>
+            </p:pic>
+          </mc:Fallback>
+        </mc:AlternateContent>
+      </p:grpSp>
+      <p:grpSp>
+        <p:nvGrpSpPr>
+          <p:cNvPr id="29" name="Group 28">
+            <a:extLst>
+              <a:ext uri="{FF2B5EF4-FFF2-40B4-BE49-F238E27FC236}">
+                <a16:creationId xmlns:a16="http://schemas.microsoft.com/office/drawing/2014/main" id="{EDB8F03B-0E40-A00B-6DA6-1C4909A7501F}"/>
+              </a:ext>
+            </a:extLst>
+          </p:cNvPr>
+          <p:cNvGrpSpPr/>
+          <p:nvPr/>
+        </p:nvGrpSpPr>
+        <p:grpSpPr>
+          <a:xfrm>
+            <a:off x="6769020" y="3306900"/>
+            <a:ext cx="317160" cy="235800"/>
+            <a:chOff x="6769020" y="3306900"/>
+            <a:chExt cx="317160" cy="235800"/>
+          </a:xfrm>
+        </p:grpSpPr>
+        <mc:AlternateContent xmlns:mc="http://schemas.openxmlformats.org/markup-compatibility/2006">
+          <mc:Choice xmlns:p14="http://schemas.microsoft.com/office/powerpoint/2010/main" Requires="p14">
+            <p:contentPart p14:bwMode="auto" r:id="rId27">
+              <p14:nvContentPartPr>
+                <p14:cNvPr id="26" name="Ink 25">
+                  <a:extLst>
+                    <a:ext uri="{FF2B5EF4-FFF2-40B4-BE49-F238E27FC236}">
+                      <a16:creationId xmlns:a16="http://schemas.microsoft.com/office/drawing/2014/main" id="{94CD8B1B-5AD0-3BC2-FEEB-4CCE78C7229B}"/>
+                    </a:ext>
+                  </a:extLst>
+                </p14:cNvPr>
+                <p14:cNvContentPartPr/>
+                <p14:nvPr/>
+              </p14:nvContentPartPr>
+              <p14:xfrm>
+                <a:off x="6769020" y="3306900"/>
+                <a:ext cx="99000" cy="209520"/>
+              </p14:xfrm>
+            </p:contentPart>
+          </mc:Choice>
+          <mc:Fallback>
+            <p:pic>
+              <p:nvPicPr>
+                <p:cNvPr id="26" name="Ink 25">
+                  <a:extLst>
+                    <a:ext uri="{FF2B5EF4-FFF2-40B4-BE49-F238E27FC236}">
+                      <a16:creationId xmlns:a16="http://schemas.microsoft.com/office/drawing/2014/main" id="{94CD8B1B-5AD0-3BC2-FEEB-4CCE78C7229B}"/>
+                    </a:ext>
+                  </a:extLst>
+                </p:cNvPr>
+                <p:cNvPicPr/>
+                <p:nvPr/>
+              </p:nvPicPr>
+              <p:blipFill>
+                <a:blip r:embed="rId28"/>
+                <a:stretch>
+                  <a:fillRect/>
+                </a:stretch>
+              </p:blipFill>
+              <p:spPr>
+                <a:xfrm>
+                  <a:off x="6762900" y="3300780"/>
+                  <a:ext cx="111240" cy="221760"/>
+                </a:xfrm>
+                <a:prstGeom prst="rect">
+                  <a:avLst/>
+                </a:prstGeom>
+              </p:spPr>
+            </p:pic>
+          </mc:Fallback>
+        </mc:AlternateContent>
+        <mc:AlternateContent xmlns:mc="http://schemas.openxmlformats.org/markup-compatibility/2006">
+          <mc:Choice xmlns:p14="http://schemas.microsoft.com/office/powerpoint/2010/main" Requires="p14">
+            <p:contentPart p14:bwMode="auto" r:id="rId29">
+              <p14:nvContentPartPr>
+                <p14:cNvPr id="27" name="Ink 26">
+                  <a:extLst>
+                    <a:ext uri="{FF2B5EF4-FFF2-40B4-BE49-F238E27FC236}">
+                      <a16:creationId xmlns:a16="http://schemas.microsoft.com/office/drawing/2014/main" id="{4489BE0E-3127-865C-3A81-A14C6312F9CE}"/>
+                    </a:ext>
+                  </a:extLst>
+                </p14:cNvPr>
+                <p14:cNvContentPartPr/>
+                <p14:nvPr/>
+              </p14:nvContentPartPr>
+              <p14:xfrm>
+                <a:off x="6939300" y="3331740"/>
+                <a:ext cx="104040" cy="210960"/>
+              </p14:xfrm>
+            </p:contentPart>
+          </mc:Choice>
+          <mc:Fallback>
+            <p:pic>
+              <p:nvPicPr>
+                <p:cNvPr id="27" name="Ink 26">
+                  <a:extLst>
+                    <a:ext uri="{FF2B5EF4-FFF2-40B4-BE49-F238E27FC236}">
+                      <a16:creationId xmlns:a16="http://schemas.microsoft.com/office/drawing/2014/main" id="{4489BE0E-3127-865C-3A81-A14C6312F9CE}"/>
+                    </a:ext>
+                  </a:extLst>
+                </p:cNvPr>
+                <p:cNvPicPr/>
+                <p:nvPr/>
+              </p:nvPicPr>
+              <p:blipFill>
+                <a:blip r:embed="rId30"/>
+                <a:stretch>
+                  <a:fillRect/>
+                </a:stretch>
+              </p:blipFill>
+              <p:spPr>
+                <a:xfrm>
+                  <a:off x="6933180" y="3325620"/>
+                  <a:ext cx="116280" cy="223200"/>
+                </a:xfrm>
+                <a:prstGeom prst="rect">
+                  <a:avLst/>
+                </a:prstGeom>
+              </p:spPr>
+            </p:pic>
+          </mc:Fallback>
+        </mc:AlternateContent>
+        <mc:AlternateContent xmlns:mc="http://schemas.openxmlformats.org/markup-compatibility/2006">
+          <mc:Choice xmlns:p14="http://schemas.microsoft.com/office/powerpoint/2010/main" Requires="p14">
+            <p:contentPart p14:bwMode="auto" r:id="rId31">
+              <p14:nvContentPartPr>
+                <p14:cNvPr id="28" name="Ink 27">
+                  <a:extLst>
+                    <a:ext uri="{FF2B5EF4-FFF2-40B4-BE49-F238E27FC236}">
+                      <a16:creationId xmlns:a16="http://schemas.microsoft.com/office/drawing/2014/main" id="{5099422C-0BB0-5958-803F-29D9822AF58D}"/>
+                    </a:ext>
+                  </a:extLst>
+                </p14:cNvPr>
+                <p14:cNvContentPartPr/>
+                <p14:nvPr/>
+              </p14:nvContentPartPr>
+              <p14:xfrm>
+                <a:off x="6945780" y="3455220"/>
+                <a:ext cx="140400" cy="40680"/>
+              </p14:xfrm>
+            </p:contentPart>
+          </mc:Choice>
+          <mc:Fallback>
+            <p:pic>
+              <p:nvPicPr>
+                <p:cNvPr id="28" name="Ink 27">
+                  <a:extLst>
+                    <a:ext uri="{FF2B5EF4-FFF2-40B4-BE49-F238E27FC236}">
+                      <a16:creationId xmlns:a16="http://schemas.microsoft.com/office/drawing/2014/main" id="{5099422C-0BB0-5958-803F-29D9822AF58D}"/>
+                    </a:ext>
+                  </a:extLst>
+                </p:cNvPr>
+                <p:cNvPicPr/>
+                <p:nvPr/>
+              </p:nvPicPr>
+              <p:blipFill>
+                <a:blip r:embed="rId32"/>
+                <a:stretch>
+                  <a:fillRect/>
+                </a:stretch>
+              </p:blipFill>
+              <p:spPr>
+                <a:xfrm>
+                  <a:off x="6939660" y="3449100"/>
+                  <a:ext cx="152640" cy="52920"/>
+                </a:xfrm>
+                <a:prstGeom prst="rect">
+                  <a:avLst/>
+                </a:prstGeom>
+              </p:spPr>
+            </p:pic>
+          </mc:Fallback>
+        </mc:AlternateContent>
+      </p:grpSp>
+      <mc:AlternateContent xmlns:mc="http://schemas.openxmlformats.org/markup-compatibility/2006">
+        <mc:Choice xmlns:p14="http://schemas.microsoft.com/office/powerpoint/2010/main" Requires="p14">
+          <p:contentPart p14:bwMode="auto" r:id="rId33">
+            <p14:nvContentPartPr>
+              <p14:cNvPr id="32" name="Ink 31">
+                <a:extLst>
+                  <a:ext uri="{FF2B5EF4-FFF2-40B4-BE49-F238E27FC236}">
+                    <a16:creationId xmlns:a16="http://schemas.microsoft.com/office/drawing/2014/main" id="{2DE538E6-FF47-1305-B0BE-7038BD8AF509}"/>
+                  </a:ext>
+                </a:extLst>
+              </p14:cNvPr>
+              <p14:cNvContentPartPr/>
+              <p14:nvPr/>
+            </p14:nvContentPartPr>
+            <p14:xfrm>
+              <a:off x="7486860" y="2880660"/>
+              <a:ext cx="360" cy="360"/>
+            </p14:xfrm>
+          </p:contentPart>
+        </mc:Choice>
+        <mc:Fallback>
+          <p:pic>
+            <p:nvPicPr>
+              <p:cNvPr id="32" name="Ink 31">
+                <a:extLst>
+                  <a:ext uri="{FF2B5EF4-FFF2-40B4-BE49-F238E27FC236}">
+                    <a16:creationId xmlns:a16="http://schemas.microsoft.com/office/drawing/2014/main" id="{2DE538E6-FF47-1305-B0BE-7038BD8AF509}"/>
+                  </a:ext>
+                </a:extLst>
+              </p:cNvPr>
+              <p:cNvPicPr/>
+              <p:nvPr/>
+            </p:nvPicPr>
+            <p:blipFill>
+              <a:blip r:embed="rId34"/>
+              <a:stretch>
+                <a:fillRect/>
+              </a:stretch>
+            </p:blipFill>
+            <p:spPr>
+              <a:xfrm>
+                <a:off x="7480740" y="2874540"/>
+                <a:ext cx="12600" cy="12600"/>
+              </a:xfrm>
+              <a:prstGeom prst="rect">
+                <a:avLst/>
+              </a:prstGeom>
+            </p:spPr>
+          </p:pic>
+        </mc:Fallback>
+      </mc:AlternateContent>
+      <p:grpSp>
+        <p:nvGrpSpPr>
+          <p:cNvPr id="41" name="Group 40">
+            <a:extLst>
+              <a:ext uri="{FF2B5EF4-FFF2-40B4-BE49-F238E27FC236}">
+                <a16:creationId xmlns:a16="http://schemas.microsoft.com/office/drawing/2014/main" id="{34083B29-328E-C6BA-2962-44DF5A508306}"/>
+              </a:ext>
+            </a:extLst>
+          </p:cNvPr>
+          <p:cNvGrpSpPr/>
+          <p:nvPr/>
+        </p:nvGrpSpPr>
+        <p:grpSpPr>
+          <a:xfrm>
+            <a:off x="6321900" y="3349020"/>
+            <a:ext cx="344160" cy="195480"/>
+            <a:chOff x="6321900" y="3349020"/>
+            <a:chExt cx="344160" cy="195480"/>
+          </a:xfrm>
+        </p:grpSpPr>
+        <mc:AlternateContent xmlns:mc="http://schemas.openxmlformats.org/markup-compatibility/2006">
+          <mc:Choice xmlns:p14="http://schemas.microsoft.com/office/powerpoint/2010/main" Requires="p14">
+            <p:contentPart p14:bwMode="auto" r:id="rId35">
+              <p14:nvContentPartPr>
+                <p14:cNvPr id="38" name="Ink 37">
+                  <a:extLst>
+                    <a:ext uri="{FF2B5EF4-FFF2-40B4-BE49-F238E27FC236}">
+                      <a16:creationId xmlns:a16="http://schemas.microsoft.com/office/drawing/2014/main" id="{19A37BBC-19CE-088A-55D4-35FFD82A29C7}"/>
+                    </a:ext>
+                  </a:extLst>
+                </p14:cNvPr>
+                <p14:cNvContentPartPr/>
+                <p14:nvPr/>
+              </p14:nvContentPartPr>
+              <p14:xfrm>
+                <a:off x="6322980" y="3349020"/>
+                <a:ext cx="92880" cy="90720"/>
+              </p14:xfrm>
+            </p:contentPart>
+          </mc:Choice>
+          <mc:Fallback>
+            <p:pic>
+              <p:nvPicPr>
+                <p:cNvPr id="38" name="Ink 37">
+                  <a:extLst>
+                    <a:ext uri="{FF2B5EF4-FFF2-40B4-BE49-F238E27FC236}">
+                      <a16:creationId xmlns:a16="http://schemas.microsoft.com/office/drawing/2014/main" id="{19A37BBC-19CE-088A-55D4-35FFD82A29C7}"/>
+                    </a:ext>
+                  </a:extLst>
+                </p:cNvPr>
+                <p:cNvPicPr/>
+                <p:nvPr/>
+              </p:nvPicPr>
+              <p:blipFill>
+                <a:blip r:embed="rId36"/>
+                <a:stretch>
+                  <a:fillRect/>
+                </a:stretch>
+              </p:blipFill>
+              <p:spPr>
+                <a:xfrm>
+                  <a:off x="6316860" y="3342900"/>
+                  <a:ext cx="105120" cy="102960"/>
+                </a:xfrm>
+                <a:prstGeom prst="rect">
+                  <a:avLst/>
+                </a:prstGeom>
+              </p:spPr>
+            </p:pic>
+          </mc:Fallback>
+        </mc:AlternateContent>
+        <mc:AlternateContent xmlns:mc="http://schemas.openxmlformats.org/markup-compatibility/2006">
+          <mc:Choice xmlns:p14="http://schemas.microsoft.com/office/powerpoint/2010/main" Requires="p14">
+            <p:contentPart p14:bwMode="auto" r:id="rId37">
+              <p14:nvContentPartPr>
+                <p14:cNvPr id="39" name="Ink 38">
+                  <a:extLst>
+                    <a:ext uri="{FF2B5EF4-FFF2-40B4-BE49-F238E27FC236}">
+                      <a16:creationId xmlns:a16="http://schemas.microsoft.com/office/drawing/2014/main" id="{A637F064-D74D-CB47-E4DD-46F794750DCC}"/>
+                    </a:ext>
+                  </a:extLst>
+                </p14:cNvPr>
+                <p14:cNvContentPartPr/>
+                <p14:nvPr/>
+              </p14:nvContentPartPr>
+              <p14:xfrm>
+                <a:off x="6321900" y="3361260"/>
+                <a:ext cx="107640" cy="183240"/>
+              </p14:xfrm>
+            </p:contentPart>
+          </mc:Choice>
+          <mc:Fallback>
+            <p:pic>
+              <p:nvPicPr>
+                <p:cNvPr id="39" name="Ink 38">
+                  <a:extLst>
+                    <a:ext uri="{FF2B5EF4-FFF2-40B4-BE49-F238E27FC236}">
+                      <a16:creationId xmlns:a16="http://schemas.microsoft.com/office/drawing/2014/main" id="{A637F064-D74D-CB47-E4DD-46F794750DCC}"/>
+                    </a:ext>
+                  </a:extLst>
+                </p:cNvPr>
+                <p:cNvPicPr/>
+                <p:nvPr/>
+              </p:nvPicPr>
+              <p:blipFill>
+                <a:blip r:embed="rId38"/>
+                <a:stretch>
+                  <a:fillRect/>
+                </a:stretch>
+              </p:blipFill>
+              <p:spPr>
+                <a:xfrm>
+                  <a:off x="6315780" y="3355140"/>
+                  <a:ext cx="119880" cy="195480"/>
+                </a:xfrm>
+                <a:prstGeom prst="rect">
+                  <a:avLst/>
+                </a:prstGeom>
+              </p:spPr>
+            </p:pic>
+          </mc:Fallback>
+        </mc:AlternateContent>
+        <mc:AlternateContent xmlns:mc="http://schemas.openxmlformats.org/markup-compatibility/2006">
+          <mc:Choice xmlns:p14="http://schemas.microsoft.com/office/powerpoint/2010/main" Requires="p14">
+            <p:contentPart p14:bwMode="auto" r:id="rId39">
+              <p14:nvContentPartPr>
+                <p14:cNvPr id="40" name="Ink 39">
+                  <a:extLst>
+                    <a:ext uri="{FF2B5EF4-FFF2-40B4-BE49-F238E27FC236}">
+                      <a16:creationId xmlns:a16="http://schemas.microsoft.com/office/drawing/2014/main" id="{2C1EC8C8-6440-79C0-49A3-71B9ED3C2486}"/>
+                    </a:ext>
+                  </a:extLst>
+                </p14:cNvPr>
+                <p14:cNvContentPartPr/>
+                <p14:nvPr/>
+              </p14:nvContentPartPr>
+              <p14:xfrm>
+                <a:off x="6521700" y="3451980"/>
+                <a:ext cx="144360" cy="32400"/>
+              </p14:xfrm>
+            </p:contentPart>
+          </mc:Choice>
+          <mc:Fallback>
+            <p:pic>
+              <p:nvPicPr>
+                <p:cNvPr id="40" name="Ink 39">
+                  <a:extLst>
+                    <a:ext uri="{FF2B5EF4-FFF2-40B4-BE49-F238E27FC236}">
+                      <a16:creationId xmlns:a16="http://schemas.microsoft.com/office/drawing/2014/main" id="{2C1EC8C8-6440-79C0-49A3-71B9ED3C2486}"/>
+                    </a:ext>
+                  </a:extLst>
+                </p:cNvPr>
+                <p:cNvPicPr/>
+                <p:nvPr/>
+              </p:nvPicPr>
+              <p:blipFill>
+                <a:blip r:embed="rId40"/>
+                <a:stretch>
+                  <a:fillRect/>
+                </a:stretch>
+              </p:blipFill>
+              <p:spPr>
+                <a:xfrm>
+                  <a:off x="6515580" y="3445860"/>
+                  <a:ext cx="156600" cy="44640"/>
+                </a:xfrm>
+                <a:prstGeom prst="rect">
+                  <a:avLst/>
+                </a:prstGeom>
+              </p:spPr>
+            </p:pic>
+          </mc:Fallback>
+        </mc:AlternateContent>
+      </p:grpSp>
+      <p:grpSp>
+        <p:nvGrpSpPr>
+          <p:cNvPr id="56" name="Group 55">
+            <a:extLst>
+              <a:ext uri="{FF2B5EF4-FFF2-40B4-BE49-F238E27FC236}">
+                <a16:creationId xmlns:a16="http://schemas.microsoft.com/office/drawing/2014/main" id="{F3162B82-1D44-BCCF-3D6A-48CBFCD8EF1E}"/>
+              </a:ext>
+            </a:extLst>
+          </p:cNvPr>
+          <p:cNvGrpSpPr/>
+          <p:nvPr/>
+        </p:nvGrpSpPr>
+        <p:grpSpPr>
+          <a:xfrm>
+            <a:off x="7768740" y="2848620"/>
+            <a:ext cx="257040" cy="165600"/>
+            <a:chOff x="7768740" y="2848620"/>
+            <a:chExt cx="257040" cy="165600"/>
+          </a:xfrm>
+        </p:grpSpPr>
+        <mc:AlternateContent xmlns:mc="http://schemas.openxmlformats.org/markup-compatibility/2006">
+          <mc:Choice xmlns:p14="http://schemas.microsoft.com/office/powerpoint/2010/main" Requires="p14">
+            <p:contentPart p14:bwMode="auto" r:id="rId41">
+              <p14:nvContentPartPr>
+                <p14:cNvPr id="54" name="Ink 53">
+                  <a:extLst>
+                    <a:ext uri="{FF2B5EF4-FFF2-40B4-BE49-F238E27FC236}">
+                      <a16:creationId xmlns:a16="http://schemas.microsoft.com/office/drawing/2014/main" id="{40903901-1821-B6ED-D8FE-34D3CEA48510}"/>
+                    </a:ext>
+                  </a:extLst>
+                </p14:cNvPr>
+                <p14:cNvContentPartPr/>
+                <p14:nvPr/>
+              </p14:nvContentPartPr>
+              <p14:xfrm>
+                <a:off x="7768740" y="2848620"/>
+                <a:ext cx="190440" cy="165600"/>
+              </p14:xfrm>
+            </p:contentPart>
+          </mc:Choice>
+          <mc:Fallback>
+            <p:pic>
+              <p:nvPicPr>
+                <p:cNvPr id="54" name="Ink 53">
+                  <a:extLst>
+                    <a:ext uri="{FF2B5EF4-FFF2-40B4-BE49-F238E27FC236}">
+                      <a16:creationId xmlns:a16="http://schemas.microsoft.com/office/drawing/2014/main" id="{40903901-1821-B6ED-D8FE-34D3CEA48510}"/>
+                    </a:ext>
+                  </a:extLst>
+                </p:cNvPr>
+                <p:cNvPicPr/>
+                <p:nvPr/>
+              </p:nvPicPr>
+              <p:blipFill>
+                <a:blip r:embed="rId42"/>
+                <a:stretch>
+                  <a:fillRect/>
+                </a:stretch>
+              </p:blipFill>
+              <p:spPr>
+                <a:xfrm>
+                  <a:off x="7762620" y="2842500"/>
+                  <a:ext cx="202680" cy="177840"/>
+                </a:xfrm>
+                <a:prstGeom prst="rect">
+                  <a:avLst/>
+                </a:prstGeom>
+              </p:spPr>
+            </p:pic>
+          </mc:Fallback>
+        </mc:AlternateContent>
+        <mc:AlternateContent xmlns:mc="http://schemas.openxmlformats.org/markup-compatibility/2006">
+          <mc:Choice xmlns:p14="http://schemas.microsoft.com/office/powerpoint/2010/main" Requires="p14">
+            <p:contentPart p14:bwMode="auto" r:id="rId43">
+              <p14:nvContentPartPr>
+                <p14:cNvPr id="55" name="Ink 54">
+                  <a:extLst>
+                    <a:ext uri="{FF2B5EF4-FFF2-40B4-BE49-F238E27FC236}">
+                      <a16:creationId xmlns:a16="http://schemas.microsoft.com/office/drawing/2014/main" id="{DA968294-2A0E-DE55-8A62-7B16B97D04C5}"/>
+                    </a:ext>
+                  </a:extLst>
+                </p14:cNvPr>
+                <p14:cNvContentPartPr/>
+                <p14:nvPr/>
+              </p14:nvContentPartPr>
+              <p14:xfrm>
+                <a:off x="7846500" y="2956980"/>
+                <a:ext cx="179280" cy="43920"/>
+              </p14:xfrm>
+            </p:contentPart>
+          </mc:Choice>
+          <mc:Fallback>
+            <p:pic>
+              <p:nvPicPr>
+                <p:cNvPr id="55" name="Ink 54">
+                  <a:extLst>
+                    <a:ext uri="{FF2B5EF4-FFF2-40B4-BE49-F238E27FC236}">
+                      <a16:creationId xmlns:a16="http://schemas.microsoft.com/office/drawing/2014/main" id="{DA968294-2A0E-DE55-8A62-7B16B97D04C5}"/>
+                    </a:ext>
+                  </a:extLst>
+                </p:cNvPr>
+                <p:cNvPicPr/>
+                <p:nvPr/>
+              </p:nvPicPr>
+              <p:blipFill>
+                <a:blip r:embed="rId44"/>
+                <a:stretch>
+                  <a:fillRect/>
+                </a:stretch>
+              </p:blipFill>
+              <p:spPr>
+                <a:xfrm>
+                  <a:off x="7840380" y="2950860"/>
+                  <a:ext cx="191520" cy="56160"/>
+                </a:xfrm>
+                <a:prstGeom prst="rect">
+                  <a:avLst/>
+                </a:prstGeom>
+              </p:spPr>
+            </p:pic>
+          </mc:Fallback>
+        </mc:AlternateContent>
+      </p:grpSp>
+      <p:grpSp>
+        <p:nvGrpSpPr>
+          <p:cNvPr id="62" name="Group 61">
+            <a:extLst>
+              <a:ext uri="{FF2B5EF4-FFF2-40B4-BE49-F238E27FC236}">
+                <a16:creationId xmlns:a16="http://schemas.microsoft.com/office/drawing/2014/main" id="{D6824C0E-CD72-24AF-49A7-403AB40A01E4}"/>
+              </a:ext>
+            </a:extLst>
+          </p:cNvPr>
+          <p:cNvGrpSpPr/>
+          <p:nvPr/>
+        </p:nvGrpSpPr>
+        <p:grpSpPr>
+          <a:xfrm>
+            <a:off x="8193900" y="2780220"/>
+            <a:ext cx="451080" cy="261000"/>
+            <a:chOff x="8193900" y="2780220"/>
+            <a:chExt cx="451080" cy="261000"/>
+          </a:xfrm>
+        </p:grpSpPr>
+        <mc:AlternateContent xmlns:mc="http://schemas.openxmlformats.org/markup-compatibility/2006">
+          <mc:Choice xmlns:p14="http://schemas.microsoft.com/office/powerpoint/2010/main" Requires="p14">
+            <p:contentPart p14:bwMode="auto" r:id="rId45">
+              <p14:nvContentPartPr>
+                <p14:cNvPr id="57" name="Ink 56">
+                  <a:extLst>
+                    <a:ext uri="{FF2B5EF4-FFF2-40B4-BE49-F238E27FC236}">
+                      <a16:creationId xmlns:a16="http://schemas.microsoft.com/office/drawing/2014/main" id="{70FA71F7-128F-71C1-89C5-2CD7C568B5FE}"/>
+                    </a:ext>
+                  </a:extLst>
+                </p14:cNvPr>
+                <p14:cNvContentPartPr/>
+                <p14:nvPr/>
+              </p14:nvContentPartPr>
+              <p14:xfrm>
+                <a:off x="8193900" y="2964540"/>
+                <a:ext cx="120240" cy="11880"/>
+              </p14:xfrm>
+            </p:contentPart>
+          </mc:Choice>
+          <mc:Fallback>
+            <p:pic>
+              <p:nvPicPr>
+                <p:cNvPr id="57" name="Ink 56">
+                  <a:extLst>
+                    <a:ext uri="{FF2B5EF4-FFF2-40B4-BE49-F238E27FC236}">
+                      <a16:creationId xmlns:a16="http://schemas.microsoft.com/office/drawing/2014/main" id="{70FA71F7-128F-71C1-89C5-2CD7C568B5FE}"/>
+                    </a:ext>
+                  </a:extLst>
+                </p:cNvPr>
+                <p:cNvPicPr/>
+                <p:nvPr/>
+              </p:nvPicPr>
+              <p:blipFill>
+                <a:blip r:embed="rId46"/>
+                <a:stretch>
+                  <a:fillRect/>
+                </a:stretch>
+              </p:blipFill>
+              <p:spPr>
+                <a:xfrm>
+                  <a:off x="8187780" y="2958420"/>
+                  <a:ext cx="132480" cy="24120"/>
+                </a:xfrm>
+                <a:prstGeom prst="rect">
+                  <a:avLst/>
+                </a:prstGeom>
+              </p:spPr>
+            </p:pic>
+          </mc:Fallback>
+        </mc:AlternateContent>
+        <mc:AlternateContent xmlns:mc="http://schemas.openxmlformats.org/markup-compatibility/2006">
+          <mc:Choice xmlns:p14="http://schemas.microsoft.com/office/powerpoint/2010/main" Requires="p14">
+            <p:contentPart p14:bwMode="auto" r:id="rId47">
+              <p14:nvContentPartPr>
+                <p14:cNvPr id="58" name="Ink 57">
+                  <a:extLst>
+                    <a:ext uri="{FF2B5EF4-FFF2-40B4-BE49-F238E27FC236}">
+                      <a16:creationId xmlns:a16="http://schemas.microsoft.com/office/drawing/2014/main" id="{BC01B8C3-3B29-3E5C-D71C-E48F9A265C44}"/>
+                    </a:ext>
+                  </a:extLst>
+                </p14:cNvPr>
+                <p14:cNvContentPartPr/>
+                <p14:nvPr/>
+              </p14:nvContentPartPr>
+              <p14:xfrm>
+                <a:off x="8242140" y="2899380"/>
+                <a:ext cx="46080" cy="141840"/>
+              </p14:xfrm>
+            </p:contentPart>
+          </mc:Choice>
+          <mc:Fallback>
+            <p:pic>
+              <p:nvPicPr>
+                <p:cNvPr id="58" name="Ink 57">
+                  <a:extLst>
+                    <a:ext uri="{FF2B5EF4-FFF2-40B4-BE49-F238E27FC236}">
+                      <a16:creationId xmlns:a16="http://schemas.microsoft.com/office/drawing/2014/main" id="{BC01B8C3-3B29-3E5C-D71C-E48F9A265C44}"/>
+                    </a:ext>
+                  </a:extLst>
+                </p:cNvPr>
+                <p:cNvPicPr/>
+                <p:nvPr/>
+              </p:nvPicPr>
+              <p:blipFill>
+                <a:blip r:embed="rId48"/>
+                <a:stretch>
+                  <a:fillRect/>
+                </a:stretch>
+              </p:blipFill>
+              <p:spPr>
+                <a:xfrm>
+                  <a:off x="8236020" y="2893260"/>
+                  <a:ext cx="58320" cy="154080"/>
+                </a:xfrm>
+                <a:prstGeom prst="rect">
+                  <a:avLst/>
+                </a:prstGeom>
+              </p:spPr>
+            </p:pic>
+          </mc:Fallback>
+        </mc:AlternateContent>
+        <mc:AlternateContent xmlns:mc="http://schemas.openxmlformats.org/markup-compatibility/2006">
+          <mc:Choice xmlns:p14="http://schemas.microsoft.com/office/powerpoint/2010/main" Requires="p14">
+            <p:contentPart p14:bwMode="auto" r:id="rId49">
+              <p14:nvContentPartPr>
+                <p14:cNvPr id="60" name="Ink 59">
+                  <a:extLst>
+                    <a:ext uri="{FF2B5EF4-FFF2-40B4-BE49-F238E27FC236}">
+                      <a16:creationId xmlns:a16="http://schemas.microsoft.com/office/drawing/2014/main" id="{3880DA7C-F51F-CAD2-0AD2-E7A86C90D251}"/>
+                    </a:ext>
+                  </a:extLst>
+                </p14:cNvPr>
+                <p14:cNvContentPartPr/>
+                <p14:nvPr/>
+              </p14:nvContentPartPr>
+              <p14:xfrm>
+                <a:off x="8406660" y="2895060"/>
+                <a:ext cx="126720" cy="140760"/>
+              </p14:xfrm>
+            </p:contentPart>
+          </mc:Choice>
+          <mc:Fallback>
+            <p:pic>
+              <p:nvPicPr>
+                <p:cNvPr id="60" name="Ink 59">
+                  <a:extLst>
+                    <a:ext uri="{FF2B5EF4-FFF2-40B4-BE49-F238E27FC236}">
+                      <a16:creationId xmlns:a16="http://schemas.microsoft.com/office/drawing/2014/main" id="{3880DA7C-F51F-CAD2-0AD2-E7A86C90D251}"/>
+                    </a:ext>
+                  </a:extLst>
+                </p:cNvPr>
+                <p:cNvPicPr/>
+                <p:nvPr/>
+              </p:nvPicPr>
+              <p:blipFill>
+                <a:blip r:embed="rId50"/>
+                <a:stretch>
+                  <a:fillRect/>
+                </a:stretch>
+              </p:blipFill>
+              <p:spPr>
+                <a:xfrm>
+                  <a:off x="8400540" y="2888940"/>
+                  <a:ext cx="138960" cy="153000"/>
+                </a:xfrm>
+                <a:prstGeom prst="rect">
+                  <a:avLst/>
+                </a:prstGeom>
+              </p:spPr>
+            </p:pic>
+          </mc:Fallback>
+        </mc:AlternateContent>
+        <mc:AlternateContent xmlns:mc="http://schemas.openxmlformats.org/markup-compatibility/2006">
+          <mc:Choice xmlns:p14="http://schemas.microsoft.com/office/powerpoint/2010/main" Requires="p14">
+            <p:contentPart p14:bwMode="auto" r:id="rId51">
+              <p14:nvContentPartPr>
+                <p14:cNvPr id="61" name="Ink 60">
+                  <a:extLst>
+                    <a:ext uri="{FF2B5EF4-FFF2-40B4-BE49-F238E27FC236}">
+                      <a16:creationId xmlns:a16="http://schemas.microsoft.com/office/drawing/2014/main" id="{DBCF6315-E2AC-2615-CA0E-536CEC078EA7}"/>
+                    </a:ext>
+                  </a:extLst>
+                </p14:cNvPr>
+                <p14:cNvContentPartPr/>
+                <p14:nvPr/>
+              </p14:nvContentPartPr>
+              <p14:xfrm>
+                <a:off x="8558940" y="2780220"/>
+                <a:ext cx="86040" cy="78480"/>
+              </p14:xfrm>
+            </p:contentPart>
+          </mc:Choice>
+          <mc:Fallback>
+            <p:pic>
+              <p:nvPicPr>
+                <p:cNvPr id="61" name="Ink 60">
+                  <a:extLst>
+                    <a:ext uri="{FF2B5EF4-FFF2-40B4-BE49-F238E27FC236}">
+                      <a16:creationId xmlns:a16="http://schemas.microsoft.com/office/drawing/2014/main" id="{DBCF6315-E2AC-2615-CA0E-536CEC078EA7}"/>
+                    </a:ext>
+                  </a:extLst>
+                </p:cNvPr>
+                <p:cNvPicPr/>
+                <p:nvPr/>
+              </p:nvPicPr>
+              <p:blipFill>
+                <a:blip r:embed="rId52"/>
+                <a:stretch>
+                  <a:fillRect/>
+                </a:stretch>
+              </p:blipFill>
+              <p:spPr>
+                <a:xfrm>
+                  <a:off x="8552820" y="2774100"/>
+                  <a:ext cx="98280" cy="90720"/>
+                </a:xfrm>
+                <a:prstGeom prst="rect">
+                  <a:avLst/>
+                </a:prstGeom>
+              </p:spPr>
+            </p:pic>
+          </mc:Fallback>
+        </mc:AlternateContent>
+      </p:grpSp>
+      <mc:AlternateContent xmlns:mc="http://schemas.openxmlformats.org/markup-compatibility/2006">
+        <mc:Choice xmlns:p14="http://schemas.microsoft.com/office/powerpoint/2010/main" Requires="p14">
+          <p:contentPart p14:bwMode="auto" r:id="rId53">
+            <p14:nvContentPartPr>
+              <p14:cNvPr id="63" name="Ink 62">
+                <a:extLst>
+                  <a:ext uri="{FF2B5EF4-FFF2-40B4-BE49-F238E27FC236}">
+                    <a16:creationId xmlns:a16="http://schemas.microsoft.com/office/drawing/2014/main" id="{CFDBA5BA-E996-C437-0027-BF4B766BD9D4}"/>
+                  </a:ext>
+                </a:extLst>
+              </p14:cNvPr>
+              <p14:cNvContentPartPr/>
+              <p14:nvPr/>
+            </p14:nvContentPartPr>
+            <p14:xfrm>
+              <a:off x="2491860" y="6281700"/>
+              <a:ext cx="534240" cy="519840"/>
+            </p14:xfrm>
+          </p:contentPart>
+        </mc:Choice>
+        <mc:Fallback>
+          <p:pic>
+            <p:nvPicPr>
+              <p:cNvPr id="63" name="Ink 62">
+                <a:extLst>
+                  <a:ext uri="{FF2B5EF4-FFF2-40B4-BE49-F238E27FC236}">
+                    <a16:creationId xmlns:a16="http://schemas.microsoft.com/office/drawing/2014/main" id="{CFDBA5BA-E996-C437-0027-BF4B766BD9D4}"/>
+                  </a:ext>
+                </a:extLst>
+              </p:cNvPr>
+              <p:cNvPicPr/>
+              <p:nvPr/>
+            </p:nvPicPr>
+            <p:blipFill>
+              <a:blip r:embed="rId54"/>
+              <a:stretch>
+                <a:fillRect/>
+              </a:stretch>
+            </p:blipFill>
+            <p:spPr>
+              <a:xfrm>
+                <a:off x="2485740" y="6275580"/>
+                <a:ext cx="546480" cy="532080"/>
+              </a:xfrm>
+              <a:prstGeom prst="rect">
+                <a:avLst/>
+              </a:prstGeom>
+            </p:spPr>
+          </p:pic>
+        </mc:Fallback>
+      </mc:AlternateContent>
     </p:spTree>
   </p:cSld>
   <p:clrMapOvr>
